--- a/Figure Generating/illustration_conclusion.pptx
+++ b/Figure Generating/illustration_conclusion.pptx
@@ -8,11 +8,11 @@
     <p:notesMasterId r:id="rId7"/>
   </p:notesMasterIdLst>
   <p:sldIdLst>
-    <p:sldId id="259" r:id="rId2"/>
-    <p:sldId id="260" r:id="rId3"/>
-    <p:sldId id="262" r:id="rId4"/>
-    <p:sldId id="261" r:id="rId5"/>
-    <p:sldId id="263" r:id="rId6"/>
+    <p:sldId id="262" r:id="rId2"/>
+    <p:sldId id="263" r:id="rId3"/>
+    <p:sldId id="256" r:id="rId4"/>
+    <p:sldId id="265" r:id="rId5"/>
+    <p:sldId id="266" r:id="rId6"/>
   </p:sldIdLst>
   <p:sldSz cx="9144000" cy="5143500" type="screen16x9"/>
   <p:notesSz cx="6858000" cy="9144000"/>
@@ -264,6 +264,470 @@
 </p:presentation>
 </file>
 
+<file path=ppt/ink/ink1.xml><?xml version="1.0" encoding="utf-8"?>
+<inkml:ink xmlns:inkml="http://www.w3.org/2003/InkML">
+  <inkml:definitions>
+    <inkml:context xml:id="ctx0">
+      <inkml:inkSource xml:id="inkSrc0">
+        <inkml:traceFormat>
+          <inkml:channel name="X" type="integer" min="-2.14748E9" max="2.14748E9" units="cm"/>
+          <inkml:channel name="Y" type="integer" min="-2.14748E9" max="2.14748E9" units="cm"/>
+        </inkml:traceFormat>
+        <inkml:channelProperties>
+          <inkml:channelProperty channel="X" name="resolution" value="1000" units="1/cm"/>
+          <inkml:channelProperty channel="Y" name="resolution" value="1000" units="1/cm"/>
+        </inkml:channelProperties>
+      </inkml:inkSource>
+      <inkml:timestamp xml:id="ts0" timeString="2021-12-02T08:03:33.212"/>
+    </inkml:context>
+    <inkml:brush xml:id="br0">
+      <inkml:brushProperty name="width" value="0.3" units="cm"/>
+      <inkml:brushProperty name="height" value="0.6" units="cm"/>
+      <inkml:brushProperty name="color" value="#33CCFF"/>
+      <inkml:brushProperty name="tip" value="rectangle"/>
+      <inkml:brushProperty name="rasterOp" value="maskPen"/>
+      <inkml:brushProperty name="ignorePressure" value="1"/>
+    </inkml:brush>
+  </inkml:definitions>
+  <inkml:trace contextRef="#ctx0" brushRef="#br0">0 0,'2091'0,"-2065"0</inkml:trace>
+</inkml:ink>
+</file>
+
+<file path=ppt/ink/ink10.xml><?xml version="1.0" encoding="utf-8"?>
+<inkml:ink xmlns:inkml="http://www.w3.org/2003/InkML">
+  <inkml:definitions>
+    <inkml:context xml:id="ctx0">
+      <inkml:inkSource xml:id="inkSrc0">
+        <inkml:traceFormat>
+          <inkml:channel name="X" type="integer" min="-2.14748E9" max="2.14748E9" units="cm"/>
+          <inkml:channel name="Y" type="integer" min="-2.14748E9" max="2.14748E9" units="cm"/>
+        </inkml:traceFormat>
+        <inkml:channelProperties>
+          <inkml:channelProperty channel="X" name="resolution" value="1000" units="1/cm"/>
+          <inkml:channelProperty channel="Y" name="resolution" value="1000" units="1/cm"/>
+        </inkml:channelProperties>
+      </inkml:inkSource>
+      <inkml:timestamp xml:id="ts0" timeString="2021-12-02T08:03:36.255"/>
+    </inkml:context>
+    <inkml:brush xml:id="br0">
+      <inkml:brushProperty name="width" value="0.3" units="cm"/>
+      <inkml:brushProperty name="height" value="0.6" units="cm"/>
+      <inkml:brushProperty name="color" value="#33CCFF"/>
+      <inkml:brushProperty name="tip" value="rectangle"/>
+      <inkml:brushProperty name="rasterOp" value="maskPen"/>
+      <inkml:brushProperty name="ignorePressure" value="1"/>
+    </inkml:brush>
+  </inkml:definitions>
+  <inkml:trace contextRef="#ctx0" brushRef="#br0">1 1,'1656'0,"-1635"0</inkml:trace>
+</inkml:ink>
+</file>
+
+<file path=ppt/ink/ink11.xml><?xml version="1.0" encoding="utf-8"?>
+<inkml:ink xmlns:inkml="http://www.w3.org/2003/InkML">
+  <inkml:definitions>
+    <inkml:context xml:id="ctx0">
+      <inkml:inkSource xml:id="inkSrc0">
+        <inkml:traceFormat>
+          <inkml:channel name="X" type="integer" min="-2.14748E9" max="2.14748E9" units="cm"/>
+          <inkml:channel name="Y" type="integer" min="-2.14748E9" max="2.14748E9" units="cm"/>
+        </inkml:traceFormat>
+        <inkml:channelProperties>
+          <inkml:channelProperty channel="X" name="resolution" value="1000" units="1/cm"/>
+          <inkml:channelProperty channel="Y" name="resolution" value="1000" units="1/cm"/>
+        </inkml:channelProperties>
+      </inkml:inkSource>
+      <inkml:timestamp xml:id="ts0" timeString="2021-12-02T08:03:38.334"/>
+    </inkml:context>
+    <inkml:brush xml:id="br0">
+      <inkml:brushProperty name="width" value="0.3" units="cm"/>
+      <inkml:brushProperty name="height" value="0.6" units="cm"/>
+      <inkml:brushProperty name="color" value="#33CCFF"/>
+      <inkml:brushProperty name="tip" value="rectangle"/>
+      <inkml:brushProperty name="rasterOp" value="maskPen"/>
+      <inkml:brushProperty name="ignorePressure" value="1"/>
+    </inkml:brush>
+  </inkml:definitions>
+  <inkml:trace contextRef="#ctx0" brushRef="#br0">0 1,'1566'0,"-1545"0</inkml:trace>
+</inkml:ink>
+</file>
+
+<file path=ppt/ink/ink12.xml><?xml version="1.0" encoding="utf-8"?>
+<inkml:ink xmlns:inkml="http://www.w3.org/2003/InkML">
+  <inkml:definitions>
+    <inkml:context xml:id="ctx0">
+      <inkml:inkSource xml:id="inkSrc0">
+        <inkml:traceFormat>
+          <inkml:channel name="X" type="integer" min="-2.14748E9" max="2.14748E9" units="cm"/>
+          <inkml:channel name="Y" type="integer" min="-2.14748E9" max="2.14748E9" units="cm"/>
+        </inkml:traceFormat>
+        <inkml:channelProperties>
+          <inkml:channelProperty channel="X" name="resolution" value="1000" units="1/cm"/>
+          <inkml:channelProperty channel="Y" name="resolution" value="1000" units="1/cm"/>
+        </inkml:channelProperties>
+      </inkml:inkSource>
+      <inkml:timestamp xml:id="ts0" timeString="2021-12-02T08:03:48.500"/>
+    </inkml:context>
+    <inkml:brush xml:id="br0">
+      <inkml:brushProperty name="width" value="0.3" units="cm"/>
+      <inkml:brushProperty name="height" value="0.6" units="cm"/>
+      <inkml:brushProperty name="color" value="#33CCFF"/>
+      <inkml:brushProperty name="tip" value="rectangle"/>
+      <inkml:brushProperty name="rasterOp" value="maskPen"/>
+      <inkml:brushProperty name="ignorePressure" value="1"/>
+    </inkml:brush>
+  </inkml:definitions>
+  <inkml:trace contextRef="#ctx0" brushRef="#br0">1 1,'980'0,"-967"0</inkml:trace>
+</inkml:ink>
+</file>
+
+<file path=ppt/ink/ink13.xml><?xml version="1.0" encoding="utf-8"?>
+<inkml:ink xmlns:inkml="http://www.w3.org/2003/InkML">
+  <inkml:definitions>
+    <inkml:context xml:id="ctx0">
+      <inkml:inkSource xml:id="inkSrc0">
+        <inkml:traceFormat>
+          <inkml:channel name="X" type="integer" min="-2.14748E9" max="2.14748E9" units="cm"/>
+          <inkml:channel name="Y" type="integer" min="-2.14748E9" max="2.14748E9" units="cm"/>
+        </inkml:traceFormat>
+        <inkml:channelProperties>
+          <inkml:channelProperty channel="X" name="resolution" value="1000" units="1/cm"/>
+          <inkml:channelProperty channel="Y" name="resolution" value="1000" units="1/cm"/>
+        </inkml:channelProperties>
+      </inkml:inkSource>
+      <inkml:timestamp xml:id="ts0" timeString="2021-12-02T08:04:58.816"/>
+    </inkml:context>
+    <inkml:brush xml:id="br0">
+      <inkml:brushProperty name="width" value="0.3" units="cm"/>
+      <inkml:brushProperty name="height" value="0.6" units="cm"/>
+      <inkml:brushProperty name="color" value="#33CCFF"/>
+      <inkml:brushProperty name="tip" value="rectangle"/>
+      <inkml:brushProperty name="rasterOp" value="maskPen"/>
+      <inkml:brushProperty name="ignorePressure" value="1"/>
+    </inkml:brush>
+  </inkml:definitions>
+  <inkml:trace contextRef="#ctx0" brushRef="#br0">1 1,'1361'0,"-1343"0</inkml:trace>
+</inkml:ink>
+</file>
+
+<file path=ppt/ink/ink14.xml><?xml version="1.0" encoding="utf-8"?>
+<inkml:ink xmlns:inkml="http://www.w3.org/2003/InkML">
+  <inkml:definitions>
+    <inkml:context xml:id="ctx0">
+      <inkml:inkSource xml:id="inkSrc0">
+        <inkml:traceFormat>
+          <inkml:channel name="X" type="integer" min="-2.14748E9" max="2.14748E9" units="cm"/>
+          <inkml:channel name="Y" type="integer" min="-2.14748E9" max="2.14748E9" units="cm"/>
+        </inkml:traceFormat>
+        <inkml:channelProperties>
+          <inkml:channelProperty channel="X" name="resolution" value="1000" units="1/cm"/>
+          <inkml:channelProperty channel="Y" name="resolution" value="1000" units="1/cm"/>
+        </inkml:channelProperties>
+      </inkml:inkSource>
+      <inkml:timestamp xml:id="ts0" timeString="2021-12-02T08:05:07.310"/>
+    </inkml:context>
+    <inkml:brush xml:id="br0">
+      <inkml:brushProperty name="width" value="0.3" units="cm"/>
+      <inkml:brushProperty name="height" value="0.6" units="cm"/>
+      <inkml:brushProperty name="color" value="#33CCFF"/>
+      <inkml:brushProperty name="tip" value="rectangle"/>
+      <inkml:brushProperty name="rasterOp" value="maskPen"/>
+      <inkml:brushProperty name="ignorePressure" value="1"/>
+    </inkml:brush>
+  </inkml:definitions>
+  <inkml:trace contextRef="#ctx0" brushRef="#br0">1 1,'1414'0,"-1395"0</inkml:trace>
+</inkml:ink>
+</file>
+
+<file path=ppt/ink/ink15.xml><?xml version="1.0" encoding="utf-8"?>
+<inkml:ink xmlns:inkml="http://www.w3.org/2003/InkML">
+  <inkml:definitions>
+    <inkml:context xml:id="ctx0">
+      <inkml:inkSource xml:id="inkSrc0">
+        <inkml:traceFormat>
+          <inkml:channel name="X" type="integer" min="-2.14748E9" max="2.14748E9" units="cm"/>
+          <inkml:channel name="Y" type="integer" min="-2.14748E9" max="2.14748E9" units="cm"/>
+        </inkml:traceFormat>
+        <inkml:channelProperties>
+          <inkml:channelProperty channel="X" name="resolution" value="1000" units="1/cm"/>
+          <inkml:channelProperty channel="Y" name="resolution" value="1000" units="1/cm"/>
+        </inkml:channelProperties>
+      </inkml:inkSource>
+      <inkml:timestamp xml:id="ts0" timeString="2021-12-02T08:06:24.616"/>
+    </inkml:context>
+    <inkml:brush xml:id="br0">
+      <inkml:brushProperty name="width" value="0.3" units="cm"/>
+      <inkml:brushProperty name="height" value="0.6" units="cm"/>
+      <inkml:brushProperty name="color" value="#66FFFF"/>
+      <inkml:brushProperty name="tip" value="rectangle"/>
+      <inkml:brushProperty name="rasterOp" value="maskPen"/>
+      <inkml:brushProperty name="ignorePressure" value="1"/>
+    </inkml:brush>
+  </inkml:definitions>
+  <inkml:trace contextRef="#ctx0" brushRef="#br0">1 0,'126'14,"608"-15,-558 14,124-13,-398 0,84 0</inkml:trace>
+</inkml:ink>
+</file>
+
+<file path=ppt/ink/ink16.xml><?xml version="1.0" encoding="utf-8"?>
+<inkml:ink xmlns:inkml="http://www.w3.org/2003/InkML">
+  <inkml:definitions>
+    <inkml:context xml:id="ctx0">
+      <inkml:inkSource xml:id="inkSrc0">
+        <inkml:traceFormat>
+          <inkml:channel name="X" type="integer" min="-2.14748E9" max="2.14748E9" units="cm"/>
+          <inkml:channel name="Y" type="integer" min="-2.14748E9" max="2.14748E9" units="cm"/>
+        </inkml:traceFormat>
+        <inkml:channelProperties>
+          <inkml:channelProperty channel="X" name="resolution" value="1000" units="1/cm"/>
+          <inkml:channelProperty channel="Y" name="resolution" value="1000" units="1/cm"/>
+        </inkml:channelProperties>
+      </inkml:inkSource>
+      <inkml:timestamp xml:id="ts0" timeString="2021-12-02T08:06:28.654"/>
+    </inkml:context>
+    <inkml:brush xml:id="br0">
+      <inkml:brushProperty name="width" value="0.3" units="cm"/>
+      <inkml:brushProperty name="height" value="0.6" units="cm"/>
+      <inkml:brushProperty name="color" value="#66FFFF"/>
+      <inkml:brushProperty name="tip" value="rectangle"/>
+      <inkml:brushProperty name="rasterOp" value="maskPen"/>
+      <inkml:brushProperty name="ignorePressure" value="1"/>
+    </inkml:brush>
+  </inkml:definitions>
+  <inkml:trace contextRef="#ctx0" brushRef="#br0">0 1,'706'0,"-697"0</inkml:trace>
+</inkml:ink>
+</file>
+
+<file path=ppt/ink/ink2.xml><?xml version="1.0" encoding="utf-8"?>
+<inkml:ink xmlns:inkml="http://www.w3.org/2003/InkML">
+  <inkml:definitions>
+    <inkml:context xml:id="ctx0">
+      <inkml:inkSource xml:id="inkSrc0">
+        <inkml:traceFormat>
+          <inkml:channel name="X" type="integer" min="-2.14748E9" max="2.14748E9" units="cm"/>
+          <inkml:channel name="Y" type="integer" min="-2.14748E9" max="2.14748E9" units="cm"/>
+        </inkml:traceFormat>
+        <inkml:channelProperties>
+          <inkml:channelProperty channel="X" name="resolution" value="1000" units="1/cm"/>
+          <inkml:channelProperty channel="Y" name="resolution" value="1000" units="1/cm"/>
+        </inkml:channelProperties>
+      </inkml:inkSource>
+      <inkml:timestamp xml:id="ts0" timeString="2021-12-02T08:03:36.255"/>
+    </inkml:context>
+    <inkml:brush xml:id="br0">
+      <inkml:brushProperty name="width" value="0.3" units="cm"/>
+      <inkml:brushProperty name="height" value="0.6" units="cm"/>
+      <inkml:brushProperty name="color" value="#33CCFF"/>
+      <inkml:brushProperty name="tip" value="rectangle"/>
+      <inkml:brushProperty name="rasterOp" value="maskPen"/>
+      <inkml:brushProperty name="ignorePressure" value="1"/>
+    </inkml:brush>
+  </inkml:definitions>
+  <inkml:trace contextRef="#ctx0" brushRef="#br0">1 1,'1656'0,"-1635"0</inkml:trace>
+</inkml:ink>
+</file>
+
+<file path=ppt/ink/ink3.xml><?xml version="1.0" encoding="utf-8"?>
+<inkml:ink xmlns:inkml="http://www.w3.org/2003/InkML">
+  <inkml:definitions>
+    <inkml:context xml:id="ctx0">
+      <inkml:inkSource xml:id="inkSrc0">
+        <inkml:traceFormat>
+          <inkml:channel name="X" type="integer" min="-2.14748E9" max="2.14748E9" units="cm"/>
+          <inkml:channel name="Y" type="integer" min="-2.14748E9" max="2.14748E9" units="cm"/>
+        </inkml:traceFormat>
+        <inkml:channelProperties>
+          <inkml:channelProperty channel="X" name="resolution" value="1000" units="1/cm"/>
+          <inkml:channelProperty channel="Y" name="resolution" value="1000" units="1/cm"/>
+        </inkml:channelProperties>
+      </inkml:inkSource>
+      <inkml:timestamp xml:id="ts0" timeString="2021-12-02T08:03:38.334"/>
+    </inkml:context>
+    <inkml:brush xml:id="br0">
+      <inkml:brushProperty name="width" value="0.3" units="cm"/>
+      <inkml:brushProperty name="height" value="0.6" units="cm"/>
+      <inkml:brushProperty name="color" value="#33CCFF"/>
+      <inkml:brushProperty name="tip" value="rectangle"/>
+      <inkml:brushProperty name="rasterOp" value="maskPen"/>
+      <inkml:brushProperty name="ignorePressure" value="1"/>
+    </inkml:brush>
+  </inkml:definitions>
+  <inkml:trace contextRef="#ctx0" brushRef="#br0">0 1,'1566'0,"-1545"0</inkml:trace>
+</inkml:ink>
+</file>
+
+<file path=ppt/ink/ink4.xml><?xml version="1.0" encoding="utf-8"?>
+<inkml:ink xmlns:inkml="http://www.w3.org/2003/InkML">
+  <inkml:definitions>
+    <inkml:context xml:id="ctx0">
+      <inkml:inkSource xml:id="inkSrc0">
+        <inkml:traceFormat>
+          <inkml:channel name="X" type="integer" min="-2.14748E9" max="2.14748E9" units="cm"/>
+          <inkml:channel name="Y" type="integer" min="-2.14748E9" max="2.14748E9" units="cm"/>
+        </inkml:traceFormat>
+        <inkml:channelProperties>
+          <inkml:channelProperty channel="X" name="resolution" value="1000" units="1/cm"/>
+          <inkml:channelProperty channel="Y" name="resolution" value="1000" units="1/cm"/>
+        </inkml:channelProperties>
+      </inkml:inkSource>
+      <inkml:timestamp xml:id="ts0" timeString="2021-12-02T08:03:48.500"/>
+    </inkml:context>
+    <inkml:brush xml:id="br0">
+      <inkml:brushProperty name="width" value="0.3" units="cm"/>
+      <inkml:brushProperty name="height" value="0.6" units="cm"/>
+      <inkml:brushProperty name="color" value="#33CCFF"/>
+      <inkml:brushProperty name="tip" value="rectangle"/>
+      <inkml:brushProperty name="rasterOp" value="maskPen"/>
+      <inkml:brushProperty name="ignorePressure" value="1"/>
+    </inkml:brush>
+  </inkml:definitions>
+  <inkml:trace contextRef="#ctx0" brushRef="#br0">1 1,'1656'0,"-1634"0</inkml:trace>
+</inkml:ink>
+</file>
+
+<file path=ppt/ink/ink5.xml><?xml version="1.0" encoding="utf-8"?>
+<inkml:ink xmlns:inkml="http://www.w3.org/2003/InkML">
+  <inkml:definitions>
+    <inkml:context xml:id="ctx0">
+      <inkml:inkSource xml:id="inkSrc0">
+        <inkml:traceFormat>
+          <inkml:channel name="X" type="integer" min="-2.14748E9" max="2.14748E9" units="cm"/>
+          <inkml:channel name="Y" type="integer" min="-2.14748E9" max="2.14748E9" units="cm"/>
+        </inkml:traceFormat>
+        <inkml:channelProperties>
+          <inkml:channelProperty channel="X" name="resolution" value="1000" units="1/cm"/>
+          <inkml:channelProperty channel="Y" name="resolution" value="1000" units="1/cm"/>
+        </inkml:channelProperties>
+      </inkml:inkSource>
+      <inkml:timestamp xml:id="ts0" timeString="2021-12-02T08:04:58.816"/>
+    </inkml:context>
+    <inkml:brush xml:id="br0">
+      <inkml:brushProperty name="width" value="0.3" units="cm"/>
+      <inkml:brushProperty name="height" value="0.6" units="cm"/>
+      <inkml:brushProperty name="color" value="#33CCFF"/>
+      <inkml:brushProperty name="tip" value="rectangle"/>
+      <inkml:brushProperty name="rasterOp" value="maskPen"/>
+      <inkml:brushProperty name="ignorePressure" value="1"/>
+    </inkml:brush>
+  </inkml:definitions>
+  <inkml:trace contextRef="#ctx0" brushRef="#br0">1 1,'1656'0,"-1634"0</inkml:trace>
+</inkml:ink>
+</file>
+
+<file path=ppt/ink/ink6.xml><?xml version="1.0" encoding="utf-8"?>
+<inkml:ink xmlns:inkml="http://www.w3.org/2003/InkML">
+  <inkml:definitions>
+    <inkml:context xml:id="ctx0">
+      <inkml:inkSource xml:id="inkSrc0">
+        <inkml:traceFormat>
+          <inkml:channel name="X" type="integer" min="-2.14748E9" max="2.14748E9" units="cm"/>
+          <inkml:channel name="Y" type="integer" min="-2.14748E9" max="2.14748E9" units="cm"/>
+        </inkml:traceFormat>
+        <inkml:channelProperties>
+          <inkml:channelProperty channel="X" name="resolution" value="1000" units="1/cm"/>
+          <inkml:channelProperty channel="Y" name="resolution" value="1000" units="1/cm"/>
+        </inkml:channelProperties>
+      </inkml:inkSource>
+      <inkml:timestamp xml:id="ts0" timeString="2021-12-02T08:05:07.310"/>
+    </inkml:context>
+    <inkml:brush xml:id="br0">
+      <inkml:brushProperty name="width" value="0.3" units="cm"/>
+      <inkml:brushProperty name="height" value="0.6" units="cm"/>
+      <inkml:brushProperty name="color" value="#33CCFF"/>
+      <inkml:brushProperty name="tip" value="rectangle"/>
+      <inkml:brushProperty name="rasterOp" value="maskPen"/>
+      <inkml:brushProperty name="ignorePressure" value="1"/>
+    </inkml:brush>
+  </inkml:definitions>
+  <inkml:trace contextRef="#ctx0" brushRef="#br0">1 1,'1414'0,"-1395"0</inkml:trace>
+</inkml:ink>
+</file>
+
+<file path=ppt/ink/ink7.xml><?xml version="1.0" encoding="utf-8"?>
+<inkml:ink xmlns:inkml="http://www.w3.org/2003/InkML">
+  <inkml:definitions>
+    <inkml:context xml:id="ctx0">
+      <inkml:inkSource xml:id="inkSrc0">
+        <inkml:traceFormat>
+          <inkml:channel name="X" type="integer" min="-2.14748E9" max="2.14748E9" units="cm"/>
+          <inkml:channel name="Y" type="integer" min="-2.14748E9" max="2.14748E9" units="cm"/>
+        </inkml:traceFormat>
+        <inkml:channelProperties>
+          <inkml:channelProperty channel="X" name="resolution" value="1000" units="1/cm"/>
+          <inkml:channelProperty channel="Y" name="resolution" value="1000" units="1/cm"/>
+        </inkml:channelProperties>
+      </inkml:inkSource>
+      <inkml:timestamp xml:id="ts0" timeString="2021-12-02T08:06:24.616"/>
+    </inkml:context>
+    <inkml:brush xml:id="br0">
+      <inkml:brushProperty name="width" value="0.3" units="cm"/>
+      <inkml:brushProperty name="height" value="0.6" units="cm"/>
+      <inkml:brushProperty name="color" value="#66FFFF"/>
+      <inkml:brushProperty name="tip" value="rectangle"/>
+      <inkml:brushProperty name="rasterOp" value="maskPen"/>
+      <inkml:brushProperty name="ignorePressure" value="1"/>
+    </inkml:brush>
+  </inkml:definitions>
+  <inkml:trace contextRef="#ctx0" brushRef="#br0">1 0,'126'14,"608"-15,-558 14,124-13,-398 0,84 0</inkml:trace>
+</inkml:ink>
+</file>
+
+<file path=ppt/ink/ink8.xml><?xml version="1.0" encoding="utf-8"?>
+<inkml:ink xmlns:inkml="http://www.w3.org/2003/InkML">
+  <inkml:definitions>
+    <inkml:context xml:id="ctx0">
+      <inkml:inkSource xml:id="inkSrc0">
+        <inkml:traceFormat>
+          <inkml:channel name="X" type="integer" min="-2.14748E9" max="2.14748E9" units="cm"/>
+          <inkml:channel name="Y" type="integer" min="-2.14748E9" max="2.14748E9" units="cm"/>
+        </inkml:traceFormat>
+        <inkml:channelProperties>
+          <inkml:channelProperty channel="X" name="resolution" value="1000" units="1/cm"/>
+          <inkml:channelProperty channel="Y" name="resolution" value="1000" units="1/cm"/>
+        </inkml:channelProperties>
+      </inkml:inkSource>
+      <inkml:timestamp xml:id="ts0" timeString="2021-12-02T08:06:28.654"/>
+    </inkml:context>
+    <inkml:brush xml:id="br0">
+      <inkml:brushProperty name="width" value="0.3" units="cm"/>
+      <inkml:brushProperty name="height" value="0.6" units="cm"/>
+      <inkml:brushProperty name="color" value="#66FFFF"/>
+      <inkml:brushProperty name="tip" value="rectangle"/>
+      <inkml:brushProperty name="rasterOp" value="maskPen"/>
+      <inkml:brushProperty name="ignorePressure" value="1"/>
+    </inkml:brush>
+  </inkml:definitions>
+  <inkml:trace contextRef="#ctx0" brushRef="#br0">0 1,'1221'0,"-1206"0</inkml:trace>
+</inkml:ink>
+</file>
+
+<file path=ppt/ink/ink9.xml><?xml version="1.0" encoding="utf-8"?>
+<inkml:ink xmlns:inkml="http://www.w3.org/2003/InkML">
+  <inkml:definitions>
+    <inkml:context xml:id="ctx0">
+      <inkml:inkSource xml:id="inkSrc0">
+        <inkml:traceFormat>
+          <inkml:channel name="X" type="integer" min="-2.14748E9" max="2.14748E9" units="cm"/>
+          <inkml:channel name="Y" type="integer" min="-2.14748E9" max="2.14748E9" units="cm"/>
+        </inkml:traceFormat>
+        <inkml:channelProperties>
+          <inkml:channelProperty channel="X" name="resolution" value="1000" units="1/cm"/>
+          <inkml:channelProperty channel="Y" name="resolution" value="1000" units="1/cm"/>
+        </inkml:channelProperties>
+      </inkml:inkSource>
+      <inkml:timestamp xml:id="ts0" timeString="2021-12-02T08:03:33.212"/>
+    </inkml:context>
+    <inkml:brush xml:id="br0">
+      <inkml:brushProperty name="width" value="0.3" units="cm"/>
+      <inkml:brushProperty name="height" value="0.6" units="cm"/>
+      <inkml:brushProperty name="color" value="#33CCFF"/>
+      <inkml:brushProperty name="tip" value="rectangle"/>
+      <inkml:brushProperty name="rasterOp" value="maskPen"/>
+      <inkml:brushProperty name="ignorePressure" value="1"/>
+    </inkml:brush>
+  </inkml:definitions>
+  <inkml:trace contextRef="#ctx0" brushRef="#br0">0 0,'2091'0,"-2065"0</inkml:trace>
+</inkml:ink>
+</file>
+
 <file path=ppt/notesMasters/notesMaster1.xml><?xml version="1.0" encoding="utf-8"?>
 <p:notesMaster xmlns:a="http://schemas.openxmlformats.org/drawingml/2006/main" xmlns:r="http://schemas.openxmlformats.org/officeDocument/2006/relationships" xmlns:p="http://schemas.openxmlformats.org/presentationml/2006/main">
   <p:cSld>
@@ -706,219 +1170,6 @@
 </file>
 
 <file path=ppt/notesSlides/notesSlide1.xml><?xml version="1.0" encoding="utf-8"?>
-<p:notes xmlns:a="http://schemas.openxmlformats.org/drawingml/2006/main" xmlns:r="http://schemas.openxmlformats.org/officeDocument/2006/relationships" xmlns:p="http://schemas.openxmlformats.org/presentationml/2006/main" showMasterSp="0" showMasterPhAnim="0">
-  <p:cSld>
-    <p:spTree>
-      <p:nvGrpSpPr>
-        <p:cNvPr id="1" name="Shape 80"/>
-        <p:cNvGrpSpPr/>
-        <p:nvPr/>
-      </p:nvGrpSpPr>
-      <p:grpSpPr>
-        <a:xfrm>
-          <a:off x="0" y="0"/>
-          <a:ext cx="0" cy="0"/>
-          <a:chOff x="0" y="0"/>
-          <a:chExt cx="0" cy="0"/>
-        </a:xfrm>
-      </p:grpSpPr>
-      <p:sp>
-        <p:nvSpPr>
-          <p:cNvPr id="81" name="Google Shape;81;ged2377cda1_0_0:notes"/>
-          <p:cNvSpPr>
-            <a:spLocks noGrp="1" noRot="1" noChangeAspect="1"/>
-          </p:cNvSpPr>
-          <p:nvPr>
-            <p:ph type="sldImg" idx="2"/>
-          </p:nvPr>
-        </p:nvSpPr>
-        <p:spPr>
-          <a:xfrm>
-            <a:off x="381000" y="685800"/>
-            <a:ext cx="6096000" cy="3429000"/>
-          </a:xfrm>
-          <a:custGeom>
-            <a:avLst/>
-            <a:gdLst/>
-            <a:ahLst/>
-            <a:cxnLst/>
-            <a:rect l="l" t="t" r="r" b="b"/>
-            <a:pathLst>
-              <a:path w="120000" h="120000" extrusionOk="0">
-                <a:moveTo>
-                  <a:pt x="0" y="0"/>
-                </a:moveTo>
-                <a:lnTo>
-                  <a:pt x="120000" y="0"/>
-                </a:lnTo>
-                <a:lnTo>
-                  <a:pt x="120000" y="120000"/>
-                </a:lnTo>
-                <a:lnTo>
-                  <a:pt x="0" y="120000"/>
-                </a:lnTo>
-                <a:close/>
-              </a:path>
-            </a:pathLst>
-          </a:custGeom>
-        </p:spPr>
-      </p:sp>
-      <p:sp>
-        <p:nvSpPr>
-          <p:cNvPr id="82" name="Google Shape;82;ged2377cda1_0_0:notes"/>
-          <p:cNvSpPr txBox="1">
-            <a:spLocks noGrp="1"/>
-          </p:cNvSpPr>
-          <p:nvPr>
-            <p:ph type="body" idx="1"/>
-          </p:nvPr>
-        </p:nvSpPr>
-        <p:spPr>
-          <a:xfrm>
-            <a:off x="685800" y="4343400"/>
-            <a:ext cx="5486400" cy="4114800"/>
-          </a:xfrm>
-          <a:prstGeom prst="rect">
-            <a:avLst/>
-          </a:prstGeom>
-        </p:spPr>
-        <p:txBody>
-          <a:bodyPr spcFirstLastPara="1" wrap="square" lIns="91425" tIns="91425" rIns="91425" bIns="91425" anchor="t" anchorCtr="0">
-            <a:noAutofit/>
-          </a:bodyPr>
-          <a:lstStyle/>
-          <a:p>
-            <a:pPr marL="0" lvl="0" indent="0" algn="l" rtl="0">
-              <a:spcBef>
-                <a:spcPts val="0"/>
-              </a:spcBef>
-              <a:spcAft>
-                <a:spcPts val="0"/>
-              </a:spcAft>
-              <a:buNone/>
-            </a:pPr>
-            <a:endParaRPr/>
-          </a:p>
-        </p:txBody>
-      </p:sp>
-    </p:spTree>
-  </p:cSld>
-  <p:clrMapOvr>
-    <a:masterClrMapping/>
-  </p:clrMapOvr>
-</p:notes>
-</file>
-
-<file path=ppt/notesSlides/notesSlide2.xml><?xml version="1.0" encoding="utf-8"?>
-<p:notes xmlns:a="http://schemas.openxmlformats.org/drawingml/2006/main" xmlns:r="http://schemas.openxmlformats.org/officeDocument/2006/relationships" xmlns:p="http://schemas.openxmlformats.org/presentationml/2006/main" showMasterSp="0" showMasterPhAnim="0">
-  <p:cSld>
-    <p:spTree>
-      <p:nvGrpSpPr>
-        <p:cNvPr id="1" name="Shape 80"/>
-        <p:cNvGrpSpPr/>
-        <p:nvPr/>
-      </p:nvGrpSpPr>
-      <p:grpSpPr>
-        <a:xfrm>
-          <a:off x="0" y="0"/>
-          <a:ext cx="0" cy="0"/>
-          <a:chOff x="0" y="0"/>
-          <a:chExt cx="0" cy="0"/>
-        </a:xfrm>
-      </p:grpSpPr>
-      <p:sp>
-        <p:nvSpPr>
-          <p:cNvPr id="81" name="Google Shape;81;ged2377cda1_0_0:notes"/>
-          <p:cNvSpPr>
-            <a:spLocks noGrp="1" noRot="1" noChangeAspect="1"/>
-          </p:cNvSpPr>
-          <p:nvPr>
-            <p:ph type="sldImg" idx="2"/>
-          </p:nvPr>
-        </p:nvSpPr>
-        <p:spPr>
-          <a:xfrm>
-            <a:off x="381000" y="685800"/>
-            <a:ext cx="6096000" cy="3429000"/>
-          </a:xfrm>
-          <a:custGeom>
-            <a:avLst/>
-            <a:gdLst/>
-            <a:ahLst/>
-            <a:cxnLst/>
-            <a:rect l="l" t="t" r="r" b="b"/>
-            <a:pathLst>
-              <a:path w="120000" h="120000" extrusionOk="0">
-                <a:moveTo>
-                  <a:pt x="0" y="0"/>
-                </a:moveTo>
-                <a:lnTo>
-                  <a:pt x="120000" y="0"/>
-                </a:lnTo>
-                <a:lnTo>
-                  <a:pt x="120000" y="120000"/>
-                </a:lnTo>
-                <a:lnTo>
-                  <a:pt x="0" y="120000"/>
-                </a:lnTo>
-                <a:close/>
-              </a:path>
-            </a:pathLst>
-          </a:custGeom>
-        </p:spPr>
-      </p:sp>
-      <p:sp>
-        <p:nvSpPr>
-          <p:cNvPr id="82" name="Google Shape;82;ged2377cda1_0_0:notes"/>
-          <p:cNvSpPr txBox="1">
-            <a:spLocks noGrp="1"/>
-          </p:cNvSpPr>
-          <p:nvPr>
-            <p:ph type="body" idx="1"/>
-          </p:nvPr>
-        </p:nvSpPr>
-        <p:spPr>
-          <a:xfrm>
-            <a:off x="685800" y="4343400"/>
-            <a:ext cx="5486400" cy="4114800"/>
-          </a:xfrm>
-          <a:prstGeom prst="rect">
-            <a:avLst/>
-          </a:prstGeom>
-        </p:spPr>
-        <p:txBody>
-          <a:bodyPr spcFirstLastPara="1" wrap="square" lIns="91425" tIns="91425" rIns="91425" bIns="91425" anchor="t" anchorCtr="0">
-            <a:noAutofit/>
-          </a:bodyPr>
-          <a:lstStyle/>
-          <a:p>
-            <a:pPr marL="0" lvl="0" indent="0" algn="l" rtl="0">
-              <a:spcBef>
-                <a:spcPts val="0"/>
-              </a:spcBef>
-              <a:spcAft>
-                <a:spcPts val="0"/>
-              </a:spcAft>
-              <a:buNone/>
-            </a:pPr>
-            <a:endParaRPr/>
-          </a:p>
-        </p:txBody>
-      </p:sp>
-    </p:spTree>
-    <p:extLst>
-      <p:ext uri="{BB962C8B-B14F-4D97-AF65-F5344CB8AC3E}">
-        <p14:creationId xmlns:p14="http://schemas.microsoft.com/office/powerpoint/2010/main" val="2025694093"/>
-      </p:ext>
-    </p:extLst>
-  </p:cSld>
-  <p:clrMapOvr>
-    <a:masterClrMapping/>
-  </p:clrMapOvr>
-</p:notes>
-</file>
-
-<file path=ppt/notesSlides/notesSlide3.xml><?xml version="1.0" encoding="utf-8"?>
 <p:notes xmlns:a="http://schemas.openxmlformats.org/drawingml/2006/main" xmlns:r="http://schemas.openxmlformats.org/officeDocument/2006/relationships" xmlns:p="http://schemas.openxmlformats.org/presentationml/2006/main" showMasterSp="0" showMasterPhAnim="0">
   <p:cSld>
     <p:spTree>
@@ -5430,1132 +5681,6 @@
           <a:chExt cx="0" cy="0"/>
         </a:xfrm>
       </p:grpSpPr>
-      <p:sp>
-        <p:nvSpPr>
-          <p:cNvPr id="84" name="Google Shape;84;p16"/>
-          <p:cNvSpPr/>
-          <p:nvPr/>
-        </p:nvSpPr>
-        <p:spPr>
-          <a:xfrm>
-            <a:off x="282800" y="895125"/>
-            <a:ext cx="2296200" cy="2895600"/>
-          </a:xfrm>
-          <a:prstGeom prst="roundRect">
-            <a:avLst>
-              <a:gd name="adj" fmla="val 16667"/>
-            </a:avLst>
-          </a:prstGeom>
-          <a:noFill/>
-          <a:ln w="76200" cap="flat" cmpd="sng">
-            <a:solidFill>
-              <a:srgbClr val="E69138"/>
-            </a:solidFill>
-            <a:prstDash val="solid"/>
-            <a:round/>
-            <a:headEnd type="none" w="sm" len="sm"/>
-            <a:tailEnd type="none" w="sm" len="sm"/>
-          </a:ln>
-        </p:spPr>
-        <p:txBody>
-          <a:bodyPr spcFirstLastPara="1" wrap="square" lIns="91425" tIns="91425" rIns="91425" bIns="91425" anchor="ctr" anchorCtr="0">
-            <a:noAutofit/>
-          </a:bodyPr>
-          <a:lstStyle/>
-          <a:p>
-            <a:pPr marL="0" lvl="0" indent="0" algn="l" rtl="0">
-              <a:spcBef>
-                <a:spcPts val="0"/>
-              </a:spcBef>
-              <a:spcAft>
-                <a:spcPts val="0"/>
-              </a:spcAft>
-              <a:buNone/>
-            </a:pPr>
-            <a:endParaRPr/>
-          </a:p>
-        </p:txBody>
-      </p:sp>
-      <p:sp>
-        <p:nvSpPr>
-          <p:cNvPr id="85" name="Google Shape;85;p16"/>
-          <p:cNvSpPr txBox="1"/>
-          <p:nvPr/>
-        </p:nvSpPr>
-        <p:spPr>
-          <a:xfrm>
-            <a:off x="329150" y="923250"/>
-            <a:ext cx="2203500" cy="615600"/>
-          </a:xfrm>
-          <a:prstGeom prst="rect">
-            <a:avLst/>
-          </a:prstGeom>
-          <a:noFill/>
-          <a:ln>
-            <a:noFill/>
-          </a:ln>
-        </p:spPr>
-        <p:txBody>
-          <a:bodyPr spcFirstLastPara="1" wrap="square" lIns="91425" tIns="91425" rIns="91425" bIns="91425" anchor="t" anchorCtr="0">
-            <a:spAutoFit/>
-          </a:bodyPr>
-          <a:lstStyle/>
-          <a:p>
-            <a:pPr marL="0" lvl="0" indent="0" algn="ctr" rtl="0">
-              <a:spcBef>
-                <a:spcPts val="0"/>
-              </a:spcBef>
-              <a:spcAft>
-                <a:spcPts val="0"/>
-              </a:spcAft>
-              <a:buNone/>
-            </a:pPr>
-            <a:r>
-              <a:rPr lang="en"/>
-              <a:t>Defense Mechanism Genes</a:t>
-            </a:r>
-            <a:endParaRPr/>
-          </a:p>
-        </p:txBody>
-      </p:sp>
-      <p:sp>
-        <p:nvSpPr>
-          <p:cNvPr id="86" name="Google Shape;86;p16"/>
-          <p:cNvSpPr txBox="1"/>
-          <p:nvPr/>
-        </p:nvSpPr>
-        <p:spPr>
-          <a:xfrm>
-            <a:off x="293550" y="2142813"/>
-            <a:ext cx="718200" cy="400200"/>
-          </a:xfrm>
-          <a:prstGeom prst="rect">
-            <a:avLst/>
-          </a:prstGeom>
-          <a:noFill/>
-          <a:ln>
-            <a:noFill/>
-          </a:ln>
-        </p:spPr>
-        <p:txBody>
-          <a:bodyPr spcFirstLastPara="1" wrap="square" lIns="91425" tIns="91425" rIns="91425" bIns="91425" anchor="t" anchorCtr="0">
-            <a:spAutoFit/>
-          </a:bodyPr>
-          <a:lstStyle/>
-          <a:p>
-            <a:pPr marL="0" lvl="0" indent="0" algn="l" rtl="0">
-              <a:spcBef>
-                <a:spcPts val="0"/>
-              </a:spcBef>
-              <a:spcAft>
-                <a:spcPts val="0"/>
-              </a:spcAft>
-              <a:buNone/>
-            </a:pPr>
-            <a:r>
-              <a:rPr lang="en"/>
-              <a:t>Biofilm</a:t>
-            </a:r>
-            <a:endParaRPr/>
-          </a:p>
-        </p:txBody>
-      </p:sp>
-      <p:sp>
-        <p:nvSpPr>
-          <p:cNvPr id="87" name="Google Shape;87;p16"/>
-          <p:cNvSpPr txBox="1"/>
-          <p:nvPr/>
-        </p:nvSpPr>
-        <p:spPr>
-          <a:xfrm>
-            <a:off x="1437025" y="2142813"/>
-            <a:ext cx="1221600" cy="400200"/>
-          </a:xfrm>
-          <a:prstGeom prst="rect">
-            <a:avLst/>
-          </a:prstGeom>
-          <a:noFill/>
-          <a:ln>
-            <a:noFill/>
-          </a:ln>
-        </p:spPr>
-        <p:txBody>
-          <a:bodyPr spcFirstLastPara="1" wrap="square" lIns="91425" tIns="91425" rIns="91425" bIns="91425" anchor="t" anchorCtr="0">
-            <a:spAutoFit/>
-          </a:bodyPr>
-          <a:lstStyle/>
-          <a:p>
-            <a:pPr marL="0" lvl="0" indent="0" algn="l" rtl="0">
-              <a:spcBef>
-                <a:spcPts val="0"/>
-              </a:spcBef>
-              <a:spcAft>
-                <a:spcPts val="0"/>
-              </a:spcAft>
-              <a:buNone/>
-            </a:pPr>
-            <a:r>
-              <a:rPr lang="en" dirty="0"/>
-              <a:t>Transposon</a:t>
-            </a:r>
-            <a:endParaRPr dirty="0"/>
-          </a:p>
-        </p:txBody>
-      </p:sp>
-      <p:cxnSp>
-        <p:nvCxnSpPr>
-          <p:cNvPr id="88" name="Google Shape;88;p16"/>
-          <p:cNvCxnSpPr/>
-          <p:nvPr/>
-        </p:nvCxnSpPr>
-        <p:spPr>
-          <a:xfrm rot="10800000">
-            <a:off x="1813400" y="1338788"/>
-            <a:ext cx="321600" cy="811200"/>
-          </a:xfrm>
-          <a:prstGeom prst="straightConnector1">
-            <a:avLst/>
-          </a:prstGeom>
-          <a:noFill/>
-          <a:ln w="9525" cap="flat" cmpd="sng">
-            <a:solidFill>
-              <a:schemeClr val="dk2"/>
-            </a:solidFill>
-            <a:prstDash val="solid"/>
-            <a:round/>
-            <a:headEnd type="none" w="med" len="med"/>
-            <a:tailEnd type="triangle" w="med" len="med"/>
-          </a:ln>
-        </p:spPr>
-      </p:cxnSp>
-      <p:cxnSp>
-        <p:nvCxnSpPr>
-          <p:cNvPr id="89" name="Google Shape;89;p16"/>
-          <p:cNvCxnSpPr/>
-          <p:nvPr/>
-        </p:nvCxnSpPr>
-        <p:spPr>
-          <a:xfrm flipH="1">
-            <a:off x="743350" y="1361900"/>
-            <a:ext cx="308400" cy="765000"/>
-          </a:xfrm>
-          <a:prstGeom prst="straightConnector1">
-            <a:avLst/>
-          </a:prstGeom>
-          <a:noFill/>
-          <a:ln w="9525" cap="flat" cmpd="sng">
-            <a:solidFill>
-              <a:schemeClr val="dk2"/>
-            </a:solidFill>
-            <a:prstDash val="solid"/>
-            <a:round/>
-            <a:headEnd type="none" w="med" len="med"/>
-            <a:tailEnd type="triangle" w="med" len="med"/>
-          </a:ln>
-        </p:spPr>
-      </p:cxnSp>
-      <p:cxnSp>
-        <p:nvCxnSpPr>
-          <p:cNvPr id="90" name="Google Shape;90;p16"/>
-          <p:cNvCxnSpPr>
-            <a:stCxn id="86" idx="3"/>
-            <a:endCxn id="87" idx="1"/>
-          </p:cNvCxnSpPr>
-          <p:nvPr/>
-        </p:nvCxnSpPr>
-        <p:spPr>
-          <a:xfrm>
-            <a:off x="1011750" y="2342913"/>
-            <a:ext cx="425400" cy="0"/>
-          </a:xfrm>
-          <a:prstGeom prst="straightConnector1">
-            <a:avLst/>
-          </a:prstGeom>
-          <a:noFill/>
-          <a:ln w="9525" cap="flat" cmpd="sng">
-            <a:solidFill>
-              <a:schemeClr val="dk2"/>
-            </a:solidFill>
-            <a:prstDash val="solid"/>
-            <a:round/>
-            <a:headEnd type="none" w="med" len="med"/>
-            <a:tailEnd type="triangle" w="med" len="med"/>
-          </a:ln>
-        </p:spPr>
-      </p:cxnSp>
-      <p:sp>
-        <p:nvSpPr>
-          <p:cNvPr id="91" name="Google Shape;91;p16"/>
-          <p:cNvSpPr txBox="1"/>
-          <p:nvPr/>
-        </p:nvSpPr>
-        <p:spPr>
-          <a:xfrm>
-            <a:off x="698219" y="3014342"/>
-            <a:ext cx="1465361" cy="776383"/>
-          </a:xfrm>
-          <a:prstGeom prst="roundRect">
-            <a:avLst/>
-          </a:prstGeom>
-          <a:noFill/>
-          <a:ln>
-            <a:solidFill>
-              <a:schemeClr val="accent4">
-                <a:lumMod val="75000"/>
-              </a:schemeClr>
-            </a:solidFill>
-          </a:ln>
-        </p:spPr>
-        <p:style>
-          <a:lnRef idx="2">
-            <a:schemeClr val="accent4"/>
-          </a:lnRef>
-          <a:fillRef idx="1">
-            <a:schemeClr val="lt1"/>
-          </a:fillRef>
-          <a:effectRef idx="0">
-            <a:schemeClr val="accent4"/>
-          </a:effectRef>
-          <a:fontRef idx="minor">
-            <a:schemeClr val="dk1"/>
-          </a:fontRef>
-        </p:style>
-        <p:txBody>
-          <a:bodyPr spcFirstLastPara="1" wrap="square" lIns="27432" tIns="27432" rIns="27432" bIns="27432" anchor="t" anchorCtr="0">
-            <a:spAutoFit/>
-          </a:bodyPr>
-          <a:lstStyle/>
-          <a:p>
-            <a:pPr marL="0" lvl="0" indent="0" algn="ctr" rtl="0">
-              <a:spcBef>
-                <a:spcPts val="0"/>
-              </a:spcBef>
-              <a:spcAft>
-                <a:spcPts val="0"/>
-              </a:spcAft>
-              <a:buClr>
-                <a:schemeClr val="dk1"/>
-              </a:buClr>
-              <a:buSzPts val="1100"/>
-              <a:buFont typeface="Arial"/>
-              <a:buNone/>
-            </a:pPr>
-            <a:r>
-              <a:rPr lang="en" dirty="0"/>
-              <a:t>A d</a:t>
-            </a:r>
-            <a:r>
-              <a:rPr lang="en" dirty="0">
-                <a:solidFill>
-                  <a:schemeClr val="dk1"/>
-                </a:solidFill>
-              </a:rPr>
-              <a:t>eep ocean</a:t>
-            </a:r>
-            <a:endParaRPr dirty="0"/>
-          </a:p>
-          <a:p>
-            <a:pPr marL="0" lvl="0" indent="0" algn="ctr" rtl="0">
-              <a:spcBef>
-                <a:spcPts val="0"/>
-              </a:spcBef>
-              <a:spcAft>
-                <a:spcPts val="0"/>
-              </a:spcAft>
-              <a:buNone/>
-            </a:pPr>
-            <a:r>
-              <a:rPr lang="en" dirty="0"/>
-              <a:t>particle-attached</a:t>
-            </a:r>
-            <a:endParaRPr dirty="0"/>
-          </a:p>
-          <a:p>
-            <a:pPr marL="0" lvl="0" indent="0" algn="ctr" rtl="0">
-              <a:spcBef>
-                <a:spcPts val="0"/>
-              </a:spcBef>
-              <a:spcAft>
-                <a:spcPts val="0"/>
-              </a:spcAft>
-              <a:buNone/>
-            </a:pPr>
-            <a:r>
-              <a:rPr lang="en" dirty="0"/>
-              <a:t>microbe</a:t>
-            </a:r>
-            <a:endParaRPr dirty="0"/>
-          </a:p>
-        </p:txBody>
-      </p:sp>
-      <p:sp>
-        <p:nvSpPr>
-          <p:cNvPr id="92" name="Google Shape;92;p16"/>
-          <p:cNvSpPr txBox="1"/>
-          <p:nvPr/>
-        </p:nvSpPr>
-        <p:spPr>
-          <a:xfrm>
-            <a:off x="743350" y="2342913"/>
-            <a:ext cx="1123500" cy="523200"/>
-          </a:xfrm>
-          <a:prstGeom prst="rect">
-            <a:avLst/>
-          </a:prstGeom>
-          <a:noFill/>
-          <a:ln>
-            <a:noFill/>
-          </a:ln>
-        </p:spPr>
-        <p:txBody>
-          <a:bodyPr spcFirstLastPara="1" wrap="square" lIns="91425" tIns="91425" rIns="91425" bIns="91425" anchor="t" anchorCtr="0">
-            <a:spAutoFit/>
-          </a:bodyPr>
-          <a:lstStyle/>
-          <a:p>
-            <a:pPr marL="0" lvl="0" indent="0" algn="l" rtl="0">
-              <a:spcBef>
-                <a:spcPts val="0"/>
-              </a:spcBef>
-              <a:spcAft>
-                <a:spcPts val="0"/>
-              </a:spcAft>
-              <a:buNone/>
-            </a:pPr>
-            <a:r>
-              <a:rPr lang="en" sz="1100" b="1">
-                <a:solidFill>
-                  <a:srgbClr val="B45F06"/>
-                </a:solidFill>
-              </a:rPr>
-              <a:t>facilitate the spread of</a:t>
-            </a:r>
-            <a:endParaRPr sz="1100" b="1">
-              <a:solidFill>
-                <a:srgbClr val="B45F06"/>
-              </a:solidFill>
-            </a:endParaRPr>
-          </a:p>
-        </p:txBody>
-      </p:sp>
-      <p:sp>
-        <p:nvSpPr>
-          <p:cNvPr id="93" name="Google Shape;93;p16"/>
-          <p:cNvSpPr txBox="1"/>
-          <p:nvPr/>
-        </p:nvSpPr>
-        <p:spPr>
-          <a:xfrm>
-            <a:off x="1907150" y="1526600"/>
-            <a:ext cx="718200" cy="354000"/>
-          </a:xfrm>
-          <a:prstGeom prst="rect">
-            <a:avLst/>
-          </a:prstGeom>
-          <a:noFill/>
-          <a:ln>
-            <a:noFill/>
-          </a:ln>
-        </p:spPr>
-        <p:txBody>
-          <a:bodyPr spcFirstLastPara="1" wrap="square" lIns="91425" tIns="91425" rIns="91425" bIns="91425" anchor="t" anchorCtr="0">
-            <a:spAutoFit/>
-          </a:bodyPr>
-          <a:lstStyle/>
-          <a:p>
-            <a:pPr marL="0" lvl="0" indent="0" algn="l" rtl="0">
-              <a:spcBef>
-                <a:spcPts val="0"/>
-              </a:spcBef>
-              <a:spcAft>
-                <a:spcPts val="0"/>
-              </a:spcAft>
-              <a:buNone/>
-            </a:pPr>
-            <a:r>
-              <a:rPr lang="en" sz="1100" b="1">
-                <a:solidFill>
-                  <a:srgbClr val="B45F06"/>
-                </a:solidFill>
-              </a:rPr>
-              <a:t>carries</a:t>
-            </a:r>
-            <a:endParaRPr sz="1100" b="1">
-              <a:solidFill>
-                <a:srgbClr val="B45F06"/>
-              </a:solidFill>
-            </a:endParaRPr>
-          </a:p>
-        </p:txBody>
-      </p:sp>
-      <p:sp>
-        <p:nvSpPr>
-          <p:cNvPr id="94" name="Google Shape;94;p16"/>
-          <p:cNvSpPr txBox="1"/>
-          <p:nvPr/>
-        </p:nvSpPr>
-        <p:spPr>
-          <a:xfrm>
-            <a:off x="286750" y="1482800"/>
-            <a:ext cx="1221600" cy="523200"/>
-          </a:xfrm>
-          <a:prstGeom prst="rect">
-            <a:avLst/>
-          </a:prstGeom>
-          <a:noFill/>
-          <a:ln>
-            <a:noFill/>
-          </a:ln>
-        </p:spPr>
-        <p:txBody>
-          <a:bodyPr spcFirstLastPara="1" wrap="square" lIns="91425" tIns="91425" rIns="91425" bIns="91425" anchor="t" anchorCtr="0">
-            <a:spAutoFit/>
-          </a:bodyPr>
-          <a:lstStyle/>
-          <a:p>
-            <a:pPr marL="0" lvl="0" indent="0" algn="ctr" rtl="0">
-              <a:spcBef>
-                <a:spcPts val="0"/>
-              </a:spcBef>
-              <a:spcAft>
-                <a:spcPts val="0"/>
-              </a:spcAft>
-              <a:buNone/>
-            </a:pPr>
-            <a:r>
-              <a:rPr lang="en" sz="1100" b="1">
-                <a:solidFill>
-                  <a:srgbClr val="B45F06"/>
-                </a:solidFill>
-              </a:rPr>
-              <a:t>helps competition on</a:t>
-            </a:r>
-            <a:endParaRPr sz="1100" b="1">
-              <a:solidFill>
-                <a:srgbClr val="B45F06"/>
-              </a:solidFill>
-            </a:endParaRPr>
-          </a:p>
-        </p:txBody>
-      </p:sp>
-    </p:spTree>
-  </p:cSld>
-  <p:clrMapOvr>
-    <a:masterClrMapping/>
-  </p:clrMapOvr>
-</p:sld>
-</file>
-
-<file path=ppt/slides/slide2.xml><?xml version="1.0" encoding="utf-8"?>
-<p:sld xmlns:a="http://schemas.openxmlformats.org/drawingml/2006/main" xmlns:r="http://schemas.openxmlformats.org/officeDocument/2006/relationships" xmlns:p="http://schemas.openxmlformats.org/presentationml/2006/main">
-  <p:cSld>
-    <p:spTree>
-      <p:nvGrpSpPr>
-        <p:cNvPr id="1" name="Shape 83"/>
-        <p:cNvGrpSpPr/>
-        <p:nvPr/>
-      </p:nvGrpSpPr>
-      <p:grpSpPr>
-        <a:xfrm>
-          <a:off x="0" y="0"/>
-          <a:ext cx="0" cy="0"/>
-          <a:chOff x="0" y="0"/>
-          <a:chExt cx="0" cy="0"/>
-        </a:xfrm>
-      </p:grpSpPr>
-      <p:sp>
-        <p:nvSpPr>
-          <p:cNvPr id="84" name="Google Shape;84;p16"/>
-          <p:cNvSpPr/>
-          <p:nvPr/>
-        </p:nvSpPr>
-        <p:spPr>
-          <a:xfrm>
-            <a:off x="270790" y="1108797"/>
-            <a:ext cx="2616409" cy="2534658"/>
-          </a:xfrm>
-          <a:prstGeom prst="roundRect">
-            <a:avLst>
-              <a:gd name="adj" fmla="val 16667"/>
-            </a:avLst>
-          </a:prstGeom>
-          <a:noFill/>
-          <a:ln w="76200" cap="flat" cmpd="sng">
-            <a:solidFill>
-              <a:srgbClr val="E69138"/>
-            </a:solidFill>
-            <a:prstDash val="solid"/>
-            <a:round/>
-            <a:headEnd type="none" w="sm" len="sm"/>
-            <a:tailEnd type="none" w="sm" len="sm"/>
-          </a:ln>
-        </p:spPr>
-        <p:txBody>
-          <a:bodyPr spcFirstLastPara="1" wrap="square" lIns="91425" tIns="91425" rIns="91425" bIns="91425" anchor="ctr" anchorCtr="0">
-            <a:noAutofit/>
-          </a:bodyPr>
-          <a:lstStyle/>
-          <a:p>
-            <a:pPr marL="0" lvl="0" indent="0" algn="l" rtl="0">
-              <a:spcBef>
-                <a:spcPts val="0"/>
-              </a:spcBef>
-              <a:spcAft>
-                <a:spcPts val="0"/>
-              </a:spcAft>
-              <a:buNone/>
-            </a:pPr>
-            <a:endParaRPr/>
-          </a:p>
-        </p:txBody>
-      </p:sp>
-      <p:sp>
-        <p:nvSpPr>
-          <p:cNvPr id="86" name="Google Shape;86;p16"/>
-          <p:cNvSpPr txBox="1"/>
-          <p:nvPr/>
-        </p:nvSpPr>
-        <p:spPr>
-          <a:xfrm>
-            <a:off x="293550" y="2398474"/>
-            <a:ext cx="866656" cy="400079"/>
-          </a:xfrm>
-          <a:prstGeom prst="rect">
-            <a:avLst/>
-          </a:prstGeom>
-          <a:noFill/>
-          <a:ln>
-            <a:noFill/>
-          </a:ln>
-        </p:spPr>
-        <p:txBody>
-          <a:bodyPr spcFirstLastPara="1" wrap="square" lIns="91425" tIns="91425" rIns="91425" bIns="91425" anchor="t" anchorCtr="0">
-            <a:spAutoFit/>
-          </a:bodyPr>
-          <a:lstStyle/>
-          <a:p>
-            <a:pPr marL="0" lvl="0" indent="0" algn="l" rtl="0">
-              <a:spcBef>
-                <a:spcPts val="0"/>
-              </a:spcBef>
-              <a:spcAft>
-                <a:spcPts val="0"/>
-              </a:spcAft>
-              <a:buNone/>
-            </a:pPr>
-            <a:r>
-              <a:rPr lang="en" b="1" dirty="0">
-                <a:solidFill>
-                  <a:srgbClr val="00B050"/>
-                </a:solidFill>
-              </a:rPr>
-              <a:t>Biofilm</a:t>
-            </a:r>
-            <a:endParaRPr b="1" dirty="0">
-              <a:solidFill>
-                <a:srgbClr val="00B050"/>
-              </a:solidFill>
-            </a:endParaRPr>
-          </a:p>
-        </p:txBody>
-      </p:sp>
-      <p:sp>
-        <p:nvSpPr>
-          <p:cNvPr id="87" name="Google Shape;87;p16"/>
-          <p:cNvSpPr txBox="1"/>
-          <p:nvPr/>
-        </p:nvSpPr>
-        <p:spPr>
-          <a:xfrm>
-            <a:off x="1590108" y="2398474"/>
-            <a:ext cx="1255100" cy="615523"/>
-          </a:xfrm>
-          <a:prstGeom prst="rect">
-            <a:avLst/>
-          </a:prstGeom>
-          <a:noFill/>
-          <a:ln>
-            <a:noFill/>
-          </a:ln>
-        </p:spPr>
-        <p:txBody>
-          <a:bodyPr spcFirstLastPara="1" wrap="square" lIns="91425" tIns="91425" rIns="91425" bIns="91425" anchor="t" anchorCtr="0">
-            <a:spAutoFit/>
-          </a:bodyPr>
-          <a:lstStyle/>
-          <a:p>
-            <a:pPr marL="0" lvl="0" indent="0" algn="r" rtl="0">
-              <a:spcBef>
-                <a:spcPts val="0"/>
-              </a:spcBef>
-              <a:spcAft>
-                <a:spcPts val="0"/>
-              </a:spcAft>
-              <a:buNone/>
-            </a:pPr>
-            <a:r>
-              <a:rPr lang="en" b="1" dirty="0">
-                <a:solidFill>
-                  <a:srgbClr val="FF0000"/>
-                </a:solidFill>
-              </a:rPr>
-              <a:t>Defense</a:t>
-            </a:r>
-          </a:p>
-          <a:p>
-            <a:pPr marL="0" lvl="0" indent="0" algn="r" rtl="0">
-              <a:spcBef>
-                <a:spcPts val="0"/>
-              </a:spcBef>
-              <a:spcAft>
-                <a:spcPts val="0"/>
-              </a:spcAft>
-              <a:buNone/>
-            </a:pPr>
-            <a:r>
-              <a:rPr lang="en" dirty="0">
-                <a:solidFill>
-                  <a:srgbClr val="FF0000"/>
-                </a:solidFill>
-              </a:rPr>
-              <a:t>mechanisms</a:t>
-            </a:r>
-            <a:endParaRPr dirty="0">
-              <a:solidFill>
-                <a:srgbClr val="FF0000"/>
-              </a:solidFill>
-            </a:endParaRPr>
-          </a:p>
-        </p:txBody>
-      </p:sp>
-      <p:cxnSp>
-        <p:nvCxnSpPr>
-          <p:cNvPr id="88" name="Google Shape;88;p16"/>
-          <p:cNvCxnSpPr>
-            <a:cxnSpLocks/>
-          </p:cNvCxnSpPr>
-          <p:nvPr/>
-        </p:nvCxnSpPr>
-        <p:spPr>
-          <a:xfrm>
-            <a:off x="1835357" y="1542993"/>
-            <a:ext cx="524999" cy="855481"/>
-          </a:xfrm>
-          <a:prstGeom prst="straightConnector1">
-            <a:avLst/>
-          </a:prstGeom>
-          <a:noFill/>
-          <a:ln w="28575" cap="flat" cmpd="sng">
-            <a:solidFill>
-              <a:schemeClr val="dk2"/>
-            </a:solidFill>
-            <a:prstDash val="solid"/>
-            <a:round/>
-            <a:headEnd type="none" w="med" len="med"/>
-            <a:tailEnd type="triangle" w="med" len="med"/>
-          </a:ln>
-        </p:spPr>
-      </p:cxnSp>
-      <p:cxnSp>
-        <p:nvCxnSpPr>
-          <p:cNvPr id="89" name="Google Shape;89;p16"/>
-          <p:cNvCxnSpPr>
-            <a:cxnSpLocks/>
-          </p:cNvCxnSpPr>
-          <p:nvPr/>
-        </p:nvCxnSpPr>
-        <p:spPr>
-          <a:xfrm flipV="1">
-            <a:off x="741467" y="1533759"/>
-            <a:ext cx="639413" cy="842966"/>
-          </a:xfrm>
-          <a:prstGeom prst="straightConnector1">
-            <a:avLst/>
-          </a:prstGeom>
-          <a:noFill/>
-          <a:ln w="28575" cap="flat" cmpd="sng">
-            <a:solidFill>
-              <a:schemeClr val="dk2"/>
-            </a:solidFill>
-            <a:prstDash val="solid"/>
-            <a:round/>
-            <a:headEnd type="none" w="med" len="med"/>
-            <a:tailEnd type="triangle" w="med" len="med"/>
-          </a:ln>
-        </p:spPr>
-      </p:cxnSp>
-      <p:cxnSp>
-        <p:nvCxnSpPr>
-          <p:cNvPr id="90" name="Google Shape;90;p16"/>
-          <p:cNvCxnSpPr>
-            <a:cxnSpLocks/>
-          </p:cNvCxnSpPr>
-          <p:nvPr/>
-        </p:nvCxnSpPr>
-        <p:spPr>
-          <a:xfrm flipH="1">
-            <a:off x="1060308" y="2605616"/>
-            <a:ext cx="908193" cy="0"/>
-          </a:xfrm>
-          <a:prstGeom prst="straightConnector1">
-            <a:avLst/>
-          </a:prstGeom>
-          <a:noFill/>
-          <a:ln w="28575" cap="flat" cmpd="sng">
-            <a:solidFill>
-              <a:schemeClr val="dk2"/>
-            </a:solidFill>
-            <a:prstDash val="solid"/>
-            <a:round/>
-            <a:headEnd type="none" w="med" len="med"/>
-            <a:tailEnd type="triangle" w="med" len="med"/>
-          </a:ln>
-        </p:spPr>
-      </p:cxnSp>
-      <p:sp>
-        <p:nvSpPr>
-          <p:cNvPr id="91" name="Google Shape;91;p16"/>
-          <p:cNvSpPr txBox="1"/>
-          <p:nvPr/>
-        </p:nvSpPr>
-        <p:spPr>
-          <a:xfrm>
-            <a:off x="609838" y="3042626"/>
-            <a:ext cx="1966752" cy="538020"/>
-          </a:xfrm>
-          <a:prstGeom prst="roundRect">
-            <a:avLst/>
-          </a:prstGeom>
-          <a:noFill/>
-          <a:ln>
-            <a:noFill/>
-          </a:ln>
-        </p:spPr>
-        <p:style>
-          <a:lnRef idx="2">
-            <a:schemeClr val="accent4"/>
-          </a:lnRef>
-          <a:fillRef idx="1">
-            <a:schemeClr val="lt1"/>
-          </a:fillRef>
-          <a:effectRef idx="0">
-            <a:schemeClr val="accent4"/>
-          </a:effectRef>
-          <a:fontRef idx="minor">
-            <a:schemeClr val="dk1"/>
-          </a:fontRef>
-        </p:style>
-        <p:txBody>
-          <a:bodyPr spcFirstLastPara="1" wrap="square" lIns="27432" tIns="27432" rIns="27432" bIns="27432" anchor="t" anchorCtr="0">
-            <a:spAutoFit/>
-          </a:bodyPr>
-          <a:lstStyle/>
-          <a:p>
-            <a:pPr marL="0" lvl="0" indent="0" algn="ctr" rtl="0">
-              <a:spcBef>
-                <a:spcPts val="0"/>
-              </a:spcBef>
-              <a:spcAft>
-                <a:spcPts val="0"/>
-              </a:spcAft>
-              <a:buClr>
-                <a:schemeClr val="dk1"/>
-              </a:buClr>
-              <a:buSzPts val="1100"/>
-              <a:buFont typeface="Arial"/>
-              <a:buNone/>
-            </a:pPr>
-            <a:r>
-              <a:rPr lang="en" dirty="0"/>
-              <a:t>a </a:t>
-            </a:r>
-            <a:r>
-              <a:rPr lang="en-US" dirty="0"/>
-              <a:t>particle-</a:t>
-            </a:r>
-            <a:r>
-              <a:rPr lang="en" dirty="0"/>
-              <a:t>attached,</a:t>
-            </a:r>
-            <a:endParaRPr lang="en-US" dirty="0"/>
-          </a:p>
-          <a:p>
-            <a:pPr marL="0" lvl="0" indent="0" algn="ctr" rtl="0">
-              <a:spcBef>
-                <a:spcPts val="0"/>
-              </a:spcBef>
-              <a:spcAft>
-                <a:spcPts val="0"/>
-              </a:spcAft>
-              <a:buNone/>
-            </a:pPr>
-            <a:r>
-              <a:rPr lang="en" dirty="0"/>
-              <a:t>d</a:t>
-            </a:r>
-            <a:r>
-              <a:rPr lang="en" dirty="0">
-                <a:solidFill>
-                  <a:schemeClr val="dk1"/>
-                </a:solidFill>
-              </a:rPr>
-              <a:t>eep ocean</a:t>
-            </a:r>
-            <a:r>
-              <a:rPr lang="en-US" dirty="0">
-                <a:solidFill>
-                  <a:schemeClr val="dk1"/>
-                </a:solidFill>
-              </a:rPr>
-              <a:t> </a:t>
-            </a:r>
-            <a:r>
-              <a:rPr lang="en-US" dirty="0"/>
-              <a:t>microbe</a:t>
-            </a:r>
-          </a:p>
-        </p:txBody>
-      </p:sp>
-      <p:sp>
-        <p:nvSpPr>
-          <p:cNvPr id="92" name="Google Shape;92;p16"/>
-          <p:cNvSpPr txBox="1"/>
-          <p:nvPr/>
-        </p:nvSpPr>
-        <p:spPr>
-          <a:xfrm>
-            <a:off x="293550" y="1605369"/>
-            <a:ext cx="866656" cy="400079"/>
-          </a:xfrm>
-          <a:prstGeom prst="rect">
-            <a:avLst/>
-          </a:prstGeom>
-          <a:noFill/>
-          <a:ln>
-            <a:noFill/>
-          </a:ln>
-        </p:spPr>
-        <p:txBody>
-          <a:bodyPr spcFirstLastPara="1" wrap="square" lIns="91425" tIns="91425" rIns="91425" bIns="91425" anchor="t" anchorCtr="0">
-            <a:spAutoFit/>
-          </a:bodyPr>
-          <a:lstStyle/>
-          <a:p>
-            <a:pPr marL="0" lvl="0" indent="0" algn="l" rtl="0">
-              <a:spcBef>
-                <a:spcPts val="0"/>
-              </a:spcBef>
-              <a:spcAft>
-                <a:spcPts val="0"/>
-              </a:spcAft>
-              <a:buNone/>
-            </a:pPr>
-            <a:r>
-              <a:rPr lang="en" b="1" dirty="0">
-                <a:solidFill>
-                  <a:srgbClr val="B45F06"/>
-                </a:solidFill>
-              </a:rPr>
-              <a:t>spreads</a:t>
-            </a:r>
-            <a:endParaRPr b="1" dirty="0">
-              <a:solidFill>
-                <a:srgbClr val="B45F06"/>
-              </a:solidFill>
-            </a:endParaRPr>
-          </a:p>
-        </p:txBody>
-      </p:sp>
-      <p:sp>
-        <p:nvSpPr>
-          <p:cNvPr id="93" name="Google Shape;93;p16"/>
-          <p:cNvSpPr txBox="1"/>
-          <p:nvPr/>
-        </p:nvSpPr>
-        <p:spPr>
-          <a:xfrm>
-            <a:off x="2023924" y="1605369"/>
-            <a:ext cx="789917" cy="400079"/>
-          </a:xfrm>
-          <a:prstGeom prst="rect">
-            <a:avLst/>
-          </a:prstGeom>
-          <a:noFill/>
-          <a:ln>
-            <a:noFill/>
-          </a:ln>
-        </p:spPr>
-        <p:txBody>
-          <a:bodyPr spcFirstLastPara="1" wrap="square" lIns="91425" tIns="91425" rIns="91425" bIns="91425" anchor="t" anchorCtr="0">
-            <a:spAutoFit/>
-          </a:bodyPr>
-          <a:lstStyle/>
-          <a:p>
-            <a:pPr marL="0" lvl="0" indent="0" algn="l" rtl="0">
-              <a:spcBef>
-                <a:spcPts val="0"/>
-              </a:spcBef>
-              <a:spcAft>
-                <a:spcPts val="0"/>
-              </a:spcAft>
-              <a:buNone/>
-            </a:pPr>
-            <a:r>
-              <a:rPr lang="en" b="1" dirty="0">
-                <a:solidFill>
-                  <a:srgbClr val="B45F06"/>
-                </a:solidFill>
-              </a:rPr>
-              <a:t>carries</a:t>
-            </a:r>
-            <a:endParaRPr b="1" dirty="0">
-              <a:solidFill>
-                <a:srgbClr val="B45F06"/>
-              </a:solidFill>
-            </a:endParaRPr>
-          </a:p>
-        </p:txBody>
-      </p:sp>
-      <p:sp>
-        <p:nvSpPr>
-          <p:cNvPr id="94" name="Google Shape;94;p16"/>
-          <p:cNvSpPr txBox="1"/>
-          <p:nvPr/>
-        </p:nvSpPr>
-        <p:spPr>
-          <a:xfrm>
-            <a:off x="874155" y="2157049"/>
-            <a:ext cx="1357582" cy="523190"/>
-          </a:xfrm>
-          <a:prstGeom prst="rect">
-            <a:avLst/>
-          </a:prstGeom>
-          <a:noFill/>
-          <a:ln>
-            <a:noFill/>
-          </a:ln>
-        </p:spPr>
-        <p:txBody>
-          <a:bodyPr spcFirstLastPara="1" wrap="square" lIns="91425" tIns="91425" rIns="91425" bIns="91425" anchor="t" anchorCtr="0">
-            <a:spAutoFit/>
-          </a:bodyPr>
-          <a:lstStyle/>
-          <a:p>
-            <a:pPr marL="0" lvl="0" indent="0" algn="ctr" rtl="0">
-              <a:spcBef>
-                <a:spcPts val="0"/>
-              </a:spcBef>
-              <a:spcAft>
-                <a:spcPts val="0"/>
-              </a:spcAft>
-              <a:buNone/>
-            </a:pPr>
-            <a:r>
-              <a:rPr lang="en" sz="1100" b="1" dirty="0">
-                <a:solidFill>
-                  <a:srgbClr val="B45F06"/>
-                </a:solidFill>
-              </a:rPr>
-              <a:t>helps competion, defense on</a:t>
-            </a:r>
-            <a:endParaRPr sz="1100" b="1" dirty="0">
-              <a:solidFill>
-                <a:srgbClr val="B45F06"/>
-              </a:solidFill>
-            </a:endParaRPr>
-          </a:p>
-        </p:txBody>
-      </p:sp>
-      <p:sp>
-        <p:nvSpPr>
-          <p:cNvPr id="22" name="Google Shape;85;p16">
-            <a:extLst>
-              <a:ext uri="{FF2B5EF4-FFF2-40B4-BE49-F238E27FC236}">
-                <a16:creationId xmlns:a16="http://schemas.microsoft.com/office/drawing/2014/main" id="{7B3E143E-5E39-4CA1-91FE-5EB3C5A75D11}"/>
-              </a:ext>
-            </a:extLst>
-          </p:cNvPr>
-          <p:cNvSpPr txBox="1"/>
-          <p:nvPr/>
-        </p:nvSpPr>
-        <p:spPr>
-          <a:xfrm>
-            <a:off x="491464" y="1125573"/>
-            <a:ext cx="2203500" cy="400079"/>
-          </a:xfrm>
-          <a:prstGeom prst="rect">
-            <a:avLst/>
-          </a:prstGeom>
-          <a:noFill/>
-          <a:ln>
-            <a:noFill/>
-          </a:ln>
-        </p:spPr>
-        <p:txBody>
-          <a:bodyPr spcFirstLastPara="1" wrap="square" lIns="91425" tIns="91425" rIns="91425" bIns="91425" anchor="t" anchorCtr="0">
-            <a:spAutoFit/>
-          </a:bodyPr>
-          <a:lstStyle/>
-          <a:p>
-            <a:pPr marL="0" lvl="0" indent="0" algn="ctr" rtl="0">
-              <a:spcBef>
-                <a:spcPts val="0"/>
-              </a:spcBef>
-              <a:spcAft>
-                <a:spcPts val="0"/>
-              </a:spcAft>
-              <a:buNone/>
-            </a:pPr>
-            <a:r>
-              <a:rPr lang="en" b="1" dirty="0">
-                <a:solidFill>
-                  <a:schemeClr val="accent1">
-                    <a:lumMod val="75000"/>
-                  </a:schemeClr>
-                </a:solidFill>
-              </a:rPr>
-              <a:t>Transposon</a:t>
-            </a:r>
-            <a:endParaRPr b="1" dirty="0">
-              <a:solidFill>
-                <a:schemeClr val="accent1">
-                  <a:lumMod val="75000"/>
-                </a:schemeClr>
-              </a:solidFill>
-            </a:endParaRPr>
-          </a:p>
-        </p:txBody>
-      </p:sp>
-    </p:spTree>
-    <p:extLst>
-      <p:ext uri="{BB962C8B-B14F-4D97-AF65-F5344CB8AC3E}">
-        <p14:creationId xmlns:p14="http://schemas.microsoft.com/office/powerpoint/2010/main" val="636080059"/>
-      </p:ext>
-    </p:extLst>
-  </p:cSld>
-  <p:clrMapOvr>
-    <a:masterClrMapping/>
-  </p:clrMapOvr>
-</p:sld>
-</file>
-
-<file path=ppt/slides/slide3.xml><?xml version="1.0" encoding="utf-8"?>
-<p:sld xmlns:a="http://schemas.openxmlformats.org/drawingml/2006/main" xmlns:r="http://schemas.openxmlformats.org/officeDocument/2006/relationships" xmlns:p="http://schemas.openxmlformats.org/presentationml/2006/main">
-  <p:cSld>
-    <p:spTree>
-      <p:nvGrpSpPr>
-        <p:cNvPr id="1" name="Shape 83"/>
-        <p:cNvGrpSpPr/>
-        <p:nvPr/>
-      </p:nvGrpSpPr>
-      <p:grpSpPr>
-        <a:xfrm>
-          <a:off x="0" y="0"/>
-          <a:ext cx="0" cy="0"/>
-          <a:chOff x="0" y="0"/>
-          <a:chExt cx="0" cy="0"/>
-        </a:xfrm>
-      </p:grpSpPr>
       <p:cxnSp>
         <p:nvCxnSpPr>
           <p:cNvPr id="36" name="Connector: Elbow 35">
@@ -7202,97 +6327,7 @@
 </p:sld>
 </file>
 
-<file path=ppt/slides/slide4.xml><?xml version="1.0" encoding="utf-8"?>
-<p:sld xmlns:a="http://schemas.openxmlformats.org/drawingml/2006/main" xmlns:r="http://schemas.openxmlformats.org/officeDocument/2006/relationships" xmlns:p="http://schemas.openxmlformats.org/presentationml/2006/main">
-  <p:cSld>
-    <p:spTree>
-      <p:nvGrpSpPr>
-        <p:cNvPr id="1" name=""/>
-        <p:cNvGrpSpPr/>
-        <p:nvPr/>
-      </p:nvGrpSpPr>
-      <p:grpSpPr>
-        <a:xfrm>
-          <a:off x="0" y="0"/>
-          <a:ext cx="0" cy="0"/>
-          <a:chOff x="0" y="0"/>
-          <a:chExt cx="0" cy="0"/>
-        </a:xfrm>
-      </p:grpSpPr>
-      <p:pic>
-        <p:nvPicPr>
-          <p:cNvPr id="48" name="Picture 47">
-            <a:extLst>
-              <a:ext uri="{FF2B5EF4-FFF2-40B4-BE49-F238E27FC236}">
-                <a16:creationId xmlns:a16="http://schemas.microsoft.com/office/drawing/2014/main" id="{FA789CA7-0549-41FD-898D-4A79935BB60B}"/>
-              </a:ext>
-            </a:extLst>
-          </p:cNvPr>
-          <p:cNvPicPr>
-            <a:picLocks noChangeAspect="1"/>
-          </p:cNvPicPr>
-          <p:nvPr/>
-        </p:nvPicPr>
-        <p:blipFill>
-          <a:blip r:embed="rId2"/>
-          <a:stretch>
-            <a:fillRect/>
-          </a:stretch>
-        </p:blipFill>
-        <p:spPr>
-          <a:xfrm>
-            <a:off x="2102906" y="167431"/>
-            <a:ext cx="4938188" cy="4808637"/>
-          </a:xfrm>
-          <a:prstGeom prst="rect">
-            <a:avLst/>
-          </a:prstGeom>
-        </p:spPr>
-      </p:pic>
-      <p:pic>
-        <p:nvPicPr>
-          <p:cNvPr id="5" name="Picture 4">
-            <a:extLst>
-              <a:ext uri="{FF2B5EF4-FFF2-40B4-BE49-F238E27FC236}">
-                <a16:creationId xmlns:a16="http://schemas.microsoft.com/office/drawing/2014/main" id="{70025AA0-B7C4-4C2D-8DDE-E68B6674AA9B}"/>
-              </a:ext>
-            </a:extLst>
-          </p:cNvPr>
-          <p:cNvPicPr>
-            <a:picLocks noChangeAspect="1"/>
-          </p:cNvPicPr>
-          <p:nvPr/>
-        </p:nvPicPr>
-        <p:blipFill>
-          <a:blip r:embed="rId3"/>
-          <a:stretch>
-            <a:fillRect/>
-          </a:stretch>
-        </p:blipFill>
-        <p:spPr>
-          <a:xfrm>
-            <a:off x="807812" y="605257"/>
-            <a:ext cx="190071" cy="193137"/>
-          </a:xfrm>
-          <a:prstGeom prst="rect">
-            <a:avLst/>
-          </a:prstGeom>
-        </p:spPr>
-      </p:pic>
-    </p:spTree>
-    <p:extLst>
-      <p:ext uri="{BB962C8B-B14F-4D97-AF65-F5344CB8AC3E}">
-        <p14:creationId xmlns:p14="http://schemas.microsoft.com/office/powerpoint/2010/main" val="4047624809"/>
-      </p:ext>
-    </p:extLst>
-  </p:cSld>
-  <p:clrMapOvr>
-    <a:masterClrMapping/>
-  </p:clrMapOvr>
-</p:sld>
-</file>
-
-<file path=ppt/slides/slide5.xml><?xml version="1.0" encoding="utf-8"?>
+<file path=ppt/slides/slide2.xml><?xml version="1.0" encoding="utf-8"?>
 <p:sld xmlns:a="http://schemas.openxmlformats.org/drawingml/2006/main" xmlns:r="http://schemas.openxmlformats.org/officeDocument/2006/relationships" xmlns:p="http://schemas.openxmlformats.org/presentationml/2006/main">
   <p:cSld>
     <p:spTree>
@@ -7402,6 +6437,1139 @@
     <p:extLst>
       <p:ext uri="{BB962C8B-B14F-4D97-AF65-F5344CB8AC3E}">
         <p14:creationId xmlns:p14="http://schemas.microsoft.com/office/powerpoint/2010/main" val="2012311000"/>
+      </p:ext>
+    </p:extLst>
+  </p:cSld>
+  <p:clrMapOvr>
+    <a:masterClrMapping/>
+  </p:clrMapOvr>
+</p:sld>
+</file>
+
+<file path=ppt/slides/slide3.xml><?xml version="1.0" encoding="utf-8"?>
+<p:sld xmlns:a="http://schemas.openxmlformats.org/drawingml/2006/main" xmlns:r="http://schemas.openxmlformats.org/officeDocument/2006/relationships" xmlns:p="http://schemas.openxmlformats.org/presentationml/2006/main">
+  <p:cSld>
+    <p:spTree>
+      <p:nvGrpSpPr>
+        <p:cNvPr id="1" name=""/>
+        <p:cNvGrpSpPr/>
+        <p:nvPr/>
+      </p:nvGrpSpPr>
+      <p:grpSpPr>
+        <a:xfrm>
+          <a:off x="0" y="0"/>
+          <a:ext cx="0" cy="0"/>
+          <a:chOff x="0" y="0"/>
+          <a:chExt cx="0" cy="0"/>
+        </a:xfrm>
+      </p:grpSpPr>
+      <p:pic>
+        <p:nvPicPr>
+          <p:cNvPr id="1026" name="Picture 2">
+            <a:extLst>
+              <a:ext uri="{FF2B5EF4-FFF2-40B4-BE49-F238E27FC236}">
+                <a16:creationId xmlns:a16="http://schemas.microsoft.com/office/drawing/2014/main" id="{5733F4CF-82DF-4B85-A33E-2D40CC68C865}"/>
+              </a:ext>
+            </a:extLst>
+          </p:cNvPr>
+          <p:cNvPicPr>
+            <a:picLocks noChangeAspect="1" noChangeArrowheads="1"/>
+          </p:cNvPicPr>
+          <p:nvPr/>
+        </p:nvPicPr>
+        <p:blipFill>
+          <a:blip r:embed="rId2">
+            <a:extLst>
+              <a:ext uri="{28A0092B-C50C-407E-A947-70E740481C1C}">
+                <a14:useLocalDpi xmlns:a14="http://schemas.microsoft.com/office/drawing/2010/main" val="0"/>
+              </a:ext>
+            </a:extLst>
+          </a:blip>
+          <a:srcRect/>
+          <a:stretch>
+            <a:fillRect/>
+          </a:stretch>
+        </p:blipFill>
+        <p:spPr bwMode="auto">
+          <a:xfrm>
+            <a:off x="1206018" y="3532045"/>
+            <a:ext cx="5968782" cy="1731330"/>
+          </a:xfrm>
+          <a:prstGeom prst="rect">
+            <a:avLst/>
+          </a:prstGeom>
+          <a:noFill/>
+          <a:extLst>
+            <a:ext uri="{909E8E84-426E-40DD-AFC4-6F175D3DCCD1}">
+              <a14:hiddenFill xmlns:a14="http://schemas.microsoft.com/office/drawing/2010/main">
+                <a:solidFill>
+                  <a:srgbClr val="FFFFFF"/>
+                </a:solidFill>
+              </a14:hiddenFill>
+            </a:ext>
+          </a:extLst>
+        </p:spPr>
+      </p:pic>
+      <p:pic>
+        <p:nvPicPr>
+          <p:cNvPr id="12" name="Picture 11">
+            <a:extLst>
+              <a:ext uri="{FF2B5EF4-FFF2-40B4-BE49-F238E27FC236}">
+                <a16:creationId xmlns:a16="http://schemas.microsoft.com/office/drawing/2014/main" id="{BA7013EA-BD65-48E1-A93C-977760A09120}"/>
+              </a:ext>
+            </a:extLst>
+          </p:cNvPr>
+          <p:cNvPicPr>
+            <a:picLocks noChangeAspect="1"/>
+          </p:cNvPicPr>
+          <p:nvPr/>
+        </p:nvPicPr>
+        <p:blipFill>
+          <a:blip r:embed="rId3"/>
+          <a:stretch>
+            <a:fillRect/>
+          </a:stretch>
+        </p:blipFill>
+        <p:spPr>
+          <a:xfrm>
+            <a:off x="4264383" y="36431"/>
+            <a:ext cx="2706433" cy="3213117"/>
+          </a:xfrm>
+          <a:prstGeom prst="rect">
+            <a:avLst/>
+          </a:prstGeom>
+        </p:spPr>
+      </p:pic>
+      <p:pic>
+        <p:nvPicPr>
+          <p:cNvPr id="22" name="Picture 21">
+            <a:extLst>
+              <a:ext uri="{FF2B5EF4-FFF2-40B4-BE49-F238E27FC236}">
+                <a16:creationId xmlns:a16="http://schemas.microsoft.com/office/drawing/2014/main" id="{17E120B9-D3E8-4312-9539-DDDBF8A3B9D6}"/>
+              </a:ext>
+            </a:extLst>
+          </p:cNvPr>
+          <p:cNvPicPr>
+            <a:picLocks noChangeAspect="1"/>
+          </p:cNvPicPr>
+          <p:nvPr/>
+        </p:nvPicPr>
+        <p:blipFill>
+          <a:blip r:embed="rId4"/>
+          <a:stretch>
+            <a:fillRect/>
+          </a:stretch>
+        </p:blipFill>
+        <p:spPr>
+          <a:xfrm>
+            <a:off x="1257037" y="1"/>
+            <a:ext cx="3007346" cy="3249548"/>
+          </a:xfrm>
+          <a:prstGeom prst="rect">
+            <a:avLst/>
+          </a:prstGeom>
+        </p:spPr>
+      </p:pic>
+      <mc:AlternateContent xmlns:mc="http://schemas.openxmlformats.org/markup-compatibility/2006">
+        <mc:Choice xmlns:p14="http://schemas.microsoft.com/office/powerpoint/2010/main" Requires="p14">
+          <p:contentPart p14:bwMode="auto" r:id="rId5">
+            <p14:nvContentPartPr>
+              <p14:cNvPr id="28" name="Ink 27">
+                <a:extLst>
+                  <a:ext uri="{FF2B5EF4-FFF2-40B4-BE49-F238E27FC236}">
+                    <a16:creationId xmlns:a16="http://schemas.microsoft.com/office/drawing/2014/main" id="{D2321326-E734-47F7-9CD3-8B99EBA57243}"/>
+                  </a:ext>
+                </a:extLst>
+              </p14:cNvPr>
+              <p14:cNvContentPartPr/>
+              <p14:nvPr/>
+            </p14:nvContentPartPr>
+            <p14:xfrm>
+              <a:off x="3254188" y="229692"/>
+              <a:ext cx="762502" cy="360"/>
+            </p14:xfrm>
+          </p:contentPart>
+        </mc:Choice>
+        <mc:Fallback>
+          <p:pic>
+            <p:nvPicPr>
+              <p:cNvPr id="28" name="Ink 27">
+                <a:extLst>
+                  <a:ext uri="{FF2B5EF4-FFF2-40B4-BE49-F238E27FC236}">
+                    <a16:creationId xmlns:a16="http://schemas.microsoft.com/office/drawing/2014/main" id="{D2321326-E734-47F7-9CD3-8B99EBA57243}"/>
+                  </a:ext>
+                </a:extLst>
+              </p:cNvPr>
+              <p:cNvPicPr/>
+              <p:nvPr/>
+            </p:nvPicPr>
+            <p:blipFill>
+              <a:blip r:embed="rId6"/>
+              <a:stretch>
+                <a:fillRect/>
+              </a:stretch>
+            </p:blipFill>
+            <p:spPr>
+              <a:xfrm>
+                <a:off x="3200161" y="121692"/>
+                <a:ext cx="870196" cy="216000"/>
+              </a:xfrm>
+              <a:prstGeom prst="rect">
+                <a:avLst/>
+              </a:prstGeom>
+            </p:spPr>
+          </p:pic>
+        </mc:Fallback>
+      </mc:AlternateContent>
+      <mc:AlternateContent xmlns:mc="http://schemas.openxmlformats.org/markup-compatibility/2006">
+        <mc:Choice xmlns:p14="http://schemas.microsoft.com/office/powerpoint/2010/main" Requires="p14">
+          <p:contentPart p14:bwMode="auto" r:id="rId7">
+            <p14:nvContentPartPr>
+              <p14:cNvPr id="29" name="Ink 28">
+                <a:extLst>
+                  <a:ext uri="{FF2B5EF4-FFF2-40B4-BE49-F238E27FC236}">
+                    <a16:creationId xmlns:a16="http://schemas.microsoft.com/office/drawing/2014/main" id="{030A0374-74B8-4601-BA72-445C5046FA6E}"/>
+                  </a:ext>
+                </a:extLst>
+              </p14:cNvPr>
+              <p14:cNvContentPartPr/>
+              <p14:nvPr/>
+            </p14:nvContentPartPr>
+            <p14:xfrm>
+              <a:off x="2108586" y="868473"/>
+              <a:ext cx="604440" cy="360"/>
+            </p14:xfrm>
+          </p:contentPart>
+        </mc:Choice>
+        <mc:Fallback>
+          <p:pic>
+            <p:nvPicPr>
+              <p:cNvPr id="29" name="Ink 28">
+                <a:extLst>
+                  <a:ext uri="{FF2B5EF4-FFF2-40B4-BE49-F238E27FC236}">
+                    <a16:creationId xmlns:a16="http://schemas.microsoft.com/office/drawing/2014/main" id="{030A0374-74B8-4601-BA72-445C5046FA6E}"/>
+                  </a:ext>
+                </a:extLst>
+              </p:cNvPr>
+              <p:cNvPicPr/>
+              <p:nvPr/>
+            </p:nvPicPr>
+            <p:blipFill>
+              <a:blip r:embed="rId8"/>
+              <a:stretch>
+                <a:fillRect/>
+              </a:stretch>
+            </p:blipFill>
+            <p:spPr>
+              <a:xfrm>
+                <a:off x="2054946" y="760833"/>
+                <a:ext cx="712080" cy="216000"/>
+              </a:xfrm>
+              <a:prstGeom prst="rect">
+                <a:avLst/>
+              </a:prstGeom>
+            </p:spPr>
+          </p:pic>
+        </mc:Fallback>
+      </mc:AlternateContent>
+      <mc:AlternateContent xmlns:mc="http://schemas.openxmlformats.org/markup-compatibility/2006">
+        <mc:Choice xmlns:p14="http://schemas.microsoft.com/office/powerpoint/2010/main" Requires="p14">
+          <p:contentPart p14:bwMode="auto" r:id="rId9">
+            <p14:nvContentPartPr>
+              <p14:cNvPr id="30" name="Ink 29">
+                <a:extLst>
+                  <a:ext uri="{FF2B5EF4-FFF2-40B4-BE49-F238E27FC236}">
+                    <a16:creationId xmlns:a16="http://schemas.microsoft.com/office/drawing/2014/main" id="{4B45943A-CB2B-4067-984E-6696092D0D9F}"/>
+                  </a:ext>
+                </a:extLst>
+              </p14:cNvPr>
+              <p14:cNvContentPartPr/>
+              <p14:nvPr/>
+            </p14:nvContentPartPr>
+            <p14:xfrm>
+              <a:off x="2926976" y="868473"/>
+              <a:ext cx="571514" cy="360"/>
+            </p14:xfrm>
+          </p:contentPart>
+        </mc:Choice>
+        <mc:Fallback>
+          <p:pic>
+            <p:nvPicPr>
+              <p:cNvPr id="30" name="Ink 29">
+                <a:extLst>
+                  <a:ext uri="{FF2B5EF4-FFF2-40B4-BE49-F238E27FC236}">
+                    <a16:creationId xmlns:a16="http://schemas.microsoft.com/office/drawing/2014/main" id="{4B45943A-CB2B-4067-984E-6696092D0D9F}"/>
+                  </a:ext>
+                </a:extLst>
+              </p:cNvPr>
+              <p:cNvPicPr/>
+              <p:nvPr/>
+            </p:nvPicPr>
+            <p:blipFill>
+              <a:blip r:embed="rId10"/>
+              <a:stretch>
+                <a:fillRect/>
+              </a:stretch>
+            </p:blipFill>
+            <p:spPr>
+              <a:xfrm>
+                <a:off x="2872992" y="760833"/>
+                <a:ext cx="679123" cy="216000"/>
+              </a:xfrm>
+              <a:prstGeom prst="rect">
+                <a:avLst/>
+              </a:prstGeom>
+            </p:spPr>
+          </p:pic>
+        </mc:Fallback>
+      </mc:AlternateContent>
+      <mc:AlternateContent xmlns:mc="http://schemas.openxmlformats.org/markup-compatibility/2006">
+        <mc:Choice xmlns:p14="http://schemas.microsoft.com/office/powerpoint/2010/main" Requires="p14">
+          <p:contentPart p14:bwMode="auto" r:id="rId11">
+            <p14:nvContentPartPr>
+              <p14:cNvPr id="33" name="Ink 32">
+                <a:extLst>
+                  <a:ext uri="{FF2B5EF4-FFF2-40B4-BE49-F238E27FC236}">
+                    <a16:creationId xmlns:a16="http://schemas.microsoft.com/office/drawing/2014/main" id="{1CBBEB3E-B9A2-4BF1-8190-5970A2BBBB98}"/>
+                  </a:ext>
+                </a:extLst>
+              </p14:cNvPr>
+              <p14:cNvContentPartPr/>
+              <p14:nvPr/>
+            </p14:nvContentPartPr>
+            <p14:xfrm>
+              <a:off x="2210647" y="1661545"/>
+              <a:ext cx="604440" cy="360"/>
+            </p14:xfrm>
+          </p:contentPart>
+        </mc:Choice>
+        <mc:Fallback>
+          <p:pic>
+            <p:nvPicPr>
+              <p:cNvPr id="33" name="Ink 32">
+                <a:extLst>
+                  <a:ext uri="{FF2B5EF4-FFF2-40B4-BE49-F238E27FC236}">
+                    <a16:creationId xmlns:a16="http://schemas.microsoft.com/office/drawing/2014/main" id="{1CBBEB3E-B9A2-4BF1-8190-5970A2BBBB98}"/>
+                  </a:ext>
+                </a:extLst>
+              </p:cNvPr>
+              <p:cNvPicPr/>
+              <p:nvPr/>
+            </p:nvPicPr>
+            <p:blipFill>
+              <a:blip r:embed="rId8"/>
+              <a:stretch>
+                <a:fillRect/>
+              </a:stretch>
+            </p:blipFill>
+            <p:spPr>
+              <a:xfrm>
+                <a:off x="2157007" y="1553905"/>
+                <a:ext cx="712080" cy="216000"/>
+              </a:xfrm>
+              <a:prstGeom prst="rect">
+                <a:avLst/>
+              </a:prstGeom>
+            </p:spPr>
+          </p:pic>
+        </mc:Fallback>
+      </mc:AlternateContent>
+      <mc:AlternateContent xmlns:mc="http://schemas.openxmlformats.org/markup-compatibility/2006">
+        <mc:Choice xmlns:p14="http://schemas.microsoft.com/office/powerpoint/2010/main" Requires="p14">
+          <p:contentPart p14:bwMode="auto" r:id="rId12">
+            <p14:nvContentPartPr>
+              <p14:cNvPr id="36" name="Ink 35">
+                <a:extLst>
+                  <a:ext uri="{FF2B5EF4-FFF2-40B4-BE49-F238E27FC236}">
+                    <a16:creationId xmlns:a16="http://schemas.microsoft.com/office/drawing/2014/main" id="{488588F0-29F6-4160-8DEE-E485E7E8BF6E}"/>
+                  </a:ext>
+                </a:extLst>
+              </p14:cNvPr>
+              <p14:cNvContentPartPr/>
+              <p14:nvPr/>
+            </p14:nvContentPartPr>
+            <p14:xfrm>
+              <a:off x="2815087" y="1381994"/>
+              <a:ext cx="604440" cy="360"/>
+            </p14:xfrm>
+          </p:contentPart>
+        </mc:Choice>
+        <mc:Fallback>
+          <p:pic>
+            <p:nvPicPr>
+              <p:cNvPr id="36" name="Ink 35">
+                <a:extLst>
+                  <a:ext uri="{FF2B5EF4-FFF2-40B4-BE49-F238E27FC236}">
+                    <a16:creationId xmlns:a16="http://schemas.microsoft.com/office/drawing/2014/main" id="{488588F0-29F6-4160-8DEE-E485E7E8BF6E}"/>
+                  </a:ext>
+                </a:extLst>
+              </p:cNvPr>
+              <p:cNvPicPr/>
+              <p:nvPr/>
+            </p:nvPicPr>
+            <p:blipFill>
+              <a:blip r:embed="rId8"/>
+              <a:stretch>
+                <a:fillRect/>
+              </a:stretch>
+            </p:blipFill>
+            <p:spPr>
+              <a:xfrm>
+                <a:off x="2761447" y="1274354"/>
+                <a:ext cx="712080" cy="216000"/>
+              </a:xfrm>
+              <a:prstGeom prst="rect">
+                <a:avLst/>
+              </a:prstGeom>
+            </p:spPr>
+          </p:pic>
+        </mc:Fallback>
+      </mc:AlternateContent>
+      <mc:AlternateContent xmlns:mc="http://schemas.openxmlformats.org/markup-compatibility/2006">
+        <mc:Choice xmlns:p14="http://schemas.microsoft.com/office/powerpoint/2010/main" Requires="p14">
+          <p:contentPart p14:bwMode="auto" r:id="rId13">
+            <p14:nvContentPartPr>
+              <p14:cNvPr id="37" name="Ink 36">
+                <a:extLst>
+                  <a:ext uri="{FF2B5EF4-FFF2-40B4-BE49-F238E27FC236}">
+                    <a16:creationId xmlns:a16="http://schemas.microsoft.com/office/drawing/2014/main" id="{6EDC7116-6636-4121-8E04-4FCC471AEDA0}"/>
+                  </a:ext>
+                </a:extLst>
+              </p14:cNvPr>
+              <p14:cNvContentPartPr/>
+              <p14:nvPr/>
+            </p14:nvContentPartPr>
+            <p14:xfrm>
+              <a:off x="1783327" y="1978410"/>
+              <a:ext cx="516120" cy="360"/>
+            </p14:xfrm>
+          </p:contentPart>
+        </mc:Choice>
+        <mc:Fallback>
+          <p:pic>
+            <p:nvPicPr>
+              <p:cNvPr id="37" name="Ink 36">
+                <a:extLst>
+                  <a:ext uri="{FF2B5EF4-FFF2-40B4-BE49-F238E27FC236}">
+                    <a16:creationId xmlns:a16="http://schemas.microsoft.com/office/drawing/2014/main" id="{6EDC7116-6636-4121-8E04-4FCC471AEDA0}"/>
+                  </a:ext>
+                </a:extLst>
+              </p:cNvPr>
+              <p:cNvPicPr/>
+              <p:nvPr/>
+            </p:nvPicPr>
+            <p:blipFill>
+              <a:blip r:embed="rId14"/>
+              <a:stretch>
+                <a:fillRect/>
+              </a:stretch>
+            </p:blipFill>
+            <p:spPr>
+              <a:xfrm>
+                <a:off x="1729699" y="1870770"/>
+                <a:ext cx="623735" cy="216000"/>
+              </a:xfrm>
+              <a:prstGeom prst="rect">
+                <a:avLst/>
+              </a:prstGeom>
+            </p:spPr>
+          </p:pic>
+        </mc:Fallback>
+      </mc:AlternateContent>
+      <mc:AlternateContent xmlns:mc="http://schemas.openxmlformats.org/markup-compatibility/2006">
+        <mc:Choice xmlns:p14="http://schemas.microsoft.com/office/powerpoint/2010/main" Requires="p14">
+          <p:contentPart p14:bwMode="auto" r:id="rId15">
+            <p14:nvContentPartPr>
+              <p14:cNvPr id="40" name="Ink 39">
+                <a:extLst>
+                  <a:ext uri="{FF2B5EF4-FFF2-40B4-BE49-F238E27FC236}">
+                    <a16:creationId xmlns:a16="http://schemas.microsoft.com/office/drawing/2014/main" id="{287DB42C-0FCE-4340-B15A-843961E76A58}"/>
+                  </a:ext>
+                </a:extLst>
+              </p14:cNvPr>
+              <p14:cNvContentPartPr/>
+              <p14:nvPr/>
+            </p14:nvContentPartPr>
+            <p14:xfrm>
+              <a:off x="1824113" y="2361988"/>
+              <a:ext cx="481320" cy="9720"/>
+            </p14:xfrm>
+          </p:contentPart>
+        </mc:Choice>
+        <mc:Fallback>
+          <p:pic>
+            <p:nvPicPr>
+              <p:cNvPr id="40" name="Ink 39">
+                <a:extLst>
+                  <a:ext uri="{FF2B5EF4-FFF2-40B4-BE49-F238E27FC236}">
+                    <a16:creationId xmlns:a16="http://schemas.microsoft.com/office/drawing/2014/main" id="{287DB42C-0FCE-4340-B15A-843961E76A58}"/>
+                  </a:ext>
+                </a:extLst>
+              </p:cNvPr>
+              <p:cNvPicPr/>
+              <p:nvPr/>
+            </p:nvPicPr>
+            <p:blipFill>
+              <a:blip r:embed="rId16"/>
+              <a:stretch>
+                <a:fillRect/>
+              </a:stretch>
+            </p:blipFill>
+            <p:spPr>
+              <a:xfrm>
+                <a:off x="1770473" y="2253988"/>
+                <a:ext cx="588960" cy="225360"/>
+              </a:xfrm>
+              <a:prstGeom prst="rect">
+                <a:avLst/>
+              </a:prstGeom>
+            </p:spPr>
+          </p:pic>
+        </mc:Fallback>
+      </mc:AlternateContent>
+      <mc:AlternateContent xmlns:mc="http://schemas.openxmlformats.org/markup-compatibility/2006">
+        <mc:Choice xmlns:p14="http://schemas.microsoft.com/office/powerpoint/2010/main" Requires="p14">
+          <p:contentPart p14:bwMode="auto" r:id="rId17">
+            <p14:nvContentPartPr>
+              <p14:cNvPr id="41" name="Ink 40">
+                <a:extLst>
+                  <a:ext uri="{FF2B5EF4-FFF2-40B4-BE49-F238E27FC236}">
+                    <a16:creationId xmlns:a16="http://schemas.microsoft.com/office/drawing/2014/main" id="{5F5DB1C6-3FAD-4552-9D7D-EBDB8F8139EA}"/>
+                  </a:ext>
+                </a:extLst>
+              </p14:cNvPr>
+              <p14:cNvContentPartPr/>
+              <p14:nvPr/>
+            </p14:nvContentPartPr>
+            <p14:xfrm>
+              <a:off x="1770473" y="2751868"/>
+              <a:ext cx="445320" cy="360"/>
+            </p14:xfrm>
+          </p:contentPart>
+        </mc:Choice>
+        <mc:Fallback>
+          <p:pic>
+            <p:nvPicPr>
+              <p:cNvPr id="41" name="Ink 40">
+                <a:extLst>
+                  <a:ext uri="{FF2B5EF4-FFF2-40B4-BE49-F238E27FC236}">
+                    <a16:creationId xmlns:a16="http://schemas.microsoft.com/office/drawing/2014/main" id="{5F5DB1C6-3FAD-4552-9D7D-EBDB8F8139EA}"/>
+                  </a:ext>
+                </a:extLst>
+              </p:cNvPr>
+              <p:cNvPicPr/>
+              <p:nvPr/>
+            </p:nvPicPr>
+            <p:blipFill>
+              <a:blip r:embed="rId18"/>
+              <a:stretch>
+                <a:fillRect/>
+              </a:stretch>
+            </p:blipFill>
+            <p:spPr>
+              <a:xfrm>
+                <a:off x="1716473" y="2644228"/>
+                <a:ext cx="552960" cy="216000"/>
+              </a:xfrm>
+              <a:prstGeom prst="rect">
+                <a:avLst/>
+              </a:prstGeom>
+            </p:spPr>
+          </p:pic>
+        </mc:Fallback>
+      </mc:AlternateContent>
+    </p:spTree>
+    <p:extLst>
+      <p:ext uri="{BB962C8B-B14F-4D97-AF65-F5344CB8AC3E}">
+        <p14:creationId xmlns:p14="http://schemas.microsoft.com/office/powerpoint/2010/main" val="2716181968"/>
+      </p:ext>
+    </p:extLst>
+  </p:cSld>
+  <p:clrMapOvr>
+    <a:masterClrMapping/>
+  </p:clrMapOvr>
+</p:sld>
+</file>
+
+<file path=ppt/slides/slide4.xml><?xml version="1.0" encoding="utf-8"?>
+<p:sld xmlns:a="http://schemas.openxmlformats.org/drawingml/2006/main" xmlns:r="http://schemas.openxmlformats.org/officeDocument/2006/relationships" xmlns:p="http://schemas.openxmlformats.org/presentationml/2006/main">
+  <p:cSld>
+    <p:spTree>
+      <p:nvGrpSpPr>
+        <p:cNvPr id="1" name=""/>
+        <p:cNvGrpSpPr/>
+        <p:nvPr/>
+      </p:nvGrpSpPr>
+      <p:grpSpPr>
+        <a:xfrm>
+          <a:off x="0" y="0"/>
+          <a:ext cx="0" cy="0"/>
+          <a:chOff x="0" y="0"/>
+          <a:chExt cx="0" cy="0"/>
+        </a:xfrm>
+      </p:grpSpPr>
+      <p:pic>
+        <p:nvPicPr>
+          <p:cNvPr id="3" name="Picture 2">
+            <a:extLst>
+              <a:ext uri="{FF2B5EF4-FFF2-40B4-BE49-F238E27FC236}">
+                <a16:creationId xmlns:a16="http://schemas.microsoft.com/office/drawing/2014/main" id="{95719087-9345-4877-A92D-2242D806E229}"/>
+              </a:ext>
+            </a:extLst>
+          </p:cNvPr>
+          <p:cNvPicPr>
+            <a:picLocks noChangeAspect="1"/>
+          </p:cNvPicPr>
+          <p:nvPr/>
+        </p:nvPicPr>
+        <p:blipFill>
+          <a:blip r:embed="rId2"/>
+          <a:stretch>
+            <a:fillRect/>
+          </a:stretch>
+        </p:blipFill>
+        <p:spPr>
+          <a:xfrm>
+            <a:off x="866804" y="346998"/>
+            <a:ext cx="3456543" cy="3904613"/>
+          </a:xfrm>
+          <a:prstGeom prst="rect">
+            <a:avLst/>
+          </a:prstGeom>
+        </p:spPr>
+      </p:pic>
+      <p:pic>
+        <p:nvPicPr>
+          <p:cNvPr id="12" name="Picture 11">
+            <a:extLst>
+              <a:ext uri="{FF2B5EF4-FFF2-40B4-BE49-F238E27FC236}">
+                <a16:creationId xmlns:a16="http://schemas.microsoft.com/office/drawing/2014/main" id="{BA7013EA-BD65-48E1-A93C-977760A09120}"/>
+              </a:ext>
+            </a:extLst>
+          </p:cNvPr>
+          <p:cNvPicPr>
+            <a:picLocks noChangeAspect="1"/>
+          </p:cNvPicPr>
+          <p:nvPr/>
+        </p:nvPicPr>
+        <p:blipFill>
+          <a:blip r:embed="rId3"/>
+          <a:stretch>
+            <a:fillRect/>
+          </a:stretch>
+        </p:blipFill>
+        <p:spPr>
+          <a:xfrm>
+            <a:off x="4384699" y="419468"/>
+            <a:ext cx="3196061" cy="3794411"/>
+          </a:xfrm>
+          <a:prstGeom prst="rect">
+            <a:avLst/>
+          </a:prstGeom>
+        </p:spPr>
+      </p:pic>
+      <mc:AlternateContent xmlns:mc="http://schemas.openxmlformats.org/markup-compatibility/2006">
+        <mc:Choice xmlns:p14="http://schemas.microsoft.com/office/powerpoint/2010/main" Requires="p14">
+          <p:contentPart p14:bwMode="auto" r:id="rId4">
+            <p14:nvContentPartPr>
+              <p14:cNvPr id="28" name="Ink 27">
+                <a:extLst>
+                  <a:ext uri="{FF2B5EF4-FFF2-40B4-BE49-F238E27FC236}">
+                    <a16:creationId xmlns:a16="http://schemas.microsoft.com/office/drawing/2014/main" id="{D2321326-E734-47F7-9CD3-8B99EBA57243}"/>
+                  </a:ext>
+                </a:extLst>
+              </p14:cNvPr>
+              <p14:cNvContentPartPr/>
+              <p14:nvPr/>
+            </p14:nvContentPartPr>
+            <p14:xfrm>
+              <a:off x="3326378" y="767103"/>
+              <a:ext cx="762502" cy="360"/>
+            </p14:xfrm>
+          </p:contentPart>
+        </mc:Choice>
+        <mc:Fallback>
+          <p:pic>
+            <p:nvPicPr>
+              <p:cNvPr id="28" name="Ink 27">
+                <a:extLst>
+                  <a:ext uri="{FF2B5EF4-FFF2-40B4-BE49-F238E27FC236}">
+                    <a16:creationId xmlns:a16="http://schemas.microsoft.com/office/drawing/2014/main" id="{D2321326-E734-47F7-9CD3-8B99EBA57243}"/>
+                  </a:ext>
+                </a:extLst>
+              </p:cNvPr>
+              <p:cNvPicPr/>
+              <p:nvPr/>
+            </p:nvPicPr>
+            <p:blipFill>
+              <a:blip r:embed="rId5"/>
+              <a:stretch>
+                <a:fillRect/>
+              </a:stretch>
+            </p:blipFill>
+            <p:spPr>
+              <a:xfrm>
+                <a:off x="3272376" y="659103"/>
+                <a:ext cx="870145" cy="216000"/>
+              </a:xfrm>
+              <a:prstGeom prst="rect">
+                <a:avLst/>
+              </a:prstGeom>
+            </p:spPr>
+          </p:pic>
+        </mc:Fallback>
+      </mc:AlternateContent>
+      <mc:AlternateContent xmlns:mc="http://schemas.openxmlformats.org/markup-compatibility/2006">
+        <mc:Choice xmlns:p14="http://schemas.microsoft.com/office/powerpoint/2010/main" Requires="p14">
+          <p:contentPart p14:bwMode="auto" r:id="rId6">
+            <p14:nvContentPartPr>
+              <p14:cNvPr id="29" name="Ink 28">
+                <a:extLst>
+                  <a:ext uri="{FF2B5EF4-FFF2-40B4-BE49-F238E27FC236}">
+                    <a16:creationId xmlns:a16="http://schemas.microsoft.com/office/drawing/2014/main" id="{030A0374-74B8-4601-BA72-445C5046FA6E}"/>
+                  </a:ext>
+                </a:extLst>
+              </p14:cNvPr>
+              <p14:cNvContentPartPr/>
+              <p14:nvPr/>
+            </p14:nvContentPartPr>
+            <p14:xfrm>
+              <a:off x="1481107" y="2754256"/>
+              <a:ext cx="604440" cy="360"/>
+            </p14:xfrm>
+          </p:contentPart>
+        </mc:Choice>
+        <mc:Fallback>
+          <p:pic>
+            <p:nvPicPr>
+              <p:cNvPr id="29" name="Ink 28">
+                <a:extLst>
+                  <a:ext uri="{FF2B5EF4-FFF2-40B4-BE49-F238E27FC236}">
+                    <a16:creationId xmlns:a16="http://schemas.microsoft.com/office/drawing/2014/main" id="{030A0374-74B8-4601-BA72-445C5046FA6E}"/>
+                  </a:ext>
+                </a:extLst>
+              </p:cNvPr>
+              <p:cNvPicPr/>
+              <p:nvPr/>
+            </p:nvPicPr>
+            <p:blipFill>
+              <a:blip r:embed="rId7"/>
+              <a:stretch>
+                <a:fillRect/>
+              </a:stretch>
+            </p:blipFill>
+            <p:spPr>
+              <a:xfrm>
+                <a:off x="1427075" y="2646256"/>
+                <a:ext cx="712144" cy="216000"/>
+              </a:xfrm>
+              <a:prstGeom prst="rect">
+                <a:avLst/>
+              </a:prstGeom>
+            </p:spPr>
+          </p:pic>
+        </mc:Fallback>
+      </mc:AlternateContent>
+      <mc:AlternateContent xmlns:mc="http://schemas.openxmlformats.org/markup-compatibility/2006">
+        <mc:Choice xmlns:p14="http://schemas.microsoft.com/office/powerpoint/2010/main" Requires="p14">
+          <p:contentPart p14:bwMode="auto" r:id="rId8">
+            <p14:nvContentPartPr>
+              <p14:cNvPr id="30" name="Ink 29">
+                <a:extLst>
+                  <a:ext uri="{FF2B5EF4-FFF2-40B4-BE49-F238E27FC236}">
+                    <a16:creationId xmlns:a16="http://schemas.microsoft.com/office/drawing/2014/main" id="{4B45943A-CB2B-4067-984E-6696092D0D9F}"/>
+                  </a:ext>
+                </a:extLst>
+              </p14:cNvPr>
+              <p14:cNvContentPartPr/>
+              <p14:nvPr/>
+            </p14:nvContentPartPr>
+            <p14:xfrm>
+              <a:off x="3056663" y="2141394"/>
+              <a:ext cx="571514" cy="360"/>
+            </p14:xfrm>
+          </p:contentPart>
+        </mc:Choice>
+        <mc:Fallback>
+          <p:pic>
+            <p:nvPicPr>
+              <p:cNvPr id="30" name="Ink 29">
+                <a:extLst>
+                  <a:ext uri="{FF2B5EF4-FFF2-40B4-BE49-F238E27FC236}">
+                    <a16:creationId xmlns:a16="http://schemas.microsoft.com/office/drawing/2014/main" id="{4B45943A-CB2B-4067-984E-6696092D0D9F}"/>
+                  </a:ext>
+                </a:extLst>
+              </p:cNvPr>
+              <p:cNvPicPr/>
+              <p:nvPr/>
+            </p:nvPicPr>
+            <p:blipFill>
+              <a:blip r:embed="rId9"/>
+              <a:stretch>
+                <a:fillRect/>
+              </a:stretch>
+            </p:blipFill>
+            <p:spPr>
+              <a:xfrm>
+                <a:off x="3002679" y="2033394"/>
+                <a:ext cx="679123" cy="216000"/>
+              </a:xfrm>
+              <a:prstGeom prst="rect">
+                <a:avLst/>
+              </a:prstGeom>
+            </p:spPr>
+          </p:pic>
+        </mc:Fallback>
+      </mc:AlternateContent>
+      <mc:AlternateContent xmlns:mc="http://schemas.openxmlformats.org/markup-compatibility/2006">
+        <mc:Choice xmlns:p14="http://schemas.microsoft.com/office/powerpoint/2010/main" Requires="p14">
+          <p:contentPart p14:bwMode="auto" r:id="rId10">
+            <p14:nvContentPartPr>
+              <p14:cNvPr id="33" name="Ink 32">
+                <a:extLst>
+                  <a:ext uri="{FF2B5EF4-FFF2-40B4-BE49-F238E27FC236}">
+                    <a16:creationId xmlns:a16="http://schemas.microsoft.com/office/drawing/2014/main" id="{1CBBEB3E-B9A2-4BF1-8190-5970A2BBBB98}"/>
+                  </a:ext>
+                </a:extLst>
+              </p14:cNvPr>
+              <p14:cNvContentPartPr/>
+              <p14:nvPr/>
+            </p14:nvContentPartPr>
+            <p14:xfrm>
+              <a:off x="2355256" y="1511160"/>
+              <a:ext cx="357770" cy="360"/>
+            </p14:xfrm>
+          </p:contentPart>
+        </mc:Choice>
+        <mc:Fallback>
+          <p:pic>
+            <p:nvPicPr>
+              <p:cNvPr id="33" name="Ink 32">
+                <a:extLst>
+                  <a:ext uri="{FF2B5EF4-FFF2-40B4-BE49-F238E27FC236}">
+                    <a16:creationId xmlns:a16="http://schemas.microsoft.com/office/drawing/2014/main" id="{1CBBEB3E-B9A2-4BF1-8190-5970A2BBBB98}"/>
+                  </a:ext>
+                </a:extLst>
+              </p:cNvPr>
+              <p:cNvPicPr/>
+              <p:nvPr/>
+            </p:nvPicPr>
+            <p:blipFill>
+              <a:blip r:embed="rId11"/>
+              <a:stretch>
+                <a:fillRect/>
+              </a:stretch>
+            </p:blipFill>
+            <p:spPr>
+              <a:xfrm>
+                <a:off x="2301267" y="1403160"/>
+                <a:ext cx="465389" cy="216000"/>
+              </a:xfrm>
+              <a:prstGeom prst="rect">
+                <a:avLst/>
+              </a:prstGeom>
+            </p:spPr>
+          </p:pic>
+        </mc:Fallback>
+      </mc:AlternateContent>
+      <mc:AlternateContent xmlns:mc="http://schemas.openxmlformats.org/markup-compatibility/2006">
+        <mc:Choice xmlns:p14="http://schemas.microsoft.com/office/powerpoint/2010/main" Requires="p14">
+          <p:contentPart p14:bwMode="auto" r:id="rId12">
+            <p14:nvContentPartPr>
+              <p14:cNvPr id="36" name="Ink 35">
+                <a:extLst>
+                  <a:ext uri="{FF2B5EF4-FFF2-40B4-BE49-F238E27FC236}">
+                    <a16:creationId xmlns:a16="http://schemas.microsoft.com/office/drawing/2014/main" id="{488588F0-29F6-4160-8DEE-E485E7E8BF6E}"/>
+                  </a:ext>
+                </a:extLst>
+              </p14:cNvPr>
+              <p14:cNvContentPartPr/>
+              <p14:nvPr/>
+            </p14:nvContentPartPr>
+            <p14:xfrm>
+              <a:off x="3040621" y="1502309"/>
+              <a:ext cx="496663" cy="360"/>
+            </p14:xfrm>
+          </p:contentPart>
+        </mc:Choice>
+        <mc:Fallback>
+          <p:pic>
+            <p:nvPicPr>
+              <p:cNvPr id="36" name="Ink 35">
+                <a:extLst>
+                  <a:ext uri="{FF2B5EF4-FFF2-40B4-BE49-F238E27FC236}">
+                    <a16:creationId xmlns:a16="http://schemas.microsoft.com/office/drawing/2014/main" id="{488588F0-29F6-4160-8DEE-E485E7E8BF6E}"/>
+                  </a:ext>
+                </a:extLst>
+              </p:cNvPr>
+              <p:cNvPicPr/>
+              <p:nvPr/>
+            </p:nvPicPr>
+            <p:blipFill>
+              <a:blip r:embed="rId13"/>
+              <a:stretch>
+                <a:fillRect/>
+              </a:stretch>
+            </p:blipFill>
+            <p:spPr>
+              <a:xfrm>
+                <a:off x="2986636" y="1394309"/>
+                <a:ext cx="604273" cy="216000"/>
+              </a:xfrm>
+              <a:prstGeom prst="rect">
+                <a:avLst/>
+              </a:prstGeom>
+            </p:spPr>
+          </p:pic>
+        </mc:Fallback>
+      </mc:AlternateContent>
+      <mc:AlternateContent xmlns:mc="http://schemas.openxmlformats.org/markup-compatibility/2006">
+        <mc:Choice xmlns:p14="http://schemas.microsoft.com/office/powerpoint/2010/main" Requires="p14">
+          <p:contentPart p14:bwMode="auto" r:id="rId14">
+            <p14:nvContentPartPr>
+              <p14:cNvPr id="37" name="Ink 36">
+                <a:extLst>
+                  <a:ext uri="{FF2B5EF4-FFF2-40B4-BE49-F238E27FC236}">
+                    <a16:creationId xmlns:a16="http://schemas.microsoft.com/office/drawing/2014/main" id="{6EDC7116-6636-4121-8E04-4FCC471AEDA0}"/>
+                  </a:ext>
+                </a:extLst>
+              </p14:cNvPr>
+              <p14:cNvContentPartPr/>
+              <p14:nvPr/>
+            </p14:nvContentPartPr>
+            <p14:xfrm>
+              <a:off x="2299447" y="2451653"/>
+              <a:ext cx="516120" cy="360"/>
+            </p14:xfrm>
+          </p:contentPart>
+        </mc:Choice>
+        <mc:Fallback>
+          <p:pic>
+            <p:nvPicPr>
+              <p:cNvPr id="37" name="Ink 36">
+                <a:extLst>
+                  <a:ext uri="{FF2B5EF4-FFF2-40B4-BE49-F238E27FC236}">
+                    <a16:creationId xmlns:a16="http://schemas.microsoft.com/office/drawing/2014/main" id="{6EDC7116-6636-4121-8E04-4FCC471AEDA0}"/>
+                  </a:ext>
+                </a:extLst>
+              </p:cNvPr>
+              <p:cNvPicPr/>
+              <p:nvPr/>
+            </p:nvPicPr>
+            <p:blipFill>
+              <a:blip r:embed="rId15"/>
+              <a:stretch>
+                <a:fillRect/>
+              </a:stretch>
+            </p:blipFill>
+            <p:spPr>
+              <a:xfrm>
+                <a:off x="2245460" y="2343653"/>
+                <a:ext cx="623735" cy="216000"/>
+              </a:xfrm>
+              <a:prstGeom prst="rect">
+                <a:avLst/>
+              </a:prstGeom>
+            </p:spPr>
+          </p:pic>
+        </mc:Fallback>
+      </mc:AlternateContent>
+      <mc:AlternateContent xmlns:mc="http://schemas.openxmlformats.org/markup-compatibility/2006">
+        <mc:Choice xmlns:p14="http://schemas.microsoft.com/office/powerpoint/2010/main" Requires="p14">
+          <p:contentPart p14:bwMode="auto" r:id="rId16">
+            <p14:nvContentPartPr>
+              <p14:cNvPr id="40" name="Ink 39">
+                <a:extLst>
+                  <a:ext uri="{FF2B5EF4-FFF2-40B4-BE49-F238E27FC236}">
+                    <a16:creationId xmlns:a16="http://schemas.microsoft.com/office/drawing/2014/main" id="{287DB42C-0FCE-4340-B15A-843961E76A58}"/>
+                  </a:ext>
+                </a:extLst>
+              </p14:cNvPr>
+              <p14:cNvContentPartPr/>
+              <p14:nvPr/>
+            </p14:nvContentPartPr>
+            <p14:xfrm>
+              <a:off x="1818127" y="3110330"/>
+              <a:ext cx="481320" cy="9720"/>
+            </p14:xfrm>
+          </p:contentPart>
+        </mc:Choice>
+        <mc:Fallback>
+          <p:pic>
+            <p:nvPicPr>
+              <p:cNvPr id="40" name="Ink 39">
+                <a:extLst>
+                  <a:ext uri="{FF2B5EF4-FFF2-40B4-BE49-F238E27FC236}">
+                    <a16:creationId xmlns:a16="http://schemas.microsoft.com/office/drawing/2014/main" id="{287DB42C-0FCE-4340-B15A-843961E76A58}"/>
+                  </a:ext>
+                </a:extLst>
+              </p:cNvPr>
+              <p:cNvPicPr/>
+              <p:nvPr/>
+            </p:nvPicPr>
+            <p:blipFill>
+              <a:blip r:embed="rId17"/>
+              <a:stretch>
+                <a:fillRect/>
+              </a:stretch>
+            </p:blipFill>
+            <p:spPr>
+              <a:xfrm>
+                <a:off x="1764127" y="3002330"/>
+                <a:ext cx="588960" cy="225360"/>
+              </a:xfrm>
+              <a:prstGeom prst="rect">
+                <a:avLst/>
+              </a:prstGeom>
+            </p:spPr>
+          </p:pic>
+        </mc:Fallback>
+      </mc:AlternateContent>
+      <mc:AlternateContent xmlns:mc="http://schemas.openxmlformats.org/markup-compatibility/2006">
+        <mc:Choice xmlns:p14="http://schemas.microsoft.com/office/powerpoint/2010/main" Requires="p14">
+          <p:contentPart p14:bwMode="auto" r:id="rId18">
+            <p14:nvContentPartPr>
+              <p14:cNvPr id="41" name="Ink 40">
+                <a:extLst>
+                  <a:ext uri="{FF2B5EF4-FFF2-40B4-BE49-F238E27FC236}">
+                    <a16:creationId xmlns:a16="http://schemas.microsoft.com/office/drawing/2014/main" id="{5F5DB1C6-3FAD-4552-9D7D-EBDB8F8139EA}"/>
+                  </a:ext>
+                </a:extLst>
+              </p14:cNvPr>
+              <p14:cNvContentPartPr/>
+              <p14:nvPr/>
+            </p14:nvContentPartPr>
+            <p14:xfrm>
+              <a:off x="1525867" y="3609822"/>
+              <a:ext cx="257460" cy="360"/>
+            </p14:xfrm>
+          </p:contentPart>
+        </mc:Choice>
+        <mc:Fallback>
+          <p:pic>
+            <p:nvPicPr>
+              <p:cNvPr id="41" name="Ink 40">
+                <a:extLst>
+                  <a:ext uri="{FF2B5EF4-FFF2-40B4-BE49-F238E27FC236}">
+                    <a16:creationId xmlns:a16="http://schemas.microsoft.com/office/drawing/2014/main" id="{5F5DB1C6-3FAD-4552-9D7D-EBDB8F8139EA}"/>
+                  </a:ext>
+                </a:extLst>
+              </p:cNvPr>
+              <p:cNvPicPr/>
+              <p:nvPr/>
+            </p:nvPicPr>
+            <p:blipFill>
+              <a:blip r:embed="rId19"/>
+              <a:stretch>
+                <a:fillRect/>
+              </a:stretch>
+            </p:blipFill>
+            <p:spPr>
+              <a:xfrm>
+                <a:off x="1471930" y="3501822"/>
+                <a:ext cx="364975" cy="216000"/>
+              </a:xfrm>
+              <a:prstGeom prst="rect">
+                <a:avLst/>
+              </a:prstGeom>
+            </p:spPr>
+          </p:pic>
+        </mc:Fallback>
+      </mc:AlternateContent>
+    </p:spTree>
+    <p:extLst>
+      <p:ext uri="{BB962C8B-B14F-4D97-AF65-F5344CB8AC3E}">
+        <p14:creationId xmlns:p14="http://schemas.microsoft.com/office/powerpoint/2010/main" val="4039826392"/>
+      </p:ext>
+    </p:extLst>
+  </p:cSld>
+  <p:clrMapOvr>
+    <a:masterClrMapping/>
+  </p:clrMapOvr>
+</p:sld>
+</file>
+
+<file path=ppt/slides/slide5.xml><?xml version="1.0" encoding="utf-8"?>
+<p:sld xmlns:a="http://schemas.openxmlformats.org/drawingml/2006/main" xmlns:r="http://schemas.openxmlformats.org/officeDocument/2006/relationships" xmlns:p="http://schemas.openxmlformats.org/presentationml/2006/main">
+  <p:cSld>
+    <p:spTree>
+      <p:nvGrpSpPr>
+        <p:cNvPr id="1" name=""/>
+        <p:cNvGrpSpPr/>
+        <p:nvPr/>
+      </p:nvGrpSpPr>
+      <p:grpSpPr>
+        <a:xfrm>
+          <a:off x="0" y="0"/>
+          <a:ext cx="0" cy="0"/>
+          <a:chOff x="0" y="0"/>
+          <a:chExt cx="0" cy="0"/>
+        </a:xfrm>
+      </p:grpSpPr>
+      <p:pic>
+        <p:nvPicPr>
+          <p:cNvPr id="12" name="Picture 11">
+            <a:extLst>
+              <a:ext uri="{FF2B5EF4-FFF2-40B4-BE49-F238E27FC236}">
+                <a16:creationId xmlns:a16="http://schemas.microsoft.com/office/drawing/2014/main" id="{BA7013EA-BD65-48E1-A93C-977760A09120}"/>
+              </a:ext>
+            </a:extLst>
+          </p:cNvPr>
+          <p:cNvPicPr>
+            <a:picLocks noChangeAspect="1"/>
+          </p:cNvPicPr>
+          <p:nvPr/>
+        </p:nvPicPr>
+        <p:blipFill>
+          <a:blip r:embed="rId2"/>
+          <a:stretch>
+            <a:fillRect/>
+          </a:stretch>
+        </p:blipFill>
+        <p:spPr>
+          <a:xfrm>
+            <a:off x="4384699" y="419468"/>
+            <a:ext cx="3196061" cy="3794411"/>
+          </a:xfrm>
+          <a:prstGeom prst="rect">
+            <a:avLst/>
+          </a:prstGeom>
+        </p:spPr>
+      </p:pic>
+      <p:pic>
+        <p:nvPicPr>
+          <p:cNvPr id="8" name="Picture 7">
+            <a:extLst>
+              <a:ext uri="{FF2B5EF4-FFF2-40B4-BE49-F238E27FC236}">
+                <a16:creationId xmlns:a16="http://schemas.microsoft.com/office/drawing/2014/main" id="{5F32F092-8AD0-4E8F-9D93-D77DA7461DD7}"/>
+              </a:ext>
+            </a:extLst>
+          </p:cNvPr>
+          <p:cNvPicPr>
+            <a:picLocks noChangeAspect="1"/>
+          </p:cNvPicPr>
+          <p:nvPr/>
+        </p:nvPicPr>
+        <p:blipFill>
+          <a:blip r:embed="rId3"/>
+          <a:stretch>
+            <a:fillRect/>
+          </a:stretch>
+        </p:blipFill>
+        <p:spPr>
+          <a:xfrm>
+            <a:off x="922421" y="360808"/>
+            <a:ext cx="3462278" cy="3853071"/>
+          </a:xfrm>
+          <a:prstGeom prst="rect">
+            <a:avLst/>
+          </a:prstGeom>
+        </p:spPr>
+      </p:pic>
+    </p:spTree>
+    <p:extLst>
+      <p:ext uri="{BB962C8B-B14F-4D97-AF65-F5344CB8AC3E}">
+        <p14:creationId xmlns:p14="http://schemas.microsoft.com/office/powerpoint/2010/main" val="3730474762"/>
       </p:ext>
     </p:extLst>
   </p:cSld>

--- a/Figure Generating/illustration_conclusion.pptx
+++ b/Figure Generating/illustration_conclusion.pptx
@@ -5,14 +5,16 @@
     <p:sldMasterId id="2147483659" r:id="rId1"/>
   </p:sldMasterIdLst>
   <p:notesMasterIdLst>
-    <p:notesMasterId r:id="rId7"/>
+    <p:notesMasterId r:id="rId9"/>
   </p:notesMasterIdLst>
   <p:sldIdLst>
-    <p:sldId id="262" r:id="rId2"/>
-    <p:sldId id="263" r:id="rId3"/>
-    <p:sldId id="256" r:id="rId4"/>
-    <p:sldId id="265" r:id="rId5"/>
-    <p:sldId id="266" r:id="rId6"/>
+    <p:sldId id="267" r:id="rId2"/>
+    <p:sldId id="268" r:id="rId3"/>
+    <p:sldId id="262" r:id="rId4"/>
+    <p:sldId id="263" r:id="rId5"/>
+    <p:sldId id="256" r:id="rId6"/>
+    <p:sldId id="265" r:id="rId7"/>
+    <p:sldId id="266" r:id="rId8"/>
   </p:sldIdLst>
   <p:sldSz cx="9144000" cy="5143500" type="screen16x9"/>
   <p:notesSz cx="6858000" cy="9144000"/>
@@ -1268,6 +1270,224 @@
     </p:spTree>
     <p:extLst>
       <p:ext uri="{BB962C8B-B14F-4D97-AF65-F5344CB8AC3E}">
+        <p14:creationId xmlns:p14="http://schemas.microsoft.com/office/powerpoint/2010/main" val="892036731"/>
+      </p:ext>
+    </p:extLst>
+  </p:cSld>
+  <p:clrMapOvr>
+    <a:masterClrMapping/>
+  </p:clrMapOvr>
+</p:notes>
+</file>
+
+<file path=ppt/notesSlides/notesSlide2.xml><?xml version="1.0" encoding="utf-8"?>
+<p:notes xmlns:a="http://schemas.openxmlformats.org/drawingml/2006/main" xmlns:r="http://schemas.openxmlformats.org/officeDocument/2006/relationships" xmlns:p="http://schemas.openxmlformats.org/presentationml/2006/main" showMasterSp="0" showMasterPhAnim="0">
+  <p:cSld>
+    <p:spTree>
+      <p:nvGrpSpPr>
+        <p:cNvPr id="1" name="Shape 80"/>
+        <p:cNvGrpSpPr/>
+        <p:nvPr/>
+      </p:nvGrpSpPr>
+      <p:grpSpPr>
+        <a:xfrm>
+          <a:off x="0" y="0"/>
+          <a:ext cx="0" cy="0"/>
+          <a:chOff x="0" y="0"/>
+          <a:chExt cx="0" cy="0"/>
+        </a:xfrm>
+      </p:grpSpPr>
+      <p:sp>
+        <p:nvSpPr>
+          <p:cNvPr id="81" name="Google Shape;81;ged2377cda1_0_0:notes"/>
+          <p:cNvSpPr>
+            <a:spLocks noGrp="1" noRot="1" noChangeAspect="1"/>
+          </p:cNvSpPr>
+          <p:nvPr>
+            <p:ph type="sldImg" idx="2"/>
+          </p:nvPr>
+        </p:nvSpPr>
+        <p:spPr>
+          <a:xfrm>
+            <a:off x="381000" y="685800"/>
+            <a:ext cx="6096000" cy="3429000"/>
+          </a:xfrm>
+          <a:custGeom>
+            <a:avLst/>
+            <a:gdLst/>
+            <a:ahLst/>
+            <a:cxnLst/>
+            <a:rect l="l" t="t" r="r" b="b"/>
+            <a:pathLst>
+              <a:path w="120000" h="120000" extrusionOk="0">
+                <a:moveTo>
+                  <a:pt x="0" y="0"/>
+                </a:moveTo>
+                <a:lnTo>
+                  <a:pt x="120000" y="0"/>
+                </a:lnTo>
+                <a:lnTo>
+                  <a:pt x="120000" y="120000"/>
+                </a:lnTo>
+                <a:lnTo>
+                  <a:pt x="0" y="120000"/>
+                </a:lnTo>
+                <a:close/>
+              </a:path>
+            </a:pathLst>
+          </a:custGeom>
+        </p:spPr>
+      </p:sp>
+      <p:sp>
+        <p:nvSpPr>
+          <p:cNvPr id="82" name="Google Shape;82;ged2377cda1_0_0:notes"/>
+          <p:cNvSpPr txBox="1">
+            <a:spLocks noGrp="1"/>
+          </p:cNvSpPr>
+          <p:nvPr>
+            <p:ph type="body" idx="1"/>
+          </p:nvPr>
+        </p:nvSpPr>
+        <p:spPr>
+          <a:xfrm>
+            <a:off x="685800" y="4343400"/>
+            <a:ext cx="5486400" cy="4114800"/>
+          </a:xfrm>
+          <a:prstGeom prst="rect">
+            <a:avLst/>
+          </a:prstGeom>
+        </p:spPr>
+        <p:txBody>
+          <a:bodyPr spcFirstLastPara="1" wrap="square" lIns="91425" tIns="91425" rIns="91425" bIns="91425" anchor="t" anchorCtr="0">
+            <a:noAutofit/>
+          </a:bodyPr>
+          <a:lstStyle/>
+          <a:p>
+            <a:pPr marL="0" lvl="0" indent="0" algn="l" rtl="0">
+              <a:spcBef>
+                <a:spcPts val="0"/>
+              </a:spcBef>
+              <a:spcAft>
+                <a:spcPts val="0"/>
+              </a:spcAft>
+              <a:buNone/>
+            </a:pPr>
+            <a:endParaRPr/>
+          </a:p>
+        </p:txBody>
+      </p:sp>
+    </p:spTree>
+    <p:extLst>
+      <p:ext uri="{BB962C8B-B14F-4D97-AF65-F5344CB8AC3E}">
+        <p14:creationId xmlns:p14="http://schemas.microsoft.com/office/powerpoint/2010/main" val="2099555246"/>
+      </p:ext>
+    </p:extLst>
+  </p:cSld>
+  <p:clrMapOvr>
+    <a:masterClrMapping/>
+  </p:clrMapOvr>
+</p:notes>
+</file>
+
+<file path=ppt/notesSlides/notesSlide3.xml><?xml version="1.0" encoding="utf-8"?>
+<p:notes xmlns:a="http://schemas.openxmlformats.org/drawingml/2006/main" xmlns:r="http://schemas.openxmlformats.org/officeDocument/2006/relationships" xmlns:p="http://schemas.openxmlformats.org/presentationml/2006/main" showMasterSp="0" showMasterPhAnim="0">
+  <p:cSld>
+    <p:spTree>
+      <p:nvGrpSpPr>
+        <p:cNvPr id="1" name="Shape 80"/>
+        <p:cNvGrpSpPr/>
+        <p:nvPr/>
+      </p:nvGrpSpPr>
+      <p:grpSpPr>
+        <a:xfrm>
+          <a:off x="0" y="0"/>
+          <a:ext cx="0" cy="0"/>
+          <a:chOff x="0" y="0"/>
+          <a:chExt cx="0" cy="0"/>
+        </a:xfrm>
+      </p:grpSpPr>
+      <p:sp>
+        <p:nvSpPr>
+          <p:cNvPr id="81" name="Google Shape;81;ged2377cda1_0_0:notes"/>
+          <p:cNvSpPr>
+            <a:spLocks noGrp="1" noRot="1" noChangeAspect="1"/>
+          </p:cNvSpPr>
+          <p:nvPr>
+            <p:ph type="sldImg" idx="2"/>
+          </p:nvPr>
+        </p:nvSpPr>
+        <p:spPr>
+          <a:xfrm>
+            <a:off x="381000" y="685800"/>
+            <a:ext cx="6096000" cy="3429000"/>
+          </a:xfrm>
+          <a:custGeom>
+            <a:avLst/>
+            <a:gdLst/>
+            <a:ahLst/>
+            <a:cxnLst/>
+            <a:rect l="l" t="t" r="r" b="b"/>
+            <a:pathLst>
+              <a:path w="120000" h="120000" extrusionOk="0">
+                <a:moveTo>
+                  <a:pt x="0" y="0"/>
+                </a:moveTo>
+                <a:lnTo>
+                  <a:pt x="120000" y="0"/>
+                </a:lnTo>
+                <a:lnTo>
+                  <a:pt x="120000" y="120000"/>
+                </a:lnTo>
+                <a:lnTo>
+                  <a:pt x="0" y="120000"/>
+                </a:lnTo>
+                <a:close/>
+              </a:path>
+            </a:pathLst>
+          </a:custGeom>
+        </p:spPr>
+      </p:sp>
+      <p:sp>
+        <p:nvSpPr>
+          <p:cNvPr id="82" name="Google Shape;82;ged2377cda1_0_0:notes"/>
+          <p:cNvSpPr txBox="1">
+            <a:spLocks noGrp="1"/>
+          </p:cNvSpPr>
+          <p:nvPr>
+            <p:ph type="body" idx="1"/>
+          </p:nvPr>
+        </p:nvSpPr>
+        <p:spPr>
+          <a:xfrm>
+            <a:off x="685800" y="4343400"/>
+            <a:ext cx="5486400" cy="4114800"/>
+          </a:xfrm>
+          <a:prstGeom prst="rect">
+            <a:avLst/>
+          </a:prstGeom>
+        </p:spPr>
+        <p:txBody>
+          <a:bodyPr spcFirstLastPara="1" wrap="square" lIns="91425" tIns="91425" rIns="91425" bIns="91425" anchor="t" anchorCtr="0">
+            <a:noAutofit/>
+          </a:bodyPr>
+          <a:lstStyle/>
+          <a:p>
+            <a:pPr marL="0" lvl="0" indent="0" algn="l" rtl="0">
+              <a:spcBef>
+                <a:spcPts val="0"/>
+              </a:spcBef>
+              <a:spcAft>
+                <a:spcPts val="0"/>
+              </a:spcAft>
+              <a:buNone/>
+            </a:pPr>
+            <a:endParaRPr/>
+          </a:p>
+        </p:txBody>
+      </p:sp>
+    </p:spTree>
+    <p:extLst>
+      <p:ext uri="{BB962C8B-B14F-4D97-AF65-F5344CB8AC3E}">
         <p14:creationId xmlns:p14="http://schemas.microsoft.com/office/powerpoint/2010/main" val="3077008407"/>
       </p:ext>
     </p:extLst>
@@ -5681,6 +5901,1842 @@
           <a:chExt cx="0" cy="0"/>
         </a:xfrm>
       </p:grpSpPr>
+      <p:sp>
+        <p:nvSpPr>
+          <p:cNvPr id="84" name="Google Shape;84;p16"/>
+          <p:cNvSpPr/>
+          <p:nvPr/>
+        </p:nvSpPr>
+        <p:spPr>
+          <a:xfrm>
+            <a:off x="2393485" y="633993"/>
+            <a:ext cx="4798647" cy="2637031"/>
+          </a:xfrm>
+          <a:prstGeom prst="roundRect">
+            <a:avLst>
+              <a:gd name="adj" fmla="val 16667"/>
+            </a:avLst>
+          </a:prstGeom>
+          <a:noFill/>
+          <a:ln w="76200" cap="flat" cmpd="sng">
+            <a:solidFill>
+              <a:srgbClr val="E69138"/>
+            </a:solidFill>
+            <a:prstDash val="solid"/>
+            <a:round/>
+            <a:headEnd type="none" w="sm" len="sm"/>
+            <a:tailEnd type="none" w="sm" len="sm"/>
+          </a:ln>
+        </p:spPr>
+        <p:txBody>
+          <a:bodyPr spcFirstLastPara="1" wrap="square" lIns="91425" tIns="91425" rIns="91425" bIns="91425" anchor="ctr" anchorCtr="0">
+            <a:noAutofit/>
+          </a:bodyPr>
+          <a:lstStyle/>
+          <a:p>
+            <a:pPr marL="0" lvl="0" indent="0" algn="l" rtl="0">
+              <a:spcBef>
+                <a:spcPts val="0"/>
+              </a:spcBef>
+              <a:spcAft>
+                <a:spcPts val="0"/>
+              </a:spcAft>
+              <a:buNone/>
+            </a:pPr>
+            <a:endParaRPr/>
+          </a:p>
+        </p:txBody>
+      </p:sp>
+      <p:sp>
+        <p:nvSpPr>
+          <p:cNvPr id="86" name="Google Shape;86;p16"/>
+          <p:cNvSpPr txBox="1"/>
+          <p:nvPr/>
+        </p:nvSpPr>
+        <p:spPr>
+          <a:xfrm>
+            <a:off x="3957811" y="2371808"/>
+            <a:ext cx="1632963" cy="429054"/>
+          </a:xfrm>
+          <a:prstGeom prst="roundRect">
+            <a:avLst/>
+          </a:prstGeom>
+          <a:solidFill>
+            <a:srgbClr val="92D050"/>
+          </a:solidFill>
+          <a:ln>
+            <a:noFill/>
+          </a:ln>
+        </p:spPr>
+        <p:txBody>
+          <a:bodyPr spcFirstLastPara="1" wrap="square" lIns="9144" tIns="9144" rIns="9144" bIns="9144" anchor="t" anchorCtr="0">
+            <a:spAutoFit/>
+          </a:bodyPr>
+          <a:lstStyle/>
+          <a:p>
+            <a:pPr marL="0" lvl="0" indent="0" algn="ctr" rtl="0">
+              <a:spcBef>
+                <a:spcPts val="0"/>
+              </a:spcBef>
+              <a:spcAft>
+                <a:spcPts val="0"/>
+              </a:spcAft>
+              <a:buNone/>
+            </a:pPr>
+            <a:r>
+              <a:rPr lang="en" sz="1200" b="1" dirty="0">
+                <a:solidFill>
+                  <a:schemeClr val="tx1"/>
+                </a:solidFill>
+              </a:rPr>
+              <a:t>Particle-associated lifestyle</a:t>
+            </a:r>
+            <a:endParaRPr sz="1200" b="1" dirty="0">
+              <a:solidFill>
+                <a:schemeClr val="tx1"/>
+              </a:solidFill>
+            </a:endParaRPr>
+          </a:p>
+        </p:txBody>
+      </p:sp>
+      <p:sp>
+        <p:nvSpPr>
+          <p:cNvPr id="87" name="Google Shape;87;p16"/>
+          <p:cNvSpPr txBox="1"/>
+          <p:nvPr/>
+        </p:nvSpPr>
+        <p:spPr>
+          <a:xfrm>
+            <a:off x="5329468" y="1555299"/>
+            <a:ext cx="1396485" cy="429054"/>
+          </a:xfrm>
+          <a:prstGeom prst="roundRect">
+            <a:avLst/>
+          </a:prstGeom>
+          <a:solidFill>
+            <a:srgbClr val="FF5050"/>
+          </a:solidFill>
+          <a:ln>
+            <a:noFill/>
+          </a:ln>
+        </p:spPr>
+        <p:txBody>
+          <a:bodyPr spcFirstLastPara="1" wrap="square" lIns="9144" tIns="9144" rIns="9144" bIns="9144" anchor="t" anchorCtr="0">
+            <a:spAutoFit/>
+          </a:bodyPr>
+          <a:lstStyle/>
+          <a:p>
+            <a:pPr marL="0" lvl="0" indent="0" algn="ctr" rtl="0">
+              <a:spcBef>
+                <a:spcPts val="0"/>
+              </a:spcBef>
+              <a:spcAft>
+                <a:spcPts val="0"/>
+              </a:spcAft>
+              <a:buNone/>
+            </a:pPr>
+            <a:r>
+              <a:rPr lang="en-US" sz="1200" b="1" dirty="0">
+                <a:solidFill>
+                  <a:schemeClr val="tx1"/>
+                </a:solidFill>
+              </a:rPr>
+              <a:t>Increased genome size</a:t>
+            </a:r>
+          </a:p>
+        </p:txBody>
+      </p:sp>
+      <p:sp>
+        <p:nvSpPr>
+          <p:cNvPr id="91" name="Google Shape;91;p16"/>
+          <p:cNvSpPr txBox="1"/>
+          <p:nvPr/>
+        </p:nvSpPr>
+        <p:spPr>
+          <a:xfrm>
+            <a:off x="2849506" y="2810692"/>
+            <a:ext cx="3808346" cy="299657"/>
+          </a:xfrm>
+          <a:prstGeom prst="roundRect">
+            <a:avLst/>
+          </a:prstGeom>
+          <a:noFill/>
+          <a:ln>
+            <a:noFill/>
+          </a:ln>
+        </p:spPr>
+        <p:style>
+          <a:lnRef idx="2">
+            <a:schemeClr val="accent4"/>
+          </a:lnRef>
+          <a:fillRef idx="1">
+            <a:schemeClr val="lt1"/>
+          </a:fillRef>
+          <a:effectRef idx="0">
+            <a:schemeClr val="accent4"/>
+          </a:effectRef>
+          <a:fontRef idx="minor">
+            <a:schemeClr val="dk1"/>
+          </a:fontRef>
+        </p:style>
+        <p:txBody>
+          <a:bodyPr spcFirstLastPara="1" wrap="square" lIns="27432" tIns="27432" rIns="27432" bIns="27432" anchor="t" anchorCtr="0">
+            <a:spAutoFit/>
+          </a:bodyPr>
+          <a:lstStyle/>
+          <a:p>
+            <a:pPr marL="0" lvl="0" indent="0" algn="ctr" rtl="0">
+              <a:spcBef>
+                <a:spcPts val="0"/>
+              </a:spcBef>
+              <a:spcAft>
+                <a:spcPts val="0"/>
+              </a:spcAft>
+              <a:buClr>
+                <a:schemeClr val="dk1"/>
+              </a:buClr>
+              <a:buSzPts val="1100"/>
+              <a:buFont typeface="Arial"/>
+              <a:buNone/>
+            </a:pPr>
+            <a:r>
+              <a:rPr lang="en" b="1" dirty="0"/>
+              <a:t>A d</a:t>
+            </a:r>
+            <a:r>
+              <a:rPr lang="en" b="1" dirty="0">
+                <a:solidFill>
+                  <a:schemeClr val="dk1"/>
+                </a:solidFill>
+              </a:rPr>
+              <a:t>eep-ocean</a:t>
+            </a:r>
+            <a:r>
+              <a:rPr lang="en-US" b="1" dirty="0">
+                <a:solidFill>
+                  <a:schemeClr val="dk1"/>
+                </a:solidFill>
+              </a:rPr>
+              <a:t> microbial</a:t>
+            </a:r>
+            <a:r>
+              <a:rPr lang="en-US" b="1" dirty="0"/>
+              <a:t> community</a:t>
+            </a:r>
+          </a:p>
+        </p:txBody>
+      </p:sp>
+      <p:sp>
+        <p:nvSpPr>
+          <p:cNvPr id="94" name="Google Shape;94;p16"/>
+          <p:cNvSpPr txBox="1"/>
+          <p:nvPr/>
+        </p:nvSpPr>
+        <p:spPr>
+          <a:xfrm>
+            <a:off x="2308374" y="1977155"/>
+            <a:ext cx="1857718" cy="553968"/>
+          </a:xfrm>
+          <a:prstGeom prst="rect">
+            <a:avLst/>
+          </a:prstGeom>
+          <a:noFill/>
+          <a:ln>
+            <a:noFill/>
+          </a:ln>
+        </p:spPr>
+        <p:txBody>
+          <a:bodyPr spcFirstLastPara="1" wrap="square" lIns="91425" tIns="91425" rIns="91425" bIns="91425" anchor="t" anchorCtr="0">
+            <a:spAutoFit/>
+          </a:bodyPr>
+          <a:lstStyle/>
+          <a:p>
+            <a:pPr marL="0" lvl="0" indent="0" algn="ctr" rtl="0">
+              <a:spcBef>
+                <a:spcPts val="0"/>
+              </a:spcBef>
+              <a:spcAft>
+                <a:spcPts val="0"/>
+              </a:spcAft>
+              <a:buNone/>
+            </a:pPr>
+            <a:r>
+              <a:rPr lang="en" sz="1200" b="1" dirty="0">
+                <a:solidFill>
+                  <a:srgbClr val="B45F06"/>
+                </a:solidFill>
+              </a:rPr>
+              <a:t>helps competion </a:t>
+            </a:r>
+          </a:p>
+          <a:p>
+            <a:pPr marL="0" lvl="0" indent="0" algn="ctr" rtl="0">
+              <a:spcBef>
+                <a:spcPts val="0"/>
+              </a:spcBef>
+              <a:spcAft>
+                <a:spcPts val="0"/>
+              </a:spcAft>
+              <a:buNone/>
+            </a:pPr>
+            <a:r>
+              <a:rPr lang="en" sz="1200" b="1" dirty="0">
+                <a:solidFill>
+                  <a:srgbClr val="B45F06"/>
+                </a:solidFill>
+              </a:rPr>
+              <a:t>and defense on</a:t>
+            </a:r>
+            <a:endParaRPr sz="1200" b="1" dirty="0">
+              <a:solidFill>
+                <a:srgbClr val="B45F06"/>
+              </a:solidFill>
+            </a:endParaRPr>
+          </a:p>
+        </p:txBody>
+      </p:sp>
+      <p:sp>
+        <p:nvSpPr>
+          <p:cNvPr id="22" name="Google Shape;85;p16">
+            <a:extLst>
+              <a:ext uri="{FF2B5EF4-FFF2-40B4-BE49-F238E27FC236}">
+                <a16:creationId xmlns:a16="http://schemas.microsoft.com/office/drawing/2014/main" id="{7B3E143E-5E39-4CA1-91FE-5EB3C5A75D11}"/>
+              </a:ext>
+            </a:extLst>
+          </p:cNvPr>
+          <p:cNvSpPr txBox="1"/>
+          <p:nvPr/>
+        </p:nvSpPr>
+        <p:spPr>
+          <a:xfrm>
+            <a:off x="3942648" y="800894"/>
+            <a:ext cx="1632963" cy="442641"/>
+          </a:xfrm>
+          <a:prstGeom prst="roundRect">
+            <a:avLst/>
+          </a:prstGeom>
+          <a:solidFill>
+            <a:schemeClr val="accent1">
+              <a:lumMod val="60000"/>
+              <a:lumOff val="40000"/>
+            </a:schemeClr>
+          </a:solidFill>
+          <a:ln>
+            <a:noFill/>
+          </a:ln>
+        </p:spPr>
+        <p:txBody>
+          <a:bodyPr spcFirstLastPara="1" wrap="square" lIns="91425" tIns="91425" rIns="91425" bIns="91425" anchor="t" anchorCtr="0">
+            <a:spAutoFit/>
+          </a:bodyPr>
+          <a:lstStyle/>
+          <a:p>
+            <a:pPr marL="0" lvl="0" indent="0" algn="ctr" rtl="0">
+              <a:spcBef>
+                <a:spcPts val="0"/>
+              </a:spcBef>
+              <a:spcAft>
+                <a:spcPts val="0"/>
+              </a:spcAft>
+              <a:buNone/>
+            </a:pPr>
+            <a:r>
+              <a:rPr lang="en" b="1" dirty="0">
+                <a:solidFill>
+                  <a:schemeClr val="tx1"/>
+                </a:solidFill>
+              </a:rPr>
+              <a:t>Transposons</a:t>
+            </a:r>
+            <a:endParaRPr b="1" dirty="0">
+              <a:solidFill>
+                <a:schemeClr val="tx1"/>
+              </a:solidFill>
+            </a:endParaRPr>
+          </a:p>
+        </p:txBody>
+      </p:sp>
+      <p:sp>
+        <p:nvSpPr>
+          <p:cNvPr id="18" name="Google Shape;87;p16">
+            <a:extLst>
+              <a:ext uri="{FF2B5EF4-FFF2-40B4-BE49-F238E27FC236}">
+                <a16:creationId xmlns:a16="http://schemas.microsoft.com/office/drawing/2014/main" id="{A7651EED-4922-4FBC-AF26-D9ABA1EA33EE}"/>
+              </a:ext>
+            </a:extLst>
+          </p:cNvPr>
+          <p:cNvSpPr txBox="1"/>
+          <p:nvPr/>
+        </p:nvSpPr>
+        <p:spPr>
+          <a:xfrm>
+            <a:off x="2621631" y="1553817"/>
+            <a:ext cx="1629572" cy="429054"/>
+          </a:xfrm>
+          <a:prstGeom prst="roundRect">
+            <a:avLst/>
+          </a:prstGeom>
+          <a:solidFill>
+            <a:srgbClr val="FF5050"/>
+          </a:solidFill>
+          <a:ln>
+            <a:noFill/>
+          </a:ln>
+        </p:spPr>
+        <p:txBody>
+          <a:bodyPr spcFirstLastPara="1" wrap="square" lIns="9144" tIns="9144" rIns="9144" bIns="9144" anchor="t" anchorCtr="0">
+            <a:spAutoFit/>
+          </a:bodyPr>
+          <a:lstStyle/>
+          <a:p>
+            <a:pPr marL="0" lvl="0" indent="0" algn="ctr" rtl="0">
+              <a:spcBef>
+                <a:spcPts val="0"/>
+              </a:spcBef>
+              <a:spcAft>
+                <a:spcPts val="0"/>
+              </a:spcAft>
+              <a:buNone/>
+            </a:pPr>
+            <a:r>
+              <a:rPr lang="en-US" sz="1200" b="1" dirty="0">
+                <a:solidFill>
+                  <a:schemeClr val="tx1"/>
+                </a:solidFill>
+              </a:rPr>
+              <a:t>Defense mechanism</a:t>
+            </a:r>
+          </a:p>
+          <a:p>
+            <a:pPr marL="0" lvl="0" indent="0" algn="ctr" rtl="0">
+              <a:spcBef>
+                <a:spcPts val="0"/>
+              </a:spcBef>
+              <a:spcAft>
+                <a:spcPts val="0"/>
+              </a:spcAft>
+              <a:buNone/>
+            </a:pPr>
+            <a:r>
+              <a:rPr lang="en-US" sz="1200" b="1" dirty="0">
+                <a:solidFill>
+                  <a:schemeClr val="tx1"/>
+                </a:solidFill>
+              </a:rPr>
+              <a:t>cassettes</a:t>
+            </a:r>
+          </a:p>
+        </p:txBody>
+      </p:sp>
+      <p:cxnSp>
+        <p:nvCxnSpPr>
+          <p:cNvPr id="19" name="Google Shape;90;p16">
+            <a:extLst>
+              <a:ext uri="{FF2B5EF4-FFF2-40B4-BE49-F238E27FC236}">
+                <a16:creationId xmlns:a16="http://schemas.microsoft.com/office/drawing/2014/main" id="{22CBA851-C115-40B9-ADAB-04C0469F5801}"/>
+              </a:ext>
+            </a:extLst>
+          </p:cNvPr>
+          <p:cNvCxnSpPr>
+            <a:cxnSpLocks/>
+          </p:cNvCxnSpPr>
+          <p:nvPr/>
+        </p:nvCxnSpPr>
+        <p:spPr>
+          <a:xfrm flipH="1" flipV="1">
+            <a:off x="4763976" y="1419374"/>
+            <a:ext cx="5544" cy="772031"/>
+          </a:xfrm>
+          <a:prstGeom prst="straightConnector1">
+            <a:avLst/>
+          </a:prstGeom>
+          <a:noFill/>
+          <a:ln w="28575" cap="flat" cmpd="sng">
+            <a:solidFill>
+              <a:schemeClr val="tx1"/>
+            </a:solidFill>
+            <a:prstDash val="solid"/>
+            <a:round/>
+            <a:headEnd type="none" w="med" len="med"/>
+            <a:tailEnd type="triangle" w="med" len="med"/>
+          </a:ln>
+        </p:spPr>
+      </p:cxnSp>
+      <p:sp>
+        <p:nvSpPr>
+          <p:cNvPr id="92" name="Google Shape;92;p16"/>
+          <p:cNvSpPr txBox="1"/>
+          <p:nvPr/>
+        </p:nvSpPr>
+        <p:spPr>
+          <a:xfrm>
+            <a:off x="4395114" y="1705584"/>
+            <a:ext cx="795391" cy="233910"/>
+          </a:xfrm>
+          <a:prstGeom prst="rect">
+            <a:avLst/>
+          </a:prstGeom>
+          <a:solidFill>
+            <a:schemeClr val="bg1"/>
+          </a:solidFill>
+          <a:ln>
+            <a:noFill/>
+          </a:ln>
+        </p:spPr>
+        <p:txBody>
+          <a:bodyPr spcFirstLastPara="1" wrap="square" lIns="18288" tIns="9144" rIns="9144" bIns="9144" anchor="t" anchorCtr="0">
+            <a:spAutoFit/>
+          </a:bodyPr>
+          <a:lstStyle/>
+          <a:p>
+            <a:pPr marL="0" lvl="0" indent="0" algn="l" rtl="0">
+              <a:spcBef>
+                <a:spcPts val="0"/>
+              </a:spcBef>
+              <a:spcAft>
+                <a:spcPts val="0"/>
+              </a:spcAft>
+              <a:buNone/>
+            </a:pPr>
+            <a:r>
+              <a:rPr lang="en" b="1" dirty="0">
+                <a:solidFill>
+                  <a:srgbClr val="B45F06"/>
+                </a:solidFill>
+              </a:rPr>
+              <a:t>spreads</a:t>
+            </a:r>
+            <a:endParaRPr b="1" dirty="0">
+              <a:solidFill>
+                <a:srgbClr val="B45F06"/>
+              </a:solidFill>
+            </a:endParaRPr>
+          </a:p>
+        </p:txBody>
+      </p:sp>
+      <p:sp>
+        <p:nvSpPr>
+          <p:cNvPr id="85" name="Google Shape;92;p16">
+            <a:extLst>
+              <a:ext uri="{FF2B5EF4-FFF2-40B4-BE49-F238E27FC236}">
+                <a16:creationId xmlns:a16="http://schemas.microsoft.com/office/drawing/2014/main" id="{66075C9D-718F-4083-9BDF-0C4A805AF14D}"/>
+              </a:ext>
+            </a:extLst>
+          </p:cNvPr>
+          <p:cNvSpPr txBox="1"/>
+          <p:nvPr/>
+        </p:nvSpPr>
+        <p:spPr>
+          <a:xfrm>
+            <a:off x="3368643" y="1126580"/>
+            <a:ext cx="487587" cy="233910"/>
+          </a:xfrm>
+          <a:prstGeom prst="rect">
+            <a:avLst/>
+          </a:prstGeom>
+          <a:solidFill>
+            <a:schemeClr val="bg1"/>
+          </a:solidFill>
+          <a:ln>
+            <a:noFill/>
+          </a:ln>
+        </p:spPr>
+        <p:txBody>
+          <a:bodyPr spcFirstLastPara="1" wrap="square" lIns="18288" tIns="9144" rIns="9144" bIns="9144" anchor="t" anchorCtr="0">
+            <a:spAutoFit/>
+          </a:bodyPr>
+          <a:lstStyle/>
+          <a:p>
+            <a:pPr marL="0" lvl="0" indent="0" algn="l" rtl="0">
+              <a:spcBef>
+                <a:spcPts val="0"/>
+              </a:spcBef>
+              <a:spcAft>
+                <a:spcPts val="0"/>
+              </a:spcAft>
+              <a:buNone/>
+            </a:pPr>
+            <a:r>
+              <a:rPr lang="en" b="1" dirty="0">
+                <a:solidFill>
+                  <a:srgbClr val="B45F06"/>
+                </a:solidFill>
+              </a:rPr>
+              <a:t>carry</a:t>
+            </a:r>
+            <a:endParaRPr b="1" dirty="0">
+              <a:solidFill>
+                <a:srgbClr val="B45F06"/>
+              </a:solidFill>
+            </a:endParaRPr>
+          </a:p>
+        </p:txBody>
+      </p:sp>
+      <p:cxnSp>
+        <p:nvCxnSpPr>
+          <p:cNvPr id="23" name="Google Shape;90;p16">
+            <a:extLst>
+              <a:ext uri="{FF2B5EF4-FFF2-40B4-BE49-F238E27FC236}">
+                <a16:creationId xmlns:a16="http://schemas.microsoft.com/office/drawing/2014/main" id="{76FF781D-A53E-4BB3-9AED-568798FAB34C}"/>
+              </a:ext>
+            </a:extLst>
+          </p:cNvPr>
+          <p:cNvCxnSpPr>
+            <a:cxnSpLocks/>
+          </p:cNvCxnSpPr>
+          <p:nvPr/>
+        </p:nvCxnSpPr>
+        <p:spPr>
+          <a:xfrm flipV="1">
+            <a:off x="5421086" y="2075217"/>
+            <a:ext cx="222441" cy="248479"/>
+          </a:xfrm>
+          <a:prstGeom prst="straightConnector1">
+            <a:avLst/>
+          </a:prstGeom>
+          <a:noFill/>
+          <a:ln w="28575" cap="flat" cmpd="sng">
+            <a:solidFill>
+              <a:schemeClr val="tx1"/>
+            </a:solidFill>
+            <a:prstDash val="solid"/>
+            <a:round/>
+            <a:headEnd type="none" w="med" len="med"/>
+            <a:tailEnd type="triangle" w="med" len="med"/>
+          </a:ln>
+        </p:spPr>
+      </p:cxnSp>
+      <p:cxnSp>
+        <p:nvCxnSpPr>
+          <p:cNvPr id="27" name="Google Shape;90;p16">
+            <a:extLst>
+              <a:ext uri="{FF2B5EF4-FFF2-40B4-BE49-F238E27FC236}">
+                <a16:creationId xmlns:a16="http://schemas.microsoft.com/office/drawing/2014/main" id="{504468A2-3D05-4A3A-AF43-09B4F3D13B62}"/>
+              </a:ext>
+            </a:extLst>
+          </p:cNvPr>
+          <p:cNvCxnSpPr>
+            <a:cxnSpLocks/>
+          </p:cNvCxnSpPr>
+          <p:nvPr/>
+        </p:nvCxnSpPr>
+        <p:spPr>
+          <a:xfrm flipH="1" flipV="1">
+            <a:off x="5590774" y="1271266"/>
+            <a:ext cx="176300" cy="215046"/>
+          </a:xfrm>
+          <a:prstGeom prst="straightConnector1">
+            <a:avLst/>
+          </a:prstGeom>
+          <a:noFill/>
+          <a:ln w="28575" cap="flat" cmpd="sng">
+            <a:solidFill>
+              <a:schemeClr val="tx1"/>
+            </a:solidFill>
+            <a:prstDash val="solid"/>
+            <a:round/>
+            <a:headEnd type="none" w="med" len="med"/>
+            <a:tailEnd type="triangle" w="med" len="med"/>
+          </a:ln>
+        </p:spPr>
+      </p:cxnSp>
+      <p:cxnSp>
+        <p:nvCxnSpPr>
+          <p:cNvPr id="32" name="Google Shape;90;p16">
+            <a:extLst>
+              <a:ext uri="{FF2B5EF4-FFF2-40B4-BE49-F238E27FC236}">
+                <a16:creationId xmlns:a16="http://schemas.microsoft.com/office/drawing/2014/main" id="{6C50CF6E-766B-4443-96CC-5CCE6111D1DD}"/>
+              </a:ext>
+            </a:extLst>
+          </p:cNvPr>
+          <p:cNvCxnSpPr>
+            <a:cxnSpLocks/>
+          </p:cNvCxnSpPr>
+          <p:nvPr/>
+        </p:nvCxnSpPr>
+        <p:spPr>
+          <a:xfrm flipH="1">
+            <a:off x="3769812" y="1292172"/>
+            <a:ext cx="172836" cy="203064"/>
+          </a:xfrm>
+          <a:prstGeom prst="straightConnector1">
+            <a:avLst/>
+          </a:prstGeom>
+          <a:noFill/>
+          <a:ln w="28575" cap="flat" cmpd="sng">
+            <a:solidFill>
+              <a:schemeClr val="tx1"/>
+            </a:solidFill>
+            <a:prstDash val="solid"/>
+            <a:round/>
+            <a:headEnd type="none" w="med" len="med"/>
+            <a:tailEnd type="triangle" w="med" len="med"/>
+          </a:ln>
+        </p:spPr>
+      </p:cxnSp>
+      <p:sp>
+        <p:nvSpPr>
+          <p:cNvPr id="34" name="Google Shape;94;p16">
+            <a:extLst>
+              <a:ext uri="{FF2B5EF4-FFF2-40B4-BE49-F238E27FC236}">
+                <a16:creationId xmlns:a16="http://schemas.microsoft.com/office/drawing/2014/main" id="{DCD89C29-9457-47D3-927E-17082DE3893D}"/>
+              </a:ext>
+            </a:extLst>
+          </p:cNvPr>
+          <p:cNvSpPr txBox="1"/>
+          <p:nvPr/>
+        </p:nvSpPr>
+        <p:spPr>
+          <a:xfrm>
+            <a:off x="5478097" y="2040447"/>
+            <a:ext cx="1390084" cy="369302"/>
+          </a:xfrm>
+          <a:prstGeom prst="rect">
+            <a:avLst/>
+          </a:prstGeom>
+          <a:noFill/>
+          <a:ln>
+            <a:noFill/>
+          </a:ln>
+        </p:spPr>
+        <p:txBody>
+          <a:bodyPr spcFirstLastPara="1" wrap="square" lIns="91425" tIns="91425" rIns="91425" bIns="91425" anchor="t" anchorCtr="0">
+            <a:spAutoFit/>
+          </a:bodyPr>
+          <a:lstStyle/>
+          <a:p>
+            <a:pPr marL="0" lvl="0" indent="0" algn="ctr" rtl="0">
+              <a:spcBef>
+                <a:spcPts val="0"/>
+              </a:spcBef>
+              <a:spcAft>
+                <a:spcPts val="0"/>
+              </a:spcAft>
+              <a:buNone/>
+            </a:pPr>
+            <a:r>
+              <a:rPr lang="en" sz="1200" b="1" dirty="0">
+                <a:solidFill>
+                  <a:srgbClr val="B45F06"/>
+                </a:solidFill>
+              </a:rPr>
+              <a:t>correlates with</a:t>
+            </a:r>
+            <a:endParaRPr sz="1200" b="1" dirty="0">
+              <a:solidFill>
+                <a:srgbClr val="B45F06"/>
+              </a:solidFill>
+            </a:endParaRPr>
+          </a:p>
+        </p:txBody>
+      </p:sp>
+      <p:cxnSp>
+        <p:nvCxnSpPr>
+          <p:cNvPr id="39" name="Google Shape;90;p16">
+            <a:extLst>
+              <a:ext uri="{FF2B5EF4-FFF2-40B4-BE49-F238E27FC236}">
+                <a16:creationId xmlns:a16="http://schemas.microsoft.com/office/drawing/2014/main" id="{685EE98C-7DD8-4753-88C2-B34CD93CD22B}"/>
+              </a:ext>
+            </a:extLst>
+          </p:cNvPr>
+          <p:cNvCxnSpPr>
+            <a:cxnSpLocks/>
+          </p:cNvCxnSpPr>
+          <p:nvPr/>
+        </p:nvCxnSpPr>
+        <p:spPr>
+          <a:xfrm>
+            <a:off x="3956100" y="2082846"/>
+            <a:ext cx="229161" cy="243631"/>
+          </a:xfrm>
+          <a:prstGeom prst="straightConnector1">
+            <a:avLst/>
+          </a:prstGeom>
+          <a:noFill/>
+          <a:ln w="28575" cap="flat" cmpd="sng">
+            <a:solidFill>
+              <a:schemeClr val="tx1"/>
+            </a:solidFill>
+            <a:prstDash val="solid"/>
+            <a:round/>
+            <a:headEnd type="none" w="med" len="med"/>
+            <a:tailEnd type="triangle" w="med" len="med"/>
+          </a:ln>
+        </p:spPr>
+      </p:cxnSp>
+      <p:sp>
+        <p:nvSpPr>
+          <p:cNvPr id="45" name="Google Shape;94;p16">
+            <a:extLst>
+              <a:ext uri="{FF2B5EF4-FFF2-40B4-BE49-F238E27FC236}">
+                <a16:creationId xmlns:a16="http://schemas.microsoft.com/office/drawing/2014/main" id="{1A202B5C-1CC3-4616-A646-65D56D25AA2C}"/>
+              </a:ext>
+            </a:extLst>
+          </p:cNvPr>
+          <p:cNvSpPr txBox="1"/>
+          <p:nvPr/>
+        </p:nvSpPr>
+        <p:spPr>
+          <a:xfrm>
+            <a:off x="5421086" y="825346"/>
+            <a:ext cx="1734118" cy="738633"/>
+          </a:xfrm>
+          <a:prstGeom prst="rect">
+            <a:avLst/>
+          </a:prstGeom>
+          <a:noFill/>
+          <a:ln>
+            <a:noFill/>
+          </a:ln>
+        </p:spPr>
+        <p:txBody>
+          <a:bodyPr spcFirstLastPara="1" wrap="square" lIns="91425" tIns="91425" rIns="91425" bIns="91425" anchor="t" anchorCtr="0">
+            <a:spAutoFit/>
+          </a:bodyPr>
+          <a:lstStyle/>
+          <a:p>
+            <a:pPr marL="0" lvl="0" indent="0" algn="ctr" rtl="0">
+              <a:spcBef>
+                <a:spcPts val="0"/>
+              </a:spcBef>
+              <a:spcAft>
+                <a:spcPts val="0"/>
+              </a:spcAft>
+              <a:buNone/>
+            </a:pPr>
+            <a:r>
+              <a:rPr lang="en-US" sz="1200" b="1" dirty="0">
+                <a:solidFill>
+                  <a:srgbClr val="B45F06"/>
+                </a:solidFill>
+              </a:rPr>
+              <a:t>b</a:t>
+            </a:r>
+            <a:r>
+              <a:rPr lang="en" sz="1200" b="1" dirty="0">
+                <a:solidFill>
+                  <a:srgbClr val="B45F06"/>
+                </a:solidFill>
+              </a:rPr>
+              <a:t>uffer distruptive </a:t>
+            </a:r>
+          </a:p>
+          <a:p>
+            <a:pPr marL="0" lvl="0" indent="0" algn="ctr" rtl="0">
+              <a:spcBef>
+                <a:spcPts val="0"/>
+              </a:spcBef>
+              <a:spcAft>
+                <a:spcPts val="0"/>
+              </a:spcAft>
+              <a:buNone/>
+            </a:pPr>
+            <a:r>
+              <a:rPr lang="en-US" sz="1200" b="1" dirty="0">
+                <a:solidFill>
+                  <a:srgbClr val="B45F06"/>
+                </a:solidFill>
+              </a:rPr>
+              <a:t>transpositions</a:t>
+            </a:r>
+          </a:p>
+          <a:p>
+            <a:pPr marL="0" lvl="0" indent="0" algn="ctr" rtl="0">
+              <a:spcBef>
+                <a:spcPts val="0"/>
+              </a:spcBef>
+              <a:spcAft>
+                <a:spcPts val="0"/>
+              </a:spcAft>
+              <a:buNone/>
+            </a:pPr>
+            <a:r>
+              <a:rPr lang="en" sz="1200" b="1" dirty="0">
+                <a:solidFill>
+                  <a:srgbClr val="B45F06"/>
+                </a:solidFill>
+              </a:rPr>
+              <a:t>caused by</a:t>
+            </a:r>
+          </a:p>
+        </p:txBody>
+      </p:sp>
+    </p:spTree>
+    <p:extLst>
+      <p:ext uri="{BB962C8B-B14F-4D97-AF65-F5344CB8AC3E}">
+        <p14:creationId xmlns:p14="http://schemas.microsoft.com/office/powerpoint/2010/main" val="2476497050"/>
+      </p:ext>
+    </p:extLst>
+  </p:cSld>
+  <p:clrMapOvr>
+    <a:masterClrMapping/>
+  </p:clrMapOvr>
+</p:sld>
+</file>
+
+<file path=ppt/slides/slide2.xml><?xml version="1.0" encoding="utf-8"?>
+<p:sld xmlns:a="http://schemas.openxmlformats.org/drawingml/2006/main" xmlns:r="http://schemas.openxmlformats.org/officeDocument/2006/relationships" xmlns:p="http://schemas.openxmlformats.org/presentationml/2006/main">
+  <p:cSld>
+    <p:spTree>
+      <p:nvGrpSpPr>
+        <p:cNvPr id="1" name="Shape 83"/>
+        <p:cNvGrpSpPr/>
+        <p:nvPr/>
+      </p:nvGrpSpPr>
+      <p:grpSpPr>
+        <a:xfrm>
+          <a:off x="0" y="0"/>
+          <a:ext cx="0" cy="0"/>
+          <a:chOff x="0" y="0"/>
+          <a:chExt cx="0" cy="0"/>
+        </a:xfrm>
+      </p:grpSpPr>
+      <p:sp>
+        <p:nvSpPr>
+          <p:cNvPr id="84" name="Google Shape;84;p16"/>
+          <p:cNvSpPr/>
+          <p:nvPr/>
+        </p:nvSpPr>
+        <p:spPr>
+          <a:xfrm>
+            <a:off x="2243015" y="667038"/>
+            <a:ext cx="4798647" cy="2812907"/>
+          </a:xfrm>
+          <a:prstGeom prst="roundRect">
+            <a:avLst>
+              <a:gd name="adj" fmla="val 16667"/>
+            </a:avLst>
+          </a:prstGeom>
+          <a:noFill/>
+          <a:ln w="76200" cap="flat" cmpd="sng">
+            <a:solidFill>
+              <a:srgbClr val="E69138"/>
+            </a:solidFill>
+            <a:prstDash val="solid"/>
+            <a:round/>
+            <a:headEnd type="none" w="sm" len="sm"/>
+            <a:tailEnd type="none" w="sm" len="sm"/>
+          </a:ln>
+        </p:spPr>
+        <p:txBody>
+          <a:bodyPr spcFirstLastPara="1" wrap="square" lIns="91425" tIns="91425" rIns="91425" bIns="91425" anchor="ctr" anchorCtr="0">
+            <a:noAutofit/>
+          </a:bodyPr>
+          <a:lstStyle/>
+          <a:p>
+            <a:pPr marL="0" lvl="0" indent="0" algn="l" rtl="0">
+              <a:spcBef>
+                <a:spcPts val="0"/>
+              </a:spcBef>
+              <a:spcAft>
+                <a:spcPts val="0"/>
+              </a:spcAft>
+              <a:buNone/>
+            </a:pPr>
+            <a:endParaRPr/>
+          </a:p>
+        </p:txBody>
+      </p:sp>
+      <p:sp>
+        <p:nvSpPr>
+          <p:cNvPr id="86" name="Google Shape;86;p16"/>
+          <p:cNvSpPr txBox="1"/>
+          <p:nvPr/>
+        </p:nvSpPr>
+        <p:spPr>
+          <a:xfrm>
+            <a:off x="3942647" y="843042"/>
+            <a:ext cx="1632963" cy="429054"/>
+          </a:xfrm>
+          <a:prstGeom prst="roundRect">
+            <a:avLst/>
+          </a:prstGeom>
+          <a:solidFill>
+            <a:srgbClr val="92D050"/>
+          </a:solidFill>
+          <a:ln>
+            <a:noFill/>
+          </a:ln>
+        </p:spPr>
+        <p:txBody>
+          <a:bodyPr spcFirstLastPara="1" wrap="square" lIns="9144" tIns="9144" rIns="9144" bIns="9144" anchor="t" anchorCtr="0">
+            <a:spAutoFit/>
+          </a:bodyPr>
+          <a:lstStyle/>
+          <a:p>
+            <a:pPr marL="0" lvl="0" indent="0" algn="ctr" rtl="0">
+              <a:spcBef>
+                <a:spcPts val="0"/>
+              </a:spcBef>
+              <a:spcAft>
+                <a:spcPts val="0"/>
+              </a:spcAft>
+              <a:buNone/>
+            </a:pPr>
+            <a:r>
+              <a:rPr lang="en" sz="1200" b="1" dirty="0">
+                <a:solidFill>
+                  <a:schemeClr val="tx1"/>
+                </a:solidFill>
+              </a:rPr>
+              <a:t>Particle-associated lifestyle</a:t>
+            </a:r>
+            <a:endParaRPr sz="1200" b="1" dirty="0">
+              <a:solidFill>
+                <a:schemeClr val="tx1"/>
+              </a:solidFill>
+            </a:endParaRPr>
+          </a:p>
+        </p:txBody>
+      </p:sp>
+      <p:sp>
+        <p:nvSpPr>
+          <p:cNvPr id="87" name="Google Shape;87;p16"/>
+          <p:cNvSpPr txBox="1"/>
+          <p:nvPr/>
+        </p:nvSpPr>
+        <p:spPr>
+          <a:xfrm>
+            <a:off x="5329469" y="1555299"/>
+            <a:ext cx="1108844" cy="633365"/>
+          </a:xfrm>
+          <a:prstGeom prst="roundRect">
+            <a:avLst/>
+          </a:prstGeom>
+          <a:solidFill>
+            <a:srgbClr val="FF5050"/>
+          </a:solidFill>
+          <a:ln>
+            <a:noFill/>
+          </a:ln>
+        </p:spPr>
+        <p:txBody>
+          <a:bodyPr spcFirstLastPara="1" wrap="square" lIns="9144" tIns="9144" rIns="9144" bIns="9144" anchor="t" anchorCtr="0">
+            <a:spAutoFit/>
+          </a:bodyPr>
+          <a:lstStyle/>
+          <a:p>
+            <a:pPr marL="0" lvl="0" indent="0" algn="ctr" rtl="0">
+              <a:spcBef>
+                <a:spcPts val="0"/>
+              </a:spcBef>
+              <a:spcAft>
+                <a:spcPts val="0"/>
+              </a:spcAft>
+              <a:buNone/>
+            </a:pPr>
+            <a:r>
+              <a:rPr lang="en" sz="1200" b="1" dirty="0">
+                <a:solidFill>
+                  <a:schemeClr val="tx1"/>
+                </a:solidFill>
+              </a:rPr>
+              <a:t>Defense</a:t>
+            </a:r>
+          </a:p>
+          <a:p>
+            <a:pPr marL="0" lvl="0" indent="0" algn="ctr" rtl="0">
+              <a:spcBef>
+                <a:spcPts val="0"/>
+              </a:spcBef>
+              <a:spcAft>
+                <a:spcPts val="0"/>
+              </a:spcAft>
+              <a:buNone/>
+            </a:pPr>
+            <a:r>
+              <a:rPr lang="en-US" sz="1200" b="1" dirty="0">
+                <a:solidFill>
+                  <a:schemeClr val="tx1"/>
+                </a:solidFill>
+              </a:rPr>
+              <a:t>m</a:t>
+            </a:r>
+            <a:r>
+              <a:rPr lang="en" sz="1200" b="1" dirty="0">
+                <a:solidFill>
+                  <a:schemeClr val="tx1"/>
+                </a:solidFill>
+              </a:rPr>
+              <a:t>echanism</a:t>
+            </a:r>
+          </a:p>
+          <a:p>
+            <a:pPr marL="0" lvl="0" indent="0" algn="ctr" rtl="0">
+              <a:spcBef>
+                <a:spcPts val="0"/>
+              </a:spcBef>
+              <a:spcAft>
+                <a:spcPts val="0"/>
+              </a:spcAft>
+              <a:buNone/>
+            </a:pPr>
+            <a:r>
+              <a:rPr lang="en" sz="1200" b="1" dirty="0">
+                <a:solidFill>
+                  <a:schemeClr val="tx1"/>
+                </a:solidFill>
+              </a:rPr>
+              <a:t>cassettes</a:t>
+            </a:r>
+            <a:endParaRPr sz="1200" b="1" dirty="0">
+              <a:solidFill>
+                <a:schemeClr val="tx1"/>
+              </a:solidFill>
+            </a:endParaRPr>
+          </a:p>
+        </p:txBody>
+      </p:sp>
+      <p:sp>
+        <p:nvSpPr>
+          <p:cNvPr id="91" name="Google Shape;91;p16"/>
+          <p:cNvSpPr txBox="1"/>
+          <p:nvPr/>
+        </p:nvSpPr>
+        <p:spPr>
+          <a:xfrm>
+            <a:off x="2844714" y="3065139"/>
+            <a:ext cx="3808346" cy="299657"/>
+          </a:xfrm>
+          <a:prstGeom prst="roundRect">
+            <a:avLst/>
+          </a:prstGeom>
+          <a:noFill/>
+          <a:ln>
+            <a:noFill/>
+          </a:ln>
+        </p:spPr>
+        <p:style>
+          <a:lnRef idx="2">
+            <a:schemeClr val="accent4"/>
+          </a:lnRef>
+          <a:fillRef idx="1">
+            <a:schemeClr val="lt1"/>
+          </a:fillRef>
+          <a:effectRef idx="0">
+            <a:schemeClr val="accent4"/>
+          </a:effectRef>
+          <a:fontRef idx="minor">
+            <a:schemeClr val="dk1"/>
+          </a:fontRef>
+        </p:style>
+        <p:txBody>
+          <a:bodyPr spcFirstLastPara="1" wrap="square" lIns="27432" tIns="27432" rIns="27432" bIns="27432" anchor="t" anchorCtr="0">
+            <a:spAutoFit/>
+          </a:bodyPr>
+          <a:lstStyle/>
+          <a:p>
+            <a:pPr marL="0" lvl="0" indent="0" algn="ctr" rtl="0">
+              <a:spcBef>
+                <a:spcPts val="0"/>
+              </a:spcBef>
+              <a:spcAft>
+                <a:spcPts val="0"/>
+              </a:spcAft>
+              <a:buClr>
+                <a:schemeClr val="dk1"/>
+              </a:buClr>
+              <a:buSzPts val="1100"/>
+              <a:buFont typeface="Arial"/>
+              <a:buNone/>
+            </a:pPr>
+            <a:r>
+              <a:rPr lang="en" b="1" dirty="0"/>
+              <a:t>A d</a:t>
+            </a:r>
+            <a:r>
+              <a:rPr lang="en" b="1" dirty="0">
+                <a:solidFill>
+                  <a:schemeClr val="dk1"/>
+                </a:solidFill>
+              </a:rPr>
+              <a:t>eep-ocean</a:t>
+            </a:r>
+            <a:r>
+              <a:rPr lang="en-US" b="1" dirty="0">
+                <a:solidFill>
+                  <a:schemeClr val="dk1"/>
+                </a:solidFill>
+              </a:rPr>
+              <a:t> microbial</a:t>
+            </a:r>
+            <a:r>
+              <a:rPr lang="en-US" b="1" dirty="0"/>
+              <a:t> community</a:t>
+            </a:r>
+          </a:p>
+        </p:txBody>
+      </p:sp>
+      <p:sp>
+        <p:nvSpPr>
+          <p:cNvPr id="94" name="Google Shape;94;p16"/>
+          <p:cNvSpPr txBox="1"/>
+          <p:nvPr/>
+        </p:nvSpPr>
+        <p:spPr>
+          <a:xfrm>
+            <a:off x="5369884" y="922453"/>
+            <a:ext cx="1857718" cy="553968"/>
+          </a:xfrm>
+          <a:prstGeom prst="rect">
+            <a:avLst/>
+          </a:prstGeom>
+          <a:noFill/>
+          <a:ln>
+            <a:noFill/>
+          </a:ln>
+        </p:spPr>
+        <p:txBody>
+          <a:bodyPr spcFirstLastPara="1" wrap="square" lIns="91425" tIns="91425" rIns="91425" bIns="91425" anchor="t" anchorCtr="0">
+            <a:spAutoFit/>
+          </a:bodyPr>
+          <a:lstStyle/>
+          <a:p>
+            <a:pPr marL="0" lvl="0" indent="0" algn="ctr" rtl="0">
+              <a:spcBef>
+                <a:spcPts val="0"/>
+              </a:spcBef>
+              <a:spcAft>
+                <a:spcPts val="0"/>
+              </a:spcAft>
+              <a:buNone/>
+            </a:pPr>
+            <a:r>
+              <a:rPr lang="en" sz="1200" b="1" dirty="0">
+                <a:solidFill>
+                  <a:srgbClr val="B45F06"/>
+                </a:solidFill>
+              </a:rPr>
+              <a:t>helps competion </a:t>
+            </a:r>
+          </a:p>
+          <a:p>
+            <a:pPr marL="0" lvl="0" indent="0" algn="ctr" rtl="0">
+              <a:spcBef>
+                <a:spcPts val="0"/>
+              </a:spcBef>
+              <a:spcAft>
+                <a:spcPts val="0"/>
+              </a:spcAft>
+              <a:buNone/>
+            </a:pPr>
+            <a:r>
+              <a:rPr lang="en" sz="1200" b="1" dirty="0">
+                <a:solidFill>
+                  <a:srgbClr val="B45F06"/>
+                </a:solidFill>
+              </a:rPr>
+              <a:t>and defense on</a:t>
+            </a:r>
+            <a:endParaRPr sz="1200" b="1" dirty="0">
+              <a:solidFill>
+                <a:srgbClr val="B45F06"/>
+              </a:solidFill>
+            </a:endParaRPr>
+          </a:p>
+        </p:txBody>
+      </p:sp>
+      <p:sp>
+        <p:nvSpPr>
+          <p:cNvPr id="22" name="Google Shape;85;p16">
+            <a:extLst>
+              <a:ext uri="{FF2B5EF4-FFF2-40B4-BE49-F238E27FC236}">
+                <a16:creationId xmlns:a16="http://schemas.microsoft.com/office/drawing/2014/main" id="{7B3E143E-5E39-4CA1-91FE-5EB3C5A75D11}"/>
+              </a:ext>
+            </a:extLst>
+          </p:cNvPr>
+          <p:cNvSpPr txBox="1"/>
+          <p:nvPr/>
+        </p:nvSpPr>
+        <p:spPr>
+          <a:xfrm>
+            <a:off x="3984987" y="2553511"/>
+            <a:ext cx="1632963" cy="442641"/>
+          </a:xfrm>
+          <a:prstGeom prst="roundRect">
+            <a:avLst/>
+          </a:prstGeom>
+          <a:solidFill>
+            <a:schemeClr val="accent1">
+              <a:lumMod val="60000"/>
+              <a:lumOff val="40000"/>
+            </a:schemeClr>
+          </a:solidFill>
+          <a:ln>
+            <a:noFill/>
+          </a:ln>
+        </p:spPr>
+        <p:txBody>
+          <a:bodyPr spcFirstLastPara="1" wrap="square" lIns="91425" tIns="91425" rIns="91425" bIns="91425" anchor="t" anchorCtr="0">
+            <a:spAutoFit/>
+          </a:bodyPr>
+          <a:lstStyle/>
+          <a:p>
+            <a:pPr marL="0" lvl="0" indent="0" algn="ctr" rtl="0">
+              <a:spcBef>
+                <a:spcPts val="0"/>
+              </a:spcBef>
+              <a:spcAft>
+                <a:spcPts val="0"/>
+              </a:spcAft>
+              <a:buNone/>
+            </a:pPr>
+            <a:r>
+              <a:rPr lang="en" b="1" dirty="0">
+                <a:solidFill>
+                  <a:schemeClr val="tx1"/>
+                </a:solidFill>
+              </a:rPr>
+              <a:t>Transposons</a:t>
+            </a:r>
+            <a:endParaRPr b="1" dirty="0">
+              <a:solidFill>
+                <a:schemeClr val="tx1"/>
+              </a:solidFill>
+            </a:endParaRPr>
+          </a:p>
+        </p:txBody>
+      </p:sp>
+      <p:sp>
+        <p:nvSpPr>
+          <p:cNvPr id="18" name="Google Shape;87;p16">
+            <a:extLst>
+              <a:ext uri="{FF2B5EF4-FFF2-40B4-BE49-F238E27FC236}">
+                <a16:creationId xmlns:a16="http://schemas.microsoft.com/office/drawing/2014/main" id="{A7651EED-4922-4FBC-AF26-D9ABA1EA33EE}"/>
+              </a:ext>
+            </a:extLst>
+          </p:cNvPr>
+          <p:cNvSpPr txBox="1"/>
+          <p:nvPr/>
+        </p:nvSpPr>
+        <p:spPr>
+          <a:xfrm>
+            <a:off x="3263207" y="1553817"/>
+            <a:ext cx="939897" cy="633365"/>
+          </a:xfrm>
+          <a:prstGeom prst="roundRect">
+            <a:avLst/>
+          </a:prstGeom>
+          <a:solidFill>
+            <a:srgbClr val="FF5050"/>
+          </a:solidFill>
+          <a:ln>
+            <a:noFill/>
+          </a:ln>
+        </p:spPr>
+        <p:txBody>
+          <a:bodyPr spcFirstLastPara="1" wrap="square" lIns="9144" tIns="9144" rIns="9144" bIns="9144" anchor="t" anchorCtr="0">
+            <a:spAutoFit/>
+          </a:bodyPr>
+          <a:lstStyle/>
+          <a:p>
+            <a:pPr marL="0" lvl="0" indent="0" algn="ctr" rtl="0">
+              <a:spcBef>
+                <a:spcPts val="0"/>
+              </a:spcBef>
+              <a:spcAft>
+                <a:spcPts val="0"/>
+              </a:spcAft>
+              <a:buNone/>
+            </a:pPr>
+            <a:r>
+              <a:rPr lang="en-US" sz="1200" b="1" dirty="0">
+                <a:solidFill>
+                  <a:schemeClr val="tx1"/>
+                </a:solidFill>
+              </a:rPr>
+              <a:t>Increased genome </a:t>
+            </a:r>
+          </a:p>
+          <a:p>
+            <a:pPr marL="0" lvl="0" indent="0" algn="ctr" rtl="0">
+              <a:spcBef>
+                <a:spcPts val="0"/>
+              </a:spcBef>
+              <a:spcAft>
+                <a:spcPts val="0"/>
+              </a:spcAft>
+              <a:buNone/>
+            </a:pPr>
+            <a:r>
+              <a:rPr lang="en-US" sz="1200" b="1" dirty="0">
+                <a:solidFill>
+                  <a:schemeClr val="tx1"/>
+                </a:solidFill>
+              </a:rPr>
+              <a:t>size</a:t>
+            </a:r>
+            <a:endParaRPr sz="1200" b="1" dirty="0">
+              <a:solidFill>
+                <a:schemeClr val="tx1"/>
+              </a:solidFill>
+            </a:endParaRPr>
+          </a:p>
+        </p:txBody>
+      </p:sp>
+      <p:cxnSp>
+        <p:nvCxnSpPr>
+          <p:cNvPr id="19" name="Google Shape;90;p16">
+            <a:extLst>
+              <a:ext uri="{FF2B5EF4-FFF2-40B4-BE49-F238E27FC236}">
+                <a16:creationId xmlns:a16="http://schemas.microsoft.com/office/drawing/2014/main" id="{22CBA851-C115-40B9-ADAB-04C0469F5801}"/>
+              </a:ext>
+            </a:extLst>
+          </p:cNvPr>
+          <p:cNvCxnSpPr>
+            <a:cxnSpLocks/>
+          </p:cNvCxnSpPr>
+          <p:nvPr/>
+        </p:nvCxnSpPr>
+        <p:spPr>
+          <a:xfrm flipH="1">
+            <a:off x="4748887" y="1457093"/>
+            <a:ext cx="10241" cy="953687"/>
+          </a:xfrm>
+          <a:prstGeom prst="straightConnector1">
+            <a:avLst/>
+          </a:prstGeom>
+          <a:noFill/>
+          <a:ln w="28575" cap="flat" cmpd="sng">
+            <a:solidFill>
+              <a:schemeClr val="tx1"/>
+            </a:solidFill>
+            <a:prstDash val="solid"/>
+            <a:round/>
+            <a:headEnd type="none" w="med" len="med"/>
+            <a:tailEnd type="triangle" w="med" len="med"/>
+          </a:ln>
+        </p:spPr>
+      </p:cxnSp>
+      <p:sp>
+        <p:nvSpPr>
+          <p:cNvPr id="92" name="Google Shape;92;p16"/>
+          <p:cNvSpPr txBox="1"/>
+          <p:nvPr/>
+        </p:nvSpPr>
+        <p:spPr>
+          <a:xfrm>
+            <a:off x="4395114" y="1705584"/>
+            <a:ext cx="795391" cy="233910"/>
+          </a:xfrm>
+          <a:prstGeom prst="rect">
+            <a:avLst/>
+          </a:prstGeom>
+          <a:solidFill>
+            <a:schemeClr val="bg1"/>
+          </a:solidFill>
+          <a:ln>
+            <a:noFill/>
+          </a:ln>
+        </p:spPr>
+        <p:txBody>
+          <a:bodyPr spcFirstLastPara="1" wrap="square" lIns="18288" tIns="9144" rIns="9144" bIns="9144" anchor="t" anchorCtr="0">
+            <a:spAutoFit/>
+          </a:bodyPr>
+          <a:lstStyle/>
+          <a:p>
+            <a:pPr marL="0" lvl="0" indent="0" algn="l" rtl="0">
+              <a:spcBef>
+                <a:spcPts val="0"/>
+              </a:spcBef>
+              <a:spcAft>
+                <a:spcPts val="0"/>
+              </a:spcAft>
+              <a:buNone/>
+            </a:pPr>
+            <a:r>
+              <a:rPr lang="en" b="1" dirty="0">
+                <a:solidFill>
+                  <a:srgbClr val="B45F06"/>
+                </a:solidFill>
+              </a:rPr>
+              <a:t>spreads</a:t>
+            </a:r>
+            <a:endParaRPr b="1" dirty="0">
+              <a:solidFill>
+                <a:srgbClr val="B45F06"/>
+              </a:solidFill>
+            </a:endParaRPr>
+          </a:p>
+        </p:txBody>
+      </p:sp>
+      <p:sp>
+        <p:nvSpPr>
+          <p:cNvPr id="85" name="Google Shape;92;p16">
+            <a:extLst>
+              <a:ext uri="{FF2B5EF4-FFF2-40B4-BE49-F238E27FC236}">
+                <a16:creationId xmlns:a16="http://schemas.microsoft.com/office/drawing/2014/main" id="{66075C9D-718F-4083-9BDF-0C4A805AF14D}"/>
+              </a:ext>
+            </a:extLst>
+          </p:cNvPr>
+          <p:cNvSpPr txBox="1"/>
+          <p:nvPr/>
+        </p:nvSpPr>
+        <p:spPr>
+          <a:xfrm>
+            <a:off x="5560496" y="2302476"/>
+            <a:ext cx="487587" cy="233910"/>
+          </a:xfrm>
+          <a:prstGeom prst="rect">
+            <a:avLst/>
+          </a:prstGeom>
+          <a:solidFill>
+            <a:schemeClr val="bg1"/>
+          </a:solidFill>
+          <a:ln>
+            <a:noFill/>
+          </a:ln>
+        </p:spPr>
+        <p:txBody>
+          <a:bodyPr spcFirstLastPara="1" wrap="square" lIns="18288" tIns="9144" rIns="9144" bIns="9144" anchor="t" anchorCtr="0">
+            <a:spAutoFit/>
+          </a:bodyPr>
+          <a:lstStyle/>
+          <a:p>
+            <a:pPr marL="0" lvl="0" indent="0" algn="l" rtl="0">
+              <a:spcBef>
+                <a:spcPts val="0"/>
+              </a:spcBef>
+              <a:spcAft>
+                <a:spcPts val="0"/>
+              </a:spcAft>
+              <a:buNone/>
+            </a:pPr>
+            <a:r>
+              <a:rPr lang="en" b="1" dirty="0">
+                <a:solidFill>
+                  <a:srgbClr val="B45F06"/>
+                </a:solidFill>
+              </a:rPr>
+              <a:t>carry</a:t>
+            </a:r>
+            <a:endParaRPr b="1" dirty="0">
+              <a:solidFill>
+                <a:srgbClr val="B45F06"/>
+              </a:solidFill>
+            </a:endParaRPr>
+          </a:p>
+        </p:txBody>
+      </p:sp>
+      <p:cxnSp>
+        <p:nvCxnSpPr>
+          <p:cNvPr id="23" name="Google Shape;90;p16">
+            <a:extLst>
+              <a:ext uri="{FF2B5EF4-FFF2-40B4-BE49-F238E27FC236}">
+                <a16:creationId xmlns:a16="http://schemas.microsoft.com/office/drawing/2014/main" id="{76FF781D-A53E-4BB3-9AED-568798FAB34C}"/>
+              </a:ext>
+            </a:extLst>
+          </p:cNvPr>
+          <p:cNvCxnSpPr>
+            <a:cxnSpLocks/>
+          </p:cNvCxnSpPr>
+          <p:nvPr/>
+        </p:nvCxnSpPr>
+        <p:spPr>
+          <a:xfrm flipV="1">
+            <a:off x="5421086" y="2254139"/>
+            <a:ext cx="222441" cy="248479"/>
+          </a:xfrm>
+          <a:prstGeom prst="straightConnector1">
+            <a:avLst/>
+          </a:prstGeom>
+          <a:noFill/>
+          <a:ln w="28575" cap="flat" cmpd="sng">
+            <a:solidFill>
+              <a:schemeClr val="tx1"/>
+            </a:solidFill>
+            <a:prstDash val="solid"/>
+            <a:round/>
+            <a:headEnd type="none" w="med" len="med"/>
+            <a:tailEnd type="triangle" w="med" len="med"/>
+          </a:ln>
+        </p:spPr>
+      </p:cxnSp>
+      <p:cxnSp>
+        <p:nvCxnSpPr>
+          <p:cNvPr id="27" name="Google Shape;90;p16">
+            <a:extLst>
+              <a:ext uri="{FF2B5EF4-FFF2-40B4-BE49-F238E27FC236}">
+                <a16:creationId xmlns:a16="http://schemas.microsoft.com/office/drawing/2014/main" id="{504468A2-3D05-4A3A-AF43-09B4F3D13B62}"/>
+              </a:ext>
+            </a:extLst>
+          </p:cNvPr>
+          <p:cNvCxnSpPr>
+            <a:cxnSpLocks/>
+          </p:cNvCxnSpPr>
+          <p:nvPr/>
+        </p:nvCxnSpPr>
+        <p:spPr>
+          <a:xfrm flipH="1" flipV="1">
+            <a:off x="5590774" y="1271266"/>
+            <a:ext cx="176300" cy="215046"/>
+          </a:xfrm>
+          <a:prstGeom prst="straightConnector1">
+            <a:avLst/>
+          </a:prstGeom>
+          <a:noFill/>
+          <a:ln w="28575" cap="flat" cmpd="sng">
+            <a:solidFill>
+              <a:schemeClr val="tx1"/>
+            </a:solidFill>
+            <a:prstDash val="solid"/>
+            <a:round/>
+            <a:headEnd type="none" w="med" len="med"/>
+            <a:tailEnd type="triangle" w="med" len="med"/>
+          </a:ln>
+        </p:spPr>
+      </p:cxnSp>
+      <p:cxnSp>
+        <p:nvCxnSpPr>
+          <p:cNvPr id="32" name="Google Shape;90;p16">
+            <a:extLst>
+              <a:ext uri="{FF2B5EF4-FFF2-40B4-BE49-F238E27FC236}">
+                <a16:creationId xmlns:a16="http://schemas.microsoft.com/office/drawing/2014/main" id="{6C50CF6E-766B-4443-96CC-5CCE6111D1DD}"/>
+              </a:ext>
+            </a:extLst>
+          </p:cNvPr>
+          <p:cNvCxnSpPr>
+            <a:cxnSpLocks/>
+          </p:cNvCxnSpPr>
+          <p:nvPr/>
+        </p:nvCxnSpPr>
+        <p:spPr>
+          <a:xfrm flipH="1">
+            <a:off x="3769812" y="1292172"/>
+            <a:ext cx="172836" cy="203064"/>
+          </a:xfrm>
+          <a:prstGeom prst="straightConnector1">
+            <a:avLst/>
+          </a:prstGeom>
+          <a:noFill/>
+          <a:ln w="28575" cap="flat" cmpd="sng">
+            <a:solidFill>
+              <a:schemeClr val="tx1"/>
+            </a:solidFill>
+            <a:prstDash val="solid"/>
+            <a:round/>
+            <a:headEnd type="none" w="med" len="med"/>
+            <a:tailEnd type="triangle" w="med" len="med"/>
+          </a:ln>
+        </p:spPr>
+      </p:cxnSp>
+      <p:sp>
+        <p:nvSpPr>
+          <p:cNvPr id="34" name="Google Shape;94;p16">
+            <a:extLst>
+              <a:ext uri="{FF2B5EF4-FFF2-40B4-BE49-F238E27FC236}">
+                <a16:creationId xmlns:a16="http://schemas.microsoft.com/office/drawing/2014/main" id="{DCD89C29-9457-47D3-927E-17082DE3893D}"/>
+              </a:ext>
+            </a:extLst>
+          </p:cNvPr>
+          <p:cNvSpPr txBox="1"/>
+          <p:nvPr/>
+        </p:nvSpPr>
+        <p:spPr>
+          <a:xfrm>
+            <a:off x="2985421" y="892106"/>
+            <a:ext cx="970679" cy="553968"/>
+          </a:xfrm>
+          <a:prstGeom prst="rect">
+            <a:avLst/>
+          </a:prstGeom>
+          <a:noFill/>
+          <a:ln>
+            <a:noFill/>
+          </a:ln>
+        </p:spPr>
+        <p:txBody>
+          <a:bodyPr spcFirstLastPara="1" wrap="square" lIns="91425" tIns="91425" rIns="91425" bIns="91425" anchor="t" anchorCtr="0">
+            <a:spAutoFit/>
+          </a:bodyPr>
+          <a:lstStyle/>
+          <a:p>
+            <a:pPr marL="0" lvl="0" indent="0" algn="ctr" rtl="0">
+              <a:spcBef>
+                <a:spcPts val="0"/>
+              </a:spcBef>
+              <a:spcAft>
+                <a:spcPts val="0"/>
+              </a:spcAft>
+              <a:buNone/>
+            </a:pPr>
+            <a:r>
+              <a:rPr lang="en" sz="1200" b="1" dirty="0">
+                <a:solidFill>
+                  <a:srgbClr val="B45F06"/>
+                </a:solidFill>
+              </a:rPr>
+              <a:t>correlates with</a:t>
+            </a:r>
+            <a:endParaRPr sz="1200" b="1" dirty="0">
+              <a:solidFill>
+                <a:srgbClr val="B45F06"/>
+              </a:solidFill>
+            </a:endParaRPr>
+          </a:p>
+        </p:txBody>
+      </p:sp>
+      <p:cxnSp>
+        <p:nvCxnSpPr>
+          <p:cNvPr id="39" name="Google Shape;90;p16">
+            <a:extLst>
+              <a:ext uri="{FF2B5EF4-FFF2-40B4-BE49-F238E27FC236}">
+                <a16:creationId xmlns:a16="http://schemas.microsoft.com/office/drawing/2014/main" id="{685EE98C-7DD8-4753-88C2-B34CD93CD22B}"/>
+              </a:ext>
+            </a:extLst>
+          </p:cNvPr>
+          <p:cNvCxnSpPr>
+            <a:cxnSpLocks/>
+          </p:cNvCxnSpPr>
+          <p:nvPr/>
+        </p:nvCxnSpPr>
+        <p:spPr>
+          <a:xfrm>
+            <a:off x="3956100" y="2261768"/>
+            <a:ext cx="229161" cy="243631"/>
+          </a:xfrm>
+          <a:prstGeom prst="straightConnector1">
+            <a:avLst/>
+          </a:prstGeom>
+          <a:noFill/>
+          <a:ln w="28575" cap="flat" cmpd="sng">
+            <a:solidFill>
+              <a:schemeClr val="tx1"/>
+            </a:solidFill>
+            <a:prstDash val="solid"/>
+            <a:round/>
+            <a:headEnd type="none" w="med" len="med"/>
+            <a:tailEnd type="triangle" w="med" len="med"/>
+          </a:ln>
+        </p:spPr>
+      </p:cxnSp>
+      <p:sp>
+        <p:nvSpPr>
+          <p:cNvPr id="45" name="Google Shape;94;p16">
+            <a:extLst>
+              <a:ext uri="{FF2B5EF4-FFF2-40B4-BE49-F238E27FC236}">
+                <a16:creationId xmlns:a16="http://schemas.microsoft.com/office/drawing/2014/main" id="{1A202B5C-1CC3-4616-A646-65D56D25AA2C}"/>
+              </a:ext>
+            </a:extLst>
+          </p:cNvPr>
+          <p:cNvSpPr txBox="1"/>
+          <p:nvPr/>
+        </p:nvSpPr>
+        <p:spPr>
+          <a:xfrm>
+            <a:off x="2443122" y="2235294"/>
+            <a:ext cx="1734118" cy="738633"/>
+          </a:xfrm>
+          <a:prstGeom prst="rect">
+            <a:avLst/>
+          </a:prstGeom>
+          <a:noFill/>
+          <a:ln>
+            <a:noFill/>
+          </a:ln>
+        </p:spPr>
+        <p:txBody>
+          <a:bodyPr spcFirstLastPara="1" wrap="square" lIns="91425" tIns="91425" rIns="91425" bIns="91425" anchor="t" anchorCtr="0">
+            <a:spAutoFit/>
+          </a:bodyPr>
+          <a:lstStyle/>
+          <a:p>
+            <a:pPr marL="0" lvl="0" indent="0" algn="ctr" rtl="0">
+              <a:spcBef>
+                <a:spcPts val="0"/>
+              </a:spcBef>
+              <a:spcAft>
+                <a:spcPts val="0"/>
+              </a:spcAft>
+              <a:buNone/>
+            </a:pPr>
+            <a:r>
+              <a:rPr lang="en-US" sz="1200" b="1" dirty="0">
+                <a:solidFill>
+                  <a:srgbClr val="B45F06"/>
+                </a:solidFill>
+              </a:rPr>
+              <a:t>b</a:t>
+            </a:r>
+            <a:r>
+              <a:rPr lang="en" sz="1200" b="1" dirty="0">
+                <a:solidFill>
+                  <a:srgbClr val="B45F06"/>
+                </a:solidFill>
+              </a:rPr>
+              <a:t>uffer distruptive </a:t>
+            </a:r>
+          </a:p>
+          <a:p>
+            <a:pPr marL="0" lvl="0" indent="0" algn="ctr" rtl="0">
+              <a:spcBef>
+                <a:spcPts val="0"/>
+              </a:spcBef>
+              <a:spcAft>
+                <a:spcPts val="0"/>
+              </a:spcAft>
+              <a:buNone/>
+            </a:pPr>
+            <a:r>
+              <a:rPr lang="en-US" sz="1200" b="1" dirty="0">
+                <a:solidFill>
+                  <a:srgbClr val="B45F06"/>
+                </a:solidFill>
+              </a:rPr>
+              <a:t>transpositions</a:t>
+            </a:r>
+          </a:p>
+          <a:p>
+            <a:pPr marL="0" lvl="0" indent="0" algn="ctr" rtl="0">
+              <a:spcBef>
+                <a:spcPts val="0"/>
+              </a:spcBef>
+              <a:spcAft>
+                <a:spcPts val="0"/>
+              </a:spcAft>
+              <a:buNone/>
+            </a:pPr>
+            <a:r>
+              <a:rPr lang="en" sz="1200" b="1" dirty="0">
+                <a:solidFill>
+                  <a:srgbClr val="B45F06"/>
+                </a:solidFill>
+              </a:rPr>
+              <a:t>cause by</a:t>
+            </a:r>
+          </a:p>
+        </p:txBody>
+      </p:sp>
+    </p:spTree>
+    <p:extLst>
+      <p:ext uri="{BB962C8B-B14F-4D97-AF65-F5344CB8AC3E}">
+        <p14:creationId xmlns:p14="http://schemas.microsoft.com/office/powerpoint/2010/main" val="1961186547"/>
+      </p:ext>
+    </p:extLst>
+  </p:cSld>
+  <p:clrMapOvr>
+    <a:masterClrMapping/>
+  </p:clrMapOvr>
+</p:sld>
+</file>
+
+<file path=ppt/slides/slide3.xml><?xml version="1.0" encoding="utf-8"?>
+<p:sld xmlns:a="http://schemas.openxmlformats.org/drawingml/2006/main" xmlns:r="http://schemas.openxmlformats.org/officeDocument/2006/relationships" xmlns:p="http://schemas.openxmlformats.org/presentationml/2006/main">
+  <p:cSld>
+    <p:spTree>
+      <p:nvGrpSpPr>
+        <p:cNvPr id="1" name="Shape 83"/>
+        <p:cNvGrpSpPr/>
+        <p:nvPr/>
+      </p:nvGrpSpPr>
+      <p:grpSpPr>
+        <a:xfrm>
+          <a:off x="0" y="0"/>
+          <a:ext cx="0" cy="0"/>
+          <a:chOff x="0" y="0"/>
+          <a:chExt cx="0" cy="0"/>
+        </a:xfrm>
+      </p:grpSpPr>
       <p:cxnSp>
         <p:nvCxnSpPr>
           <p:cNvPr id="36" name="Connector: Elbow 35">
@@ -6327,7 +8383,7 @@
 </p:sld>
 </file>
 
-<file path=ppt/slides/slide2.xml><?xml version="1.0" encoding="utf-8"?>
+<file path=ppt/slides/slide4.xml><?xml version="1.0" encoding="utf-8"?>
 <p:sld xmlns:a="http://schemas.openxmlformats.org/drawingml/2006/main" xmlns:r="http://schemas.openxmlformats.org/officeDocument/2006/relationships" xmlns:p="http://schemas.openxmlformats.org/presentationml/2006/main">
   <p:cSld>
     <p:spTree>
@@ -6446,7 +8502,7 @@
 </p:sld>
 </file>
 
-<file path=ppt/slides/slide3.xml><?xml version="1.0" encoding="utf-8"?>
+<file path=ppt/slides/slide5.xml><?xml version="1.0" encoding="utf-8"?>
 <p:sld xmlns:a="http://schemas.openxmlformats.org/drawingml/2006/main" xmlns:r="http://schemas.openxmlformats.org/officeDocument/2006/relationships" xmlns:p="http://schemas.openxmlformats.org/presentationml/2006/main">
   <p:cSld>
     <p:spTree>
@@ -6570,8 +8626,8 @@
           </a:prstGeom>
         </p:spPr>
       </p:pic>
-      <mc:AlternateContent xmlns:mc="http://schemas.openxmlformats.org/markup-compatibility/2006">
-        <mc:Choice xmlns:p14="http://schemas.microsoft.com/office/powerpoint/2010/main" Requires="p14">
+      <mc:AlternateContent xmlns:mc="http://schemas.openxmlformats.org/markup-compatibility/2006" xmlns:p14="http://schemas.microsoft.com/office/powerpoint/2010/main">
+        <mc:Choice Requires="p14">
           <p:contentPart p14:bwMode="auto" r:id="rId5">
             <p14:nvContentPartPr>
               <p14:cNvPr id="28" name="Ink 27">
@@ -6590,7 +8646,7 @@
             </p14:xfrm>
           </p:contentPart>
         </mc:Choice>
-        <mc:Fallback>
+        <mc:Fallback xmlns="">
           <p:pic>
             <p:nvPicPr>
               <p:cNvPr id="28" name="Ink 27">
@@ -6621,8 +8677,8 @@
           </p:pic>
         </mc:Fallback>
       </mc:AlternateContent>
-      <mc:AlternateContent xmlns:mc="http://schemas.openxmlformats.org/markup-compatibility/2006">
-        <mc:Choice xmlns:p14="http://schemas.microsoft.com/office/powerpoint/2010/main" Requires="p14">
+      <mc:AlternateContent xmlns:mc="http://schemas.openxmlformats.org/markup-compatibility/2006" xmlns:p14="http://schemas.microsoft.com/office/powerpoint/2010/main">
+        <mc:Choice Requires="p14">
           <p:contentPart p14:bwMode="auto" r:id="rId7">
             <p14:nvContentPartPr>
               <p14:cNvPr id="29" name="Ink 28">
@@ -6641,7 +8697,7 @@
             </p14:xfrm>
           </p:contentPart>
         </mc:Choice>
-        <mc:Fallback>
+        <mc:Fallback xmlns="">
           <p:pic>
             <p:nvPicPr>
               <p:cNvPr id="29" name="Ink 28">
@@ -6672,8 +8728,8 @@
           </p:pic>
         </mc:Fallback>
       </mc:AlternateContent>
-      <mc:AlternateContent xmlns:mc="http://schemas.openxmlformats.org/markup-compatibility/2006">
-        <mc:Choice xmlns:p14="http://schemas.microsoft.com/office/powerpoint/2010/main" Requires="p14">
+      <mc:AlternateContent xmlns:mc="http://schemas.openxmlformats.org/markup-compatibility/2006" xmlns:p14="http://schemas.microsoft.com/office/powerpoint/2010/main">
+        <mc:Choice Requires="p14">
           <p:contentPart p14:bwMode="auto" r:id="rId9">
             <p14:nvContentPartPr>
               <p14:cNvPr id="30" name="Ink 29">
@@ -6692,7 +8748,7 @@
             </p14:xfrm>
           </p:contentPart>
         </mc:Choice>
-        <mc:Fallback>
+        <mc:Fallback xmlns="">
           <p:pic>
             <p:nvPicPr>
               <p:cNvPr id="30" name="Ink 29">
@@ -6723,8 +8779,8 @@
           </p:pic>
         </mc:Fallback>
       </mc:AlternateContent>
-      <mc:AlternateContent xmlns:mc="http://schemas.openxmlformats.org/markup-compatibility/2006">
-        <mc:Choice xmlns:p14="http://schemas.microsoft.com/office/powerpoint/2010/main" Requires="p14">
+      <mc:AlternateContent xmlns:mc="http://schemas.openxmlformats.org/markup-compatibility/2006" xmlns:p14="http://schemas.microsoft.com/office/powerpoint/2010/main">
+        <mc:Choice Requires="p14">
           <p:contentPart p14:bwMode="auto" r:id="rId11">
             <p14:nvContentPartPr>
               <p14:cNvPr id="33" name="Ink 32">
@@ -6743,7 +8799,7 @@
             </p14:xfrm>
           </p:contentPart>
         </mc:Choice>
-        <mc:Fallback>
+        <mc:Fallback xmlns="">
           <p:pic>
             <p:nvPicPr>
               <p:cNvPr id="33" name="Ink 32">
@@ -6774,8 +8830,8 @@
           </p:pic>
         </mc:Fallback>
       </mc:AlternateContent>
-      <mc:AlternateContent xmlns:mc="http://schemas.openxmlformats.org/markup-compatibility/2006">
-        <mc:Choice xmlns:p14="http://schemas.microsoft.com/office/powerpoint/2010/main" Requires="p14">
+      <mc:AlternateContent xmlns:mc="http://schemas.openxmlformats.org/markup-compatibility/2006" xmlns:p14="http://schemas.microsoft.com/office/powerpoint/2010/main">
+        <mc:Choice Requires="p14">
           <p:contentPart p14:bwMode="auto" r:id="rId12">
             <p14:nvContentPartPr>
               <p14:cNvPr id="36" name="Ink 35">
@@ -6794,7 +8850,7 @@
             </p14:xfrm>
           </p:contentPart>
         </mc:Choice>
-        <mc:Fallback>
+        <mc:Fallback xmlns="">
           <p:pic>
             <p:nvPicPr>
               <p:cNvPr id="36" name="Ink 35">
@@ -6825,8 +8881,8 @@
           </p:pic>
         </mc:Fallback>
       </mc:AlternateContent>
-      <mc:AlternateContent xmlns:mc="http://schemas.openxmlformats.org/markup-compatibility/2006">
-        <mc:Choice xmlns:p14="http://schemas.microsoft.com/office/powerpoint/2010/main" Requires="p14">
+      <mc:AlternateContent xmlns:mc="http://schemas.openxmlformats.org/markup-compatibility/2006" xmlns:p14="http://schemas.microsoft.com/office/powerpoint/2010/main">
+        <mc:Choice Requires="p14">
           <p:contentPart p14:bwMode="auto" r:id="rId13">
             <p14:nvContentPartPr>
               <p14:cNvPr id="37" name="Ink 36">
@@ -6845,7 +8901,7 @@
             </p14:xfrm>
           </p:contentPart>
         </mc:Choice>
-        <mc:Fallback>
+        <mc:Fallback xmlns="">
           <p:pic>
             <p:nvPicPr>
               <p:cNvPr id="37" name="Ink 36">
@@ -6876,8 +8932,8 @@
           </p:pic>
         </mc:Fallback>
       </mc:AlternateContent>
-      <mc:AlternateContent xmlns:mc="http://schemas.openxmlformats.org/markup-compatibility/2006">
-        <mc:Choice xmlns:p14="http://schemas.microsoft.com/office/powerpoint/2010/main" Requires="p14">
+      <mc:AlternateContent xmlns:mc="http://schemas.openxmlformats.org/markup-compatibility/2006" xmlns:p14="http://schemas.microsoft.com/office/powerpoint/2010/main">
+        <mc:Choice Requires="p14">
           <p:contentPart p14:bwMode="auto" r:id="rId15">
             <p14:nvContentPartPr>
               <p14:cNvPr id="40" name="Ink 39">
@@ -6896,7 +8952,7 @@
             </p14:xfrm>
           </p:contentPart>
         </mc:Choice>
-        <mc:Fallback>
+        <mc:Fallback xmlns="">
           <p:pic>
             <p:nvPicPr>
               <p:cNvPr id="40" name="Ink 39">
@@ -6927,8 +8983,8 @@
           </p:pic>
         </mc:Fallback>
       </mc:AlternateContent>
-      <mc:AlternateContent xmlns:mc="http://schemas.openxmlformats.org/markup-compatibility/2006">
-        <mc:Choice xmlns:p14="http://schemas.microsoft.com/office/powerpoint/2010/main" Requires="p14">
+      <mc:AlternateContent xmlns:mc="http://schemas.openxmlformats.org/markup-compatibility/2006" xmlns:p14="http://schemas.microsoft.com/office/powerpoint/2010/main">
+        <mc:Choice Requires="p14">
           <p:contentPart p14:bwMode="auto" r:id="rId17">
             <p14:nvContentPartPr>
               <p14:cNvPr id="41" name="Ink 40">
@@ -6947,7 +9003,7 @@
             </p14:xfrm>
           </p:contentPart>
         </mc:Choice>
-        <mc:Fallback>
+        <mc:Fallback xmlns="">
           <p:pic>
             <p:nvPicPr>
               <p:cNvPr id="41" name="Ink 40">
@@ -6991,7 +9047,7 @@
 </p:sld>
 </file>
 
-<file path=ppt/slides/slide4.xml><?xml version="1.0" encoding="utf-8"?>
+<file path=ppt/slides/slide6.xml><?xml version="1.0" encoding="utf-8"?>
 <p:sld xmlns:a="http://schemas.openxmlformats.org/drawingml/2006/main" xmlns:r="http://schemas.openxmlformats.org/officeDocument/2006/relationships" xmlns:p="http://schemas.openxmlformats.org/presentationml/2006/main">
   <p:cSld>
     <p:spTree>
@@ -7068,8 +9124,8 @@
           </a:prstGeom>
         </p:spPr>
       </p:pic>
-      <mc:AlternateContent xmlns:mc="http://schemas.openxmlformats.org/markup-compatibility/2006">
-        <mc:Choice xmlns:p14="http://schemas.microsoft.com/office/powerpoint/2010/main" Requires="p14">
+      <mc:AlternateContent xmlns:mc="http://schemas.openxmlformats.org/markup-compatibility/2006" xmlns:p14="http://schemas.microsoft.com/office/powerpoint/2010/main">
+        <mc:Choice Requires="p14">
           <p:contentPart p14:bwMode="auto" r:id="rId4">
             <p14:nvContentPartPr>
               <p14:cNvPr id="28" name="Ink 27">
@@ -7088,7 +9144,7 @@
             </p14:xfrm>
           </p:contentPart>
         </mc:Choice>
-        <mc:Fallback>
+        <mc:Fallback xmlns="">
           <p:pic>
             <p:nvPicPr>
               <p:cNvPr id="28" name="Ink 27">
@@ -7119,8 +9175,8 @@
           </p:pic>
         </mc:Fallback>
       </mc:AlternateContent>
-      <mc:AlternateContent xmlns:mc="http://schemas.openxmlformats.org/markup-compatibility/2006">
-        <mc:Choice xmlns:p14="http://schemas.microsoft.com/office/powerpoint/2010/main" Requires="p14">
+      <mc:AlternateContent xmlns:mc="http://schemas.openxmlformats.org/markup-compatibility/2006" xmlns:p14="http://schemas.microsoft.com/office/powerpoint/2010/main">
+        <mc:Choice Requires="p14">
           <p:contentPart p14:bwMode="auto" r:id="rId6">
             <p14:nvContentPartPr>
               <p14:cNvPr id="29" name="Ink 28">
@@ -7139,7 +9195,7 @@
             </p14:xfrm>
           </p:contentPart>
         </mc:Choice>
-        <mc:Fallback>
+        <mc:Fallback xmlns="">
           <p:pic>
             <p:nvPicPr>
               <p:cNvPr id="29" name="Ink 28">
@@ -7170,8 +9226,8 @@
           </p:pic>
         </mc:Fallback>
       </mc:AlternateContent>
-      <mc:AlternateContent xmlns:mc="http://schemas.openxmlformats.org/markup-compatibility/2006">
-        <mc:Choice xmlns:p14="http://schemas.microsoft.com/office/powerpoint/2010/main" Requires="p14">
+      <mc:AlternateContent xmlns:mc="http://schemas.openxmlformats.org/markup-compatibility/2006" xmlns:p14="http://schemas.microsoft.com/office/powerpoint/2010/main">
+        <mc:Choice Requires="p14">
           <p:contentPart p14:bwMode="auto" r:id="rId8">
             <p14:nvContentPartPr>
               <p14:cNvPr id="30" name="Ink 29">
@@ -7190,7 +9246,7 @@
             </p14:xfrm>
           </p:contentPart>
         </mc:Choice>
-        <mc:Fallback>
+        <mc:Fallback xmlns="">
           <p:pic>
             <p:nvPicPr>
               <p:cNvPr id="30" name="Ink 29">
@@ -7221,8 +9277,8 @@
           </p:pic>
         </mc:Fallback>
       </mc:AlternateContent>
-      <mc:AlternateContent xmlns:mc="http://schemas.openxmlformats.org/markup-compatibility/2006">
-        <mc:Choice xmlns:p14="http://schemas.microsoft.com/office/powerpoint/2010/main" Requires="p14">
+      <mc:AlternateContent xmlns:mc="http://schemas.openxmlformats.org/markup-compatibility/2006" xmlns:p14="http://schemas.microsoft.com/office/powerpoint/2010/main">
+        <mc:Choice Requires="p14">
           <p:contentPart p14:bwMode="auto" r:id="rId10">
             <p14:nvContentPartPr>
               <p14:cNvPr id="33" name="Ink 32">
@@ -7241,7 +9297,7 @@
             </p14:xfrm>
           </p:contentPart>
         </mc:Choice>
-        <mc:Fallback>
+        <mc:Fallback xmlns="">
           <p:pic>
             <p:nvPicPr>
               <p:cNvPr id="33" name="Ink 32">
@@ -7272,8 +9328,8 @@
           </p:pic>
         </mc:Fallback>
       </mc:AlternateContent>
-      <mc:AlternateContent xmlns:mc="http://schemas.openxmlformats.org/markup-compatibility/2006">
-        <mc:Choice xmlns:p14="http://schemas.microsoft.com/office/powerpoint/2010/main" Requires="p14">
+      <mc:AlternateContent xmlns:mc="http://schemas.openxmlformats.org/markup-compatibility/2006" xmlns:p14="http://schemas.microsoft.com/office/powerpoint/2010/main">
+        <mc:Choice Requires="p14">
           <p:contentPart p14:bwMode="auto" r:id="rId12">
             <p14:nvContentPartPr>
               <p14:cNvPr id="36" name="Ink 35">
@@ -7292,7 +9348,7 @@
             </p14:xfrm>
           </p:contentPart>
         </mc:Choice>
-        <mc:Fallback>
+        <mc:Fallback xmlns="">
           <p:pic>
             <p:nvPicPr>
               <p:cNvPr id="36" name="Ink 35">
@@ -7323,8 +9379,8 @@
           </p:pic>
         </mc:Fallback>
       </mc:AlternateContent>
-      <mc:AlternateContent xmlns:mc="http://schemas.openxmlformats.org/markup-compatibility/2006">
-        <mc:Choice xmlns:p14="http://schemas.microsoft.com/office/powerpoint/2010/main" Requires="p14">
+      <mc:AlternateContent xmlns:mc="http://schemas.openxmlformats.org/markup-compatibility/2006" xmlns:p14="http://schemas.microsoft.com/office/powerpoint/2010/main">
+        <mc:Choice Requires="p14">
           <p:contentPart p14:bwMode="auto" r:id="rId14">
             <p14:nvContentPartPr>
               <p14:cNvPr id="37" name="Ink 36">
@@ -7343,7 +9399,7 @@
             </p14:xfrm>
           </p:contentPart>
         </mc:Choice>
-        <mc:Fallback>
+        <mc:Fallback xmlns="">
           <p:pic>
             <p:nvPicPr>
               <p:cNvPr id="37" name="Ink 36">
@@ -7374,8 +9430,8 @@
           </p:pic>
         </mc:Fallback>
       </mc:AlternateContent>
-      <mc:AlternateContent xmlns:mc="http://schemas.openxmlformats.org/markup-compatibility/2006">
-        <mc:Choice xmlns:p14="http://schemas.microsoft.com/office/powerpoint/2010/main" Requires="p14">
+      <mc:AlternateContent xmlns:mc="http://schemas.openxmlformats.org/markup-compatibility/2006" xmlns:p14="http://schemas.microsoft.com/office/powerpoint/2010/main">
+        <mc:Choice Requires="p14">
           <p:contentPart p14:bwMode="auto" r:id="rId16">
             <p14:nvContentPartPr>
               <p14:cNvPr id="40" name="Ink 39">
@@ -7394,7 +9450,7 @@
             </p14:xfrm>
           </p:contentPart>
         </mc:Choice>
-        <mc:Fallback>
+        <mc:Fallback xmlns="">
           <p:pic>
             <p:nvPicPr>
               <p:cNvPr id="40" name="Ink 39">
@@ -7425,8 +9481,8 @@
           </p:pic>
         </mc:Fallback>
       </mc:AlternateContent>
-      <mc:AlternateContent xmlns:mc="http://schemas.openxmlformats.org/markup-compatibility/2006">
-        <mc:Choice xmlns:p14="http://schemas.microsoft.com/office/powerpoint/2010/main" Requires="p14">
+      <mc:AlternateContent xmlns:mc="http://schemas.openxmlformats.org/markup-compatibility/2006" xmlns:p14="http://schemas.microsoft.com/office/powerpoint/2010/main">
+        <mc:Choice Requires="p14">
           <p:contentPart p14:bwMode="auto" r:id="rId18">
             <p14:nvContentPartPr>
               <p14:cNvPr id="41" name="Ink 40">
@@ -7445,7 +9501,7 @@
             </p14:xfrm>
           </p:contentPart>
         </mc:Choice>
-        <mc:Fallback>
+        <mc:Fallback xmlns="">
           <p:pic>
             <p:nvPicPr>
               <p:cNvPr id="41" name="Ink 40">
@@ -7489,7 +9545,7 @@
 </p:sld>
 </file>
 
-<file path=ppt/slides/slide5.xml><?xml version="1.0" encoding="utf-8"?>
+<file path=ppt/slides/slide7.xml><?xml version="1.0" encoding="utf-8"?>
 <p:sld xmlns:a="http://schemas.openxmlformats.org/drawingml/2006/main" xmlns:r="http://schemas.openxmlformats.org/officeDocument/2006/relationships" xmlns:p="http://schemas.openxmlformats.org/presentationml/2006/main">
   <p:cSld>
     <p:spTree>

--- a/Figure Generating/illustration_conclusion.pptx
+++ b/Figure Generating/illustration_conclusion.pptx
@@ -5,16 +5,18 @@
     <p:sldMasterId id="2147483659" r:id="rId1"/>
   </p:sldMasterIdLst>
   <p:notesMasterIdLst>
-    <p:notesMasterId r:id="rId9"/>
+    <p:notesMasterId r:id="rId11"/>
   </p:notesMasterIdLst>
   <p:sldIdLst>
     <p:sldId id="267" r:id="rId2"/>
-    <p:sldId id="268" r:id="rId3"/>
-    <p:sldId id="262" r:id="rId4"/>
-    <p:sldId id="263" r:id="rId5"/>
-    <p:sldId id="256" r:id="rId6"/>
-    <p:sldId id="265" r:id="rId7"/>
-    <p:sldId id="266" r:id="rId8"/>
+    <p:sldId id="269" r:id="rId3"/>
+    <p:sldId id="270" r:id="rId4"/>
+    <p:sldId id="268" r:id="rId5"/>
+    <p:sldId id="262" r:id="rId6"/>
+    <p:sldId id="263" r:id="rId7"/>
+    <p:sldId id="256" r:id="rId8"/>
+    <p:sldId id="265" r:id="rId9"/>
+    <p:sldId id="266" r:id="rId10"/>
   </p:sldIdLst>
   <p:sldSz cx="9144000" cy="5143500" type="screen16x9"/>
   <p:notesSz cx="6858000" cy="9144000"/>
@@ -6779,6 +6781,451 @@
   <p:cSld>
     <p:spTree>
       <p:nvGrpSpPr>
+        <p:cNvPr id="1" name=""/>
+        <p:cNvGrpSpPr/>
+        <p:nvPr/>
+      </p:nvGrpSpPr>
+      <p:grpSpPr>
+        <a:xfrm>
+          <a:off x="0" y="0"/>
+          <a:ext cx="0" cy="0"/>
+          <a:chOff x="0" y="0"/>
+          <a:chExt cx="0" cy="0"/>
+        </a:xfrm>
+      </p:grpSpPr>
+      <p:pic>
+        <p:nvPicPr>
+          <p:cNvPr id="3" name="Picture 2">
+            <a:extLst>
+              <a:ext uri="{FF2B5EF4-FFF2-40B4-BE49-F238E27FC236}">
+                <a16:creationId xmlns:a16="http://schemas.microsoft.com/office/drawing/2014/main" id="{3FF883E9-05F5-46DD-A8B8-25930E6B48BD}"/>
+              </a:ext>
+            </a:extLst>
+          </p:cNvPr>
+          <p:cNvPicPr>
+            <a:picLocks noChangeAspect="1"/>
+          </p:cNvPicPr>
+          <p:nvPr/>
+        </p:nvPicPr>
+        <p:blipFill>
+          <a:blip r:embed="rId2"/>
+          <a:stretch>
+            <a:fillRect/>
+          </a:stretch>
+        </p:blipFill>
+        <p:spPr>
+          <a:xfrm>
+            <a:off x="0" y="465221"/>
+            <a:ext cx="9144000" cy="3202100"/>
+          </a:xfrm>
+          <a:prstGeom prst="rect">
+            <a:avLst/>
+          </a:prstGeom>
+        </p:spPr>
+      </p:pic>
+      <p:sp>
+        <p:nvSpPr>
+          <p:cNvPr id="15" name="TextBox 14">
+            <a:extLst>
+              <a:ext uri="{FF2B5EF4-FFF2-40B4-BE49-F238E27FC236}">
+                <a16:creationId xmlns:a16="http://schemas.microsoft.com/office/drawing/2014/main" id="{A8F05FCF-E6E8-4212-8E7A-ECB1DB98B6CD}"/>
+              </a:ext>
+            </a:extLst>
+          </p:cNvPr>
+          <p:cNvSpPr txBox="1"/>
+          <p:nvPr/>
+        </p:nvSpPr>
+        <p:spPr>
+          <a:xfrm>
+            <a:off x="3084543" y="2139644"/>
+            <a:ext cx="402674" cy="830997"/>
+          </a:xfrm>
+          <a:prstGeom prst="rect">
+            <a:avLst/>
+          </a:prstGeom>
+          <a:noFill/>
+        </p:spPr>
+        <p:txBody>
+          <a:bodyPr wrap="none" rtlCol="0">
+            <a:spAutoFit/>
+          </a:bodyPr>
+          <a:lstStyle/>
+          <a:p>
+            <a:r>
+              <a:rPr lang="en-US" sz="4800" dirty="0">
+                <a:latin typeface="Abadi Extra Light" panose="020B0204020104020204" pitchFamily="34" charset="0"/>
+              </a:rPr>
+              <a:t>]</a:t>
+            </a:r>
+          </a:p>
+        </p:txBody>
+      </p:sp>
+      <p:sp>
+        <p:nvSpPr>
+          <p:cNvPr id="17" name="TextBox 16">
+            <a:extLst>
+              <a:ext uri="{FF2B5EF4-FFF2-40B4-BE49-F238E27FC236}">
+                <a16:creationId xmlns:a16="http://schemas.microsoft.com/office/drawing/2014/main" id="{D2377D77-82DC-4713-A7C0-B57E9ADD3A66}"/>
+              </a:ext>
+            </a:extLst>
+          </p:cNvPr>
+          <p:cNvSpPr txBox="1"/>
+          <p:nvPr/>
+        </p:nvSpPr>
+        <p:spPr>
+          <a:xfrm>
+            <a:off x="3084352" y="2051982"/>
+            <a:ext cx="454606" cy="461665"/>
+          </a:xfrm>
+          <a:prstGeom prst="rect">
+            <a:avLst/>
+          </a:prstGeom>
+          <a:noFill/>
+        </p:spPr>
+        <p:txBody>
+          <a:bodyPr wrap="square">
+            <a:spAutoFit/>
+          </a:bodyPr>
+          <a:lstStyle/>
+          <a:p>
+            <a:r>
+              <a:rPr lang="en-US" sz="2400" b="1" dirty="0">
+                <a:latin typeface="+mj-lt"/>
+              </a:rPr>
+              <a:t>**</a:t>
+            </a:r>
+          </a:p>
+        </p:txBody>
+      </p:sp>
+      <p:sp>
+        <p:nvSpPr>
+          <p:cNvPr id="18" name="TextBox 17">
+            <a:extLst>
+              <a:ext uri="{FF2B5EF4-FFF2-40B4-BE49-F238E27FC236}">
+                <a16:creationId xmlns:a16="http://schemas.microsoft.com/office/drawing/2014/main" id="{5B0B6973-58D0-45CE-85BA-3A56A77E854E}"/>
+              </a:ext>
+            </a:extLst>
+          </p:cNvPr>
+          <p:cNvSpPr txBox="1"/>
+          <p:nvPr/>
+        </p:nvSpPr>
+        <p:spPr>
+          <a:xfrm>
+            <a:off x="5676491" y="2139644"/>
+            <a:ext cx="402674" cy="830997"/>
+          </a:xfrm>
+          <a:prstGeom prst="rect">
+            <a:avLst/>
+          </a:prstGeom>
+          <a:noFill/>
+        </p:spPr>
+        <p:txBody>
+          <a:bodyPr wrap="none" rtlCol="0">
+            <a:spAutoFit/>
+          </a:bodyPr>
+          <a:lstStyle/>
+          <a:p>
+            <a:r>
+              <a:rPr lang="en-US" sz="4800" dirty="0">
+                <a:latin typeface="Abadi Extra Light" panose="020B0204020104020204" pitchFamily="34" charset="0"/>
+              </a:rPr>
+              <a:t>]</a:t>
+            </a:r>
+          </a:p>
+        </p:txBody>
+      </p:sp>
+      <p:sp>
+        <p:nvSpPr>
+          <p:cNvPr id="19" name="TextBox 18">
+            <a:extLst>
+              <a:ext uri="{FF2B5EF4-FFF2-40B4-BE49-F238E27FC236}">
+                <a16:creationId xmlns:a16="http://schemas.microsoft.com/office/drawing/2014/main" id="{3A6C4D7B-8081-4EA5-BB79-1F0D0D5F7310}"/>
+              </a:ext>
+            </a:extLst>
+          </p:cNvPr>
+          <p:cNvSpPr txBox="1"/>
+          <p:nvPr/>
+        </p:nvSpPr>
+        <p:spPr>
+          <a:xfrm>
+            <a:off x="5676491" y="2005816"/>
+            <a:ext cx="632262" cy="461665"/>
+          </a:xfrm>
+          <a:prstGeom prst="rect">
+            <a:avLst/>
+          </a:prstGeom>
+          <a:noFill/>
+        </p:spPr>
+        <p:txBody>
+          <a:bodyPr wrap="square">
+            <a:spAutoFit/>
+          </a:bodyPr>
+          <a:lstStyle/>
+          <a:p>
+            <a:r>
+              <a:rPr lang="en-US" sz="2400" b="1" dirty="0">
+                <a:latin typeface="+mj-lt"/>
+              </a:rPr>
+              <a:t>***</a:t>
+            </a:r>
+          </a:p>
+        </p:txBody>
+      </p:sp>
+      <p:sp>
+        <p:nvSpPr>
+          <p:cNvPr id="20" name="TextBox 19">
+            <a:extLst>
+              <a:ext uri="{FF2B5EF4-FFF2-40B4-BE49-F238E27FC236}">
+                <a16:creationId xmlns:a16="http://schemas.microsoft.com/office/drawing/2014/main" id="{F8CBA575-440E-446C-912B-D6B92D674F33}"/>
+              </a:ext>
+            </a:extLst>
+          </p:cNvPr>
+          <p:cNvSpPr txBox="1"/>
+          <p:nvPr/>
+        </p:nvSpPr>
+        <p:spPr>
+          <a:xfrm>
+            <a:off x="8562440" y="1636484"/>
+            <a:ext cx="402674" cy="830997"/>
+          </a:xfrm>
+          <a:prstGeom prst="rect">
+            <a:avLst/>
+          </a:prstGeom>
+          <a:noFill/>
+        </p:spPr>
+        <p:txBody>
+          <a:bodyPr wrap="none" rtlCol="0">
+            <a:spAutoFit/>
+          </a:bodyPr>
+          <a:lstStyle/>
+          <a:p>
+            <a:r>
+              <a:rPr lang="en-US" sz="4800" dirty="0">
+                <a:latin typeface="Abadi Extra Light" panose="020B0204020104020204" pitchFamily="34" charset="0"/>
+              </a:rPr>
+              <a:t>]</a:t>
+            </a:r>
+          </a:p>
+        </p:txBody>
+      </p:sp>
+      <p:sp>
+        <p:nvSpPr>
+          <p:cNvPr id="21" name="TextBox 20">
+            <a:extLst>
+              <a:ext uri="{FF2B5EF4-FFF2-40B4-BE49-F238E27FC236}">
+                <a16:creationId xmlns:a16="http://schemas.microsoft.com/office/drawing/2014/main" id="{3E189D42-DEC3-4E53-B23B-86C59B72727B}"/>
+              </a:ext>
+            </a:extLst>
+          </p:cNvPr>
+          <p:cNvSpPr txBox="1"/>
+          <p:nvPr/>
+        </p:nvSpPr>
+        <p:spPr>
+          <a:xfrm>
+            <a:off x="8496129" y="1498585"/>
+            <a:ext cx="535296" cy="400110"/>
+          </a:xfrm>
+          <a:prstGeom prst="rect">
+            <a:avLst/>
+          </a:prstGeom>
+          <a:noFill/>
+        </p:spPr>
+        <p:txBody>
+          <a:bodyPr wrap="square">
+            <a:spAutoFit/>
+          </a:bodyPr>
+          <a:lstStyle/>
+          <a:p>
+            <a:r>
+              <a:rPr lang="en-US" sz="2000" b="1" dirty="0">
+                <a:latin typeface="+mj-lt"/>
+              </a:rPr>
+              <a:t>ns</a:t>
+            </a:r>
+          </a:p>
+        </p:txBody>
+      </p:sp>
+      <p:sp>
+        <p:nvSpPr>
+          <p:cNvPr id="7" name="Rectangle 6">
+            <a:extLst>
+              <a:ext uri="{FF2B5EF4-FFF2-40B4-BE49-F238E27FC236}">
+                <a16:creationId xmlns:a16="http://schemas.microsoft.com/office/drawing/2014/main" id="{228CB326-81CB-4BD0-8CD7-E54738DDADE8}"/>
+              </a:ext>
+            </a:extLst>
+          </p:cNvPr>
+          <p:cNvSpPr/>
+          <p:nvPr/>
+        </p:nvSpPr>
+        <p:spPr>
+          <a:xfrm>
+            <a:off x="8965114" y="-161065"/>
+            <a:ext cx="861486" cy="1090864"/>
+          </a:xfrm>
+          <a:prstGeom prst="rect">
+            <a:avLst/>
+          </a:prstGeom>
+          <a:solidFill>
+            <a:schemeClr val="bg1"/>
+          </a:solidFill>
+          <a:ln>
+            <a:solidFill>
+              <a:schemeClr val="bg1"/>
+            </a:solidFill>
+          </a:ln>
+        </p:spPr>
+        <p:style>
+          <a:lnRef idx="2">
+            <a:schemeClr val="accent1">
+              <a:shade val="50000"/>
+            </a:schemeClr>
+          </a:lnRef>
+          <a:fillRef idx="1">
+            <a:schemeClr val="accent1"/>
+          </a:fillRef>
+          <a:effectRef idx="0">
+            <a:schemeClr val="accent1"/>
+          </a:effectRef>
+          <a:fontRef idx="minor">
+            <a:schemeClr val="lt1"/>
+          </a:fontRef>
+        </p:style>
+        <p:txBody>
+          <a:bodyPr rtlCol="0" anchor="ctr"/>
+          <a:lstStyle/>
+          <a:p>
+            <a:pPr algn="ctr"/>
+            <a:endParaRPr lang="en-US"/>
+          </a:p>
+        </p:txBody>
+      </p:sp>
+      <p:sp>
+        <p:nvSpPr>
+          <p:cNvPr id="12" name="Rectangle 11">
+            <a:extLst>
+              <a:ext uri="{FF2B5EF4-FFF2-40B4-BE49-F238E27FC236}">
+                <a16:creationId xmlns:a16="http://schemas.microsoft.com/office/drawing/2014/main" id="{3356C59D-BE85-4039-B6BB-E7464E0AE65F}"/>
+              </a:ext>
+            </a:extLst>
+          </p:cNvPr>
+          <p:cNvSpPr/>
+          <p:nvPr/>
+        </p:nvSpPr>
+        <p:spPr>
+          <a:xfrm>
+            <a:off x="77591" y="384367"/>
+            <a:ext cx="1171345" cy="1090864"/>
+          </a:xfrm>
+          <a:prstGeom prst="rect">
+            <a:avLst/>
+          </a:prstGeom>
+          <a:solidFill>
+            <a:schemeClr val="bg1"/>
+          </a:solidFill>
+          <a:ln>
+            <a:solidFill>
+              <a:schemeClr val="bg1"/>
+            </a:solidFill>
+          </a:ln>
+        </p:spPr>
+        <p:style>
+          <a:lnRef idx="2">
+            <a:schemeClr val="accent1">
+              <a:shade val="50000"/>
+            </a:schemeClr>
+          </a:lnRef>
+          <a:fillRef idx="1">
+            <a:schemeClr val="accent1"/>
+          </a:fillRef>
+          <a:effectRef idx="0">
+            <a:schemeClr val="accent1"/>
+          </a:effectRef>
+          <a:fontRef idx="minor">
+            <a:schemeClr val="lt1"/>
+          </a:fontRef>
+        </p:style>
+        <p:txBody>
+          <a:bodyPr rtlCol="0" anchor="ctr"/>
+          <a:lstStyle/>
+          <a:p>
+            <a:pPr algn="ctr"/>
+            <a:endParaRPr lang="en-US"/>
+          </a:p>
+        </p:txBody>
+      </p:sp>
+    </p:spTree>
+    <p:extLst>
+      <p:ext uri="{BB962C8B-B14F-4D97-AF65-F5344CB8AC3E}">
+        <p14:creationId xmlns:p14="http://schemas.microsoft.com/office/powerpoint/2010/main" val="824570824"/>
+      </p:ext>
+    </p:extLst>
+  </p:cSld>
+  <p:clrMapOvr>
+    <a:masterClrMapping/>
+  </p:clrMapOvr>
+</p:sld>
+</file>
+
+<file path=ppt/slides/slide3.xml><?xml version="1.0" encoding="utf-8"?>
+<p:sld xmlns:a="http://schemas.openxmlformats.org/drawingml/2006/main" xmlns:r="http://schemas.openxmlformats.org/officeDocument/2006/relationships" xmlns:p="http://schemas.openxmlformats.org/presentationml/2006/main">
+  <p:cSld>
+    <p:spTree>
+      <p:nvGrpSpPr>
+        <p:cNvPr id="1" name=""/>
+        <p:cNvGrpSpPr/>
+        <p:nvPr/>
+      </p:nvGrpSpPr>
+      <p:grpSpPr>
+        <a:xfrm>
+          <a:off x="0" y="0"/>
+          <a:ext cx="0" cy="0"/>
+          <a:chOff x="0" y="0"/>
+          <a:chExt cx="0" cy="0"/>
+        </a:xfrm>
+      </p:grpSpPr>
+      <p:sp>
+        <p:nvSpPr>
+          <p:cNvPr id="2" name="Title 1">
+            <a:extLst>
+              <a:ext uri="{FF2B5EF4-FFF2-40B4-BE49-F238E27FC236}">
+                <a16:creationId xmlns:a16="http://schemas.microsoft.com/office/drawing/2014/main" id="{0BC1151D-3F67-41C1-A5A1-EC00F3520517}"/>
+              </a:ext>
+            </a:extLst>
+          </p:cNvPr>
+          <p:cNvSpPr>
+            <a:spLocks noGrp="1"/>
+          </p:cNvSpPr>
+          <p:nvPr>
+            <p:ph type="title"/>
+          </p:nvPr>
+        </p:nvSpPr>
+        <p:spPr/>
+        <p:txBody>
+          <a:bodyPr/>
+          <a:lstStyle/>
+          <a:p>
+            <a:endParaRPr lang="en-US"/>
+          </a:p>
+        </p:txBody>
+      </p:sp>
+    </p:spTree>
+    <p:extLst>
+      <p:ext uri="{BB962C8B-B14F-4D97-AF65-F5344CB8AC3E}">
+        <p14:creationId xmlns:p14="http://schemas.microsoft.com/office/powerpoint/2010/main" val="791765194"/>
+      </p:ext>
+    </p:extLst>
+  </p:cSld>
+  <p:clrMapOvr>
+    <a:masterClrMapping/>
+  </p:clrMapOvr>
+</p:sld>
+</file>
+
+<file path=ppt/slides/slide4.xml><?xml version="1.0" encoding="utf-8"?>
+<p:sld xmlns:a="http://schemas.openxmlformats.org/drawingml/2006/main" xmlns:r="http://schemas.openxmlformats.org/officeDocument/2006/relationships" xmlns:p="http://schemas.openxmlformats.org/presentationml/2006/main">
+  <p:cSld>
+    <p:spTree>
+      <p:nvGrpSpPr>
         <p:cNvPr id="1" name="Shape 83"/>
         <p:cNvGrpSpPr/>
         <p:nvPr/>
@@ -7720,7 +8167,7 @@
 </p:sld>
 </file>
 
-<file path=ppt/slides/slide3.xml><?xml version="1.0" encoding="utf-8"?>
+<file path=ppt/slides/slide5.xml><?xml version="1.0" encoding="utf-8"?>
 <p:sld xmlns:a="http://schemas.openxmlformats.org/drawingml/2006/main" xmlns:r="http://schemas.openxmlformats.org/officeDocument/2006/relationships" xmlns:p="http://schemas.openxmlformats.org/presentationml/2006/main">
   <p:cSld>
     <p:spTree>
@@ -8383,7 +8830,7 @@
 </p:sld>
 </file>
 
-<file path=ppt/slides/slide4.xml><?xml version="1.0" encoding="utf-8"?>
+<file path=ppt/slides/slide6.xml><?xml version="1.0" encoding="utf-8"?>
 <p:sld xmlns:a="http://schemas.openxmlformats.org/drawingml/2006/main" xmlns:r="http://schemas.openxmlformats.org/officeDocument/2006/relationships" xmlns:p="http://schemas.openxmlformats.org/presentationml/2006/main">
   <p:cSld>
     <p:spTree>
@@ -8502,7 +8949,7 @@
 </p:sld>
 </file>
 
-<file path=ppt/slides/slide5.xml><?xml version="1.0" encoding="utf-8"?>
+<file path=ppt/slides/slide7.xml><?xml version="1.0" encoding="utf-8"?>
 <p:sld xmlns:a="http://schemas.openxmlformats.org/drawingml/2006/main" xmlns:r="http://schemas.openxmlformats.org/officeDocument/2006/relationships" xmlns:p="http://schemas.openxmlformats.org/presentationml/2006/main">
   <p:cSld>
     <p:spTree>
@@ -9047,7 +9494,7 @@
 </p:sld>
 </file>
 
-<file path=ppt/slides/slide6.xml><?xml version="1.0" encoding="utf-8"?>
+<file path=ppt/slides/slide8.xml><?xml version="1.0" encoding="utf-8"?>
 <p:sld xmlns:a="http://schemas.openxmlformats.org/drawingml/2006/main" xmlns:r="http://schemas.openxmlformats.org/officeDocument/2006/relationships" xmlns:p="http://schemas.openxmlformats.org/presentationml/2006/main">
   <p:cSld>
     <p:spTree>
@@ -9545,7 +9992,7 @@
 </p:sld>
 </file>
 
-<file path=ppt/slides/slide7.xml><?xml version="1.0" encoding="utf-8"?>
+<file path=ppt/slides/slide9.xml><?xml version="1.0" encoding="utf-8"?>
 <p:sld xmlns:a="http://schemas.openxmlformats.org/drawingml/2006/main" xmlns:r="http://schemas.openxmlformats.org/officeDocument/2006/relationships" xmlns:p="http://schemas.openxmlformats.org/presentationml/2006/main">
   <p:cSld>
     <p:spTree>

--- a/Figure Generating/illustration_conclusion.pptx
+++ b/Figure Generating/illustration_conclusion.pptx
@@ -5,21 +5,19 @@
     <p:sldMasterId id="2147483659" r:id="rId1"/>
   </p:sldMasterIdLst>
   <p:notesMasterIdLst>
-    <p:notesMasterId r:id="rId11"/>
+    <p:notesMasterId r:id="rId9"/>
   </p:notesMasterIdLst>
   <p:sldIdLst>
     <p:sldId id="267" r:id="rId2"/>
-    <p:sldId id="269" r:id="rId3"/>
-    <p:sldId id="270" r:id="rId4"/>
-    <p:sldId id="268" r:id="rId5"/>
-    <p:sldId id="262" r:id="rId6"/>
-    <p:sldId id="263" r:id="rId7"/>
-    <p:sldId id="256" r:id="rId8"/>
-    <p:sldId id="265" r:id="rId9"/>
-    <p:sldId id="266" r:id="rId10"/>
+    <p:sldId id="271" r:id="rId3"/>
+    <p:sldId id="269" r:id="rId4"/>
+    <p:sldId id="262" r:id="rId5"/>
+    <p:sldId id="256" r:id="rId6"/>
+    <p:sldId id="265" r:id="rId7"/>
+    <p:sldId id="266" r:id="rId8"/>
   </p:sldIdLst>
   <p:sldSz cx="9144000" cy="5143500" type="screen16x9"/>
-  <p:notesSz cx="6858000" cy="9144000"/>
+  <p:notesSz cx="7315200" cy="9601200"/>
   <p:defaultTextStyle>
     <a:defPPr marR="0" lvl="0" algn="l" rtl="0">
       <a:lnSpc>
@@ -766,8 +764,8 @@
         </p:nvSpPr>
         <p:spPr>
           <a:xfrm>
-            <a:off x="381300" y="685800"/>
-            <a:ext cx="6096075" cy="3429000"/>
+            <a:off x="457200" y="720725"/>
+            <a:ext cx="6400800" cy="3600450"/>
           </a:xfrm>
           <a:custGeom>
             <a:avLst/>
@@ -817,8 +815,8 @@
         </p:nvSpPr>
         <p:spPr>
           <a:xfrm>
-            <a:off x="685800" y="4343400"/>
-            <a:ext cx="5486400" cy="4114800"/>
+            <a:off x="731520" y="4560570"/>
+            <a:ext cx="5852160" cy="4320540"/>
           </a:xfrm>
           <a:prstGeom prst="rect">
             <a:avLst/>
@@ -829,7 +827,7 @@
           </a:ln>
         </p:spPr>
         <p:txBody>
-          <a:bodyPr spcFirstLastPara="1" wrap="square" lIns="91425" tIns="91425" rIns="91425" bIns="91425" anchor="t" anchorCtr="0">
+          <a:bodyPr spcFirstLastPara="1" wrap="square" lIns="96645" tIns="96645" rIns="96645" bIns="96645" anchor="t" anchorCtr="0">
             <a:noAutofit/>
           </a:bodyPr>
           <a:lstStyle>
@@ -1202,8 +1200,8 @@
         </p:nvSpPr>
         <p:spPr>
           <a:xfrm>
-            <a:off x="381000" y="685800"/>
-            <a:ext cx="6096000" cy="3429000"/>
+            <a:off x="457200" y="720725"/>
+            <a:ext cx="6400800" cy="3600450"/>
           </a:xfrm>
           <a:custGeom>
             <a:avLst/>
@@ -1243,26 +1241,20 @@
         </p:nvSpPr>
         <p:spPr>
           <a:xfrm>
-            <a:off x="685800" y="4343400"/>
-            <a:ext cx="5486400" cy="4114800"/>
+            <a:off x="731520" y="4560570"/>
+            <a:ext cx="5852160" cy="4320540"/>
           </a:xfrm>
           <a:prstGeom prst="rect">
             <a:avLst/>
           </a:prstGeom>
         </p:spPr>
         <p:txBody>
-          <a:bodyPr spcFirstLastPara="1" wrap="square" lIns="91425" tIns="91425" rIns="91425" bIns="91425" anchor="t" anchorCtr="0">
+          <a:bodyPr spcFirstLastPara="1" wrap="square" lIns="96645" tIns="96645" rIns="96645" bIns="96645" anchor="t" anchorCtr="0">
             <a:noAutofit/>
           </a:bodyPr>
           <a:lstStyle/>
           <a:p>
-            <a:pPr marL="0" lvl="0" indent="0" algn="l" rtl="0">
-              <a:spcBef>
-                <a:spcPts val="0"/>
-              </a:spcBef>
-              <a:spcAft>
-                <a:spcPts val="0"/>
-              </a:spcAft>
+            <a:pPr marL="0" indent="0">
               <a:buNone/>
             </a:pPr>
             <a:endParaRPr/>
@@ -1311,8 +1303,8 @@
         </p:nvSpPr>
         <p:spPr>
           <a:xfrm>
-            <a:off x="381000" y="685800"/>
-            <a:ext cx="6096000" cy="3429000"/>
+            <a:off x="457200" y="720725"/>
+            <a:ext cx="6400800" cy="3600450"/>
           </a:xfrm>
           <a:custGeom>
             <a:avLst/>
@@ -1352,26 +1344,20 @@
         </p:nvSpPr>
         <p:spPr>
           <a:xfrm>
-            <a:off x="685800" y="4343400"/>
-            <a:ext cx="5486400" cy="4114800"/>
+            <a:off x="731520" y="4560570"/>
+            <a:ext cx="5852160" cy="4320540"/>
           </a:xfrm>
           <a:prstGeom prst="rect">
             <a:avLst/>
           </a:prstGeom>
         </p:spPr>
         <p:txBody>
-          <a:bodyPr spcFirstLastPara="1" wrap="square" lIns="91425" tIns="91425" rIns="91425" bIns="91425" anchor="t" anchorCtr="0">
+          <a:bodyPr spcFirstLastPara="1" wrap="square" lIns="96645" tIns="96645" rIns="96645" bIns="96645" anchor="t" anchorCtr="0">
             <a:noAutofit/>
           </a:bodyPr>
           <a:lstStyle/>
           <a:p>
-            <a:pPr marL="0" lvl="0" indent="0" algn="l" rtl="0">
-              <a:spcBef>
-                <a:spcPts val="0"/>
-              </a:spcBef>
-              <a:spcAft>
-                <a:spcPts val="0"/>
-              </a:spcAft>
+            <a:pPr marL="0" indent="0">
               <a:buNone/>
             </a:pPr>
             <a:endParaRPr/>
@@ -1381,7 +1367,7 @@
     </p:spTree>
     <p:extLst>
       <p:ext uri="{BB962C8B-B14F-4D97-AF65-F5344CB8AC3E}">
-        <p14:creationId xmlns:p14="http://schemas.microsoft.com/office/powerpoint/2010/main" val="2099555246"/>
+        <p14:creationId xmlns:p14="http://schemas.microsoft.com/office/powerpoint/2010/main" val="4271516274"/>
       </p:ext>
     </p:extLst>
   </p:cSld>
@@ -1420,8 +1406,8 @@
         </p:nvSpPr>
         <p:spPr>
           <a:xfrm>
-            <a:off x="381000" y="685800"/>
-            <a:ext cx="6096000" cy="3429000"/>
+            <a:off x="457200" y="720725"/>
+            <a:ext cx="6400800" cy="3600450"/>
           </a:xfrm>
           <a:custGeom>
             <a:avLst/>
@@ -1461,26 +1447,20 @@
         </p:nvSpPr>
         <p:spPr>
           <a:xfrm>
-            <a:off x="685800" y="4343400"/>
-            <a:ext cx="5486400" cy="4114800"/>
+            <a:off x="731520" y="4560570"/>
+            <a:ext cx="5852160" cy="4320540"/>
           </a:xfrm>
           <a:prstGeom prst="rect">
             <a:avLst/>
           </a:prstGeom>
         </p:spPr>
         <p:txBody>
-          <a:bodyPr spcFirstLastPara="1" wrap="square" lIns="91425" tIns="91425" rIns="91425" bIns="91425" anchor="t" anchorCtr="0">
+          <a:bodyPr spcFirstLastPara="1" wrap="square" lIns="96645" tIns="96645" rIns="96645" bIns="96645" anchor="t" anchorCtr="0">
             <a:noAutofit/>
           </a:bodyPr>
           <a:lstStyle/>
           <a:p>
-            <a:pPr marL="0" lvl="0" indent="0" algn="l" rtl="0">
-              <a:spcBef>
-                <a:spcPts val="0"/>
-              </a:spcBef>
-              <a:spcAft>
-                <a:spcPts val="0"/>
-              </a:spcAft>
+            <a:pPr marL="0" indent="0">
               <a:buNone/>
             </a:pPr>
             <a:endParaRPr/>
@@ -5911,6 +5891,896 @@
         </p:nvSpPr>
         <p:spPr>
           <a:xfrm>
+            <a:off x="579708" y="366363"/>
+            <a:ext cx="7984583" cy="4303345"/>
+          </a:xfrm>
+          <a:prstGeom prst="roundRect">
+            <a:avLst>
+              <a:gd name="adj" fmla="val 16667"/>
+            </a:avLst>
+          </a:prstGeom>
+          <a:noFill/>
+          <a:ln w="76200" cap="flat" cmpd="sng">
+            <a:solidFill>
+              <a:srgbClr val="E69138"/>
+            </a:solidFill>
+            <a:prstDash val="solid"/>
+            <a:round/>
+            <a:headEnd type="none" w="sm" len="sm"/>
+            <a:tailEnd type="none" w="sm" len="sm"/>
+          </a:ln>
+        </p:spPr>
+        <p:txBody>
+          <a:bodyPr spcFirstLastPara="1" wrap="square" lIns="91425" tIns="91425" rIns="91425" bIns="91425" anchor="ctr" anchorCtr="0">
+            <a:noAutofit/>
+          </a:bodyPr>
+          <a:lstStyle/>
+          <a:p>
+            <a:pPr marL="0" lvl="0" indent="0" algn="l" rtl="0">
+              <a:spcBef>
+                <a:spcPts val="0"/>
+              </a:spcBef>
+              <a:spcAft>
+                <a:spcPts val="0"/>
+              </a:spcAft>
+              <a:buNone/>
+            </a:pPr>
+            <a:endParaRPr/>
+          </a:p>
+        </p:txBody>
+      </p:sp>
+      <p:sp>
+        <p:nvSpPr>
+          <p:cNvPr id="86" name="Google Shape;86;p16"/>
+          <p:cNvSpPr txBox="1"/>
+          <p:nvPr/>
+        </p:nvSpPr>
+        <p:spPr>
+          <a:xfrm>
+            <a:off x="3099328" y="3403407"/>
+            <a:ext cx="3055629" cy="701469"/>
+          </a:xfrm>
+          <a:prstGeom prst="roundRect">
+            <a:avLst/>
+          </a:prstGeom>
+          <a:solidFill>
+            <a:srgbClr val="92D050"/>
+          </a:solidFill>
+          <a:ln>
+            <a:noFill/>
+          </a:ln>
+        </p:spPr>
+        <p:txBody>
+          <a:bodyPr spcFirstLastPara="1" wrap="square" lIns="9144" tIns="9144" rIns="9144" bIns="9144" anchor="t" anchorCtr="0">
+            <a:spAutoFit/>
+          </a:bodyPr>
+          <a:lstStyle/>
+          <a:p>
+            <a:pPr marL="0" lvl="0" indent="0" algn="ctr" rtl="0">
+              <a:spcBef>
+                <a:spcPts val="0"/>
+              </a:spcBef>
+              <a:spcAft>
+                <a:spcPts val="0"/>
+              </a:spcAft>
+              <a:buNone/>
+            </a:pPr>
+            <a:r>
+              <a:rPr lang="en" sz="2000" b="1" dirty="0">
+                <a:solidFill>
+                  <a:schemeClr val="tx1"/>
+                </a:solidFill>
+              </a:rPr>
+              <a:t>Particle-associated lifestyle</a:t>
+            </a:r>
+            <a:endParaRPr sz="2000" b="1" dirty="0">
+              <a:solidFill>
+                <a:schemeClr val="tx1"/>
+              </a:solidFill>
+            </a:endParaRPr>
+          </a:p>
+        </p:txBody>
+      </p:sp>
+      <p:sp>
+        <p:nvSpPr>
+          <p:cNvPr id="87" name="Google Shape;87;p16"/>
+          <p:cNvSpPr txBox="1"/>
+          <p:nvPr/>
+        </p:nvSpPr>
+        <p:spPr>
+          <a:xfrm>
+            <a:off x="6117092" y="2063338"/>
+            <a:ext cx="2067308" cy="701469"/>
+          </a:xfrm>
+          <a:prstGeom prst="roundRect">
+            <a:avLst/>
+          </a:prstGeom>
+          <a:solidFill>
+            <a:srgbClr val="FF5050"/>
+          </a:solidFill>
+          <a:ln>
+            <a:noFill/>
+          </a:ln>
+        </p:spPr>
+        <p:txBody>
+          <a:bodyPr spcFirstLastPara="1" wrap="square" lIns="9144" tIns="9144" rIns="9144" bIns="9144" anchor="t" anchorCtr="0">
+            <a:spAutoFit/>
+          </a:bodyPr>
+          <a:lstStyle/>
+          <a:p>
+            <a:pPr marL="0" lvl="0" indent="0" algn="ctr" rtl="0">
+              <a:spcBef>
+                <a:spcPts val="0"/>
+              </a:spcBef>
+              <a:spcAft>
+                <a:spcPts val="0"/>
+              </a:spcAft>
+              <a:buNone/>
+            </a:pPr>
+            <a:r>
+              <a:rPr lang="en-US" sz="2000" b="1" dirty="0">
+                <a:solidFill>
+                  <a:schemeClr val="tx1"/>
+                </a:solidFill>
+              </a:rPr>
+              <a:t>Increased genome size</a:t>
+            </a:r>
+          </a:p>
+        </p:txBody>
+      </p:sp>
+      <p:sp>
+        <p:nvSpPr>
+          <p:cNvPr id="91" name="Google Shape;91;p16"/>
+          <p:cNvSpPr txBox="1"/>
+          <p:nvPr/>
+        </p:nvSpPr>
+        <p:spPr>
+          <a:xfrm>
+            <a:off x="2029523" y="4061499"/>
+            <a:ext cx="5456972" cy="469916"/>
+          </a:xfrm>
+          <a:prstGeom prst="roundRect">
+            <a:avLst/>
+          </a:prstGeom>
+          <a:noFill/>
+          <a:ln>
+            <a:noFill/>
+          </a:ln>
+        </p:spPr>
+        <p:style>
+          <a:lnRef idx="2">
+            <a:schemeClr val="accent4"/>
+          </a:lnRef>
+          <a:fillRef idx="1">
+            <a:schemeClr val="lt1"/>
+          </a:fillRef>
+          <a:effectRef idx="0">
+            <a:schemeClr val="accent4"/>
+          </a:effectRef>
+          <a:fontRef idx="minor">
+            <a:schemeClr val="dk1"/>
+          </a:fontRef>
+        </p:style>
+        <p:txBody>
+          <a:bodyPr spcFirstLastPara="1" wrap="square" lIns="27432" tIns="27432" rIns="27432" bIns="27432" anchor="t" anchorCtr="0">
+            <a:spAutoFit/>
+          </a:bodyPr>
+          <a:lstStyle/>
+          <a:p>
+            <a:pPr marL="0" lvl="0" indent="0" algn="ctr" rtl="0">
+              <a:spcBef>
+                <a:spcPts val="0"/>
+              </a:spcBef>
+              <a:spcAft>
+                <a:spcPts val="0"/>
+              </a:spcAft>
+              <a:buClr>
+                <a:schemeClr val="dk1"/>
+              </a:buClr>
+              <a:buSzPts val="1100"/>
+              <a:buFont typeface="Arial"/>
+              <a:buNone/>
+            </a:pPr>
+            <a:r>
+              <a:rPr lang="en" sz="2400" b="1" dirty="0"/>
+              <a:t>A d</a:t>
+            </a:r>
+            <a:r>
+              <a:rPr lang="en" sz="2400" b="1" dirty="0">
+                <a:solidFill>
+                  <a:schemeClr val="dk1"/>
+                </a:solidFill>
+              </a:rPr>
+              <a:t>eep-ocean</a:t>
+            </a:r>
+            <a:r>
+              <a:rPr lang="en-US" sz="2400" b="1" dirty="0">
+                <a:solidFill>
+                  <a:schemeClr val="dk1"/>
+                </a:solidFill>
+              </a:rPr>
+              <a:t> microbial</a:t>
+            </a:r>
+            <a:r>
+              <a:rPr lang="en-US" sz="2400" b="1" dirty="0"/>
+              <a:t> community</a:t>
+            </a:r>
+          </a:p>
+        </p:txBody>
+      </p:sp>
+      <p:sp>
+        <p:nvSpPr>
+          <p:cNvPr id="94" name="Google Shape;94;p16"/>
+          <p:cNvSpPr txBox="1"/>
+          <p:nvPr/>
+        </p:nvSpPr>
+        <p:spPr>
+          <a:xfrm>
+            <a:off x="586055" y="2601487"/>
+            <a:ext cx="2698020" cy="800189"/>
+          </a:xfrm>
+          <a:prstGeom prst="rect">
+            <a:avLst/>
+          </a:prstGeom>
+          <a:noFill/>
+          <a:ln>
+            <a:noFill/>
+          </a:ln>
+        </p:spPr>
+        <p:txBody>
+          <a:bodyPr spcFirstLastPara="1" wrap="square" lIns="91425" tIns="91425" rIns="91425" bIns="91425" anchor="t" anchorCtr="0">
+            <a:spAutoFit/>
+          </a:bodyPr>
+          <a:lstStyle/>
+          <a:p>
+            <a:pPr marL="0" lvl="0" indent="0" algn="ctr" rtl="0">
+              <a:spcBef>
+                <a:spcPts val="0"/>
+              </a:spcBef>
+              <a:spcAft>
+                <a:spcPts val="0"/>
+              </a:spcAft>
+              <a:buNone/>
+            </a:pPr>
+            <a:r>
+              <a:rPr lang="en" sz="2000" b="1" dirty="0">
+                <a:solidFill>
+                  <a:srgbClr val="B45F06"/>
+                </a:solidFill>
+              </a:rPr>
+              <a:t>helps competion </a:t>
+            </a:r>
+          </a:p>
+          <a:p>
+            <a:pPr marL="0" lvl="0" indent="0" algn="ctr" rtl="0">
+              <a:spcBef>
+                <a:spcPts val="0"/>
+              </a:spcBef>
+              <a:spcAft>
+                <a:spcPts val="0"/>
+              </a:spcAft>
+              <a:buNone/>
+            </a:pPr>
+            <a:r>
+              <a:rPr lang="en" sz="2000" b="1" dirty="0">
+                <a:solidFill>
+                  <a:srgbClr val="B45F06"/>
+                </a:solidFill>
+              </a:rPr>
+              <a:t>and defense on</a:t>
+            </a:r>
+            <a:endParaRPr sz="2000" b="1" dirty="0">
+              <a:solidFill>
+                <a:srgbClr val="B45F06"/>
+              </a:solidFill>
+            </a:endParaRPr>
+          </a:p>
+        </p:txBody>
+      </p:sp>
+      <p:sp>
+        <p:nvSpPr>
+          <p:cNvPr id="22" name="Google Shape;85;p16">
+            <a:extLst>
+              <a:ext uri="{FF2B5EF4-FFF2-40B4-BE49-F238E27FC236}">
+                <a16:creationId xmlns:a16="http://schemas.microsoft.com/office/drawing/2014/main" id="{7B3E143E-5E39-4CA1-91FE-5EB3C5A75D11}"/>
+              </a:ext>
+            </a:extLst>
+          </p:cNvPr>
+          <p:cNvSpPr txBox="1"/>
+          <p:nvPr/>
+        </p:nvSpPr>
+        <p:spPr>
+          <a:xfrm>
+            <a:off x="3425307" y="506422"/>
+            <a:ext cx="2293386" cy="612900"/>
+          </a:xfrm>
+          <a:prstGeom prst="roundRect">
+            <a:avLst/>
+          </a:prstGeom>
+          <a:solidFill>
+            <a:schemeClr val="accent1">
+              <a:lumMod val="60000"/>
+              <a:lumOff val="40000"/>
+            </a:schemeClr>
+          </a:solidFill>
+          <a:ln>
+            <a:noFill/>
+          </a:ln>
+        </p:spPr>
+        <p:txBody>
+          <a:bodyPr spcFirstLastPara="1" wrap="square" lIns="91425" tIns="91425" rIns="91425" bIns="91425" anchor="t" anchorCtr="0">
+            <a:spAutoFit/>
+          </a:bodyPr>
+          <a:lstStyle/>
+          <a:p>
+            <a:pPr marL="0" lvl="0" indent="0" algn="ctr" rtl="0">
+              <a:spcBef>
+                <a:spcPts val="0"/>
+              </a:spcBef>
+              <a:spcAft>
+                <a:spcPts val="0"/>
+              </a:spcAft>
+              <a:buNone/>
+            </a:pPr>
+            <a:r>
+              <a:rPr lang="en" sz="2400" b="1" dirty="0">
+                <a:solidFill>
+                  <a:schemeClr val="tx1"/>
+                </a:solidFill>
+              </a:rPr>
+              <a:t>Transposons</a:t>
+            </a:r>
+            <a:endParaRPr sz="2400" b="1" dirty="0">
+              <a:solidFill>
+                <a:schemeClr val="tx1"/>
+              </a:solidFill>
+            </a:endParaRPr>
+          </a:p>
+        </p:txBody>
+      </p:sp>
+      <p:sp>
+        <p:nvSpPr>
+          <p:cNvPr id="18" name="Google Shape;87;p16">
+            <a:extLst>
+              <a:ext uri="{FF2B5EF4-FFF2-40B4-BE49-F238E27FC236}">
+                <a16:creationId xmlns:a16="http://schemas.microsoft.com/office/drawing/2014/main" id="{A7651EED-4922-4FBC-AF26-D9ABA1EA33EE}"/>
+              </a:ext>
+            </a:extLst>
+          </p:cNvPr>
+          <p:cNvSpPr txBox="1"/>
+          <p:nvPr/>
+        </p:nvSpPr>
+        <p:spPr>
+          <a:xfrm>
+            <a:off x="855978" y="1810572"/>
+            <a:ext cx="2698019" cy="701469"/>
+          </a:xfrm>
+          <a:prstGeom prst="roundRect">
+            <a:avLst/>
+          </a:prstGeom>
+          <a:solidFill>
+            <a:srgbClr val="FF5050"/>
+          </a:solidFill>
+          <a:ln>
+            <a:noFill/>
+          </a:ln>
+        </p:spPr>
+        <p:txBody>
+          <a:bodyPr spcFirstLastPara="1" wrap="square" lIns="9144" tIns="9144" rIns="9144" bIns="9144" anchor="t" anchorCtr="0">
+            <a:spAutoFit/>
+          </a:bodyPr>
+          <a:lstStyle/>
+          <a:p>
+            <a:pPr marL="0" lvl="0" indent="0" algn="ctr" rtl="0">
+              <a:spcBef>
+                <a:spcPts val="0"/>
+              </a:spcBef>
+              <a:spcAft>
+                <a:spcPts val="0"/>
+              </a:spcAft>
+              <a:buNone/>
+            </a:pPr>
+            <a:r>
+              <a:rPr lang="en-US" sz="2000" b="1" dirty="0">
+                <a:solidFill>
+                  <a:schemeClr val="tx1"/>
+                </a:solidFill>
+              </a:rPr>
+              <a:t>Defense mechanism</a:t>
+            </a:r>
+          </a:p>
+          <a:p>
+            <a:pPr marL="0" lvl="0" indent="0" algn="ctr" rtl="0">
+              <a:spcBef>
+                <a:spcPts val="0"/>
+              </a:spcBef>
+              <a:spcAft>
+                <a:spcPts val="0"/>
+              </a:spcAft>
+              <a:buNone/>
+            </a:pPr>
+            <a:r>
+              <a:rPr lang="en-US" sz="2000" b="1" dirty="0">
+                <a:solidFill>
+                  <a:schemeClr val="tx1"/>
+                </a:solidFill>
+              </a:rPr>
+              <a:t>cassettes</a:t>
+            </a:r>
+          </a:p>
+        </p:txBody>
+      </p:sp>
+      <p:cxnSp>
+        <p:nvCxnSpPr>
+          <p:cNvPr id="19" name="Google Shape;90;p16">
+            <a:extLst>
+              <a:ext uri="{FF2B5EF4-FFF2-40B4-BE49-F238E27FC236}">
+                <a16:creationId xmlns:a16="http://schemas.microsoft.com/office/drawing/2014/main" id="{22CBA851-C115-40B9-ADAB-04C0469F5801}"/>
+              </a:ext>
+            </a:extLst>
+          </p:cNvPr>
+          <p:cNvCxnSpPr>
+            <a:cxnSpLocks/>
+          </p:cNvCxnSpPr>
+          <p:nvPr/>
+        </p:nvCxnSpPr>
+        <p:spPr>
+          <a:xfrm flipV="1">
+            <a:off x="4758009" y="1262253"/>
+            <a:ext cx="0" cy="2044390"/>
+          </a:xfrm>
+          <a:prstGeom prst="straightConnector1">
+            <a:avLst/>
+          </a:prstGeom>
+          <a:noFill/>
+          <a:ln w="57150" cap="flat" cmpd="sng">
+            <a:solidFill>
+              <a:schemeClr val="tx1"/>
+            </a:solidFill>
+            <a:prstDash val="solid"/>
+            <a:round/>
+            <a:headEnd type="none" w="med" len="med"/>
+            <a:tailEnd type="triangle" w="med" len="med"/>
+          </a:ln>
+        </p:spPr>
+      </p:cxnSp>
+      <p:sp>
+        <p:nvSpPr>
+          <p:cNvPr id="92" name="Google Shape;92;p16"/>
+          <p:cNvSpPr txBox="1"/>
+          <p:nvPr/>
+        </p:nvSpPr>
+        <p:spPr>
+          <a:xfrm>
+            <a:off x="4177200" y="2088257"/>
+            <a:ext cx="1161617" cy="357021"/>
+          </a:xfrm>
+          <a:prstGeom prst="rect">
+            <a:avLst/>
+          </a:prstGeom>
+          <a:solidFill>
+            <a:schemeClr val="bg1"/>
+          </a:solidFill>
+          <a:ln>
+            <a:noFill/>
+          </a:ln>
+        </p:spPr>
+        <p:txBody>
+          <a:bodyPr spcFirstLastPara="1" wrap="square" lIns="18288" tIns="9144" rIns="9144" bIns="9144" anchor="t" anchorCtr="0">
+            <a:spAutoFit/>
+          </a:bodyPr>
+          <a:lstStyle/>
+          <a:p>
+            <a:pPr marL="0" lvl="0" indent="0" algn="l" rtl="0">
+              <a:spcBef>
+                <a:spcPts val="0"/>
+              </a:spcBef>
+              <a:spcAft>
+                <a:spcPts val="0"/>
+              </a:spcAft>
+              <a:buNone/>
+            </a:pPr>
+            <a:r>
+              <a:rPr lang="en" sz="2200" b="1" dirty="0">
+                <a:solidFill>
+                  <a:srgbClr val="B45F06"/>
+                </a:solidFill>
+              </a:rPr>
+              <a:t>spreads</a:t>
+            </a:r>
+            <a:endParaRPr sz="2200" b="1" dirty="0">
+              <a:solidFill>
+                <a:srgbClr val="B45F06"/>
+              </a:solidFill>
+            </a:endParaRPr>
+          </a:p>
+        </p:txBody>
+      </p:sp>
+      <p:sp>
+        <p:nvSpPr>
+          <p:cNvPr id="85" name="Google Shape;92;p16">
+            <a:extLst>
+              <a:ext uri="{FF2B5EF4-FFF2-40B4-BE49-F238E27FC236}">
+                <a16:creationId xmlns:a16="http://schemas.microsoft.com/office/drawing/2014/main" id="{66075C9D-718F-4083-9BDF-0C4A805AF14D}"/>
+              </a:ext>
+            </a:extLst>
+          </p:cNvPr>
+          <p:cNvSpPr txBox="1"/>
+          <p:nvPr/>
+        </p:nvSpPr>
+        <p:spPr>
+          <a:xfrm>
+            <a:off x="2350066" y="1075423"/>
+            <a:ext cx="813573" cy="387798"/>
+          </a:xfrm>
+          <a:prstGeom prst="rect">
+            <a:avLst/>
+          </a:prstGeom>
+          <a:solidFill>
+            <a:schemeClr val="bg1"/>
+          </a:solidFill>
+          <a:ln>
+            <a:noFill/>
+          </a:ln>
+        </p:spPr>
+        <p:txBody>
+          <a:bodyPr spcFirstLastPara="1" wrap="square" lIns="18288" tIns="9144" rIns="9144" bIns="9144" anchor="t" anchorCtr="0">
+            <a:spAutoFit/>
+          </a:bodyPr>
+          <a:lstStyle/>
+          <a:p>
+            <a:pPr marL="0" lvl="0" indent="0" algn="l" rtl="0">
+              <a:spcBef>
+                <a:spcPts val="0"/>
+              </a:spcBef>
+              <a:spcAft>
+                <a:spcPts val="0"/>
+              </a:spcAft>
+              <a:buNone/>
+            </a:pPr>
+            <a:r>
+              <a:rPr lang="en" sz="2400" b="1" dirty="0">
+                <a:solidFill>
+                  <a:srgbClr val="B45F06"/>
+                </a:solidFill>
+              </a:rPr>
+              <a:t>carry</a:t>
+            </a:r>
+            <a:endParaRPr sz="2000" b="1" dirty="0">
+              <a:solidFill>
+                <a:srgbClr val="B45F06"/>
+              </a:solidFill>
+            </a:endParaRPr>
+          </a:p>
+        </p:txBody>
+      </p:sp>
+      <p:cxnSp>
+        <p:nvCxnSpPr>
+          <p:cNvPr id="23" name="Google Shape;90;p16">
+            <a:extLst>
+              <a:ext uri="{FF2B5EF4-FFF2-40B4-BE49-F238E27FC236}">
+                <a16:creationId xmlns:a16="http://schemas.microsoft.com/office/drawing/2014/main" id="{76FF781D-A53E-4BB3-9AED-568798FAB34C}"/>
+              </a:ext>
+            </a:extLst>
+          </p:cNvPr>
+          <p:cNvCxnSpPr>
+            <a:cxnSpLocks/>
+          </p:cNvCxnSpPr>
+          <p:nvPr/>
+        </p:nvCxnSpPr>
+        <p:spPr>
+          <a:xfrm flipV="1">
+            <a:off x="6075184" y="2850112"/>
+            <a:ext cx="395391" cy="451118"/>
+          </a:xfrm>
+          <a:prstGeom prst="straightConnector1">
+            <a:avLst/>
+          </a:prstGeom>
+          <a:noFill/>
+          <a:ln w="57150" cap="flat" cmpd="sng">
+            <a:solidFill>
+              <a:schemeClr val="tx1"/>
+            </a:solidFill>
+            <a:prstDash val="solid"/>
+            <a:round/>
+            <a:headEnd type="none" w="med" len="med"/>
+            <a:tailEnd type="triangle" w="med" len="med"/>
+          </a:ln>
+        </p:spPr>
+      </p:cxnSp>
+      <p:cxnSp>
+        <p:nvCxnSpPr>
+          <p:cNvPr id="27" name="Google Shape;90;p16">
+            <a:extLst>
+              <a:ext uri="{FF2B5EF4-FFF2-40B4-BE49-F238E27FC236}">
+                <a16:creationId xmlns:a16="http://schemas.microsoft.com/office/drawing/2014/main" id="{504468A2-3D05-4A3A-AF43-09B4F3D13B62}"/>
+              </a:ext>
+            </a:extLst>
+          </p:cNvPr>
+          <p:cNvCxnSpPr>
+            <a:cxnSpLocks/>
+          </p:cNvCxnSpPr>
+          <p:nvPr/>
+        </p:nvCxnSpPr>
+        <p:spPr>
+          <a:xfrm flipH="1" flipV="1">
+            <a:off x="5692780" y="1204332"/>
+            <a:ext cx="685873" cy="754414"/>
+          </a:xfrm>
+          <a:prstGeom prst="straightConnector1">
+            <a:avLst/>
+          </a:prstGeom>
+          <a:noFill/>
+          <a:ln w="57150" cap="flat" cmpd="sng">
+            <a:solidFill>
+              <a:schemeClr val="tx1"/>
+            </a:solidFill>
+            <a:prstDash val="solid"/>
+            <a:round/>
+            <a:headEnd type="none" w="med" len="med"/>
+            <a:tailEnd type="triangle" w="med" len="med"/>
+          </a:ln>
+        </p:spPr>
+      </p:cxnSp>
+      <p:cxnSp>
+        <p:nvCxnSpPr>
+          <p:cNvPr id="32" name="Google Shape;90;p16">
+            <a:extLst>
+              <a:ext uri="{FF2B5EF4-FFF2-40B4-BE49-F238E27FC236}">
+                <a16:creationId xmlns:a16="http://schemas.microsoft.com/office/drawing/2014/main" id="{6C50CF6E-766B-4443-96CC-5CCE6111D1DD}"/>
+              </a:ext>
+            </a:extLst>
+          </p:cNvPr>
+          <p:cNvCxnSpPr>
+            <a:cxnSpLocks/>
+          </p:cNvCxnSpPr>
+          <p:nvPr/>
+        </p:nvCxnSpPr>
+        <p:spPr>
+          <a:xfrm flipH="1">
+            <a:off x="2981248" y="1247182"/>
+            <a:ext cx="364118" cy="435676"/>
+          </a:xfrm>
+          <a:prstGeom prst="straightConnector1">
+            <a:avLst/>
+          </a:prstGeom>
+          <a:noFill/>
+          <a:ln w="57150" cap="flat" cmpd="sng">
+            <a:solidFill>
+              <a:schemeClr val="tx1"/>
+            </a:solidFill>
+            <a:prstDash val="solid"/>
+            <a:round/>
+            <a:headEnd type="none" w="med" len="med"/>
+            <a:tailEnd type="triangle" w="med" len="med"/>
+          </a:ln>
+        </p:spPr>
+      </p:cxnSp>
+      <p:sp>
+        <p:nvSpPr>
+          <p:cNvPr id="34" name="Google Shape;94;p16">
+            <a:extLst>
+              <a:ext uri="{FF2B5EF4-FFF2-40B4-BE49-F238E27FC236}">
+                <a16:creationId xmlns:a16="http://schemas.microsoft.com/office/drawing/2014/main" id="{DCD89C29-9457-47D3-927E-17082DE3893D}"/>
+              </a:ext>
+            </a:extLst>
+          </p:cNvPr>
+          <p:cNvSpPr txBox="1"/>
+          <p:nvPr/>
+        </p:nvSpPr>
+        <p:spPr>
+          <a:xfrm>
+            <a:off x="6224186" y="2930487"/>
+            <a:ext cx="2001151" cy="492412"/>
+          </a:xfrm>
+          <a:prstGeom prst="rect">
+            <a:avLst/>
+          </a:prstGeom>
+          <a:noFill/>
+          <a:ln>
+            <a:noFill/>
+          </a:ln>
+        </p:spPr>
+        <p:txBody>
+          <a:bodyPr spcFirstLastPara="1" wrap="square" lIns="91425" tIns="91425" rIns="91425" bIns="91425" anchor="t" anchorCtr="0">
+            <a:spAutoFit/>
+          </a:bodyPr>
+          <a:lstStyle/>
+          <a:p>
+            <a:pPr marL="0" lvl="0" indent="0" algn="ctr" rtl="0">
+              <a:spcBef>
+                <a:spcPts val="0"/>
+              </a:spcBef>
+              <a:spcAft>
+                <a:spcPts val="0"/>
+              </a:spcAft>
+              <a:buNone/>
+            </a:pPr>
+            <a:r>
+              <a:rPr lang="en" sz="2000" b="1" dirty="0">
+                <a:solidFill>
+                  <a:srgbClr val="B45F06"/>
+                </a:solidFill>
+              </a:rPr>
+              <a:t>correlates with</a:t>
+            </a:r>
+            <a:endParaRPr sz="2000" b="1" dirty="0">
+              <a:solidFill>
+                <a:srgbClr val="B45F06"/>
+              </a:solidFill>
+            </a:endParaRPr>
+          </a:p>
+        </p:txBody>
+      </p:sp>
+      <p:cxnSp>
+        <p:nvCxnSpPr>
+          <p:cNvPr id="39" name="Google Shape;90;p16">
+            <a:extLst>
+              <a:ext uri="{FF2B5EF4-FFF2-40B4-BE49-F238E27FC236}">
+                <a16:creationId xmlns:a16="http://schemas.microsoft.com/office/drawing/2014/main" id="{685EE98C-7DD8-4753-88C2-B34CD93CD22B}"/>
+              </a:ext>
+            </a:extLst>
+          </p:cNvPr>
+          <p:cNvCxnSpPr>
+            <a:cxnSpLocks/>
+          </p:cNvCxnSpPr>
+          <p:nvPr/>
+        </p:nvCxnSpPr>
+        <p:spPr>
+          <a:xfrm>
+            <a:off x="2911325" y="2608805"/>
+            <a:ext cx="624333" cy="692425"/>
+          </a:xfrm>
+          <a:prstGeom prst="straightConnector1">
+            <a:avLst/>
+          </a:prstGeom>
+          <a:noFill/>
+          <a:ln w="57150" cap="flat" cmpd="sng">
+            <a:solidFill>
+              <a:schemeClr val="tx1"/>
+            </a:solidFill>
+            <a:prstDash val="solid"/>
+            <a:round/>
+            <a:headEnd type="none" w="med" len="med"/>
+            <a:tailEnd type="triangle" w="med" len="med"/>
+          </a:ln>
+        </p:spPr>
+      </p:cxnSp>
+      <p:sp>
+        <p:nvSpPr>
+          <p:cNvPr id="45" name="Google Shape;94;p16">
+            <a:extLst>
+              <a:ext uri="{FF2B5EF4-FFF2-40B4-BE49-F238E27FC236}">
+                <a16:creationId xmlns:a16="http://schemas.microsoft.com/office/drawing/2014/main" id="{1A202B5C-1CC3-4616-A646-65D56D25AA2C}"/>
+              </a:ext>
+            </a:extLst>
+          </p:cNvPr>
+          <p:cNvSpPr txBox="1"/>
+          <p:nvPr/>
+        </p:nvSpPr>
+        <p:spPr>
+          <a:xfrm>
+            <a:off x="5980361" y="896573"/>
+            <a:ext cx="2447987" cy="1107965"/>
+          </a:xfrm>
+          <a:prstGeom prst="rect">
+            <a:avLst/>
+          </a:prstGeom>
+          <a:noFill/>
+          <a:ln>
+            <a:noFill/>
+          </a:ln>
+        </p:spPr>
+        <p:txBody>
+          <a:bodyPr spcFirstLastPara="1" wrap="square" lIns="91425" tIns="91425" rIns="91425" bIns="91425" anchor="t" anchorCtr="0">
+            <a:spAutoFit/>
+          </a:bodyPr>
+          <a:lstStyle/>
+          <a:p>
+            <a:pPr marL="0" lvl="0" indent="0" algn="ctr" rtl="0">
+              <a:spcBef>
+                <a:spcPts val="0"/>
+              </a:spcBef>
+              <a:spcAft>
+                <a:spcPts val="0"/>
+              </a:spcAft>
+              <a:buNone/>
+            </a:pPr>
+            <a:r>
+              <a:rPr lang="en-US" sz="2000" b="1" dirty="0">
+                <a:solidFill>
+                  <a:srgbClr val="B45F06"/>
+                </a:solidFill>
+              </a:rPr>
+              <a:t>b</a:t>
+            </a:r>
+            <a:r>
+              <a:rPr lang="en" sz="2000" b="1" dirty="0">
+                <a:solidFill>
+                  <a:srgbClr val="B45F06"/>
+                </a:solidFill>
+              </a:rPr>
+              <a:t>uffers distruptive </a:t>
+            </a:r>
+          </a:p>
+          <a:p>
+            <a:pPr marL="0" lvl="0" indent="0" algn="ctr" rtl="0">
+              <a:spcBef>
+                <a:spcPts val="0"/>
+              </a:spcBef>
+              <a:spcAft>
+                <a:spcPts val="0"/>
+              </a:spcAft>
+              <a:buNone/>
+            </a:pPr>
+            <a:r>
+              <a:rPr lang="en-US" sz="2000" b="1" dirty="0">
+                <a:solidFill>
+                  <a:srgbClr val="B45F06"/>
+                </a:solidFill>
+              </a:rPr>
+              <a:t>transpositions</a:t>
+            </a:r>
+          </a:p>
+          <a:p>
+            <a:pPr marL="0" lvl="0" indent="0" algn="ctr" rtl="0">
+              <a:spcBef>
+                <a:spcPts val="0"/>
+              </a:spcBef>
+              <a:spcAft>
+                <a:spcPts val="0"/>
+              </a:spcAft>
+              <a:buNone/>
+            </a:pPr>
+            <a:r>
+              <a:rPr lang="en" sz="2000" b="1" dirty="0">
+                <a:solidFill>
+                  <a:srgbClr val="B45F06"/>
+                </a:solidFill>
+              </a:rPr>
+              <a:t>caused by</a:t>
+            </a:r>
+          </a:p>
+        </p:txBody>
+      </p:sp>
+    </p:spTree>
+    <p:extLst>
+      <p:ext uri="{BB962C8B-B14F-4D97-AF65-F5344CB8AC3E}">
+        <p14:creationId xmlns:p14="http://schemas.microsoft.com/office/powerpoint/2010/main" val="2476497050"/>
+      </p:ext>
+    </p:extLst>
+  </p:cSld>
+  <p:clrMapOvr>
+    <a:masterClrMapping/>
+  </p:clrMapOvr>
+</p:sld>
+</file>
+
+<file path=ppt/slides/slide2.xml><?xml version="1.0" encoding="utf-8"?>
+<p:sld xmlns:a="http://schemas.openxmlformats.org/drawingml/2006/main" xmlns:r="http://schemas.openxmlformats.org/officeDocument/2006/relationships" xmlns:p="http://schemas.openxmlformats.org/presentationml/2006/main">
+  <p:cSld>
+    <p:spTree>
+      <p:nvGrpSpPr>
+        <p:cNvPr id="1" name="Shape 83"/>
+        <p:cNvGrpSpPr/>
+        <p:nvPr/>
+      </p:nvGrpSpPr>
+      <p:grpSpPr>
+        <a:xfrm>
+          <a:off x="0" y="0"/>
+          <a:ext cx="0" cy="0"/>
+          <a:chOff x="0" y="0"/>
+          <a:chExt cx="0" cy="0"/>
+        </a:xfrm>
+      </p:grpSpPr>
+      <p:sp>
+        <p:nvSpPr>
+          <p:cNvPr id="84" name="Google Shape;84;p16"/>
+          <p:cNvSpPr/>
+          <p:nvPr/>
+        </p:nvSpPr>
+        <p:spPr>
+          <a:xfrm>
             <a:off x="2393485" y="633993"/>
             <a:ext cx="4798647" cy="2637031"/>
           </a:xfrm>
@@ -6766,7 +7636,7 @@
     </p:spTree>
     <p:extLst>
       <p:ext uri="{BB962C8B-B14F-4D97-AF65-F5344CB8AC3E}">
-        <p14:creationId xmlns:p14="http://schemas.microsoft.com/office/powerpoint/2010/main" val="2476497050"/>
+        <p14:creationId xmlns:p14="http://schemas.microsoft.com/office/powerpoint/2010/main" val="2943934902"/>
       </p:ext>
     </p:extLst>
   </p:cSld>
@@ -6776,7 +7646,7 @@
 </p:sld>
 </file>
 
-<file path=ppt/slides/slide2.xml><?xml version="1.0" encoding="utf-8"?>
+<file path=ppt/slides/slide3.xml><?xml version="1.0" encoding="utf-8"?>
 <p:sld xmlns:a="http://schemas.openxmlformats.org/drawingml/2006/main" xmlns:r="http://schemas.openxmlformats.org/officeDocument/2006/relationships" xmlns:p="http://schemas.openxmlformats.org/presentationml/2006/main">
   <p:cSld>
     <p:spTree>
@@ -7166,1008 +8036,7 @@
 </p:sld>
 </file>
 
-<file path=ppt/slides/slide3.xml><?xml version="1.0" encoding="utf-8"?>
-<p:sld xmlns:a="http://schemas.openxmlformats.org/drawingml/2006/main" xmlns:r="http://schemas.openxmlformats.org/officeDocument/2006/relationships" xmlns:p="http://schemas.openxmlformats.org/presentationml/2006/main">
-  <p:cSld>
-    <p:spTree>
-      <p:nvGrpSpPr>
-        <p:cNvPr id="1" name=""/>
-        <p:cNvGrpSpPr/>
-        <p:nvPr/>
-      </p:nvGrpSpPr>
-      <p:grpSpPr>
-        <a:xfrm>
-          <a:off x="0" y="0"/>
-          <a:ext cx="0" cy="0"/>
-          <a:chOff x="0" y="0"/>
-          <a:chExt cx="0" cy="0"/>
-        </a:xfrm>
-      </p:grpSpPr>
-      <p:sp>
-        <p:nvSpPr>
-          <p:cNvPr id="2" name="Title 1">
-            <a:extLst>
-              <a:ext uri="{FF2B5EF4-FFF2-40B4-BE49-F238E27FC236}">
-                <a16:creationId xmlns:a16="http://schemas.microsoft.com/office/drawing/2014/main" id="{0BC1151D-3F67-41C1-A5A1-EC00F3520517}"/>
-              </a:ext>
-            </a:extLst>
-          </p:cNvPr>
-          <p:cNvSpPr>
-            <a:spLocks noGrp="1"/>
-          </p:cNvSpPr>
-          <p:nvPr>
-            <p:ph type="title"/>
-          </p:nvPr>
-        </p:nvSpPr>
-        <p:spPr/>
-        <p:txBody>
-          <a:bodyPr/>
-          <a:lstStyle/>
-          <a:p>
-            <a:endParaRPr lang="en-US"/>
-          </a:p>
-        </p:txBody>
-      </p:sp>
-    </p:spTree>
-    <p:extLst>
-      <p:ext uri="{BB962C8B-B14F-4D97-AF65-F5344CB8AC3E}">
-        <p14:creationId xmlns:p14="http://schemas.microsoft.com/office/powerpoint/2010/main" val="791765194"/>
-      </p:ext>
-    </p:extLst>
-  </p:cSld>
-  <p:clrMapOvr>
-    <a:masterClrMapping/>
-  </p:clrMapOvr>
-</p:sld>
-</file>
-
 <file path=ppt/slides/slide4.xml><?xml version="1.0" encoding="utf-8"?>
-<p:sld xmlns:a="http://schemas.openxmlformats.org/drawingml/2006/main" xmlns:r="http://schemas.openxmlformats.org/officeDocument/2006/relationships" xmlns:p="http://schemas.openxmlformats.org/presentationml/2006/main">
-  <p:cSld>
-    <p:spTree>
-      <p:nvGrpSpPr>
-        <p:cNvPr id="1" name="Shape 83"/>
-        <p:cNvGrpSpPr/>
-        <p:nvPr/>
-      </p:nvGrpSpPr>
-      <p:grpSpPr>
-        <a:xfrm>
-          <a:off x="0" y="0"/>
-          <a:ext cx="0" cy="0"/>
-          <a:chOff x="0" y="0"/>
-          <a:chExt cx="0" cy="0"/>
-        </a:xfrm>
-      </p:grpSpPr>
-      <p:sp>
-        <p:nvSpPr>
-          <p:cNvPr id="84" name="Google Shape;84;p16"/>
-          <p:cNvSpPr/>
-          <p:nvPr/>
-        </p:nvSpPr>
-        <p:spPr>
-          <a:xfrm>
-            <a:off x="2243015" y="667038"/>
-            <a:ext cx="4798647" cy="2812907"/>
-          </a:xfrm>
-          <a:prstGeom prst="roundRect">
-            <a:avLst>
-              <a:gd name="adj" fmla="val 16667"/>
-            </a:avLst>
-          </a:prstGeom>
-          <a:noFill/>
-          <a:ln w="76200" cap="flat" cmpd="sng">
-            <a:solidFill>
-              <a:srgbClr val="E69138"/>
-            </a:solidFill>
-            <a:prstDash val="solid"/>
-            <a:round/>
-            <a:headEnd type="none" w="sm" len="sm"/>
-            <a:tailEnd type="none" w="sm" len="sm"/>
-          </a:ln>
-        </p:spPr>
-        <p:txBody>
-          <a:bodyPr spcFirstLastPara="1" wrap="square" lIns="91425" tIns="91425" rIns="91425" bIns="91425" anchor="ctr" anchorCtr="0">
-            <a:noAutofit/>
-          </a:bodyPr>
-          <a:lstStyle/>
-          <a:p>
-            <a:pPr marL="0" lvl="0" indent="0" algn="l" rtl="0">
-              <a:spcBef>
-                <a:spcPts val="0"/>
-              </a:spcBef>
-              <a:spcAft>
-                <a:spcPts val="0"/>
-              </a:spcAft>
-              <a:buNone/>
-            </a:pPr>
-            <a:endParaRPr/>
-          </a:p>
-        </p:txBody>
-      </p:sp>
-      <p:sp>
-        <p:nvSpPr>
-          <p:cNvPr id="86" name="Google Shape;86;p16"/>
-          <p:cNvSpPr txBox="1"/>
-          <p:nvPr/>
-        </p:nvSpPr>
-        <p:spPr>
-          <a:xfrm>
-            <a:off x="3942647" y="843042"/>
-            <a:ext cx="1632963" cy="429054"/>
-          </a:xfrm>
-          <a:prstGeom prst="roundRect">
-            <a:avLst/>
-          </a:prstGeom>
-          <a:solidFill>
-            <a:srgbClr val="92D050"/>
-          </a:solidFill>
-          <a:ln>
-            <a:noFill/>
-          </a:ln>
-        </p:spPr>
-        <p:txBody>
-          <a:bodyPr spcFirstLastPara="1" wrap="square" lIns="9144" tIns="9144" rIns="9144" bIns="9144" anchor="t" anchorCtr="0">
-            <a:spAutoFit/>
-          </a:bodyPr>
-          <a:lstStyle/>
-          <a:p>
-            <a:pPr marL="0" lvl="0" indent="0" algn="ctr" rtl="0">
-              <a:spcBef>
-                <a:spcPts val="0"/>
-              </a:spcBef>
-              <a:spcAft>
-                <a:spcPts val="0"/>
-              </a:spcAft>
-              <a:buNone/>
-            </a:pPr>
-            <a:r>
-              <a:rPr lang="en" sz="1200" b="1" dirty="0">
-                <a:solidFill>
-                  <a:schemeClr val="tx1"/>
-                </a:solidFill>
-              </a:rPr>
-              <a:t>Particle-associated lifestyle</a:t>
-            </a:r>
-            <a:endParaRPr sz="1200" b="1" dirty="0">
-              <a:solidFill>
-                <a:schemeClr val="tx1"/>
-              </a:solidFill>
-            </a:endParaRPr>
-          </a:p>
-        </p:txBody>
-      </p:sp>
-      <p:sp>
-        <p:nvSpPr>
-          <p:cNvPr id="87" name="Google Shape;87;p16"/>
-          <p:cNvSpPr txBox="1"/>
-          <p:nvPr/>
-        </p:nvSpPr>
-        <p:spPr>
-          <a:xfrm>
-            <a:off x="5329469" y="1555299"/>
-            <a:ext cx="1108844" cy="633365"/>
-          </a:xfrm>
-          <a:prstGeom prst="roundRect">
-            <a:avLst/>
-          </a:prstGeom>
-          <a:solidFill>
-            <a:srgbClr val="FF5050"/>
-          </a:solidFill>
-          <a:ln>
-            <a:noFill/>
-          </a:ln>
-        </p:spPr>
-        <p:txBody>
-          <a:bodyPr spcFirstLastPara="1" wrap="square" lIns="9144" tIns="9144" rIns="9144" bIns="9144" anchor="t" anchorCtr="0">
-            <a:spAutoFit/>
-          </a:bodyPr>
-          <a:lstStyle/>
-          <a:p>
-            <a:pPr marL="0" lvl="0" indent="0" algn="ctr" rtl="0">
-              <a:spcBef>
-                <a:spcPts val="0"/>
-              </a:spcBef>
-              <a:spcAft>
-                <a:spcPts val="0"/>
-              </a:spcAft>
-              <a:buNone/>
-            </a:pPr>
-            <a:r>
-              <a:rPr lang="en" sz="1200" b="1" dirty="0">
-                <a:solidFill>
-                  <a:schemeClr val="tx1"/>
-                </a:solidFill>
-              </a:rPr>
-              <a:t>Defense</a:t>
-            </a:r>
-          </a:p>
-          <a:p>
-            <a:pPr marL="0" lvl="0" indent="0" algn="ctr" rtl="0">
-              <a:spcBef>
-                <a:spcPts val="0"/>
-              </a:spcBef>
-              <a:spcAft>
-                <a:spcPts val="0"/>
-              </a:spcAft>
-              <a:buNone/>
-            </a:pPr>
-            <a:r>
-              <a:rPr lang="en-US" sz="1200" b="1" dirty="0">
-                <a:solidFill>
-                  <a:schemeClr val="tx1"/>
-                </a:solidFill>
-              </a:rPr>
-              <a:t>m</a:t>
-            </a:r>
-            <a:r>
-              <a:rPr lang="en" sz="1200" b="1" dirty="0">
-                <a:solidFill>
-                  <a:schemeClr val="tx1"/>
-                </a:solidFill>
-              </a:rPr>
-              <a:t>echanism</a:t>
-            </a:r>
-          </a:p>
-          <a:p>
-            <a:pPr marL="0" lvl="0" indent="0" algn="ctr" rtl="0">
-              <a:spcBef>
-                <a:spcPts val="0"/>
-              </a:spcBef>
-              <a:spcAft>
-                <a:spcPts val="0"/>
-              </a:spcAft>
-              <a:buNone/>
-            </a:pPr>
-            <a:r>
-              <a:rPr lang="en" sz="1200" b="1" dirty="0">
-                <a:solidFill>
-                  <a:schemeClr val="tx1"/>
-                </a:solidFill>
-              </a:rPr>
-              <a:t>cassettes</a:t>
-            </a:r>
-            <a:endParaRPr sz="1200" b="1" dirty="0">
-              <a:solidFill>
-                <a:schemeClr val="tx1"/>
-              </a:solidFill>
-            </a:endParaRPr>
-          </a:p>
-        </p:txBody>
-      </p:sp>
-      <p:sp>
-        <p:nvSpPr>
-          <p:cNvPr id="91" name="Google Shape;91;p16"/>
-          <p:cNvSpPr txBox="1"/>
-          <p:nvPr/>
-        </p:nvSpPr>
-        <p:spPr>
-          <a:xfrm>
-            <a:off x="2844714" y="3065139"/>
-            <a:ext cx="3808346" cy="299657"/>
-          </a:xfrm>
-          <a:prstGeom prst="roundRect">
-            <a:avLst/>
-          </a:prstGeom>
-          <a:noFill/>
-          <a:ln>
-            <a:noFill/>
-          </a:ln>
-        </p:spPr>
-        <p:style>
-          <a:lnRef idx="2">
-            <a:schemeClr val="accent4"/>
-          </a:lnRef>
-          <a:fillRef idx="1">
-            <a:schemeClr val="lt1"/>
-          </a:fillRef>
-          <a:effectRef idx="0">
-            <a:schemeClr val="accent4"/>
-          </a:effectRef>
-          <a:fontRef idx="minor">
-            <a:schemeClr val="dk1"/>
-          </a:fontRef>
-        </p:style>
-        <p:txBody>
-          <a:bodyPr spcFirstLastPara="1" wrap="square" lIns="27432" tIns="27432" rIns="27432" bIns="27432" anchor="t" anchorCtr="0">
-            <a:spAutoFit/>
-          </a:bodyPr>
-          <a:lstStyle/>
-          <a:p>
-            <a:pPr marL="0" lvl="0" indent="0" algn="ctr" rtl="0">
-              <a:spcBef>
-                <a:spcPts val="0"/>
-              </a:spcBef>
-              <a:spcAft>
-                <a:spcPts val="0"/>
-              </a:spcAft>
-              <a:buClr>
-                <a:schemeClr val="dk1"/>
-              </a:buClr>
-              <a:buSzPts val="1100"/>
-              <a:buFont typeface="Arial"/>
-              <a:buNone/>
-            </a:pPr>
-            <a:r>
-              <a:rPr lang="en" b="1" dirty="0"/>
-              <a:t>A d</a:t>
-            </a:r>
-            <a:r>
-              <a:rPr lang="en" b="1" dirty="0">
-                <a:solidFill>
-                  <a:schemeClr val="dk1"/>
-                </a:solidFill>
-              </a:rPr>
-              <a:t>eep-ocean</a:t>
-            </a:r>
-            <a:r>
-              <a:rPr lang="en-US" b="1" dirty="0">
-                <a:solidFill>
-                  <a:schemeClr val="dk1"/>
-                </a:solidFill>
-              </a:rPr>
-              <a:t> microbial</a:t>
-            </a:r>
-            <a:r>
-              <a:rPr lang="en-US" b="1" dirty="0"/>
-              <a:t> community</a:t>
-            </a:r>
-          </a:p>
-        </p:txBody>
-      </p:sp>
-      <p:sp>
-        <p:nvSpPr>
-          <p:cNvPr id="94" name="Google Shape;94;p16"/>
-          <p:cNvSpPr txBox="1"/>
-          <p:nvPr/>
-        </p:nvSpPr>
-        <p:spPr>
-          <a:xfrm>
-            <a:off x="5369884" y="922453"/>
-            <a:ext cx="1857718" cy="553968"/>
-          </a:xfrm>
-          <a:prstGeom prst="rect">
-            <a:avLst/>
-          </a:prstGeom>
-          <a:noFill/>
-          <a:ln>
-            <a:noFill/>
-          </a:ln>
-        </p:spPr>
-        <p:txBody>
-          <a:bodyPr spcFirstLastPara="1" wrap="square" lIns="91425" tIns="91425" rIns="91425" bIns="91425" anchor="t" anchorCtr="0">
-            <a:spAutoFit/>
-          </a:bodyPr>
-          <a:lstStyle/>
-          <a:p>
-            <a:pPr marL="0" lvl="0" indent="0" algn="ctr" rtl="0">
-              <a:spcBef>
-                <a:spcPts val="0"/>
-              </a:spcBef>
-              <a:spcAft>
-                <a:spcPts val="0"/>
-              </a:spcAft>
-              <a:buNone/>
-            </a:pPr>
-            <a:r>
-              <a:rPr lang="en" sz="1200" b="1" dirty="0">
-                <a:solidFill>
-                  <a:srgbClr val="B45F06"/>
-                </a:solidFill>
-              </a:rPr>
-              <a:t>helps competion </a:t>
-            </a:r>
-          </a:p>
-          <a:p>
-            <a:pPr marL="0" lvl="0" indent="0" algn="ctr" rtl="0">
-              <a:spcBef>
-                <a:spcPts val="0"/>
-              </a:spcBef>
-              <a:spcAft>
-                <a:spcPts val="0"/>
-              </a:spcAft>
-              <a:buNone/>
-            </a:pPr>
-            <a:r>
-              <a:rPr lang="en" sz="1200" b="1" dirty="0">
-                <a:solidFill>
-                  <a:srgbClr val="B45F06"/>
-                </a:solidFill>
-              </a:rPr>
-              <a:t>and defense on</a:t>
-            </a:r>
-            <a:endParaRPr sz="1200" b="1" dirty="0">
-              <a:solidFill>
-                <a:srgbClr val="B45F06"/>
-              </a:solidFill>
-            </a:endParaRPr>
-          </a:p>
-        </p:txBody>
-      </p:sp>
-      <p:sp>
-        <p:nvSpPr>
-          <p:cNvPr id="22" name="Google Shape;85;p16">
-            <a:extLst>
-              <a:ext uri="{FF2B5EF4-FFF2-40B4-BE49-F238E27FC236}">
-                <a16:creationId xmlns:a16="http://schemas.microsoft.com/office/drawing/2014/main" id="{7B3E143E-5E39-4CA1-91FE-5EB3C5A75D11}"/>
-              </a:ext>
-            </a:extLst>
-          </p:cNvPr>
-          <p:cNvSpPr txBox="1"/>
-          <p:nvPr/>
-        </p:nvSpPr>
-        <p:spPr>
-          <a:xfrm>
-            <a:off x="3984987" y="2553511"/>
-            <a:ext cx="1632963" cy="442641"/>
-          </a:xfrm>
-          <a:prstGeom prst="roundRect">
-            <a:avLst/>
-          </a:prstGeom>
-          <a:solidFill>
-            <a:schemeClr val="accent1">
-              <a:lumMod val="60000"/>
-              <a:lumOff val="40000"/>
-            </a:schemeClr>
-          </a:solidFill>
-          <a:ln>
-            <a:noFill/>
-          </a:ln>
-        </p:spPr>
-        <p:txBody>
-          <a:bodyPr spcFirstLastPara="1" wrap="square" lIns="91425" tIns="91425" rIns="91425" bIns="91425" anchor="t" anchorCtr="0">
-            <a:spAutoFit/>
-          </a:bodyPr>
-          <a:lstStyle/>
-          <a:p>
-            <a:pPr marL="0" lvl="0" indent="0" algn="ctr" rtl="0">
-              <a:spcBef>
-                <a:spcPts val="0"/>
-              </a:spcBef>
-              <a:spcAft>
-                <a:spcPts val="0"/>
-              </a:spcAft>
-              <a:buNone/>
-            </a:pPr>
-            <a:r>
-              <a:rPr lang="en" b="1" dirty="0">
-                <a:solidFill>
-                  <a:schemeClr val="tx1"/>
-                </a:solidFill>
-              </a:rPr>
-              <a:t>Transposons</a:t>
-            </a:r>
-            <a:endParaRPr b="1" dirty="0">
-              <a:solidFill>
-                <a:schemeClr val="tx1"/>
-              </a:solidFill>
-            </a:endParaRPr>
-          </a:p>
-        </p:txBody>
-      </p:sp>
-      <p:sp>
-        <p:nvSpPr>
-          <p:cNvPr id="18" name="Google Shape;87;p16">
-            <a:extLst>
-              <a:ext uri="{FF2B5EF4-FFF2-40B4-BE49-F238E27FC236}">
-                <a16:creationId xmlns:a16="http://schemas.microsoft.com/office/drawing/2014/main" id="{A7651EED-4922-4FBC-AF26-D9ABA1EA33EE}"/>
-              </a:ext>
-            </a:extLst>
-          </p:cNvPr>
-          <p:cNvSpPr txBox="1"/>
-          <p:nvPr/>
-        </p:nvSpPr>
-        <p:spPr>
-          <a:xfrm>
-            <a:off x="3263207" y="1553817"/>
-            <a:ext cx="939897" cy="633365"/>
-          </a:xfrm>
-          <a:prstGeom prst="roundRect">
-            <a:avLst/>
-          </a:prstGeom>
-          <a:solidFill>
-            <a:srgbClr val="FF5050"/>
-          </a:solidFill>
-          <a:ln>
-            <a:noFill/>
-          </a:ln>
-        </p:spPr>
-        <p:txBody>
-          <a:bodyPr spcFirstLastPara="1" wrap="square" lIns="9144" tIns="9144" rIns="9144" bIns="9144" anchor="t" anchorCtr="0">
-            <a:spAutoFit/>
-          </a:bodyPr>
-          <a:lstStyle/>
-          <a:p>
-            <a:pPr marL="0" lvl="0" indent="0" algn="ctr" rtl="0">
-              <a:spcBef>
-                <a:spcPts val="0"/>
-              </a:spcBef>
-              <a:spcAft>
-                <a:spcPts val="0"/>
-              </a:spcAft>
-              <a:buNone/>
-            </a:pPr>
-            <a:r>
-              <a:rPr lang="en-US" sz="1200" b="1" dirty="0">
-                <a:solidFill>
-                  <a:schemeClr val="tx1"/>
-                </a:solidFill>
-              </a:rPr>
-              <a:t>Increased genome </a:t>
-            </a:r>
-          </a:p>
-          <a:p>
-            <a:pPr marL="0" lvl="0" indent="0" algn="ctr" rtl="0">
-              <a:spcBef>
-                <a:spcPts val="0"/>
-              </a:spcBef>
-              <a:spcAft>
-                <a:spcPts val="0"/>
-              </a:spcAft>
-              <a:buNone/>
-            </a:pPr>
-            <a:r>
-              <a:rPr lang="en-US" sz="1200" b="1" dirty="0">
-                <a:solidFill>
-                  <a:schemeClr val="tx1"/>
-                </a:solidFill>
-              </a:rPr>
-              <a:t>size</a:t>
-            </a:r>
-            <a:endParaRPr sz="1200" b="1" dirty="0">
-              <a:solidFill>
-                <a:schemeClr val="tx1"/>
-              </a:solidFill>
-            </a:endParaRPr>
-          </a:p>
-        </p:txBody>
-      </p:sp>
-      <p:cxnSp>
-        <p:nvCxnSpPr>
-          <p:cNvPr id="19" name="Google Shape;90;p16">
-            <a:extLst>
-              <a:ext uri="{FF2B5EF4-FFF2-40B4-BE49-F238E27FC236}">
-                <a16:creationId xmlns:a16="http://schemas.microsoft.com/office/drawing/2014/main" id="{22CBA851-C115-40B9-ADAB-04C0469F5801}"/>
-              </a:ext>
-            </a:extLst>
-          </p:cNvPr>
-          <p:cNvCxnSpPr>
-            <a:cxnSpLocks/>
-          </p:cNvCxnSpPr>
-          <p:nvPr/>
-        </p:nvCxnSpPr>
-        <p:spPr>
-          <a:xfrm flipH="1">
-            <a:off x="4748887" y="1457093"/>
-            <a:ext cx="10241" cy="953687"/>
-          </a:xfrm>
-          <a:prstGeom prst="straightConnector1">
-            <a:avLst/>
-          </a:prstGeom>
-          <a:noFill/>
-          <a:ln w="28575" cap="flat" cmpd="sng">
-            <a:solidFill>
-              <a:schemeClr val="tx1"/>
-            </a:solidFill>
-            <a:prstDash val="solid"/>
-            <a:round/>
-            <a:headEnd type="none" w="med" len="med"/>
-            <a:tailEnd type="triangle" w="med" len="med"/>
-          </a:ln>
-        </p:spPr>
-      </p:cxnSp>
-      <p:sp>
-        <p:nvSpPr>
-          <p:cNvPr id="92" name="Google Shape;92;p16"/>
-          <p:cNvSpPr txBox="1"/>
-          <p:nvPr/>
-        </p:nvSpPr>
-        <p:spPr>
-          <a:xfrm>
-            <a:off x="4395114" y="1705584"/>
-            <a:ext cx="795391" cy="233910"/>
-          </a:xfrm>
-          <a:prstGeom prst="rect">
-            <a:avLst/>
-          </a:prstGeom>
-          <a:solidFill>
-            <a:schemeClr val="bg1"/>
-          </a:solidFill>
-          <a:ln>
-            <a:noFill/>
-          </a:ln>
-        </p:spPr>
-        <p:txBody>
-          <a:bodyPr spcFirstLastPara="1" wrap="square" lIns="18288" tIns="9144" rIns="9144" bIns="9144" anchor="t" anchorCtr="0">
-            <a:spAutoFit/>
-          </a:bodyPr>
-          <a:lstStyle/>
-          <a:p>
-            <a:pPr marL="0" lvl="0" indent="0" algn="l" rtl="0">
-              <a:spcBef>
-                <a:spcPts val="0"/>
-              </a:spcBef>
-              <a:spcAft>
-                <a:spcPts val="0"/>
-              </a:spcAft>
-              <a:buNone/>
-            </a:pPr>
-            <a:r>
-              <a:rPr lang="en" b="1" dirty="0">
-                <a:solidFill>
-                  <a:srgbClr val="B45F06"/>
-                </a:solidFill>
-              </a:rPr>
-              <a:t>spreads</a:t>
-            </a:r>
-            <a:endParaRPr b="1" dirty="0">
-              <a:solidFill>
-                <a:srgbClr val="B45F06"/>
-              </a:solidFill>
-            </a:endParaRPr>
-          </a:p>
-        </p:txBody>
-      </p:sp>
-      <p:sp>
-        <p:nvSpPr>
-          <p:cNvPr id="85" name="Google Shape;92;p16">
-            <a:extLst>
-              <a:ext uri="{FF2B5EF4-FFF2-40B4-BE49-F238E27FC236}">
-                <a16:creationId xmlns:a16="http://schemas.microsoft.com/office/drawing/2014/main" id="{66075C9D-718F-4083-9BDF-0C4A805AF14D}"/>
-              </a:ext>
-            </a:extLst>
-          </p:cNvPr>
-          <p:cNvSpPr txBox="1"/>
-          <p:nvPr/>
-        </p:nvSpPr>
-        <p:spPr>
-          <a:xfrm>
-            <a:off x="5560496" y="2302476"/>
-            <a:ext cx="487587" cy="233910"/>
-          </a:xfrm>
-          <a:prstGeom prst="rect">
-            <a:avLst/>
-          </a:prstGeom>
-          <a:solidFill>
-            <a:schemeClr val="bg1"/>
-          </a:solidFill>
-          <a:ln>
-            <a:noFill/>
-          </a:ln>
-        </p:spPr>
-        <p:txBody>
-          <a:bodyPr spcFirstLastPara="1" wrap="square" lIns="18288" tIns="9144" rIns="9144" bIns="9144" anchor="t" anchorCtr="0">
-            <a:spAutoFit/>
-          </a:bodyPr>
-          <a:lstStyle/>
-          <a:p>
-            <a:pPr marL="0" lvl="0" indent="0" algn="l" rtl="0">
-              <a:spcBef>
-                <a:spcPts val="0"/>
-              </a:spcBef>
-              <a:spcAft>
-                <a:spcPts val="0"/>
-              </a:spcAft>
-              <a:buNone/>
-            </a:pPr>
-            <a:r>
-              <a:rPr lang="en" b="1" dirty="0">
-                <a:solidFill>
-                  <a:srgbClr val="B45F06"/>
-                </a:solidFill>
-              </a:rPr>
-              <a:t>carry</a:t>
-            </a:r>
-            <a:endParaRPr b="1" dirty="0">
-              <a:solidFill>
-                <a:srgbClr val="B45F06"/>
-              </a:solidFill>
-            </a:endParaRPr>
-          </a:p>
-        </p:txBody>
-      </p:sp>
-      <p:cxnSp>
-        <p:nvCxnSpPr>
-          <p:cNvPr id="23" name="Google Shape;90;p16">
-            <a:extLst>
-              <a:ext uri="{FF2B5EF4-FFF2-40B4-BE49-F238E27FC236}">
-                <a16:creationId xmlns:a16="http://schemas.microsoft.com/office/drawing/2014/main" id="{76FF781D-A53E-4BB3-9AED-568798FAB34C}"/>
-              </a:ext>
-            </a:extLst>
-          </p:cNvPr>
-          <p:cNvCxnSpPr>
-            <a:cxnSpLocks/>
-          </p:cNvCxnSpPr>
-          <p:nvPr/>
-        </p:nvCxnSpPr>
-        <p:spPr>
-          <a:xfrm flipV="1">
-            <a:off x="5421086" y="2254139"/>
-            <a:ext cx="222441" cy="248479"/>
-          </a:xfrm>
-          <a:prstGeom prst="straightConnector1">
-            <a:avLst/>
-          </a:prstGeom>
-          <a:noFill/>
-          <a:ln w="28575" cap="flat" cmpd="sng">
-            <a:solidFill>
-              <a:schemeClr val="tx1"/>
-            </a:solidFill>
-            <a:prstDash val="solid"/>
-            <a:round/>
-            <a:headEnd type="none" w="med" len="med"/>
-            <a:tailEnd type="triangle" w="med" len="med"/>
-          </a:ln>
-        </p:spPr>
-      </p:cxnSp>
-      <p:cxnSp>
-        <p:nvCxnSpPr>
-          <p:cNvPr id="27" name="Google Shape;90;p16">
-            <a:extLst>
-              <a:ext uri="{FF2B5EF4-FFF2-40B4-BE49-F238E27FC236}">
-                <a16:creationId xmlns:a16="http://schemas.microsoft.com/office/drawing/2014/main" id="{504468A2-3D05-4A3A-AF43-09B4F3D13B62}"/>
-              </a:ext>
-            </a:extLst>
-          </p:cNvPr>
-          <p:cNvCxnSpPr>
-            <a:cxnSpLocks/>
-          </p:cNvCxnSpPr>
-          <p:nvPr/>
-        </p:nvCxnSpPr>
-        <p:spPr>
-          <a:xfrm flipH="1" flipV="1">
-            <a:off x="5590774" y="1271266"/>
-            <a:ext cx="176300" cy="215046"/>
-          </a:xfrm>
-          <a:prstGeom prst="straightConnector1">
-            <a:avLst/>
-          </a:prstGeom>
-          <a:noFill/>
-          <a:ln w="28575" cap="flat" cmpd="sng">
-            <a:solidFill>
-              <a:schemeClr val="tx1"/>
-            </a:solidFill>
-            <a:prstDash val="solid"/>
-            <a:round/>
-            <a:headEnd type="none" w="med" len="med"/>
-            <a:tailEnd type="triangle" w="med" len="med"/>
-          </a:ln>
-        </p:spPr>
-      </p:cxnSp>
-      <p:cxnSp>
-        <p:nvCxnSpPr>
-          <p:cNvPr id="32" name="Google Shape;90;p16">
-            <a:extLst>
-              <a:ext uri="{FF2B5EF4-FFF2-40B4-BE49-F238E27FC236}">
-                <a16:creationId xmlns:a16="http://schemas.microsoft.com/office/drawing/2014/main" id="{6C50CF6E-766B-4443-96CC-5CCE6111D1DD}"/>
-              </a:ext>
-            </a:extLst>
-          </p:cNvPr>
-          <p:cNvCxnSpPr>
-            <a:cxnSpLocks/>
-          </p:cNvCxnSpPr>
-          <p:nvPr/>
-        </p:nvCxnSpPr>
-        <p:spPr>
-          <a:xfrm flipH="1">
-            <a:off x="3769812" y="1292172"/>
-            <a:ext cx="172836" cy="203064"/>
-          </a:xfrm>
-          <a:prstGeom prst="straightConnector1">
-            <a:avLst/>
-          </a:prstGeom>
-          <a:noFill/>
-          <a:ln w="28575" cap="flat" cmpd="sng">
-            <a:solidFill>
-              <a:schemeClr val="tx1"/>
-            </a:solidFill>
-            <a:prstDash val="solid"/>
-            <a:round/>
-            <a:headEnd type="none" w="med" len="med"/>
-            <a:tailEnd type="triangle" w="med" len="med"/>
-          </a:ln>
-        </p:spPr>
-      </p:cxnSp>
-      <p:sp>
-        <p:nvSpPr>
-          <p:cNvPr id="34" name="Google Shape;94;p16">
-            <a:extLst>
-              <a:ext uri="{FF2B5EF4-FFF2-40B4-BE49-F238E27FC236}">
-                <a16:creationId xmlns:a16="http://schemas.microsoft.com/office/drawing/2014/main" id="{DCD89C29-9457-47D3-927E-17082DE3893D}"/>
-              </a:ext>
-            </a:extLst>
-          </p:cNvPr>
-          <p:cNvSpPr txBox="1"/>
-          <p:nvPr/>
-        </p:nvSpPr>
-        <p:spPr>
-          <a:xfrm>
-            <a:off x="2985421" y="892106"/>
-            <a:ext cx="970679" cy="553968"/>
-          </a:xfrm>
-          <a:prstGeom prst="rect">
-            <a:avLst/>
-          </a:prstGeom>
-          <a:noFill/>
-          <a:ln>
-            <a:noFill/>
-          </a:ln>
-        </p:spPr>
-        <p:txBody>
-          <a:bodyPr spcFirstLastPara="1" wrap="square" lIns="91425" tIns="91425" rIns="91425" bIns="91425" anchor="t" anchorCtr="0">
-            <a:spAutoFit/>
-          </a:bodyPr>
-          <a:lstStyle/>
-          <a:p>
-            <a:pPr marL="0" lvl="0" indent="0" algn="ctr" rtl="0">
-              <a:spcBef>
-                <a:spcPts val="0"/>
-              </a:spcBef>
-              <a:spcAft>
-                <a:spcPts val="0"/>
-              </a:spcAft>
-              <a:buNone/>
-            </a:pPr>
-            <a:r>
-              <a:rPr lang="en" sz="1200" b="1" dirty="0">
-                <a:solidFill>
-                  <a:srgbClr val="B45F06"/>
-                </a:solidFill>
-              </a:rPr>
-              <a:t>correlates with</a:t>
-            </a:r>
-            <a:endParaRPr sz="1200" b="1" dirty="0">
-              <a:solidFill>
-                <a:srgbClr val="B45F06"/>
-              </a:solidFill>
-            </a:endParaRPr>
-          </a:p>
-        </p:txBody>
-      </p:sp>
-      <p:cxnSp>
-        <p:nvCxnSpPr>
-          <p:cNvPr id="39" name="Google Shape;90;p16">
-            <a:extLst>
-              <a:ext uri="{FF2B5EF4-FFF2-40B4-BE49-F238E27FC236}">
-                <a16:creationId xmlns:a16="http://schemas.microsoft.com/office/drawing/2014/main" id="{685EE98C-7DD8-4753-88C2-B34CD93CD22B}"/>
-              </a:ext>
-            </a:extLst>
-          </p:cNvPr>
-          <p:cNvCxnSpPr>
-            <a:cxnSpLocks/>
-          </p:cNvCxnSpPr>
-          <p:nvPr/>
-        </p:nvCxnSpPr>
-        <p:spPr>
-          <a:xfrm>
-            <a:off x="3956100" y="2261768"/>
-            <a:ext cx="229161" cy="243631"/>
-          </a:xfrm>
-          <a:prstGeom prst="straightConnector1">
-            <a:avLst/>
-          </a:prstGeom>
-          <a:noFill/>
-          <a:ln w="28575" cap="flat" cmpd="sng">
-            <a:solidFill>
-              <a:schemeClr val="tx1"/>
-            </a:solidFill>
-            <a:prstDash val="solid"/>
-            <a:round/>
-            <a:headEnd type="none" w="med" len="med"/>
-            <a:tailEnd type="triangle" w="med" len="med"/>
-          </a:ln>
-        </p:spPr>
-      </p:cxnSp>
-      <p:sp>
-        <p:nvSpPr>
-          <p:cNvPr id="45" name="Google Shape;94;p16">
-            <a:extLst>
-              <a:ext uri="{FF2B5EF4-FFF2-40B4-BE49-F238E27FC236}">
-                <a16:creationId xmlns:a16="http://schemas.microsoft.com/office/drawing/2014/main" id="{1A202B5C-1CC3-4616-A646-65D56D25AA2C}"/>
-              </a:ext>
-            </a:extLst>
-          </p:cNvPr>
-          <p:cNvSpPr txBox="1"/>
-          <p:nvPr/>
-        </p:nvSpPr>
-        <p:spPr>
-          <a:xfrm>
-            <a:off x="2443122" y="2235294"/>
-            <a:ext cx="1734118" cy="738633"/>
-          </a:xfrm>
-          <a:prstGeom prst="rect">
-            <a:avLst/>
-          </a:prstGeom>
-          <a:noFill/>
-          <a:ln>
-            <a:noFill/>
-          </a:ln>
-        </p:spPr>
-        <p:txBody>
-          <a:bodyPr spcFirstLastPara="1" wrap="square" lIns="91425" tIns="91425" rIns="91425" bIns="91425" anchor="t" anchorCtr="0">
-            <a:spAutoFit/>
-          </a:bodyPr>
-          <a:lstStyle/>
-          <a:p>
-            <a:pPr marL="0" lvl="0" indent="0" algn="ctr" rtl="0">
-              <a:spcBef>
-                <a:spcPts val="0"/>
-              </a:spcBef>
-              <a:spcAft>
-                <a:spcPts val="0"/>
-              </a:spcAft>
-              <a:buNone/>
-            </a:pPr>
-            <a:r>
-              <a:rPr lang="en-US" sz="1200" b="1" dirty="0">
-                <a:solidFill>
-                  <a:srgbClr val="B45F06"/>
-                </a:solidFill>
-              </a:rPr>
-              <a:t>b</a:t>
-            </a:r>
-            <a:r>
-              <a:rPr lang="en" sz="1200" b="1" dirty="0">
-                <a:solidFill>
-                  <a:srgbClr val="B45F06"/>
-                </a:solidFill>
-              </a:rPr>
-              <a:t>uffer distruptive </a:t>
-            </a:r>
-          </a:p>
-          <a:p>
-            <a:pPr marL="0" lvl="0" indent="0" algn="ctr" rtl="0">
-              <a:spcBef>
-                <a:spcPts val="0"/>
-              </a:spcBef>
-              <a:spcAft>
-                <a:spcPts val="0"/>
-              </a:spcAft>
-              <a:buNone/>
-            </a:pPr>
-            <a:r>
-              <a:rPr lang="en-US" sz="1200" b="1" dirty="0">
-                <a:solidFill>
-                  <a:srgbClr val="B45F06"/>
-                </a:solidFill>
-              </a:rPr>
-              <a:t>transpositions</a:t>
-            </a:r>
-          </a:p>
-          <a:p>
-            <a:pPr marL="0" lvl="0" indent="0" algn="ctr" rtl="0">
-              <a:spcBef>
-                <a:spcPts val="0"/>
-              </a:spcBef>
-              <a:spcAft>
-                <a:spcPts val="0"/>
-              </a:spcAft>
-              <a:buNone/>
-            </a:pPr>
-            <a:r>
-              <a:rPr lang="en" sz="1200" b="1" dirty="0">
-                <a:solidFill>
-                  <a:srgbClr val="B45F06"/>
-                </a:solidFill>
-              </a:rPr>
-              <a:t>cause by</a:t>
-            </a:r>
-          </a:p>
-        </p:txBody>
-      </p:sp>
-    </p:spTree>
-    <p:extLst>
-      <p:ext uri="{BB962C8B-B14F-4D97-AF65-F5344CB8AC3E}">
-        <p14:creationId xmlns:p14="http://schemas.microsoft.com/office/powerpoint/2010/main" val="1961186547"/>
-      </p:ext>
-    </p:extLst>
-  </p:cSld>
-  <p:clrMapOvr>
-    <a:masterClrMapping/>
-  </p:clrMapOvr>
-</p:sld>
-</file>
-
-<file path=ppt/slides/slide5.xml><?xml version="1.0" encoding="utf-8"?>
 <p:sld xmlns:a="http://schemas.openxmlformats.org/drawingml/2006/main" xmlns:r="http://schemas.openxmlformats.org/officeDocument/2006/relationships" xmlns:p="http://schemas.openxmlformats.org/presentationml/2006/main">
   <p:cSld>
     <p:spTree>
@@ -8830,126 +8699,7 @@
 </p:sld>
 </file>
 
-<file path=ppt/slides/slide6.xml><?xml version="1.0" encoding="utf-8"?>
-<p:sld xmlns:a="http://schemas.openxmlformats.org/drawingml/2006/main" xmlns:r="http://schemas.openxmlformats.org/officeDocument/2006/relationships" xmlns:p="http://schemas.openxmlformats.org/presentationml/2006/main">
-  <p:cSld>
-    <p:spTree>
-      <p:nvGrpSpPr>
-        <p:cNvPr id="1" name=""/>
-        <p:cNvGrpSpPr/>
-        <p:nvPr/>
-      </p:nvGrpSpPr>
-      <p:grpSpPr>
-        <a:xfrm>
-          <a:off x="0" y="0"/>
-          <a:ext cx="0" cy="0"/>
-          <a:chOff x="0" y="0"/>
-          <a:chExt cx="0" cy="0"/>
-        </a:xfrm>
-      </p:grpSpPr>
-      <p:pic>
-        <p:nvPicPr>
-          <p:cNvPr id="6" name="Picture 5">
-            <a:extLst>
-              <a:ext uri="{FF2B5EF4-FFF2-40B4-BE49-F238E27FC236}">
-                <a16:creationId xmlns:a16="http://schemas.microsoft.com/office/drawing/2014/main" id="{8DAD7A85-1659-4A0D-A9BE-CC6344BBABBA}"/>
-              </a:ext>
-            </a:extLst>
-          </p:cNvPr>
-          <p:cNvPicPr>
-            <a:picLocks noChangeAspect="1"/>
-          </p:cNvPicPr>
-          <p:nvPr/>
-        </p:nvPicPr>
-        <p:blipFill rotWithShape="1">
-          <a:blip r:embed="rId2"/>
-          <a:srcRect l="1449"/>
-          <a:stretch/>
-        </p:blipFill>
-        <p:spPr>
-          <a:xfrm>
-            <a:off x="2222522" y="0"/>
-            <a:ext cx="4769075" cy="5143500"/>
-          </a:xfrm>
-          <a:prstGeom prst="rect">
-            <a:avLst/>
-          </a:prstGeom>
-        </p:spPr>
-      </p:pic>
-      <p:pic>
-        <p:nvPicPr>
-          <p:cNvPr id="8" name="Picture 7">
-            <a:extLst>
-              <a:ext uri="{FF2B5EF4-FFF2-40B4-BE49-F238E27FC236}">
-                <a16:creationId xmlns:a16="http://schemas.microsoft.com/office/drawing/2014/main" id="{3714AA10-0165-4DD8-A982-4B9AD0F60AA5}"/>
-              </a:ext>
-            </a:extLst>
-          </p:cNvPr>
-          <p:cNvPicPr>
-            <a:picLocks noChangeAspect="1"/>
-          </p:cNvPicPr>
-          <p:nvPr/>
-        </p:nvPicPr>
-        <p:blipFill>
-          <a:blip r:embed="rId3"/>
-          <a:stretch>
-            <a:fillRect/>
-          </a:stretch>
-        </p:blipFill>
-        <p:spPr>
-          <a:xfrm>
-            <a:off x="2222523" y="266133"/>
-            <a:ext cx="2349478" cy="2116953"/>
-          </a:xfrm>
-          <a:prstGeom prst="rect">
-            <a:avLst/>
-          </a:prstGeom>
-        </p:spPr>
-      </p:pic>
-      <p:pic>
-        <p:nvPicPr>
-          <p:cNvPr id="9" name="Picture 8">
-            <a:extLst>
-              <a:ext uri="{FF2B5EF4-FFF2-40B4-BE49-F238E27FC236}">
-                <a16:creationId xmlns:a16="http://schemas.microsoft.com/office/drawing/2014/main" id="{A1ADDFA3-72E8-425A-9FB4-04CF4C613D0A}"/>
-              </a:ext>
-            </a:extLst>
-          </p:cNvPr>
-          <p:cNvPicPr>
-            <a:picLocks noChangeAspect="1"/>
-          </p:cNvPicPr>
-          <p:nvPr/>
-        </p:nvPicPr>
-        <p:blipFill>
-          <a:blip r:embed="rId4"/>
-          <a:stretch>
-            <a:fillRect/>
-          </a:stretch>
-        </p:blipFill>
-        <p:spPr>
-          <a:xfrm>
-            <a:off x="2222522" y="35465"/>
-            <a:ext cx="190071" cy="193137"/>
-          </a:xfrm>
-          <a:prstGeom prst="rect">
-            <a:avLst/>
-          </a:prstGeom>
-        </p:spPr>
-      </p:pic>
-    </p:spTree>
-    <p:extLst>
-      <p:ext uri="{BB962C8B-B14F-4D97-AF65-F5344CB8AC3E}">
-        <p14:creationId xmlns:p14="http://schemas.microsoft.com/office/powerpoint/2010/main" val="2012311000"/>
-      </p:ext>
-    </p:extLst>
-  </p:cSld>
-  <p:clrMapOvr>
-    <a:masterClrMapping/>
-  </p:clrMapOvr>
-</p:sld>
-</file>
-
-<file path=ppt/slides/slide7.xml><?xml version="1.0" encoding="utf-8"?>
+<file path=ppt/slides/slide5.xml><?xml version="1.0" encoding="utf-8"?>
 <p:sld xmlns:a="http://schemas.openxmlformats.org/drawingml/2006/main" xmlns:r="http://schemas.openxmlformats.org/officeDocument/2006/relationships" xmlns:p="http://schemas.openxmlformats.org/presentationml/2006/main">
   <p:cSld>
     <p:spTree>
@@ -9494,7 +9244,7 @@
 </p:sld>
 </file>
 
-<file path=ppt/slides/slide8.xml><?xml version="1.0" encoding="utf-8"?>
+<file path=ppt/slides/slide6.xml><?xml version="1.0" encoding="utf-8"?>
 <p:sld xmlns:a="http://schemas.openxmlformats.org/drawingml/2006/main" xmlns:r="http://schemas.openxmlformats.org/officeDocument/2006/relationships" xmlns:p="http://schemas.openxmlformats.org/presentationml/2006/main">
   <p:cSld>
     <p:spTree>
@@ -9992,7 +9742,7 @@
 </p:sld>
 </file>
 
-<file path=ppt/slides/slide9.xml><?xml version="1.0" encoding="utf-8"?>
+<file path=ppt/slides/slide7.xml><?xml version="1.0" encoding="utf-8"?>
 <p:sld xmlns:a="http://schemas.openxmlformats.org/drawingml/2006/main" xmlns:r="http://schemas.openxmlformats.org/officeDocument/2006/relationships" xmlns:p="http://schemas.openxmlformats.org/presentationml/2006/main">
   <p:cSld>
     <p:spTree>

--- a/Figure Generating/illustration_conclusion.pptx
+++ b/Figure Generating/illustration_conclusion.pptx
@@ -5,16 +5,18 @@
     <p:sldMasterId id="2147483659" r:id="rId1"/>
   </p:sldMasterIdLst>
   <p:notesMasterIdLst>
-    <p:notesMasterId r:id="rId9"/>
+    <p:notesMasterId r:id="rId11"/>
   </p:notesMasterIdLst>
   <p:sldIdLst>
     <p:sldId id="267" r:id="rId2"/>
-    <p:sldId id="271" r:id="rId3"/>
-    <p:sldId id="269" r:id="rId4"/>
-    <p:sldId id="262" r:id="rId5"/>
-    <p:sldId id="256" r:id="rId6"/>
-    <p:sldId id="265" r:id="rId7"/>
-    <p:sldId id="266" r:id="rId8"/>
+    <p:sldId id="273" r:id="rId3"/>
+    <p:sldId id="272" r:id="rId4"/>
+    <p:sldId id="271" r:id="rId5"/>
+    <p:sldId id="269" r:id="rId6"/>
+    <p:sldId id="262" r:id="rId7"/>
+    <p:sldId id="256" r:id="rId8"/>
+    <p:sldId id="265" r:id="rId9"/>
+    <p:sldId id="266" r:id="rId10"/>
   </p:sldIdLst>
   <p:sldSz cx="9144000" cy="5143500" type="screen16x9"/>
   <p:notesSz cx="7315200" cy="9601200"/>
@@ -1367,6 +1369,212 @@
     </p:spTree>
     <p:extLst>
       <p:ext uri="{BB962C8B-B14F-4D97-AF65-F5344CB8AC3E}">
+        <p14:creationId xmlns:p14="http://schemas.microsoft.com/office/powerpoint/2010/main" val="755655244"/>
+      </p:ext>
+    </p:extLst>
+  </p:cSld>
+  <p:clrMapOvr>
+    <a:masterClrMapping/>
+  </p:clrMapOvr>
+</p:notes>
+</file>
+
+<file path=ppt/notesSlides/notesSlide3.xml><?xml version="1.0" encoding="utf-8"?>
+<p:notes xmlns:a="http://schemas.openxmlformats.org/drawingml/2006/main" xmlns:r="http://schemas.openxmlformats.org/officeDocument/2006/relationships" xmlns:p="http://schemas.openxmlformats.org/presentationml/2006/main" showMasterSp="0" showMasterPhAnim="0">
+  <p:cSld>
+    <p:spTree>
+      <p:nvGrpSpPr>
+        <p:cNvPr id="1" name="Shape 80"/>
+        <p:cNvGrpSpPr/>
+        <p:nvPr/>
+      </p:nvGrpSpPr>
+      <p:grpSpPr>
+        <a:xfrm>
+          <a:off x="0" y="0"/>
+          <a:ext cx="0" cy="0"/>
+          <a:chOff x="0" y="0"/>
+          <a:chExt cx="0" cy="0"/>
+        </a:xfrm>
+      </p:grpSpPr>
+      <p:sp>
+        <p:nvSpPr>
+          <p:cNvPr id="81" name="Google Shape;81;ged2377cda1_0_0:notes"/>
+          <p:cNvSpPr>
+            <a:spLocks noGrp="1" noRot="1" noChangeAspect="1"/>
+          </p:cNvSpPr>
+          <p:nvPr>
+            <p:ph type="sldImg" idx="2"/>
+          </p:nvPr>
+        </p:nvSpPr>
+        <p:spPr>
+          <a:xfrm>
+            <a:off x="457200" y="720725"/>
+            <a:ext cx="6400800" cy="3600450"/>
+          </a:xfrm>
+          <a:custGeom>
+            <a:avLst/>
+            <a:gdLst/>
+            <a:ahLst/>
+            <a:cxnLst/>
+            <a:rect l="l" t="t" r="r" b="b"/>
+            <a:pathLst>
+              <a:path w="120000" h="120000" extrusionOk="0">
+                <a:moveTo>
+                  <a:pt x="0" y="0"/>
+                </a:moveTo>
+                <a:lnTo>
+                  <a:pt x="120000" y="0"/>
+                </a:lnTo>
+                <a:lnTo>
+                  <a:pt x="120000" y="120000"/>
+                </a:lnTo>
+                <a:lnTo>
+                  <a:pt x="0" y="120000"/>
+                </a:lnTo>
+                <a:close/>
+              </a:path>
+            </a:pathLst>
+          </a:custGeom>
+        </p:spPr>
+      </p:sp>
+      <p:sp>
+        <p:nvSpPr>
+          <p:cNvPr id="82" name="Google Shape;82;ged2377cda1_0_0:notes"/>
+          <p:cNvSpPr txBox="1">
+            <a:spLocks noGrp="1"/>
+          </p:cNvSpPr>
+          <p:nvPr>
+            <p:ph type="body" idx="1"/>
+          </p:nvPr>
+        </p:nvSpPr>
+        <p:spPr>
+          <a:xfrm>
+            <a:off x="731520" y="4560570"/>
+            <a:ext cx="5852160" cy="4320540"/>
+          </a:xfrm>
+          <a:prstGeom prst="rect">
+            <a:avLst/>
+          </a:prstGeom>
+        </p:spPr>
+        <p:txBody>
+          <a:bodyPr spcFirstLastPara="1" wrap="square" lIns="96645" tIns="96645" rIns="96645" bIns="96645" anchor="t" anchorCtr="0">
+            <a:noAutofit/>
+          </a:bodyPr>
+          <a:lstStyle/>
+          <a:p>
+            <a:pPr marL="0" indent="0">
+              <a:buNone/>
+            </a:pPr>
+            <a:endParaRPr/>
+          </a:p>
+        </p:txBody>
+      </p:sp>
+    </p:spTree>
+    <p:extLst>
+      <p:ext uri="{BB962C8B-B14F-4D97-AF65-F5344CB8AC3E}">
+        <p14:creationId xmlns:p14="http://schemas.microsoft.com/office/powerpoint/2010/main" val="3026619513"/>
+      </p:ext>
+    </p:extLst>
+  </p:cSld>
+  <p:clrMapOvr>
+    <a:masterClrMapping/>
+  </p:clrMapOvr>
+</p:notes>
+</file>
+
+<file path=ppt/notesSlides/notesSlide4.xml><?xml version="1.0" encoding="utf-8"?>
+<p:notes xmlns:a="http://schemas.openxmlformats.org/drawingml/2006/main" xmlns:r="http://schemas.openxmlformats.org/officeDocument/2006/relationships" xmlns:p="http://schemas.openxmlformats.org/presentationml/2006/main" showMasterSp="0" showMasterPhAnim="0">
+  <p:cSld>
+    <p:spTree>
+      <p:nvGrpSpPr>
+        <p:cNvPr id="1" name="Shape 80"/>
+        <p:cNvGrpSpPr/>
+        <p:nvPr/>
+      </p:nvGrpSpPr>
+      <p:grpSpPr>
+        <a:xfrm>
+          <a:off x="0" y="0"/>
+          <a:ext cx="0" cy="0"/>
+          <a:chOff x="0" y="0"/>
+          <a:chExt cx="0" cy="0"/>
+        </a:xfrm>
+      </p:grpSpPr>
+      <p:sp>
+        <p:nvSpPr>
+          <p:cNvPr id="81" name="Google Shape;81;ged2377cda1_0_0:notes"/>
+          <p:cNvSpPr>
+            <a:spLocks noGrp="1" noRot="1" noChangeAspect="1"/>
+          </p:cNvSpPr>
+          <p:nvPr>
+            <p:ph type="sldImg" idx="2"/>
+          </p:nvPr>
+        </p:nvSpPr>
+        <p:spPr>
+          <a:xfrm>
+            <a:off x="457200" y="720725"/>
+            <a:ext cx="6400800" cy="3600450"/>
+          </a:xfrm>
+          <a:custGeom>
+            <a:avLst/>
+            <a:gdLst/>
+            <a:ahLst/>
+            <a:cxnLst/>
+            <a:rect l="l" t="t" r="r" b="b"/>
+            <a:pathLst>
+              <a:path w="120000" h="120000" extrusionOk="0">
+                <a:moveTo>
+                  <a:pt x="0" y="0"/>
+                </a:moveTo>
+                <a:lnTo>
+                  <a:pt x="120000" y="0"/>
+                </a:lnTo>
+                <a:lnTo>
+                  <a:pt x="120000" y="120000"/>
+                </a:lnTo>
+                <a:lnTo>
+                  <a:pt x="0" y="120000"/>
+                </a:lnTo>
+                <a:close/>
+              </a:path>
+            </a:pathLst>
+          </a:custGeom>
+        </p:spPr>
+      </p:sp>
+      <p:sp>
+        <p:nvSpPr>
+          <p:cNvPr id="82" name="Google Shape;82;ged2377cda1_0_0:notes"/>
+          <p:cNvSpPr txBox="1">
+            <a:spLocks noGrp="1"/>
+          </p:cNvSpPr>
+          <p:nvPr>
+            <p:ph type="body" idx="1"/>
+          </p:nvPr>
+        </p:nvSpPr>
+        <p:spPr>
+          <a:xfrm>
+            <a:off x="731520" y="4560570"/>
+            <a:ext cx="5852160" cy="4320540"/>
+          </a:xfrm>
+          <a:prstGeom prst="rect">
+            <a:avLst/>
+          </a:prstGeom>
+        </p:spPr>
+        <p:txBody>
+          <a:bodyPr spcFirstLastPara="1" wrap="square" lIns="96645" tIns="96645" rIns="96645" bIns="96645" anchor="t" anchorCtr="0">
+            <a:noAutofit/>
+          </a:bodyPr>
+          <a:lstStyle/>
+          <a:p>
+            <a:pPr marL="0" indent="0">
+              <a:buNone/>
+            </a:pPr>
+            <a:endParaRPr/>
+          </a:p>
+        </p:txBody>
+      </p:sp>
+    </p:spTree>
+    <p:extLst>
+      <p:ext uri="{BB962C8B-B14F-4D97-AF65-F5344CB8AC3E}">
         <p14:creationId xmlns:p14="http://schemas.microsoft.com/office/powerpoint/2010/main" val="4271516274"/>
       </p:ext>
     </p:extLst>
@@ -1377,7 +1585,7 @@
 </p:notes>
 </file>
 
-<file path=ppt/notesSlides/notesSlide3.xml><?xml version="1.0" encoding="utf-8"?>
+<file path=ppt/notesSlides/notesSlide5.xml><?xml version="1.0" encoding="utf-8"?>
 <p:notes xmlns:a="http://schemas.openxmlformats.org/drawingml/2006/main" xmlns:r="http://schemas.openxmlformats.org/officeDocument/2006/relationships" xmlns:p="http://schemas.openxmlformats.org/presentationml/2006/main" showMasterSp="0" showMasterPhAnim="0">
   <p:cSld>
     <p:spTree>
@@ -5885,60 +6093,14 @@
       </p:grpSpPr>
       <p:sp>
         <p:nvSpPr>
-          <p:cNvPr id="84" name="Google Shape;84;p16"/>
-          <p:cNvSpPr/>
-          <p:nvPr/>
-        </p:nvSpPr>
-        <p:spPr>
-          <a:xfrm>
-            <a:off x="579708" y="366363"/>
-            <a:ext cx="7984583" cy="4303345"/>
-          </a:xfrm>
-          <a:prstGeom prst="roundRect">
-            <a:avLst>
-              <a:gd name="adj" fmla="val 16667"/>
-            </a:avLst>
-          </a:prstGeom>
-          <a:noFill/>
-          <a:ln w="76200" cap="flat" cmpd="sng">
-            <a:solidFill>
-              <a:srgbClr val="E69138"/>
-            </a:solidFill>
-            <a:prstDash val="solid"/>
-            <a:round/>
-            <a:headEnd type="none" w="sm" len="sm"/>
-            <a:tailEnd type="none" w="sm" len="sm"/>
-          </a:ln>
-        </p:spPr>
-        <p:txBody>
-          <a:bodyPr spcFirstLastPara="1" wrap="square" lIns="91425" tIns="91425" rIns="91425" bIns="91425" anchor="ctr" anchorCtr="0">
-            <a:noAutofit/>
-          </a:bodyPr>
-          <a:lstStyle/>
-          <a:p>
-            <a:pPr marL="0" lvl="0" indent="0" algn="l" rtl="0">
-              <a:spcBef>
-                <a:spcPts val="0"/>
-              </a:spcBef>
-              <a:spcAft>
-                <a:spcPts val="0"/>
-              </a:spcAft>
-              <a:buNone/>
-            </a:pPr>
-            <a:endParaRPr/>
-          </a:p>
-        </p:txBody>
-      </p:sp>
-      <p:sp>
-        <p:nvSpPr>
           <p:cNvPr id="86" name="Google Shape;86;p16"/>
           <p:cNvSpPr txBox="1"/>
           <p:nvPr/>
         </p:nvSpPr>
         <p:spPr>
           <a:xfrm>
-            <a:off x="3099328" y="3403407"/>
-            <a:ext cx="3055629" cy="701469"/>
+            <a:off x="6493637" y="2093375"/>
+            <a:ext cx="2077354" cy="633365"/>
           </a:xfrm>
           <a:prstGeom prst="roundRect">
             <a:avLst/>
@@ -5966,14 +6128,22 @@
               <a:buNone/>
             </a:pPr>
             <a:r>
-              <a:rPr lang="en" sz="2000" b="1" dirty="0">
+              <a:rPr lang="en-US" altLang="zh-CN" sz="1800" dirty="0">
                 <a:solidFill>
                   <a:schemeClr val="tx1"/>
                 </a:solidFill>
               </a:rPr>
-              <a:t>Particle-associated lifestyle</a:t>
+              <a:t>p</a:t>
             </a:r>
-            <a:endParaRPr sz="2000" b="1" dirty="0">
+            <a:r>
+              <a:rPr lang="en" sz="1800" dirty="0">
+                <a:solidFill>
+                  <a:schemeClr val="tx1"/>
+                </a:solidFill>
+              </a:rPr>
+              <a:t>article-associated lifestyle</a:t>
+            </a:r>
+            <a:endParaRPr sz="1800" dirty="0">
               <a:solidFill>
                 <a:schemeClr val="tx1"/>
               </a:solidFill>
@@ -5989,14 +6159,14 @@
         </p:nvSpPr>
         <p:spPr>
           <a:xfrm>
-            <a:off x="6117092" y="2063338"/>
-            <a:ext cx="2067308" cy="701469"/>
+            <a:off x="3157546" y="3008741"/>
+            <a:ext cx="2660205" cy="326898"/>
           </a:xfrm>
           <a:prstGeom prst="roundRect">
             <a:avLst/>
           </a:prstGeom>
           <a:solidFill>
-            <a:srgbClr val="FF5050"/>
+            <a:srgbClr val="FF9999"/>
           </a:solidFill>
           <a:ln>
             <a:noFill/>
@@ -6018,12 +6188,12 @@
               <a:buNone/>
             </a:pPr>
             <a:r>
-              <a:rPr lang="en-US" sz="2000" b="1" dirty="0">
+              <a:rPr lang="en-US" sz="1800" dirty="0">
                 <a:solidFill>
                   <a:schemeClr val="tx1"/>
                 </a:solidFill>
               </a:rPr>
-              <a:t>Increased genome size</a:t>
+              <a:t>increased genome size</a:t>
             </a:r>
           </a:p>
         </p:txBody>
@@ -6036,8 +6206,8 @@
         </p:nvSpPr>
         <p:spPr>
           <a:xfrm>
-            <a:off x="2029523" y="4061499"/>
-            <a:ext cx="5456972" cy="469916"/>
+            <a:off x="2498643" y="3612140"/>
+            <a:ext cx="4174738" cy="367760"/>
           </a:xfrm>
           <a:prstGeom prst="roundRect">
             <a:avLst/>
@@ -6082,11 +6252,11 @@
               <a:buNone/>
             </a:pPr>
             <a:r>
-              <a:rPr lang="en" sz="2400" b="1" dirty="0"/>
+              <a:rPr lang="en" sz="1800" dirty="0"/>
               <a:t>A d</a:t>
             </a:r>
             <a:r>
-              <a:rPr lang="en" sz="2400" b="1" dirty="0">
+              <a:rPr lang="en" sz="1800" dirty="0">
                 <a:solidFill>
                   <a:schemeClr val="dk1"/>
                 </a:solidFill>
@@ -6094,7 +6264,7 @@
               <a:t>eep-ocean</a:t>
             </a:r>
             <a:r>
-              <a:rPr lang="en-US" sz="2400" b="1" dirty="0">
+              <a:rPr lang="en-US" sz="1800" dirty="0">
                 <a:solidFill>
                   <a:schemeClr val="dk1"/>
                 </a:solidFill>
@@ -6102,7 +6272,7 @@
               <a:t> microbial</a:t>
             </a:r>
             <a:r>
-              <a:rPr lang="en-US" sz="2400" b="1" dirty="0"/>
+              <a:rPr lang="en-US" sz="1800" dirty="0"/>
               <a:t> community</a:t>
             </a:r>
           </a:p>
@@ -6116,8 +6286,8 @@
         </p:nvSpPr>
         <p:spPr>
           <a:xfrm>
-            <a:off x="586055" y="2601487"/>
-            <a:ext cx="2698020" cy="800189"/>
+            <a:off x="6244557" y="1475159"/>
+            <a:ext cx="2326434" cy="492443"/>
           </a:xfrm>
           <a:prstGeom prst="rect">
             <a:avLst/>
@@ -6128,7 +6298,7 @@
           </a:ln>
         </p:spPr>
         <p:txBody>
-          <a:bodyPr spcFirstLastPara="1" wrap="square" lIns="91425" tIns="91425" rIns="91425" bIns="91425" anchor="t" anchorCtr="0">
+          <a:bodyPr spcFirstLastPara="1" wrap="square" lIns="0" tIns="0" rIns="0" bIns="0" anchor="t" anchorCtr="0">
             <a:spAutoFit/>
           </a:bodyPr>
           <a:lstStyle/>
@@ -6143,98 +6313,13 @@
               <a:buNone/>
             </a:pPr>
             <a:r>
-              <a:rPr lang="en" sz="2000" b="1" dirty="0">
+              <a:rPr lang="en" sz="1600" dirty="0">
                 <a:solidFill>
                   <a:srgbClr val="B45F06"/>
                 </a:solidFill>
               </a:rPr>
-              <a:t>helps competion </a:t>
+              <a:t>benefit the host and help the host compete in</a:t>
             </a:r>
-          </a:p>
-          <a:p>
-            <a:pPr marL="0" lvl="0" indent="0" algn="ctr" rtl="0">
-              <a:spcBef>
-                <a:spcPts val="0"/>
-              </a:spcBef>
-              <a:spcAft>
-                <a:spcPts val="0"/>
-              </a:spcAft>
-              <a:buNone/>
-            </a:pPr>
-            <a:r>
-              <a:rPr lang="en" sz="2000" b="1" dirty="0">
-                <a:solidFill>
-                  <a:srgbClr val="B45F06"/>
-                </a:solidFill>
-              </a:rPr>
-              <a:t>and defense on</a:t>
-            </a:r>
-            <a:endParaRPr sz="2000" b="1" dirty="0">
-              <a:solidFill>
-                <a:srgbClr val="B45F06"/>
-              </a:solidFill>
-            </a:endParaRPr>
-          </a:p>
-        </p:txBody>
-      </p:sp>
-      <p:sp>
-        <p:nvSpPr>
-          <p:cNvPr id="22" name="Google Shape;85;p16">
-            <a:extLst>
-              <a:ext uri="{FF2B5EF4-FFF2-40B4-BE49-F238E27FC236}">
-                <a16:creationId xmlns:a16="http://schemas.microsoft.com/office/drawing/2014/main" id="{7B3E143E-5E39-4CA1-91FE-5EB3C5A75D11}"/>
-              </a:ext>
-            </a:extLst>
-          </p:cNvPr>
-          <p:cNvSpPr txBox="1"/>
-          <p:nvPr/>
-        </p:nvSpPr>
-        <p:spPr>
-          <a:xfrm>
-            <a:off x="3425307" y="506422"/>
-            <a:ext cx="2293386" cy="612900"/>
-          </a:xfrm>
-          <a:prstGeom prst="roundRect">
-            <a:avLst/>
-          </a:prstGeom>
-          <a:solidFill>
-            <a:schemeClr val="accent1">
-              <a:lumMod val="60000"/>
-              <a:lumOff val="40000"/>
-            </a:schemeClr>
-          </a:solidFill>
-          <a:ln>
-            <a:noFill/>
-          </a:ln>
-        </p:spPr>
-        <p:txBody>
-          <a:bodyPr spcFirstLastPara="1" wrap="square" lIns="91425" tIns="91425" rIns="91425" bIns="91425" anchor="t" anchorCtr="0">
-            <a:spAutoFit/>
-          </a:bodyPr>
-          <a:lstStyle/>
-          <a:p>
-            <a:pPr marL="0" lvl="0" indent="0" algn="ctr" rtl="0">
-              <a:spcBef>
-                <a:spcPts val="0"/>
-              </a:spcBef>
-              <a:spcAft>
-                <a:spcPts val="0"/>
-              </a:spcAft>
-              <a:buNone/>
-            </a:pPr>
-            <a:r>
-              <a:rPr lang="en" sz="2400" b="1" dirty="0">
-                <a:solidFill>
-                  <a:schemeClr val="tx1"/>
-                </a:solidFill>
-              </a:rPr>
-              <a:t>Transposons</a:t>
-            </a:r>
-            <a:endParaRPr sz="2400" b="1" dirty="0">
-              <a:solidFill>
-                <a:schemeClr val="tx1"/>
-              </a:solidFill>
-            </a:endParaRPr>
           </a:p>
         </p:txBody>
       </p:sp>
@@ -6252,14 +6337,14 @@
         </p:nvSpPr>
         <p:spPr>
           <a:xfrm>
-            <a:off x="855978" y="1810572"/>
-            <a:ext cx="2698019" cy="701469"/>
+            <a:off x="2826835" y="993405"/>
+            <a:ext cx="3321628" cy="326898"/>
           </a:xfrm>
           <a:prstGeom prst="roundRect">
             <a:avLst/>
           </a:prstGeom>
           <a:solidFill>
-            <a:srgbClr val="FF5050"/>
+            <a:srgbClr val="FF9999"/>
           </a:solidFill>
           <a:ln>
             <a:noFill/>
@@ -6281,31 +6366,12 @@
               <a:buNone/>
             </a:pPr>
             <a:r>
-              <a:rPr lang="en-US" sz="2000" b="1" dirty="0">
+              <a:rPr lang="en-US" sz="1800" dirty="0">
                 <a:solidFill>
                   <a:schemeClr val="tx1"/>
                 </a:solidFill>
               </a:rPr>
-              <a:t>Defense mechanism</a:t>
-            </a:r>
-          </a:p>
-          <a:p>
-            <a:pPr marL="0" lvl="0" indent="0" algn="ctr" rtl="0">
-              <a:spcBef>
-                <a:spcPts val="0"/>
-              </a:spcBef>
-              <a:spcAft>
-                <a:spcPts val="0"/>
-              </a:spcAft>
-              <a:buNone/>
-            </a:pPr>
-            <a:r>
-              <a:rPr lang="en-US" sz="2000" b="1" dirty="0">
-                <a:solidFill>
-                  <a:schemeClr val="tx1"/>
-                </a:solidFill>
-              </a:rPr>
-              <a:t>cassettes</a:t>
+              <a:t>particle-associated cassettes</a:t>
             </a:r>
           </a:p>
         </p:txBody>
@@ -6325,15 +6391,15 @@
           <p:nvPr/>
         </p:nvCxnSpPr>
         <p:spPr>
-          <a:xfrm flipV="1">
-            <a:off x="4758009" y="1262253"/>
-            <a:ext cx="0" cy="2044390"/>
+          <a:xfrm flipH="1">
+            <a:off x="2627529" y="2439985"/>
+            <a:ext cx="3617028" cy="0"/>
           </a:xfrm>
           <a:prstGeom prst="straightConnector1">
             <a:avLst/>
           </a:prstGeom>
           <a:noFill/>
-          <a:ln w="57150" cap="flat" cmpd="sng">
+          <a:ln w="38100" cap="flat" cmpd="sng">
             <a:solidFill>
               <a:schemeClr val="tx1"/>
             </a:solidFill>
@@ -6352,8 +6418,8 @@
         </p:nvSpPr>
         <p:spPr>
           <a:xfrm>
-            <a:off x="4177200" y="2088257"/>
-            <a:ext cx="1161617" cy="357021"/>
+            <a:off x="3956536" y="2285879"/>
+            <a:ext cx="967567" cy="295466"/>
           </a:xfrm>
           <a:prstGeom prst="rect">
             <a:avLst/>
@@ -6381,14 +6447,14 @@
               <a:buNone/>
             </a:pPr>
             <a:r>
-              <a:rPr lang="en" sz="2200" b="1" dirty="0">
+              <a:rPr lang="en" sz="1800" dirty="0">
                 <a:solidFill>
                   <a:srgbClr val="B45F06"/>
                 </a:solidFill>
               </a:rPr>
-              <a:t>spreads</a:t>
+              <a:t> spreads</a:t>
             </a:r>
-            <a:endParaRPr sz="2200" b="1" dirty="0">
+            <a:endParaRPr sz="1800" dirty="0">
               <a:solidFill>
                 <a:srgbClr val="B45F06"/>
               </a:solidFill>
@@ -6410,8 +6476,8 @@
         </p:nvSpPr>
         <p:spPr>
           <a:xfrm>
-            <a:off x="2350066" y="1075423"/>
-            <a:ext cx="813573" cy="387798"/>
+            <a:off x="2037368" y="1641418"/>
+            <a:ext cx="601301" cy="295466"/>
           </a:xfrm>
           <a:prstGeom prst="rect">
             <a:avLst/>
@@ -6439,14 +6505,14 @@
               <a:buNone/>
             </a:pPr>
             <a:r>
-              <a:rPr lang="en" sz="2400" b="1" dirty="0">
+              <a:rPr lang="en" sz="1800" dirty="0">
                 <a:solidFill>
                   <a:srgbClr val="B45F06"/>
                 </a:solidFill>
               </a:rPr>
               <a:t>carry</a:t>
             </a:r>
-            <a:endParaRPr sz="2000" b="1" dirty="0">
+            <a:endParaRPr sz="1800" dirty="0">
               <a:solidFill>
                 <a:srgbClr val="B45F06"/>
               </a:solidFill>
@@ -6454,40 +6520,6 @@
           </a:p>
         </p:txBody>
       </p:sp>
-      <p:cxnSp>
-        <p:nvCxnSpPr>
-          <p:cNvPr id="23" name="Google Shape;90;p16">
-            <a:extLst>
-              <a:ext uri="{FF2B5EF4-FFF2-40B4-BE49-F238E27FC236}">
-                <a16:creationId xmlns:a16="http://schemas.microsoft.com/office/drawing/2014/main" id="{76FF781D-A53E-4BB3-9AED-568798FAB34C}"/>
-              </a:ext>
-            </a:extLst>
-          </p:cNvPr>
-          <p:cNvCxnSpPr>
-            <a:cxnSpLocks/>
-          </p:cNvCxnSpPr>
-          <p:nvPr/>
-        </p:nvCxnSpPr>
-        <p:spPr>
-          <a:xfrm flipV="1">
-            <a:off x="6075184" y="2850112"/>
-            <a:ext cx="395391" cy="451118"/>
-          </a:xfrm>
-          <a:prstGeom prst="straightConnector1">
-            <a:avLst/>
-          </a:prstGeom>
-          <a:noFill/>
-          <a:ln w="57150" cap="flat" cmpd="sng">
-            <a:solidFill>
-              <a:schemeClr val="tx1"/>
-            </a:solidFill>
-            <a:prstDash val="solid"/>
-            <a:round/>
-            <a:headEnd type="none" w="med" len="med"/>
-            <a:tailEnd type="triangle" w="med" len="med"/>
-          </a:ln>
-        </p:spPr>
-      </p:cxnSp>
       <p:cxnSp>
         <p:nvCxnSpPr>
           <p:cNvPr id="27" name="Google Shape;90;p16">
@@ -6503,15 +6535,15 @@
           <p:nvPr/>
         </p:nvCxnSpPr>
         <p:spPr>
-          <a:xfrm flipH="1" flipV="1">
-            <a:off x="5692780" y="1204332"/>
-            <a:ext cx="685873" cy="754414"/>
+          <a:xfrm flipH="1">
+            <a:off x="5921036" y="2659141"/>
+            <a:ext cx="404225" cy="478180"/>
           </a:xfrm>
           <a:prstGeom prst="straightConnector1">
             <a:avLst/>
           </a:prstGeom>
           <a:noFill/>
-          <a:ln w="57150" cap="flat" cmpd="sng">
+          <a:ln w="38100" cap="flat" cmpd="sng">
             <a:solidFill>
               <a:schemeClr val="tx1"/>
             </a:solidFill>
@@ -6537,15 +6569,15 @@
           <p:nvPr/>
         </p:nvCxnSpPr>
         <p:spPr>
-          <a:xfrm flipH="1">
-            <a:off x="2981248" y="1247182"/>
-            <a:ext cx="364118" cy="435676"/>
+          <a:xfrm flipH="1" flipV="1">
+            <a:off x="2498643" y="2672704"/>
+            <a:ext cx="523701" cy="454535"/>
           </a:xfrm>
           <a:prstGeom prst="straightConnector1">
             <a:avLst/>
           </a:prstGeom>
           <a:noFill/>
-          <a:ln w="57150" cap="flat" cmpd="sng">
+          <a:ln w="38100" cap="flat" cmpd="sng">
             <a:solidFill>
               <a:schemeClr val="tx1"/>
             </a:solidFill>
@@ -6558,10 +6590,10 @@
       </p:cxnSp>
       <p:sp>
         <p:nvSpPr>
-          <p:cNvPr id="34" name="Google Shape;94;p16">
+          <p:cNvPr id="15" name="Google Shape;86;p16">
             <a:extLst>
               <a:ext uri="{FF2B5EF4-FFF2-40B4-BE49-F238E27FC236}">
-                <a16:creationId xmlns:a16="http://schemas.microsoft.com/office/drawing/2014/main" id="{DCD89C29-9457-47D3-927E-17082DE3893D}"/>
+                <a16:creationId xmlns:a16="http://schemas.microsoft.com/office/drawing/2014/main" id="{5BF301FD-A465-A53B-C54A-3E137217FE1F}"/>
               </a:ext>
             </a:extLst>
           </p:cNvPr>
@@ -6570,19 +6602,24 @@
         </p:nvSpPr>
         <p:spPr>
           <a:xfrm>
-            <a:off x="6224186" y="2930487"/>
-            <a:ext cx="2001151" cy="492412"/>
-          </a:xfrm>
-          <a:prstGeom prst="rect">
-            <a:avLst/>
-          </a:prstGeom>
-          <a:noFill/>
+            <a:off x="860918" y="2246609"/>
+            <a:ext cx="1620743" cy="326898"/>
+          </a:xfrm>
+          <a:prstGeom prst="roundRect">
+            <a:avLst/>
+          </a:prstGeom>
+          <a:solidFill>
+            <a:schemeClr val="accent5">
+              <a:lumMod val="40000"/>
+              <a:lumOff val="60000"/>
+            </a:schemeClr>
+          </a:solidFill>
           <a:ln>
             <a:noFill/>
           </a:ln>
         </p:spPr>
         <p:txBody>
-          <a:bodyPr spcFirstLastPara="1" wrap="square" lIns="91425" tIns="91425" rIns="91425" bIns="91425" anchor="t" anchorCtr="0">
+          <a:bodyPr spcFirstLastPara="1" wrap="square" lIns="9144" tIns="9144" rIns="9144" bIns="9144" anchor="t" anchorCtr="0">
             <a:spAutoFit/>
           </a:bodyPr>
           <a:lstStyle/>
@@ -6597,27 +6634,80 @@
               <a:buNone/>
             </a:pPr>
             <a:r>
-              <a:rPr lang="en" sz="2000" b="1" dirty="0">
+              <a:rPr lang="en" sz="1800" dirty="0">
                 <a:solidFill>
-                  <a:srgbClr val="B45F06"/>
+                  <a:schemeClr val="tx1"/>
                 </a:solidFill>
               </a:rPr>
-              <a:t>correlates with</a:t>
+              <a:t>transposons</a:t>
             </a:r>
-            <a:endParaRPr sz="2000" b="1" dirty="0">
+            <a:endParaRPr sz="1800" dirty="0">
               <a:solidFill>
-                <a:srgbClr val="B45F06"/>
+                <a:schemeClr val="tx1"/>
               </a:solidFill>
             </a:endParaRPr>
           </a:p>
         </p:txBody>
       </p:sp>
+      <p:sp>
+        <p:nvSpPr>
+          <p:cNvPr id="21" name="TextBox 20">
+            <a:extLst>
+              <a:ext uri="{FF2B5EF4-FFF2-40B4-BE49-F238E27FC236}">
+                <a16:creationId xmlns:a16="http://schemas.microsoft.com/office/drawing/2014/main" id="{448ECAB9-B63C-A32D-9097-E19BDC96FD6F}"/>
+              </a:ext>
+            </a:extLst>
+          </p:cNvPr>
+          <p:cNvSpPr txBox="1"/>
+          <p:nvPr/>
+        </p:nvSpPr>
+        <p:spPr>
+          <a:xfrm>
+            <a:off x="3022344" y="1316680"/>
+            <a:ext cx="2930610" cy="954107"/>
+          </a:xfrm>
+          <a:prstGeom prst="rect">
+            <a:avLst/>
+          </a:prstGeom>
+          <a:noFill/>
+        </p:spPr>
+        <p:txBody>
+          <a:bodyPr wrap="none" rtlCol="0">
+            <a:spAutoFit/>
+          </a:bodyPr>
+          <a:lstStyle/>
+          <a:p>
+            <a:r>
+              <a:rPr lang="en-US" dirty="0"/>
+              <a:t>- Defense mechanisms</a:t>
+            </a:r>
+          </a:p>
+          <a:p>
+            <a:r>
+              <a:rPr lang="en-US" dirty="0"/>
+              <a:t>- Signal Transduction mechanisms</a:t>
+            </a:r>
+          </a:p>
+          <a:p>
+            <a:r>
+              <a:rPr lang="en-US" dirty="0"/>
+              <a:t>- Extracellular Structures</a:t>
+            </a:r>
+          </a:p>
+          <a:p>
+            <a:r>
+              <a:rPr lang="en-US" dirty="0"/>
+              <a:t>- Cell motility</a:t>
+            </a:r>
+          </a:p>
+        </p:txBody>
+      </p:sp>
       <p:cxnSp>
         <p:nvCxnSpPr>
-          <p:cNvPr id="39" name="Google Shape;90;p16">
+          <p:cNvPr id="28" name="Google Shape;90;p16">
             <a:extLst>
               <a:ext uri="{FF2B5EF4-FFF2-40B4-BE49-F238E27FC236}">
-                <a16:creationId xmlns:a16="http://schemas.microsoft.com/office/drawing/2014/main" id="{685EE98C-7DD8-4753-88C2-B34CD93CD22B}"/>
+                <a16:creationId xmlns:a16="http://schemas.microsoft.com/office/drawing/2014/main" id="{1EBB96A0-C36F-37D8-032B-3E69AF21098B}"/>
               </a:ext>
             </a:extLst>
           </p:cNvPr>
@@ -6628,14 +6718,14 @@
         </p:nvCxnSpPr>
         <p:spPr>
           <a:xfrm>
-            <a:off x="2911325" y="2608805"/>
-            <a:ext cx="624333" cy="692425"/>
+            <a:off x="5921036" y="1669904"/>
+            <a:ext cx="415593" cy="484683"/>
           </a:xfrm>
           <a:prstGeom prst="straightConnector1">
             <a:avLst/>
           </a:prstGeom>
           <a:noFill/>
-          <a:ln w="57150" cap="flat" cmpd="sng">
+          <a:ln w="38100" cap="flat" cmpd="sng">
             <a:solidFill>
               <a:schemeClr val="tx1"/>
             </a:solidFill>
@@ -6646,12 +6736,46 @@
           </a:ln>
         </p:spPr>
       </p:cxnSp>
+      <p:cxnSp>
+        <p:nvCxnSpPr>
+          <p:cNvPr id="38" name="Google Shape;90;p16">
+            <a:extLst>
+              <a:ext uri="{FF2B5EF4-FFF2-40B4-BE49-F238E27FC236}">
+                <a16:creationId xmlns:a16="http://schemas.microsoft.com/office/drawing/2014/main" id="{4EECD7EC-59C0-8FB0-0814-D4A60ED3A9BC}"/>
+              </a:ext>
+            </a:extLst>
+          </p:cNvPr>
+          <p:cNvCxnSpPr>
+            <a:cxnSpLocks/>
+          </p:cNvCxnSpPr>
+          <p:nvPr/>
+        </p:nvCxnSpPr>
+        <p:spPr>
+          <a:xfrm flipV="1">
+            <a:off x="2481661" y="1686633"/>
+            <a:ext cx="434918" cy="451377"/>
+          </a:xfrm>
+          <a:prstGeom prst="straightConnector1">
+            <a:avLst/>
+          </a:prstGeom>
+          <a:noFill/>
+          <a:ln w="38100" cap="flat" cmpd="sng">
+            <a:solidFill>
+              <a:schemeClr val="tx1"/>
+            </a:solidFill>
+            <a:prstDash val="solid"/>
+            <a:round/>
+            <a:headEnd type="none" w="med" len="med"/>
+            <a:tailEnd type="triangle" w="med" len="med"/>
+          </a:ln>
+        </p:spPr>
+      </p:cxnSp>
       <p:sp>
         <p:nvSpPr>
-          <p:cNvPr id="45" name="Google Shape;94;p16">
+          <p:cNvPr id="55" name="Google Shape;94;p16">
             <a:extLst>
               <a:ext uri="{FF2B5EF4-FFF2-40B4-BE49-F238E27FC236}">
-                <a16:creationId xmlns:a16="http://schemas.microsoft.com/office/drawing/2014/main" id="{1A202B5C-1CC3-4616-A646-65D56D25AA2C}"/>
+                <a16:creationId xmlns:a16="http://schemas.microsoft.com/office/drawing/2014/main" id="{06C0DFC6-294F-309B-BBFA-F7BB5B33FBFF}"/>
               </a:ext>
             </a:extLst>
           </p:cNvPr>
@@ -6660,8 +6784,8 @@
         </p:nvSpPr>
         <p:spPr>
           <a:xfrm>
-            <a:off x="5980361" y="896573"/>
-            <a:ext cx="2447987" cy="1107965"/>
+            <a:off x="6218504" y="2853761"/>
+            <a:ext cx="1557383" cy="246221"/>
           </a:xfrm>
           <a:prstGeom prst="rect">
             <a:avLst/>
@@ -6672,7 +6796,7 @@
           </a:ln>
         </p:spPr>
         <p:txBody>
-          <a:bodyPr spcFirstLastPara="1" wrap="square" lIns="91425" tIns="91425" rIns="91425" bIns="91425" anchor="t" anchorCtr="0">
+          <a:bodyPr spcFirstLastPara="1" wrap="square" lIns="0" tIns="0" rIns="0" bIns="0" anchor="t" anchorCtr="0">
             <a:spAutoFit/>
           </a:bodyPr>
           <a:lstStyle/>
@@ -6687,20 +6811,68 @@
               <a:buNone/>
             </a:pPr>
             <a:r>
-              <a:rPr lang="en-US" sz="2000" b="1" dirty="0">
+              <a:rPr lang="en" sz="1600" dirty="0">
                 <a:solidFill>
                   <a:srgbClr val="B45F06"/>
                 </a:solidFill>
               </a:rPr>
-              <a:t>b</a:t>
+              <a:t>correlates with</a:t>
             </a:r>
+            <a:endParaRPr sz="1600" dirty="0">
+              <a:solidFill>
+                <a:srgbClr val="B45F06"/>
+              </a:solidFill>
+            </a:endParaRPr>
+          </a:p>
+        </p:txBody>
+      </p:sp>
+      <p:sp>
+        <p:nvSpPr>
+          <p:cNvPr id="57" name="Google Shape;94;p16">
+            <a:extLst>
+              <a:ext uri="{FF2B5EF4-FFF2-40B4-BE49-F238E27FC236}">
+                <a16:creationId xmlns:a16="http://schemas.microsoft.com/office/drawing/2014/main" id="{B5AA78DE-B9F4-21DB-FFA4-AC9E15A67C54}"/>
+              </a:ext>
+            </a:extLst>
+          </p:cNvPr>
+          <p:cNvSpPr txBox="1"/>
+          <p:nvPr/>
+        </p:nvSpPr>
+        <p:spPr>
+          <a:xfrm>
+            <a:off x="602435" y="2784145"/>
+            <a:ext cx="2158058" cy="492443"/>
+          </a:xfrm>
+          <a:prstGeom prst="rect">
+            <a:avLst/>
+          </a:prstGeom>
+          <a:noFill/>
+          <a:ln>
+            <a:noFill/>
+          </a:ln>
+        </p:spPr>
+        <p:txBody>
+          <a:bodyPr spcFirstLastPara="1" wrap="square" lIns="0" tIns="0" rIns="0" bIns="0" anchor="t" anchorCtr="0">
+            <a:spAutoFit/>
+          </a:bodyPr>
+          <a:lstStyle/>
+          <a:p>
+            <a:pPr marL="0" lvl="0" indent="0" algn="ctr" rtl="0">
+              <a:spcBef>
+                <a:spcPts val="0"/>
+              </a:spcBef>
+              <a:spcAft>
+                <a:spcPts val="0"/>
+              </a:spcAft>
+              <a:buNone/>
+            </a:pPr>
             <a:r>
-              <a:rPr lang="en" sz="2000" b="1" dirty="0">
+              <a:rPr lang="en" sz="1600" dirty="0">
                 <a:solidFill>
                   <a:srgbClr val="B45F06"/>
                 </a:solidFill>
               </a:rPr>
-              <a:t>uffers distruptive </a:t>
+              <a:t>linked to a higher</a:t>
             </a:r>
           </a:p>
           <a:p>
@@ -6714,31 +6886,12 @@
               <a:buNone/>
             </a:pPr>
             <a:r>
-              <a:rPr lang="en-US" sz="2000" b="1" dirty="0">
+              <a:rPr lang="en" sz="1600" dirty="0">
                 <a:solidFill>
                   <a:srgbClr val="B45F06"/>
                 </a:solidFill>
               </a:rPr>
-              <a:t>transpositions</a:t>
-            </a:r>
-          </a:p>
-          <a:p>
-            <a:pPr marL="0" lvl="0" indent="0" algn="ctr" rtl="0">
-              <a:spcBef>
-                <a:spcPts val="0"/>
-              </a:spcBef>
-              <a:spcAft>
-                <a:spcPts val="0"/>
-              </a:spcAft>
-              <a:buNone/>
-            </a:pPr>
-            <a:r>
-              <a:rPr lang="en" sz="2000" b="1" dirty="0">
-                <a:solidFill>
-                  <a:srgbClr val="B45F06"/>
-                </a:solidFill>
-              </a:rPr>
-              <a:t>caused by</a:t>
+              <a:t>HGT rate, propagating</a:t>
             </a:r>
           </a:p>
         </p:txBody>
@@ -6775,6 +6928,1841 @@
       </p:grpSpPr>
       <p:sp>
         <p:nvSpPr>
+          <p:cNvPr id="86" name="Google Shape;86;p16"/>
+          <p:cNvSpPr txBox="1"/>
+          <p:nvPr/>
+        </p:nvSpPr>
+        <p:spPr>
+          <a:xfrm>
+            <a:off x="3869374" y="3411879"/>
+            <a:ext cx="3055629" cy="326898"/>
+          </a:xfrm>
+          <a:prstGeom prst="roundRect">
+            <a:avLst/>
+          </a:prstGeom>
+          <a:solidFill>
+            <a:srgbClr val="92D050"/>
+          </a:solidFill>
+          <a:ln>
+            <a:noFill/>
+          </a:ln>
+        </p:spPr>
+        <p:txBody>
+          <a:bodyPr spcFirstLastPara="1" wrap="square" lIns="9144" tIns="9144" rIns="9144" bIns="9144" anchor="t" anchorCtr="0">
+            <a:spAutoFit/>
+          </a:bodyPr>
+          <a:lstStyle/>
+          <a:p>
+            <a:pPr marL="0" lvl="0" indent="0" algn="ctr" rtl="0">
+              <a:spcBef>
+                <a:spcPts val="0"/>
+              </a:spcBef>
+              <a:spcAft>
+                <a:spcPts val="0"/>
+              </a:spcAft>
+              <a:buNone/>
+            </a:pPr>
+            <a:r>
+              <a:rPr lang="en" sz="1800" dirty="0">
+                <a:solidFill>
+                  <a:schemeClr val="tx1"/>
+                </a:solidFill>
+              </a:rPr>
+              <a:t>Particle-associated lifestyle</a:t>
+            </a:r>
+            <a:endParaRPr sz="1800" dirty="0">
+              <a:solidFill>
+                <a:schemeClr val="tx1"/>
+              </a:solidFill>
+            </a:endParaRPr>
+          </a:p>
+        </p:txBody>
+      </p:sp>
+      <p:sp>
+        <p:nvSpPr>
+          <p:cNvPr id="87" name="Google Shape;87;p16"/>
+          <p:cNvSpPr txBox="1"/>
+          <p:nvPr/>
+        </p:nvSpPr>
+        <p:spPr>
+          <a:xfrm>
+            <a:off x="6451059" y="1914799"/>
+            <a:ext cx="1882614" cy="633365"/>
+          </a:xfrm>
+          <a:prstGeom prst="roundRect">
+            <a:avLst/>
+          </a:prstGeom>
+          <a:solidFill>
+            <a:srgbClr val="FF5050"/>
+          </a:solidFill>
+          <a:ln>
+            <a:noFill/>
+          </a:ln>
+        </p:spPr>
+        <p:txBody>
+          <a:bodyPr spcFirstLastPara="1" wrap="square" lIns="9144" tIns="9144" rIns="9144" bIns="9144" anchor="t" anchorCtr="0">
+            <a:spAutoFit/>
+          </a:bodyPr>
+          <a:lstStyle/>
+          <a:p>
+            <a:pPr marL="0" lvl="0" indent="0" algn="ctr" rtl="0">
+              <a:spcBef>
+                <a:spcPts val="0"/>
+              </a:spcBef>
+              <a:spcAft>
+                <a:spcPts val="0"/>
+              </a:spcAft>
+              <a:buNone/>
+            </a:pPr>
+            <a:r>
+              <a:rPr lang="en-US" sz="1800" dirty="0">
+                <a:solidFill>
+                  <a:schemeClr val="tx1"/>
+                </a:solidFill>
+              </a:rPr>
+              <a:t>Increased genome size</a:t>
+            </a:r>
+          </a:p>
+        </p:txBody>
+      </p:sp>
+      <p:sp>
+        <p:nvSpPr>
+          <p:cNvPr id="91" name="Google Shape;91;p16"/>
+          <p:cNvSpPr txBox="1"/>
+          <p:nvPr/>
+        </p:nvSpPr>
+        <p:spPr>
+          <a:xfrm>
+            <a:off x="2854712" y="4219201"/>
+            <a:ext cx="5456972" cy="367760"/>
+          </a:xfrm>
+          <a:prstGeom prst="roundRect">
+            <a:avLst/>
+          </a:prstGeom>
+          <a:noFill/>
+          <a:ln>
+            <a:noFill/>
+          </a:ln>
+        </p:spPr>
+        <p:style>
+          <a:lnRef idx="2">
+            <a:schemeClr val="accent4"/>
+          </a:lnRef>
+          <a:fillRef idx="1">
+            <a:schemeClr val="lt1"/>
+          </a:fillRef>
+          <a:effectRef idx="0">
+            <a:schemeClr val="accent4"/>
+          </a:effectRef>
+          <a:fontRef idx="minor">
+            <a:schemeClr val="dk1"/>
+          </a:fontRef>
+        </p:style>
+        <p:txBody>
+          <a:bodyPr spcFirstLastPara="1" wrap="square" lIns="27432" tIns="27432" rIns="27432" bIns="27432" anchor="t" anchorCtr="0">
+            <a:spAutoFit/>
+          </a:bodyPr>
+          <a:lstStyle/>
+          <a:p>
+            <a:pPr marL="0" lvl="0" indent="0" algn="ctr" rtl="0">
+              <a:spcBef>
+                <a:spcPts val="0"/>
+              </a:spcBef>
+              <a:spcAft>
+                <a:spcPts val="0"/>
+              </a:spcAft>
+              <a:buClr>
+                <a:schemeClr val="dk1"/>
+              </a:buClr>
+              <a:buSzPts val="1100"/>
+              <a:buFont typeface="Arial"/>
+              <a:buNone/>
+            </a:pPr>
+            <a:r>
+              <a:rPr lang="en" sz="1800" dirty="0"/>
+              <a:t>A d</a:t>
+            </a:r>
+            <a:r>
+              <a:rPr lang="en" sz="1800" dirty="0">
+                <a:solidFill>
+                  <a:schemeClr val="dk1"/>
+                </a:solidFill>
+              </a:rPr>
+              <a:t>eep-ocean</a:t>
+            </a:r>
+            <a:r>
+              <a:rPr lang="en-US" sz="1800" dirty="0">
+                <a:solidFill>
+                  <a:schemeClr val="dk1"/>
+                </a:solidFill>
+              </a:rPr>
+              <a:t> microbial</a:t>
+            </a:r>
+            <a:r>
+              <a:rPr lang="en-US" sz="1800" dirty="0"/>
+              <a:t> community</a:t>
+            </a:r>
+          </a:p>
+        </p:txBody>
+      </p:sp>
+      <p:sp>
+        <p:nvSpPr>
+          <p:cNvPr id="94" name="Google Shape;94;p16"/>
+          <p:cNvSpPr txBox="1"/>
+          <p:nvPr/>
+        </p:nvSpPr>
+        <p:spPr>
+          <a:xfrm>
+            <a:off x="511203" y="4022892"/>
+            <a:ext cx="2698020" cy="800189"/>
+          </a:xfrm>
+          <a:prstGeom prst="rect">
+            <a:avLst/>
+          </a:prstGeom>
+          <a:noFill/>
+          <a:ln>
+            <a:noFill/>
+          </a:ln>
+        </p:spPr>
+        <p:txBody>
+          <a:bodyPr spcFirstLastPara="1" wrap="square" lIns="91425" tIns="91425" rIns="91425" bIns="91425" anchor="t" anchorCtr="0">
+            <a:spAutoFit/>
+          </a:bodyPr>
+          <a:lstStyle/>
+          <a:p>
+            <a:pPr marL="0" lvl="0" indent="0" algn="ctr" rtl="0">
+              <a:spcBef>
+                <a:spcPts val="0"/>
+              </a:spcBef>
+              <a:spcAft>
+                <a:spcPts val="0"/>
+              </a:spcAft>
+              <a:buNone/>
+            </a:pPr>
+            <a:r>
+              <a:rPr lang="en" sz="2000" b="1" dirty="0">
+                <a:solidFill>
+                  <a:srgbClr val="B45F06"/>
+                </a:solidFill>
+              </a:rPr>
+              <a:t>helps competion </a:t>
+            </a:r>
+          </a:p>
+          <a:p>
+            <a:pPr marL="0" lvl="0" indent="0" algn="ctr" rtl="0">
+              <a:spcBef>
+                <a:spcPts val="0"/>
+              </a:spcBef>
+              <a:spcAft>
+                <a:spcPts val="0"/>
+              </a:spcAft>
+              <a:buNone/>
+            </a:pPr>
+            <a:r>
+              <a:rPr lang="en" sz="2000" b="1" dirty="0">
+                <a:solidFill>
+                  <a:srgbClr val="B45F06"/>
+                </a:solidFill>
+              </a:rPr>
+              <a:t>and defense on</a:t>
+            </a:r>
+            <a:endParaRPr sz="2000" b="1" dirty="0">
+              <a:solidFill>
+                <a:srgbClr val="B45F06"/>
+              </a:solidFill>
+            </a:endParaRPr>
+          </a:p>
+        </p:txBody>
+      </p:sp>
+      <p:sp>
+        <p:nvSpPr>
+          <p:cNvPr id="18" name="Google Shape;87;p16">
+            <a:extLst>
+              <a:ext uri="{FF2B5EF4-FFF2-40B4-BE49-F238E27FC236}">
+                <a16:creationId xmlns:a16="http://schemas.microsoft.com/office/drawing/2014/main" id="{A7651EED-4922-4FBC-AF26-D9ABA1EA33EE}"/>
+              </a:ext>
+            </a:extLst>
+          </p:cNvPr>
+          <p:cNvSpPr txBox="1"/>
+          <p:nvPr/>
+        </p:nvSpPr>
+        <p:spPr>
+          <a:xfrm>
+            <a:off x="2793371" y="1866490"/>
+            <a:ext cx="2064203" cy="633365"/>
+          </a:xfrm>
+          <a:prstGeom prst="roundRect">
+            <a:avLst/>
+          </a:prstGeom>
+          <a:solidFill>
+            <a:srgbClr val="FF5050"/>
+          </a:solidFill>
+          <a:ln>
+            <a:noFill/>
+          </a:ln>
+        </p:spPr>
+        <p:txBody>
+          <a:bodyPr spcFirstLastPara="1" wrap="square" lIns="9144" tIns="9144" rIns="9144" bIns="9144" anchor="t" anchorCtr="0">
+            <a:spAutoFit/>
+          </a:bodyPr>
+          <a:lstStyle/>
+          <a:p>
+            <a:pPr marL="0" lvl="0" indent="0" algn="ctr" rtl="0">
+              <a:spcBef>
+                <a:spcPts val="0"/>
+              </a:spcBef>
+              <a:spcAft>
+                <a:spcPts val="0"/>
+              </a:spcAft>
+              <a:buNone/>
+            </a:pPr>
+            <a:r>
+              <a:rPr lang="en-US" sz="1800" dirty="0">
+                <a:solidFill>
+                  <a:schemeClr val="tx1"/>
+                </a:solidFill>
+              </a:rPr>
+              <a:t>Particle-associated</a:t>
+            </a:r>
+          </a:p>
+          <a:p>
+            <a:pPr marL="0" lvl="0" indent="0" algn="ctr" rtl="0">
+              <a:spcBef>
+                <a:spcPts val="0"/>
+              </a:spcBef>
+              <a:spcAft>
+                <a:spcPts val="0"/>
+              </a:spcAft>
+              <a:buNone/>
+            </a:pPr>
+            <a:r>
+              <a:rPr lang="en-US" sz="1800" dirty="0">
+                <a:solidFill>
+                  <a:schemeClr val="tx1"/>
+                </a:solidFill>
+              </a:rPr>
+              <a:t>cassettes</a:t>
+            </a:r>
+          </a:p>
+        </p:txBody>
+      </p:sp>
+      <p:cxnSp>
+        <p:nvCxnSpPr>
+          <p:cNvPr id="19" name="Google Shape;90;p16">
+            <a:extLst>
+              <a:ext uri="{FF2B5EF4-FFF2-40B4-BE49-F238E27FC236}">
+                <a16:creationId xmlns:a16="http://schemas.microsoft.com/office/drawing/2014/main" id="{22CBA851-C115-40B9-ADAB-04C0469F5801}"/>
+              </a:ext>
+            </a:extLst>
+          </p:cNvPr>
+          <p:cNvCxnSpPr>
+            <a:cxnSpLocks/>
+          </p:cNvCxnSpPr>
+          <p:nvPr/>
+        </p:nvCxnSpPr>
+        <p:spPr>
+          <a:xfrm flipV="1">
+            <a:off x="5397189" y="1188091"/>
+            <a:ext cx="0" cy="2044390"/>
+          </a:xfrm>
+          <a:prstGeom prst="straightConnector1">
+            <a:avLst/>
+          </a:prstGeom>
+          <a:noFill/>
+          <a:ln w="38100" cap="flat" cmpd="sng">
+            <a:solidFill>
+              <a:schemeClr val="tx1"/>
+            </a:solidFill>
+            <a:prstDash val="solid"/>
+            <a:round/>
+            <a:headEnd type="none" w="med" len="med"/>
+            <a:tailEnd type="triangle" w="med" len="med"/>
+          </a:ln>
+        </p:spPr>
+      </p:cxnSp>
+      <p:sp>
+        <p:nvSpPr>
+          <p:cNvPr id="92" name="Google Shape;92;p16"/>
+          <p:cNvSpPr txBox="1"/>
+          <p:nvPr/>
+        </p:nvSpPr>
+        <p:spPr>
+          <a:xfrm>
+            <a:off x="5002389" y="2114592"/>
+            <a:ext cx="1161617" cy="295466"/>
+          </a:xfrm>
+          <a:prstGeom prst="rect">
+            <a:avLst/>
+          </a:prstGeom>
+          <a:solidFill>
+            <a:schemeClr val="bg1"/>
+          </a:solidFill>
+          <a:ln>
+            <a:noFill/>
+          </a:ln>
+        </p:spPr>
+        <p:txBody>
+          <a:bodyPr spcFirstLastPara="1" wrap="square" lIns="18288" tIns="9144" rIns="9144" bIns="9144" anchor="t" anchorCtr="0">
+            <a:spAutoFit/>
+          </a:bodyPr>
+          <a:lstStyle/>
+          <a:p>
+            <a:pPr marL="0" lvl="0" indent="0" algn="l" rtl="0">
+              <a:spcBef>
+                <a:spcPts val="0"/>
+              </a:spcBef>
+              <a:spcAft>
+                <a:spcPts val="0"/>
+              </a:spcAft>
+              <a:buNone/>
+            </a:pPr>
+            <a:r>
+              <a:rPr lang="en" sz="1800" dirty="0">
+                <a:solidFill>
+                  <a:srgbClr val="B45F06"/>
+                </a:solidFill>
+              </a:rPr>
+              <a:t>spreads</a:t>
+            </a:r>
+            <a:endParaRPr sz="1800" dirty="0">
+              <a:solidFill>
+                <a:srgbClr val="B45F06"/>
+              </a:solidFill>
+            </a:endParaRPr>
+          </a:p>
+        </p:txBody>
+      </p:sp>
+      <p:sp>
+        <p:nvSpPr>
+          <p:cNvPr id="85" name="Google Shape;92;p16">
+            <a:extLst>
+              <a:ext uri="{FF2B5EF4-FFF2-40B4-BE49-F238E27FC236}">
+                <a16:creationId xmlns:a16="http://schemas.microsoft.com/office/drawing/2014/main" id="{66075C9D-718F-4083-9BDF-0C4A805AF14D}"/>
+              </a:ext>
+            </a:extLst>
+          </p:cNvPr>
+          <p:cNvSpPr txBox="1"/>
+          <p:nvPr/>
+        </p:nvSpPr>
+        <p:spPr>
+          <a:xfrm>
+            <a:off x="3869374" y="1230333"/>
+            <a:ext cx="813573" cy="295466"/>
+          </a:xfrm>
+          <a:prstGeom prst="rect">
+            <a:avLst/>
+          </a:prstGeom>
+          <a:solidFill>
+            <a:schemeClr val="bg1"/>
+          </a:solidFill>
+          <a:ln>
+            <a:noFill/>
+          </a:ln>
+        </p:spPr>
+        <p:txBody>
+          <a:bodyPr spcFirstLastPara="1" wrap="square" lIns="18288" tIns="9144" rIns="9144" bIns="9144" anchor="t" anchorCtr="0">
+            <a:spAutoFit/>
+          </a:bodyPr>
+          <a:lstStyle/>
+          <a:p>
+            <a:pPr marL="0" lvl="0" indent="0" algn="l" rtl="0">
+              <a:spcBef>
+                <a:spcPts val="0"/>
+              </a:spcBef>
+              <a:spcAft>
+                <a:spcPts val="0"/>
+              </a:spcAft>
+              <a:buNone/>
+            </a:pPr>
+            <a:r>
+              <a:rPr lang="en" sz="1800" dirty="0">
+                <a:solidFill>
+                  <a:srgbClr val="B45F06"/>
+                </a:solidFill>
+              </a:rPr>
+              <a:t>carry</a:t>
+            </a:r>
+            <a:endParaRPr sz="1800" dirty="0">
+              <a:solidFill>
+                <a:srgbClr val="B45F06"/>
+              </a:solidFill>
+            </a:endParaRPr>
+          </a:p>
+        </p:txBody>
+      </p:sp>
+      <p:cxnSp>
+        <p:nvCxnSpPr>
+          <p:cNvPr id="23" name="Google Shape;90;p16">
+            <a:extLst>
+              <a:ext uri="{FF2B5EF4-FFF2-40B4-BE49-F238E27FC236}">
+                <a16:creationId xmlns:a16="http://schemas.microsoft.com/office/drawing/2014/main" id="{76FF781D-A53E-4BB3-9AED-568798FAB34C}"/>
+              </a:ext>
+            </a:extLst>
+          </p:cNvPr>
+          <p:cNvCxnSpPr>
+            <a:cxnSpLocks/>
+          </p:cNvCxnSpPr>
+          <p:nvPr/>
+        </p:nvCxnSpPr>
+        <p:spPr>
+          <a:xfrm flipV="1">
+            <a:off x="6079043" y="2624867"/>
+            <a:ext cx="354488" cy="607614"/>
+          </a:xfrm>
+          <a:prstGeom prst="straightConnector1">
+            <a:avLst/>
+          </a:prstGeom>
+          <a:noFill/>
+          <a:ln w="38100" cap="flat" cmpd="sng">
+            <a:solidFill>
+              <a:schemeClr val="tx1"/>
+            </a:solidFill>
+            <a:prstDash val="solid"/>
+            <a:round/>
+            <a:headEnd type="none" w="med" len="med"/>
+            <a:tailEnd type="triangle" w="med" len="med"/>
+          </a:ln>
+        </p:spPr>
+      </p:cxnSp>
+      <p:cxnSp>
+        <p:nvCxnSpPr>
+          <p:cNvPr id="27" name="Google Shape;90;p16">
+            <a:extLst>
+              <a:ext uri="{FF2B5EF4-FFF2-40B4-BE49-F238E27FC236}">
+                <a16:creationId xmlns:a16="http://schemas.microsoft.com/office/drawing/2014/main" id="{504468A2-3D05-4A3A-AF43-09B4F3D13B62}"/>
+              </a:ext>
+            </a:extLst>
+          </p:cNvPr>
+          <p:cNvCxnSpPr>
+            <a:cxnSpLocks/>
+          </p:cNvCxnSpPr>
+          <p:nvPr/>
+        </p:nvCxnSpPr>
+        <p:spPr>
+          <a:xfrm flipH="1" flipV="1">
+            <a:off x="5999356" y="1214268"/>
+            <a:ext cx="434175" cy="519907"/>
+          </a:xfrm>
+          <a:prstGeom prst="straightConnector1">
+            <a:avLst/>
+          </a:prstGeom>
+          <a:noFill/>
+          <a:ln w="38100" cap="flat" cmpd="sng">
+            <a:solidFill>
+              <a:schemeClr val="tx1"/>
+            </a:solidFill>
+            <a:prstDash val="solid"/>
+            <a:round/>
+            <a:headEnd type="none" w="med" len="med"/>
+            <a:tailEnd type="triangle" w="med" len="med"/>
+          </a:ln>
+        </p:spPr>
+      </p:cxnSp>
+      <p:cxnSp>
+        <p:nvCxnSpPr>
+          <p:cNvPr id="32" name="Google Shape;90;p16">
+            <a:extLst>
+              <a:ext uri="{FF2B5EF4-FFF2-40B4-BE49-F238E27FC236}">
+                <a16:creationId xmlns:a16="http://schemas.microsoft.com/office/drawing/2014/main" id="{6C50CF6E-766B-4443-96CC-5CCE6111D1DD}"/>
+              </a:ext>
+            </a:extLst>
+          </p:cNvPr>
+          <p:cNvCxnSpPr>
+            <a:cxnSpLocks/>
+          </p:cNvCxnSpPr>
+          <p:nvPr/>
+        </p:nvCxnSpPr>
+        <p:spPr>
+          <a:xfrm flipH="1">
+            <a:off x="4303908" y="1230333"/>
+            <a:ext cx="440188" cy="511145"/>
+          </a:xfrm>
+          <a:prstGeom prst="straightConnector1">
+            <a:avLst/>
+          </a:prstGeom>
+          <a:noFill/>
+          <a:ln w="38100" cap="flat" cmpd="sng">
+            <a:solidFill>
+              <a:schemeClr val="tx1"/>
+            </a:solidFill>
+            <a:prstDash val="solid"/>
+            <a:round/>
+            <a:headEnd type="none" w="med" len="med"/>
+            <a:tailEnd type="triangle" w="med" len="med"/>
+          </a:ln>
+        </p:spPr>
+      </p:cxnSp>
+      <p:sp>
+        <p:nvSpPr>
+          <p:cNvPr id="34" name="Google Shape;94;p16">
+            <a:extLst>
+              <a:ext uri="{FF2B5EF4-FFF2-40B4-BE49-F238E27FC236}">
+                <a16:creationId xmlns:a16="http://schemas.microsoft.com/office/drawing/2014/main" id="{DCD89C29-9457-47D3-927E-17082DE3893D}"/>
+              </a:ext>
+            </a:extLst>
+          </p:cNvPr>
+          <p:cNvSpPr txBox="1"/>
+          <p:nvPr/>
+        </p:nvSpPr>
+        <p:spPr>
+          <a:xfrm>
+            <a:off x="6256287" y="2719126"/>
+            <a:ext cx="2001151" cy="461635"/>
+          </a:xfrm>
+          <a:prstGeom prst="rect">
+            <a:avLst/>
+          </a:prstGeom>
+          <a:noFill/>
+          <a:ln>
+            <a:noFill/>
+          </a:ln>
+        </p:spPr>
+        <p:txBody>
+          <a:bodyPr spcFirstLastPara="1" wrap="square" lIns="91425" tIns="91425" rIns="91425" bIns="91425" anchor="t" anchorCtr="0">
+            <a:spAutoFit/>
+          </a:bodyPr>
+          <a:lstStyle/>
+          <a:p>
+            <a:pPr marL="0" lvl="0" indent="0" algn="ctr" rtl="0">
+              <a:spcBef>
+                <a:spcPts val="0"/>
+              </a:spcBef>
+              <a:spcAft>
+                <a:spcPts val="0"/>
+              </a:spcAft>
+              <a:buNone/>
+            </a:pPr>
+            <a:r>
+              <a:rPr lang="en" sz="1800" dirty="0">
+                <a:solidFill>
+                  <a:srgbClr val="B45F06"/>
+                </a:solidFill>
+              </a:rPr>
+              <a:t>correlates with</a:t>
+            </a:r>
+            <a:endParaRPr sz="1800" dirty="0">
+              <a:solidFill>
+                <a:srgbClr val="B45F06"/>
+              </a:solidFill>
+            </a:endParaRPr>
+          </a:p>
+        </p:txBody>
+      </p:sp>
+      <p:cxnSp>
+        <p:nvCxnSpPr>
+          <p:cNvPr id="39" name="Google Shape;90;p16">
+            <a:extLst>
+              <a:ext uri="{FF2B5EF4-FFF2-40B4-BE49-F238E27FC236}">
+                <a16:creationId xmlns:a16="http://schemas.microsoft.com/office/drawing/2014/main" id="{685EE98C-7DD8-4753-88C2-B34CD93CD22B}"/>
+              </a:ext>
+            </a:extLst>
+          </p:cNvPr>
+          <p:cNvCxnSpPr>
+            <a:cxnSpLocks/>
+          </p:cNvCxnSpPr>
+          <p:nvPr/>
+        </p:nvCxnSpPr>
+        <p:spPr>
+          <a:xfrm>
+            <a:off x="4343320" y="2624867"/>
+            <a:ext cx="400776" cy="607614"/>
+          </a:xfrm>
+          <a:prstGeom prst="straightConnector1">
+            <a:avLst/>
+          </a:prstGeom>
+          <a:noFill/>
+          <a:ln w="38100" cap="flat" cmpd="sng">
+            <a:solidFill>
+              <a:schemeClr val="tx1"/>
+            </a:solidFill>
+            <a:prstDash val="solid"/>
+            <a:round/>
+            <a:headEnd type="none" w="med" len="med"/>
+            <a:tailEnd type="triangle" w="med" len="med"/>
+          </a:ln>
+        </p:spPr>
+      </p:cxnSp>
+      <p:sp>
+        <p:nvSpPr>
+          <p:cNvPr id="45" name="Google Shape;94;p16">
+            <a:extLst>
+              <a:ext uri="{FF2B5EF4-FFF2-40B4-BE49-F238E27FC236}">
+                <a16:creationId xmlns:a16="http://schemas.microsoft.com/office/drawing/2014/main" id="{1A202B5C-1CC3-4616-A646-65D56D25AA2C}"/>
+              </a:ext>
+            </a:extLst>
+          </p:cNvPr>
+          <p:cNvSpPr txBox="1"/>
+          <p:nvPr/>
+        </p:nvSpPr>
+        <p:spPr>
+          <a:xfrm>
+            <a:off x="6382160" y="855941"/>
+            <a:ext cx="2396128" cy="1015632"/>
+          </a:xfrm>
+          <a:prstGeom prst="rect">
+            <a:avLst/>
+          </a:prstGeom>
+          <a:noFill/>
+          <a:ln>
+            <a:noFill/>
+          </a:ln>
+        </p:spPr>
+        <p:txBody>
+          <a:bodyPr spcFirstLastPara="1" wrap="square" lIns="91425" tIns="91425" rIns="91425" bIns="91425" anchor="t" anchorCtr="0">
+            <a:spAutoFit/>
+          </a:bodyPr>
+          <a:lstStyle/>
+          <a:p>
+            <a:pPr marL="0" lvl="0" indent="0" algn="ctr" rtl="0">
+              <a:spcBef>
+                <a:spcPts val="0"/>
+              </a:spcBef>
+              <a:spcAft>
+                <a:spcPts val="0"/>
+              </a:spcAft>
+              <a:buNone/>
+            </a:pPr>
+            <a:r>
+              <a:rPr lang="en-US" sz="1800" dirty="0">
+                <a:solidFill>
+                  <a:srgbClr val="B45F06"/>
+                </a:solidFill>
+              </a:rPr>
+              <a:t>b</a:t>
+            </a:r>
+            <a:r>
+              <a:rPr lang="en" sz="1800" dirty="0">
+                <a:solidFill>
+                  <a:srgbClr val="B45F06"/>
+                </a:solidFill>
+              </a:rPr>
+              <a:t>uffers distruptive </a:t>
+            </a:r>
+          </a:p>
+          <a:p>
+            <a:pPr marL="0" lvl="0" indent="0" algn="ctr" rtl="0">
+              <a:spcBef>
+                <a:spcPts val="0"/>
+              </a:spcBef>
+              <a:spcAft>
+                <a:spcPts val="0"/>
+              </a:spcAft>
+              <a:buNone/>
+            </a:pPr>
+            <a:r>
+              <a:rPr lang="en-US" sz="1800" dirty="0">
+                <a:solidFill>
+                  <a:srgbClr val="B45F06"/>
+                </a:solidFill>
+              </a:rPr>
+              <a:t>transpositions</a:t>
+            </a:r>
+          </a:p>
+          <a:p>
+            <a:pPr marL="0" lvl="0" indent="0" algn="ctr" rtl="0">
+              <a:spcBef>
+                <a:spcPts val="0"/>
+              </a:spcBef>
+              <a:spcAft>
+                <a:spcPts val="0"/>
+              </a:spcAft>
+              <a:buNone/>
+            </a:pPr>
+            <a:r>
+              <a:rPr lang="en" sz="1800" dirty="0">
+                <a:solidFill>
+                  <a:srgbClr val="B45F06"/>
+                </a:solidFill>
+              </a:rPr>
+              <a:t>caused by</a:t>
+            </a:r>
+          </a:p>
+        </p:txBody>
+      </p:sp>
+      <p:sp>
+        <p:nvSpPr>
+          <p:cNvPr id="2" name="Right Brace 1">
+            <a:extLst>
+              <a:ext uri="{FF2B5EF4-FFF2-40B4-BE49-F238E27FC236}">
+                <a16:creationId xmlns:a16="http://schemas.microsoft.com/office/drawing/2014/main" id="{34D458AB-9426-79E8-63EC-E75CFB314716}"/>
+              </a:ext>
+            </a:extLst>
+          </p:cNvPr>
+          <p:cNvSpPr/>
+          <p:nvPr/>
+        </p:nvSpPr>
+        <p:spPr>
+          <a:xfrm>
+            <a:off x="2284438" y="1092639"/>
+            <a:ext cx="364118" cy="2277683"/>
+          </a:xfrm>
+          <a:prstGeom prst="rightBrace">
+            <a:avLst/>
+          </a:prstGeom>
+        </p:spPr>
+        <p:style>
+          <a:lnRef idx="1">
+            <a:schemeClr val="accent1"/>
+          </a:lnRef>
+          <a:fillRef idx="0">
+            <a:schemeClr val="accent1"/>
+          </a:fillRef>
+          <a:effectRef idx="0">
+            <a:schemeClr val="accent1"/>
+          </a:effectRef>
+          <a:fontRef idx="minor">
+            <a:schemeClr val="tx1"/>
+          </a:fontRef>
+        </p:style>
+        <p:txBody>
+          <a:bodyPr rtlCol="0" anchor="ctr"/>
+          <a:lstStyle/>
+          <a:p>
+            <a:pPr algn="ctr"/>
+            <a:endParaRPr lang="en-US"/>
+          </a:p>
+        </p:txBody>
+      </p:sp>
+      <p:sp>
+        <p:nvSpPr>
+          <p:cNvPr id="15" name="Google Shape;86;p16">
+            <a:extLst>
+              <a:ext uri="{FF2B5EF4-FFF2-40B4-BE49-F238E27FC236}">
+                <a16:creationId xmlns:a16="http://schemas.microsoft.com/office/drawing/2014/main" id="{5BF301FD-A465-A53B-C54A-3E137217FE1F}"/>
+              </a:ext>
+            </a:extLst>
+          </p:cNvPr>
+          <p:cNvSpPr txBox="1"/>
+          <p:nvPr/>
+        </p:nvSpPr>
+        <p:spPr>
+          <a:xfrm>
+            <a:off x="4572000" y="749972"/>
+            <a:ext cx="1620743" cy="326898"/>
+          </a:xfrm>
+          <a:prstGeom prst="roundRect">
+            <a:avLst/>
+          </a:prstGeom>
+          <a:solidFill>
+            <a:schemeClr val="accent5">
+              <a:lumMod val="40000"/>
+              <a:lumOff val="60000"/>
+            </a:schemeClr>
+          </a:solidFill>
+          <a:ln>
+            <a:noFill/>
+          </a:ln>
+        </p:spPr>
+        <p:txBody>
+          <a:bodyPr spcFirstLastPara="1" wrap="square" lIns="9144" tIns="9144" rIns="9144" bIns="9144" anchor="t" anchorCtr="0">
+            <a:spAutoFit/>
+          </a:bodyPr>
+          <a:lstStyle/>
+          <a:p>
+            <a:pPr marL="0" lvl="0" indent="0" algn="ctr" rtl="0">
+              <a:spcBef>
+                <a:spcPts val="0"/>
+              </a:spcBef>
+              <a:spcAft>
+                <a:spcPts val="0"/>
+              </a:spcAft>
+              <a:buNone/>
+            </a:pPr>
+            <a:r>
+              <a:rPr lang="en" sz="1800" dirty="0">
+                <a:solidFill>
+                  <a:schemeClr val="tx1"/>
+                </a:solidFill>
+              </a:rPr>
+              <a:t>transposons</a:t>
+            </a:r>
+            <a:endParaRPr sz="1800" dirty="0">
+              <a:solidFill>
+                <a:schemeClr val="tx1"/>
+              </a:solidFill>
+            </a:endParaRPr>
+          </a:p>
+        </p:txBody>
+      </p:sp>
+      <p:sp>
+        <p:nvSpPr>
+          <p:cNvPr id="21" name="TextBox 20">
+            <a:extLst>
+              <a:ext uri="{FF2B5EF4-FFF2-40B4-BE49-F238E27FC236}">
+                <a16:creationId xmlns:a16="http://schemas.microsoft.com/office/drawing/2014/main" id="{448ECAB9-B63C-A32D-9097-E19BDC96FD6F}"/>
+              </a:ext>
+            </a:extLst>
+          </p:cNvPr>
+          <p:cNvSpPr txBox="1"/>
+          <p:nvPr/>
+        </p:nvSpPr>
+        <p:spPr>
+          <a:xfrm>
+            <a:off x="-385356" y="1160485"/>
+            <a:ext cx="2821606" cy="954107"/>
+          </a:xfrm>
+          <a:prstGeom prst="rect">
+            <a:avLst/>
+          </a:prstGeom>
+          <a:noFill/>
+        </p:spPr>
+        <p:txBody>
+          <a:bodyPr wrap="none" rtlCol="0">
+            <a:spAutoFit/>
+          </a:bodyPr>
+          <a:lstStyle/>
+          <a:p>
+            <a:pPr algn="r"/>
+            <a:r>
+              <a:rPr lang="en-US" dirty="0"/>
+              <a:t>Defense mechanisms</a:t>
+            </a:r>
+          </a:p>
+          <a:p>
+            <a:pPr algn="r"/>
+            <a:r>
+              <a:rPr lang="en-US" dirty="0"/>
+              <a:t>Signal Transduction mechanisms</a:t>
+            </a:r>
+          </a:p>
+          <a:p>
+            <a:pPr algn="r"/>
+            <a:r>
+              <a:rPr lang="en-US" dirty="0"/>
+              <a:t>Cell motility</a:t>
+            </a:r>
+          </a:p>
+          <a:p>
+            <a:pPr algn="r"/>
+            <a:r>
+              <a:rPr lang="en-US" dirty="0"/>
+              <a:t>Extracellular Structures</a:t>
+            </a:r>
+          </a:p>
+        </p:txBody>
+      </p:sp>
+    </p:spTree>
+    <p:extLst>
+      <p:ext uri="{BB962C8B-B14F-4D97-AF65-F5344CB8AC3E}">
+        <p14:creationId xmlns:p14="http://schemas.microsoft.com/office/powerpoint/2010/main" val="271796271"/>
+      </p:ext>
+    </p:extLst>
+  </p:cSld>
+  <p:clrMapOvr>
+    <a:masterClrMapping/>
+  </p:clrMapOvr>
+</p:sld>
+</file>
+
+<file path=ppt/slides/slide3.xml><?xml version="1.0" encoding="utf-8"?>
+<p:sld xmlns:a="http://schemas.openxmlformats.org/drawingml/2006/main" xmlns:r="http://schemas.openxmlformats.org/officeDocument/2006/relationships" xmlns:p="http://schemas.openxmlformats.org/presentationml/2006/main">
+  <p:cSld>
+    <p:spTree>
+      <p:nvGrpSpPr>
+        <p:cNvPr id="1" name="Shape 83"/>
+        <p:cNvGrpSpPr/>
+        <p:nvPr/>
+      </p:nvGrpSpPr>
+      <p:grpSpPr>
+        <a:xfrm>
+          <a:off x="0" y="0"/>
+          <a:ext cx="0" cy="0"/>
+          <a:chOff x="0" y="0"/>
+          <a:chExt cx="0" cy="0"/>
+        </a:xfrm>
+      </p:grpSpPr>
+      <p:sp>
+        <p:nvSpPr>
+          <p:cNvPr id="84" name="Google Shape;84;p16"/>
+          <p:cNvSpPr/>
+          <p:nvPr/>
+        </p:nvSpPr>
+        <p:spPr>
+          <a:xfrm>
+            <a:off x="579708" y="366363"/>
+            <a:ext cx="7984583" cy="4303345"/>
+          </a:xfrm>
+          <a:prstGeom prst="roundRect">
+            <a:avLst>
+              <a:gd name="adj" fmla="val 16667"/>
+            </a:avLst>
+          </a:prstGeom>
+          <a:noFill/>
+          <a:ln w="76200" cap="flat" cmpd="sng">
+            <a:solidFill>
+              <a:srgbClr val="E69138"/>
+            </a:solidFill>
+            <a:prstDash val="solid"/>
+            <a:round/>
+            <a:headEnd type="none" w="sm" len="sm"/>
+            <a:tailEnd type="none" w="sm" len="sm"/>
+          </a:ln>
+        </p:spPr>
+        <p:txBody>
+          <a:bodyPr spcFirstLastPara="1" wrap="square" lIns="91425" tIns="91425" rIns="91425" bIns="91425" anchor="ctr" anchorCtr="0">
+            <a:noAutofit/>
+          </a:bodyPr>
+          <a:lstStyle/>
+          <a:p>
+            <a:pPr marL="0" lvl="0" indent="0" algn="l" rtl="0">
+              <a:spcBef>
+                <a:spcPts val="0"/>
+              </a:spcBef>
+              <a:spcAft>
+                <a:spcPts val="0"/>
+              </a:spcAft>
+              <a:buNone/>
+            </a:pPr>
+            <a:endParaRPr/>
+          </a:p>
+        </p:txBody>
+      </p:sp>
+      <p:sp>
+        <p:nvSpPr>
+          <p:cNvPr id="86" name="Google Shape;86;p16"/>
+          <p:cNvSpPr txBox="1"/>
+          <p:nvPr/>
+        </p:nvSpPr>
+        <p:spPr>
+          <a:xfrm>
+            <a:off x="3099328" y="3403407"/>
+            <a:ext cx="3055629" cy="701469"/>
+          </a:xfrm>
+          <a:prstGeom prst="roundRect">
+            <a:avLst/>
+          </a:prstGeom>
+          <a:solidFill>
+            <a:srgbClr val="92D050"/>
+          </a:solidFill>
+          <a:ln>
+            <a:noFill/>
+          </a:ln>
+        </p:spPr>
+        <p:txBody>
+          <a:bodyPr spcFirstLastPara="1" wrap="square" lIns="9144" tIns="9144" rIns="9144" bIns="9144" anchor="t" anchorCtr="0">
+            <a:spAutoFit/>
+          </a:bodyPr>
+          <a:lstStyle/>
+          <a:p>
+            <a:pPr marL="0" lvl="0" indent="0" algn="ctr" rtl="0">
+              <a:spcBef>
+                <a:spcPts val="0"/>
+              </a:spcBef>
+              <a:spcAft>
+                <a:spcPts val="0"/>
+              </a:spcAft>
+              <a:buNone/>
+            </a:pPr>
+            <a:r>
+              <a:rPr lang="en" sz="2000" b="1" dirty="0">
+                <a:solidFill>
+                  <a:schemeClr val="tx1"/>
+                </a:solidFill>
+              </a:rPr>
+              <a:t>Particle-associated lifestyle</a:t>
+            </a:r>
+            <a:endParaRPr sz="2000" b="1" dirty="0">
+              <a:solidFill>
+                <a:schemeClr val="tx1"/>
+              </a:solidFill>
+            </a:endParaRPr>
+          </a:p>
+        </p:txBody>
+      </p:sp>
+      <p:sp>
+        <p:nvSpPr>
+          <p:cNvPr id="87" name="Google Shape;87;p16"/>
+          <p:cNvSpPr txBox="1"/>
+          <p:nvPr/>
+        </p:nvSpPr>
+        <p:spPr>
+          <a:xfrm>
+            <a:off x="6117092" y="2063338"/>
+            <a:ext cx="2067308" cy="701469"/>
+          </a:xfrm>
+          <a:prstGeom prst="roundRect">
+            <a:avLst/>
+          </a:prstGeom>
+          <a:solidFill>
+            <a:srgbClr val="FF5050"/>
+          </a:solidFill>
+          <a:ln>
+            <a:noFill/>
+          </a:ln>
+        </p:spPr>
+        <p:txBody>
+          <a:bodyPr spcFirstLastPara="1" wrap="square" lIns="9144" tIns="9144" rIns="9144" bIns="9144" anchor="t" anchorCtr="0">
+            <a:spAutoFit/>
+          </a:bodyPr>
+          <a:lstStyle/>
+          <a:p>
+            <a:pPr marL="0" lvl="0" indent="0" algn="ctr" rtl="0">
+              <a:spcBef>
+                <a:spcPts val="0"/>
+              </a:spcBef>
+              <a:spcAft>
+                <a:spcPts val="0"/>
+              </a:spcAft>
+              <a:buNone/>
+            </a:pPr>
+            <a:r>
+              <a:rPr lang="en-US" sz="2000" b="1" dirty="0">
+                <a:solidFill>
+                  <a:schemeClr val="tx1"/>
+                </a:solidFill>
+              </a:rPr>
+              <a:t>Increased genome size</a:t>
+            </a:r>
+          </a:p>
+        </p:txBody>
+      </p:sp>
+      <p:sp>
+        <p:nvSpPr>
+          <p:cNvPr id="91" name="Google Shape;91;p16"/>
+          <p:cNvSpPr txBox="1"/>
+          <p:nvPr/>
+        </p:nvSpPr>
+        <p:spPr>
+          <a:xfrm>
+            <a:off x="2029523" y="4061499"/>
+            <a:ext cx="5456972" cy="469916"/>
+          </a:xfrm>
+          <a:prstGeom prst="roundRect">
+            <a:avLst/>
+          </a:prstGeom>
+          <a:noFill/>
+          <a:ln>
+            <a:noFill/>
+          </a:ln>
+        </p:spPr>
+        <p:style>
+          <a:lnRef idx="2">
+            <a:schemeClr val="accent4"/>
+          </a:lnRef>
+          <a:fillRef idx="1">
+            <a:schemeClr val="lt1"/>
+          </a:fillRef>
+          <a:effectRef idx="0">
+            <a:schemeClr val="accent4"/>
+          </a:effectRef>
+          <a:fontRef idx="minor">
+            <a:schemeClr val="dk1"/>
+          </a:fontRef>
+        </p:style>
+        <p:txBody>
+          <a:bodyPr spcFirstLastPara="1" wrap="square" lIns="27432" tIns="27432" rIns="27432" bIns="27432" anchor="t" anchorCtr="0">
+            <a:spAutoFit/>
+          </a:bodyPr>
+          <a:lstStyle/>
+          <a:p>
+            <a:pPr marL="0" lvl="0" indent="0" algn="ctr" rtl="0">
+              <a:spcBef>
+                <a:spcPts val="0"/>
+              </a:spcBef>
+              <a:spcAft>
+                <a:spcPts val="0"/>
+              </a:spcAft>
+              <a:buClr>
+                <a:schemeClr val="dk1"/>
+              </a:buClr>
+              <a:buSzPts val="1100"/>
+              <a:buFont typeface="Arial"/>
+              <a:buNone/>
+            </a:pPr>
+            <a:r>
+              <a:rPr lang="en" sz="2400" b="1" dirty="0"/>
+              <a:t>A d</a:t>
+            </a:r>
+            <a:r>
+              <a:rPr lang="en" sz="2400" b="1" dirty="0">
+                <a:solidFill>
+                  <a:schemeClr val="dk1"/>
+                </a:solidFill>
+              </a:rPr>
+              <a:t>eep-ocean</a:t>
+            </a:r>
+            <a:r>
+              <a:rPr lang="en-US" sz="2400" b="1" dirty="0">
+                <a:solidFill>
+                  <a:schemeClr val="dk1"/>
+                </a:solidFill>
+              </a:rPr>
+              <a:t> microbial</a:t>
+            </a:r>
+            <a:r>
+              <a:rPr lang="en-US" sz="2400" b="1" dirty="0"/>
+              <a:t> community</a:t>
+            </a:r>
+          </a:p>
+        </p:txBody>
+      </p:sp>
+      <p:sp>
+        <p:nvSpPr>
+          <p:cNvPr id="94" name="Google Shape;94;p16"/>
+          <p:cNvSpPr txBox="1"/>
+          <p:nvPr/>
+        </p:nvSpPr>
+        <p:spPr>
+          <a:xfrm>
+            <a:off x="586055" y="2601487"/>
+            <a:ext cx="2698020" cy="800189"/>
+          </a:xfrm>
+          <a:prstGeom prst="rect">
+            <a:avLst/>
+          </a:prstGeom>
+          <a:noFill/>
+          <a:ln>
+            <a:noFill/>
+          </a:ln>
+        </p:spPr>
+        <p:txBody>
+          <a:bodyPr spcFirstLastPara="1" wrap="square" lIns="91425" tIns="91425" rIns="91425" bIns="91425" anchor="t" anchorCtr="0">
+            <a:spAutoFit/>
+          </a:bodyPr>
+          <a:lstStyle/>
+          <a:p>
+            <a:pPr marL="0" lvl="0" indent="0" algn="ctr" rtl="0">
+              <a:spcBef>
+                <a:spcPts val="0"/>
+              </a:spcBef>
+              <a:spcAft>
+                <a:spcPts val="0"/>
+              </a:spcAft>
+              <a:buNone/>
+            </a:pPr>
+            <a:r>
+              <a:rPr lang="en" sz="2000" b="1" dirty="0">
+                <a:solidFill>
+                  <a:srgbClr val="B45F06"/>
+                </a:solidFill>
+              </a:rPr>
+              <a:t>helps competion </a:t>
+            </a:r>
+          </a:p>
+          <a:p>
+            <a:pPr marL="0" lvl="0" indent="0" algn="ctr" rtl="0">
+              <a:spcBef>
+                <a:spcPts val="0"/>
+              </a:spcBef>
+              <a:spcAft>
+                <a:spcPts val="0"/>
+              </a:spcAft>
+              <a:buNone/>
+            </a:pPr>
+            <a:r>
+              <a:rPr lang="en" sz="2000" b="1" dirty="0">
+                <a:solidFill>
+                  <a:srgbClr val="B45F06"/>
+                </a:solidFill>
+              </a:rPr>
+              <a:t>and defense on</a:t>
+            </a:r>
+            <a:endParaRPr sz="2000" b="1" dirty="0">
+              <a:solidFill>
+                <a:srgbClr val="B45F06"/>
+              </a:solidFill>
+            </a:endParaRPr>
+          </a:p>
+        </p:txBody>
+      </p:sp>
+      <p:sp>
+        <p:nvSpPr>
+          <p:cNvPr id="22" name="Google Shape;85;p16">
+            <a:extLst>
+              <a:ext uri="{FF2B5EF4-FFF2-40B4-BE49-F238E27FC236}">
+                <a16:creationId xmlns:a16="http://schemas.microsoft.com/office/drawing/2014/main" id="{7B3E143E-5E39-4CA1-91FE-5EB3C5A75D11}"/>
+              </a:ext>
+            </a:extLst>
+          </p:cNvPr>
+          <p:cNvSpPr txBox="1"/>
+          <p:nvPr/>
+        </p:nvSpPr>
+        <p:spPr>
+          <a:xfrm>
+            <a:off x="3425307" y="506422"/>
+            <a:ext cx="2293386" cy="612900"/>
+          </a:xfrm>
+          <a:prstGeom prst="roundRect">
+            <a:avLst/>
+          </a:prstGeom>
+          <a:solidFill>
+            <a:schemeClr val="accent1">
+              <a:lumMod val="60000"/>
+              <a:lumOff val="40000"/>
+            </a:schemeClr>
+          </a:solidFill>
+          <a:ln>
+            <a:noFill/>
+          </a:ln>
+        </p:spPr>
+        <p:txBody>
+          <a:bodyPr spcFirstLastPara="1" wrap="square" lIns="91425" tIns="91425" rIns="91425" bIns="91425" anchor="t" anchorCtr="0">
+            <a:spAutoFit/>
+          </a:bodyPr>
+          <a:lstStyle/>
+          <a:p>
+            <a:pPr marL="0" lvl="0" indent="0" algn="ctr" rtl="0">
+              <a:spcBef>
+                <a:spcPts val="0"/>
+              </a:spcBef>
+              <a:spcAft>
+                <a:spcPts val="0"/>
+              </a:spcAft>
+              <a:buNone/>
+            </a:pPr>
+            <a:r>
+              <a:rPr lang="en" sz="2400" b="1" dirty="0">
+                <a:solidFill>
+                  <a:schemeClr val="tx1"/>
+                </a:solidFill>
+              </a:rPr>
+              <a:t>Transposons</a:t>
+            </a:r>
+            <a:endParaRPr sz="2400" b="1" dirty="0">
+              <a:solidFill>
+                <a:schemeClr val="tx1"/>
+              </a:solidFill>
+            </a:endParaRPr>
+          </a:p>
+        </p:txBody>
+      </p:sp>
+      <p:sp>
+        <p:nvSpPr>
+          <p:cNvPr id="18" name="Google Shape;87;p16">
+            <a:extLst>
+              <a:ext uri="{FF2B5EF4-FFF2-40B4-BE49-F238E27FC236}">
+                <a16:creationId xmlns:a16="http://schemas.microsoft.com/office/drawing/2014/main" id="{A7651EED-4922-4FBC-AF26-D9ABA1EA33EE}"/>
+              </a:ext>
+            </a:extLst>
+          </p:cNvPr>
+          <p:cNvSpPr txBox="1"/>
+          <p:nvPr/>
+        </p:nvSpPr>
+        <p:spPr>
+          <a:xfrm>
+            <a:off x="855978" y="1810572"/>
+            <a:ext cx="2698019" cy="701469"/>
+          </a:xfrm>
+          <a:prstGeom prst="roundRect">
+            <a:avLst/>
+          </a:prstGeom>
+          <a:solidFill>
+            <a:srgbClr val="FF5050"/>
+          </a:solidFill>
+          <a:ln>
+            <a:noFill/>
+          </a:ln>
+        </p:spPr>
+        <p:txBody>
+          <a:bodyPr spcFirstLastPara="1" wrap="square" lIns="9144" tIns="9144" rIns="9144" bIns="9144" anchor="t" anchorCtr="0">
+            <a:spAutoFit/>
+          </a:bodyPr>
+          <a:lstStyle/>
+          <a:p>
+            <a:pPr marL="0" lvl="0" indent="0" algn="ctr" rtl="0">
+              <a:spcBef>
+                <a:spcPts val="0"/>
+              </a:spcBef>
+              <a:spcAft>
+                <a:spcPts val="0"/>
+              </a:spcAft>
+              <a:buNone/>
+            </a:pPr>
+            <a:r>
+              <a:rPr lang="en-US" sz="2000" b="1" dirty="0">
+                <a:solidFill>
+                  <a:schemeClr val="tx1"/>
+                </a:solidFill>
+              </a:rPr>
+              <a:t>Defense mechanism</a:t>
+            </a:r>
+          </a:p>
+          <a:p>
+            <a:pPr marL="0" lvl="0" indent="0" algn="ctr" rtl="0">
+              <a:spcBef>
+                <a:spcPts val="0"/>
+              </a:spcBef>
+              <a:spcAft>
+                <a:spcPts val="0"/>
+              </a:spcAft>
+              <a:buNone/>
+            </a:pPr>
+            <a:r>
+              <a:rPr lang="en-US" sz="2000" b="1" dirty="0">
+                <a:solidFill>
+                  <a:schemeClr val="tx1"/>
+                </a:solidFill>
+              </a:rPr>
+              <a:t>cassettes</a:t>
+            </a:r>
+          </a:p>
+        </p:txBody>
+      </p:sp>
+      <p:cxnSp>
+        <p:nvCxnSpPr>
+          <p:cNvPr id="19" name="Google Shape;90;p16">
+            <a:extLst>
+              <a:ext uri="{FF2B5EF4-FFF2-40B4-BE49-F238E27FC236}">
+                <a16:creationId xmlns:a16="http://schemas.microsoft.com/office/drawing/2014/main" id="{22CBA851-C115-40B9-ADAB-04C0469F5801}"/>
+              </a:ext>
+            </a:extLst>
+          </p:cNvPr>
+          <p:cNvCxnSpPr>
+            <a:cxnSpLocks/>
+          </p:cNvCxnSpPr>
+          <p:nvPr/>
+        </p:nvCxnSpPr>
+        <p:spPr>
+          <a:xfrm flipV="1">
+            <a:off x="4758009" y="1262253"/>
+            <a:ext cx="0" cy="2044390"/>
+          </a:xfrm>
+          <a:prstGeom prst="straightConnector1">
+            <a:avLst/>
+          </a:prstGeom>
+          <a:noFill/>
+          <a:ln w="57150" cap="flat" cmpd="sng">
+            <a:solidFill>
+              <a:schemeClr val="tx1"/>
+            </a:solidFill>
+            <a:prstDash val="solid"/>
+            <a:round/>
+            <a:headEnd type="none" w="med" len="med"/>
+            <a:tailEnd type="triangle" w="med" len="med"/>
+          </a:ln>
+        </p:spPr>
+      </p:cxnSp>
+      <p:sp>
+        <p:nvSpPr>
+          <p:cNvPr id="92" name="Google Shape;92;p16"/>
+          <p:cNvSpPr txBox="1"/>
+          <p:nvPr/>
+        </p:nvSpPr>
+        <p:spPr>
+          <a:xfrm>
+            <a:off x="4177200" y="2088257"/>
+            <a:ext cx="1161617" cy="357021"/>
+          </a:xfrm>
+          <a:prstGeom prst="rect">
+            <a:avLst/>
+          </a:prstGeom>
+          <a:solidFill>
+            <a:schemeClr val="bg1"/>
+          </a:solidFill>
+          <a:ln>
+            <a:noFill/>
+          </a:ln>
+        </p:spPr>
+        <p:txBody>
+          <a:bodyPr spcFirstLastPara="1" wrap="square" lIns="18288" tIns="9144" rIns="9144" bIns="9144" anchor="t" anchorCtr="0">
+            <a:spAutoFit/>
+          </a:bodyPr>
+          <a:lstStyle/>
+          <a:p>
+            <a:pPr marL="0" lvl="0" indent="0" algn="l" rtl="0">
+              <a:spcBef>
+                <a:spcPts val="0"/>
+              </a:spcBef>
+              <a:spcAft>
+                <a:spcPts val="0"/>
+              </a:spcAft>
+              <a:buNone/>
+            </a:pPr>
+            <a:r>
+              <a:rPr lang="en" sz="2200" b="1" dirty="0">
+                <a:solidFill>
+                  <a:srgbClr val="B45F06"/>
+                </a:solidFill>
+              </a:rPr>
+              <a:t>spreads</a:t>
+            </a:r>
+            <a:endParaRPr sz="2200" b="1" dirty="0">
+              <a:solidFill>
+                <a:srgbClr val="B45F06"/>
+              </a:solidFill>
+            </a:endParaRPr>
+          </a:p>
+        </p:txBody>
+      </p:sp>
+      <p:sp>
+        <p:nvSpPr>
+          <p:cNvPr id="85" name="Google Shape;92;p16">
+            <a:extLst>
+              <a:ext uri="{FF2B5EF4-FFF2-40B4-BE49-F238E27FC236}">
+                <a16:creationId xmlns:a16="http://schemas.microsoft.com/office/drawing/2014/main" id="{66075C9D-718F-4083-9BDF-0C4A805AF14D}"/>
+              </a:ext>
+            </a:extLst>
+          </p:cNvPr>
+          <p:cNvSpPr txBox="1"/>
+          <p:nvPr/>
+        </p:nvSpPr>
+        <p:spPr>
+          <a:xfrm>
+            <a:off x="2350066" y="1075423"/>
+            <a:ext cx="813573" cy="387798"/>
+          </a:xfrm>
+          <a:prstGeom prst="rect">
+            <a:avLst/>
+          </a:prstGeom>
+          <a:solidFill>
+            <a:schemeClr val="bg1"/>
+          </a:solidFill>
+          <a:ln>
+            <a:noFill/>
+          </a:ln>
+        </p:spPr>
+        <p:txBody>
+          <a:bodyPr spcFirstLastPara="1" wrap="square" lIns="18288" tIns="9144" rIns="9144" bIns="9144" anchor="t" anchorCtr="0">
+            <a:spAutoFit/>
+          </a:bodyPr>
+          <a:lstStyle/>
+          <a:p>
+            <a:pPr marL="0" lvl="0" indent="0" algn="l" rtl="0">
+              <a:spcBef>
+                <a:spcPts val="0"/>
+              </a:spcBef>
+              <a:spcAft>
+                <a:spcPts val="0"/>
+              </a:spcAft>
+              <a:buNone/>
+            </a:pPr>
+            <a:r>
+              <a:rPr lang="en" sz="2400" b="1" dirty="0">
+                <a:solidFill>
+                  <a:srgbClr val="B45F06"/>
+                </a:solidFill>
+              </a:rPr>
+              <a:t>carry</a:t>
+            </a:r>
+            <a:endParaRPr sz="2000" b="1" dirty="0">
+              <a:solidFill>
+                <a:srgbClr val="B45F06"/>
+              </a:solidFill>
+            </a:endParaRPr>
+          </a:p>
+        </p:txBody>
+      </p:sp>
+      <p:cxnSp>
+        <p:nvCxnSpPr>
+          <p:cNvPr id="23" name="Google Shape;90;p16">
+            <a:extLst>
+              <a:ext uri="{FF2B5EF4-FFF2-40B4-BE49-F238E27FC236}">
+                <a16:creationId xmlns:a16="http://schemas.microsoft.com/office/drawing/2014/main" id="{76FF781D-A53E-4BB3-9AED-568798FAB34C}"/>
+              </a:ext>
+            </a:extLst>
+          </p:cNvPr>
+          <p:cNvCxnSpPr>
+            <a:cxnSpLocks/>
+          </p:cNvCxnSpPr>
+          <p:nvPr/>
+        </p:nvCxnSpPr>
+        <p:spPr>
+          <a:xfrm flipV="1">
+            <a:off x="6075184" y="2850112"/>
+            <a:ext cx="395391" cy="451118"/>
+          </a:xfrm>
+          <a:prstGeom prst="straightConnector1">
+            <a:avLst/>
+          </a:prstGeom>
+          <a:noFill/>
+          <a:ln w="57150" cap="flat" cmpd="sng">
+            <a:solidFill>
+              <a:schemeClr val="tx1"/>
+            </a:solidFill>
+            <a:prstDash val="solid"/>
+            <a:round/>
+            <a:headEnd type="none" w="med" len="med"/>
+            <a:tailEnd type="triangle" w="med" len="med"/>
+          </a:ln>
+        </p:spPr>
+      </p:cxnSp>
+      <p:cxnSp>
+        <p:nvCxnSpPr>
+          <p:cNvPr id="27" name="Google Shape;90;p16">
+            <a:extLst>
+              <a:ext uri="{FF2B5EF4-FFF2-40B4-BE49-F238E27FC236}">
+                <a16:creationId xmlns:a16="http://schemas.microsoft.com/office/drawing/2014/main" id="{504468A2-3D05-4A3A-AF43-09B4F3D13B62}"/>
+              </a:ext>
+            </a:extLst>
+          </p:cNvPr>
+          <p:cNvCxnSpPr>
+            <a:cxnSpLocks/>
+          </p:cNvCxnSpPr>
+          <p:nvPr/>
+        </p:nvCxnSpPr>
+        <p:spPr>
+          <a:xfrm flipH="1" flipV="1">
+            <a:off x="5692780" y="1204332"/>
+            <a:ext cx="685873" cy="754414"/>
+          </a:xfrm>
+          <a:prstGeom prst="straightConnector1">
+            <a:avLst/>
+          </a:prstGeom>
+          <a:noFill/>
+          <a:ln w="57150" cap="flat" cmpd="sng">
+            <a:solidFill>
+              <a:schemeClr val="tx1"/>
+            </a:solidFill>
+            <a:prstDash val="solid"/>
+            <a:round/>
+            <a:headEnd type="none" w="med" len="med"/>
+            <a:tailEnd type="triangle" w="med" len="med"/>
+          </a:ln>
+        </p:spPr>
+      </p:cxnSp>
+      <p:cxnSp>
+        <p:nvCxnSpPr>
+          <p:cNvPr id="32" name="Google Shape;90;p16">
+            <a:extLst>
+              <a:ext uri="{FF2B5EF4-FFF2-40B4-BE49-F238E27FC236}">
+                <a16:creationId xmlns:a16="http://schemas.microsoft.com/office/drawing/2014/main" id="{6C50CF6E-766B-4443-96CC-5CCE6111D1DD}"/>
+              </a:ext>
+            </a:extLst>
+          </p:cNvPr>
+          <p:cNvCxnSpPr>
+            <a:cxnSpLocks/>
+          </p:cNvCxnSpPr>
+          <p:nvPr/>
+        </p:nvCxnSpPr>
+        <p:spPr>
+          <a:xfrm flipH="1">
+            <a:off x="2981248" y="1247182"/>
+            <a:ext cx="364118" cy="435676"/>
+          </a:xfrm>
+          <a:prstGeom prst="straightConnector1">
+            <a:avLst/>
+          </a:prstGeom>
+          <a:noFill/>
+          <a:ln w="57150" cap="flat" cmpd="sng">
+            <a:solidFill>
+              <a:schemeClr val="tx1"/>
+            </a:solidFill>
+            <a:prstDash val="solid"/>
+            <a:round/>
+            <a:headEnd type="none" w="med" len="med"/>
+            <a:tailEnd type="triangle" w="med" len="med"/>
+          </a:ln>
+        </p:spPr>
+      </p:cxnSp>
+      <p:sp>
+        <p:nvSpPr>
+          <p:cNvPr id="34" name="Google Shape;94;p16">
+            <a:extLst>
+              <a:ext uri="{FF2B5EF4-FFF2-40B4-BE49-F238E27FC236}">
+                <a16:creationId xmlns:a16="http://schemas.microsoft.com/office/drawing/2014/main" id="{DCD89C29-9457-47D3-927E-17082DE3893D}"/>
+              </a:ext>
+            </a:extLst>
+          </p:cNvPr>
+          <p:cNvSpPr txBox="1"/>
+          <p:nvPr/>
+        </p:nvSpPr>
+        <p:spPr>
+          <a:xfrm>
+            <a:off x="6224186" y="2930487"/>
+            <a:ext cx="2001151" cy="492412"/>
+          </a:xfrm>
+          <a:prstGeom prst="rect">
+            <a:avLst/>
+          </a:prstGeom>
+          <a:noFill/>
+          <a:ln>
+            <a:noFill/>
+          </a:ln>
+        </p:spPr>
+        <p:txBody>
+          <a:bodyPr spcFirstLastPara="1" wrap="square" lIns="91425" tIns="91425" rIns="91425" bIns="91425" anchor="t" anchorCtr="0">
+            <a:spAutoFit/>
+          </a:bodyPr>
+          <a:lstStyle/>
+          <a:p>
+            <a:pPr marL="0" lvl="0" indent="0" algn="ctr" rtl="0">
+              <a:spcBef>
+                <a:spcPts val="0"/>
+              </a:spcBef>
+              <a:spcAft>
+                <a:spcPts val="0"/>
+              </a:spcAft>
+              <a:buNone/>
+            </a:pPr>
+            <a:r>
+              <a:rPr lang="en" sz="2000" b="1" dirty="0">
+                <a:solidFill>
+                  <a:srgbClr val="B45F06"/>
+                </a:solidFill>
+              </a:rPr>
+              <a:t>correlates with</a:t>
+            </a:r>
+            <a:endParaRPr sz="2000" b="1" dirty="0">
+              <a:solidFill>
+                <a:srgbClr val="B45F06"/>
+              </a:solidFill>
+            </a:endParaRPr>
+          </a:p>
+        </p:txBody>
+      </p:sp>
+      <p:cxnSp>
+        <p:nvCxnSpPr>
+          <p:cNvPr id="39" name="Google Shape;90;p16">
+            <a:extLst>
+              <a:ext uri="{FF2B5EF4-FFF2-40B4-BE49-F238E27FC236}">
+                <a16:creationId xmlns:a16="http://schemas.microsoft.com/office/drawing/2014/main" id="{685EE98C-7DD8-4753-88C2-B34CD93CD22B}"/>
+              </a:ext>
+            </a:extLst>
+          </p:cNvPr>
+          <p:cNvCxnSpPr>
+            <a:cxnSpLocks/>
+          </p:cNvCxnSpPr>
+          <p:nvPr/>
+        </p:nvCxnSpPr>
+        <p:spPr>
+          <a:xfrm>
+            <a:off x="2911325" y="2608805"/>
+            <a:ext cx="624333" cy="692425"/>
+          </a:xfrm>
+          <a:prstGeom prst="straightConnector1">
+            <a:avLst/>
+          </a:prstGeom>
+          <a:noFill/>
+          <a:ln w="57150" cap="flat" cmpd="sng">
+            <a:solidFill>
+              <a:schemeClr val="tx1"/>
+            </a:solidFill>
+            <a:prstDash val="solid"/>
+            <a:round/>
+            <a:headEnd type="none" w="med" len="med"/>
+            <a:tailEnd type="triangle" w="med" len="med"/>
+          </a:ln>
+        </p:spPr>
+      </p:cxnSp>
+      <p:sp>
+        <p:nvSpPr>
+          <p:cNvPr id="45" name="Google Shape;94;p16">
+            <a:extLst>
+              <a:ext uri="{FF2B5EF4-FFF2-40B4-BE49-F238E27FC236}">
+                <a16:creationId xmlns:a16="http://schemas.microsoft.com/office/drawing/2014/main" id="{1A202B5C-1CC3-4616-A646-65D56D25AA2C}"/>
+              </a:ext>
+            </a:extLst>
+          </p:cNvPr>
+          <p:cNvSpPr txBox="1"/>
+          <p:nvPr/>
+        </p:nvSpPr>
+        <p:spPr>
+          <a:xfrm>
+            <a:off x="5980361" y="896573"/>
+            <a:ext cx="2447987" cy="1107965"/>
+          </a:xfrm>
+          <a:prstGeom prst="rect">
+            <a:avLst/>
+          </a:prstGeom>
+          <a:noFill/>
+          <a:ln>
+            <a:noFill/>
+          </a:ln>
+        </p:spPr>
+        <p:txBody>
+          <a:bodyPr spcFirstLastPara="1" wrap="square" lIns="91425" tIns="91425" rIns="91425" bIns="91425" anchor="t" anchorCtr="0">
+            <a:spAutoFit/>
+          </a:bodyPr>
+          <a:lstStyle/>
+          <a:p>
+            <a:pPr marL="0" lvl="0" indent="0" algn="ctr" rtl="0">
+              <a:spcBef>
+                <a:spcPts val="0"/>
+              </a:spcBef>
+              <a:spcAft>
+                <a:spcPts val="0"/>
+              </a:spcAft>
+              <a:buNone/>
+            </a:pPr>
+            <a:r>
+              <a:rPr lang="en-US" sz="2000" b="1" dirty="0">
+                <a:solidFill>
+                  <a:srgbClr val="B45F06"/>
+                </a:solidFill>
+              </a:rPr>
+              <a:t>b</a:t>
+            </a:r>
+            <a:r>
+              <a:rPr lang="en" sz="2000" b="1" dirty="0">
+                <a:solidFill>
+                  <a:srgbClr val="B45F06"/>
+                </a:solidFill>
+              </a:rPr>
+              <a:t>uffers distruptive </a:t>
+            </a:r>
+          </a:p>
+          <a:p>
+            <a:pPr marL="0" lvl="0" indent="0" algn="ctr" rtl="0">
+              <a:spcBef>
+                <a:spcPts val="0"/>
+              </a:spcBef>
+              <a:spcAft>
+                <a:spcPts val="0"/>
+              </a:spcAft>
+              <a:buNone/>
+            </a:pPr>
+            <a:r>
+              <a:rPr lang="en-US" sz="2000" b="1" dirty="0">
+                <a:solidFill>
+                  <a:srgbClr val="B45F06"/>
+                </a:solidFill>
+              </a:rPr>
+              <a:t>transpositions</a:t>
+            </a:r>
+          </a:p>
+          <a:p>
+            <a:pPr marL="0" lvl="0" indent="0" algn="ctr" rtl="0">
+              <a:spcBef>
+                <a:spcPts val="0"/>
+              </a:spcBef>
+              <a:spcAft>
+                <a:spcPts val="0"/>
+              </a:spcAft>
+              <a:buNone/>
+            </a:pPr>
+            <a:r>
+              <a:rPr lang="en" sz="2000" b="1" dirty="0">
+                <a:solidFill>
+                  <a:srgbClr val="B45F06"/>
+                </a:solidFill>
+              </a:rPr>
+              <a:t>caused by</a:t>
+            </a:r>
+          </a:p>
+        </p:txBody>
+      </p:sp>
+    </p:spTree>
+    <p:extLst>
+      <p:ext uri="{BB962C8B-B14F-4D97-AF65-F5344CB8AC3E}">
+        <p14:creationId xmlns:p14="http://schemas.microsoft.com/office/powerpoint/2010/main" val="972976052"/>
+      </p:ext>
+    </p:extLst>
+  </p:cSld>
+  <p:clrMapOvr>
+    <a:masterClrMapping/>
+  </p:clrMapOvr>
+</p:sld>
+</file>
+
+<file path=ppt/slides/slide4.xml><?xml version="1.0" encoding="utf-8"?>
+<p:sld xmlns:a="http://schemas.openxmlformats.org/drawingml/2006/main" xmlns:r="http://schemas.openxmlformats.org/officeDocument/2006/relationships" xmlns:p="http://schemas.openxmlformats.org/presentationml/2006/main">
+  <p:cSld>
+    <p:spTree>
+      <p:nvGrpSpPr>
+        <p:cNvPr id="1" name="Shape 83"/>
+        <p:cNvGrpSpPr/>
+        <p:nvPr/>
+      </p:nvGrpSpPr>
+      <p:grpSpPr>
+        <a:xfrm>
+          <a:off x="0" y="0"/>
+          <a:ext cx="0" cy="0"/>
+          <a:chOff x="0" y="0"/>
+          <a:chExt cx="0" cy="0"/>
+        </a:xfrm>
+      </p:grpSpPr>
+      <p:sp>
+        <p:nvSpPr>
           <p:cNvPr id="84" name="Google Shape;84;p16"/>
           <p:cNvSpPr/>
           <p:nvPr/>
@@ -7646,7 +9634,7 @@
 </p:sld>
 </file>
 
-<file path=ppt/slides/slide3.xml><?xml version="1.0" encoding="utf-8"?>
+<file path=ppt/slides/slide5.xml><?xml version="1.0" encoding="utf-8"?>
 <p:sld xmlns:a="http://schemas.openxmlformats.org/drawingml/2006/main" xmlns:r="http://schemas.openxmlformats.org/officeDocument/2006/relationships" xmlns:p="http://schemas.openxmlformats.org/presentationml/2006/main">
   <p:cSld>
     <p:spTree>
@@ -8036,7 +10024,7 @@
 </p:sld>
 </file>
 
-<file path=ppt/slides/slide4.xml><?xml version="1.0" encoding="utf-8"?>
+<file path=ppt/slides/slide6.xml><?xml version="1.0" encoding="utf-8"?>
 <p:sld xmlns:a="http://schemas.openxmlformats.org/drawingml/2006/main" xmlns:r="http://schemas.openxmlformats.org/officeDocument/2006/relationships" xmlns:p="http://schemas.openxmlformats.org/presentationml/2006/main">
   <p:cSld>
     <p:spTree>
@@ -8699,7 +10687,7 @@
 </p:sld>
 </file>
 
-<file path=ppt/slides/slide5.xml><?xml version="1.0" encoding="utf-8"?>
+<file path=ppt/slides/slide7.xml><?xml version="1.0" encoding="utf-8"?>
 <p:sld xmlns:a="http://schemas.openxmlformats.org/drawingml/2006/main" xmlns:r="http://schemas.openxmlformats.org/officeDocument/2006/relationships" xmlns:p="http://schemas.openxmlformats.org/presentationml/2006/main">
   <p:cSld>
     <p:spTree>
@@ -9244,7 +11232,7 @@
 </p:sld>
 </file>
 
-<file path=ppt/slides/slide6.xml><?xml version="1.0" encoding="utf-8"?>
+<file path=ppt/slides/slide8.xml><?xml version="1.0" encoding="utf-8"?>
 <p:sld xmlns:a="http://schemas.openxmlformats.org/drawingml/2006/main" xmlns:r="http://schemas.openxmlformats.org/officeDocument/2006/relationships" xmlns:p="http://schemas.openxmlformats.org/presentationml/2006/main">
   <p:cSld>
     <p:spTree>
@@ -9742,7 +11730,7 @@
 </p:sld>
 </file>
 
-<file path=ppt/slides/slide7.xml><?xml version="1.0" encoding="utf-8"?>
+<file path=ppt/slides/slide9.xml><?xml version="1.0" encoding="utf-8"?>
 <p:sld xmlns:a="http://schemas.openxmlformats.org/drawingml/2006/main" xmlns:r="http://schemas.openxmlformats.org/officeDocument/2006/relationships" xmlns:p="http://schemas.openxmlformats.org/presentationml/2006/main">
   <p:cSld>
     <p:spTree>

--- a/Figure Generating/illustration_conclusion.pptx
+++ b/Figure Generating/illustration_conclusion.pptx
@@ -5,20 +5,21 @@
     <p:sldMasterId id="2147483659" r:id="rId1"/>
   </p:sldMasterIdLst>
   <p:notesMasterIdLst>
-    <p:notesMasterId r:id="rId11"/>
+    <p:notesMasterId r:id="rId12"/>
   </p:notesMasterIdLst>
   <p:sldIdLst>
-    <p:sldId id="267" r:id="rId2"/>
-    <p:sldId id="273" r:id="rId3"/>
-    <p:sldId id="272" r:id="rId4"/>
-    <p:sldId id="271" r:id="rId5"/>
-    <p:sldId id="269" r:id="rId6"/>
-    <p:sldId id="262" r:id="rId7"/>
-    <p:sldId id="256" r:id="rId8"/>
-    <p:sldId id="265" r:id="rId9"/>
-    <p:sldId id="266" r:id="rId10"/>
+    <p:sldId id="272" r:id="rId2"/>
+    <p:sldId id="274" r:id="rId3"/>
+    <p:sldId id="267" r:id="rId4"/>
+    <p:sldId id="273" r:id="rId5"/>
+    <p:sldId id="271" r:id="rId6"/>
+    <p:sldId id="269" r:id="rId7"/>
+    <p:sldId id="262" r:id="rId8"/>
+    <p:sldId id="256" r:id="rId9"/>
+    <p:sldId id="265" r:id="rId10"/>
+    <p:sldId id="266" r:id="rId11"/>
   </p:sldIdLst>
-  <p:sldSz cx="9144000" cy="5143500" type="screen16x9"/>
+  <p:sldSz cx="6858000" cy="5143500"/>
   <p:notesSz cx="7315200" cy="9601200"/>
   <p:defaultTextStyle>
     <a:defPPr marR="0" lvl="0" algn="l" rtl="0">
@@ -252,12 +253,12 @@
   <p:extLst>
     <p:ext uri="{EFAFB233-063F-42B5-8137-9DF3F51BA10A}">
       <p15:sldGuideLst xmlns:p15="http://schemas.microsoft.com/office/powerpoint/2012/main">
-        <p15:guide id="1" orient="horz" pos="1620">
+        <p15:guide id="1" orient="horz" pos="1620" userDrawn="1">
           <p15:clr>
             <a:srgbClr val="A4A3A4"/>
           </p15:clr>
         </p15:guide>
-        <p15:guide id="2" pos="2880">
+        <p15:guide id="2" pos="2160" userDrawn="1">
           <p15:clr>
             <a:srgbClr val="A4A3A4"/>
           </p15:clr>
@@ -766,8 +767,8 @@
         </p:nvSpPr>
         <p:spPr>
           <a:xfrm>
-            <a:off x="457200" y="720725"/>
-            <a:ext cx="6400800" cy="3600450"/>
+            <a:off x="1257300" y="720725"/>
+            <a:ext cx="4800600" cy="3600450"/>
           </a:xfrm>
           <a:custGeom>
             <a:avLst/>
@@ -1202,8 +1203,8 @@
         </p:nvSpPr>
         <p:spPr>
           <a:xfrm>
-            <a:off x="457200" y="720725"/>
-            <a:ext cx="6400800" cy="3600450"/>
+            <a:off x="1257300" y="720725"/>
+            <a:ext cx="4800600" cy="3600450"/>
           </a:xfrm>
           <a:custGeom>
             <a:avLst/>
@@ -1266,7 +1267,7 @@
     </p:spTree>
     <p:extLst>
       <p:ext uri="{BB962C8B-B14F-4D97-AF65-F5344CB8AC3E}">
-        <p14:creationId xmlns:p14="http://schemas.microsoft.com/office/powerpoint/2010/main" val="892036731"/>
+        <p14:creationId xmlns:p14="http://schemas.microsoft.com/office/powerpoint/2010/main" val="3026619513"/>
       </p:ext>
     </p:extLst>
   </p:cSld>
@@ -1305,8 +1306,8 @@
         </p:nvSpPr>
         <p:spPr>
           <a:xfrm>
-            <a:off x="457200" y="720725"/>
-            <a:ext cx="6400800" cy="3600450"/>
+            <a:off x="1257300" y="720725"/>
+            <a:ext cx="4800600" cy="3600450"/>
           </a:xfrm>
           <a:custGeom>
             <a:avLst/>
@@ -1369,7 +1370,7 @@
     </p:spTree>
     <p:extLst>
       <p:ext uri="{BB962C8B-B14F-4D97-AF65-F5344CB8AC3E}">
-        <p14:creationId xmlns:p14="http://schemas.microsoft.com/office/powerpoint/2010/main" val="755655244"/>
+        <p14:creationId xmlns:p14="http://schemas.microsoft.com/office/powerpoint/2010/main" val="2178063585"/>
       </p:ext>
     </p:extLst>
   </p:cSld>
@@ -1408,8 +1409,8 @@
         </p:nvSpPr>
         <p:spPr>
           <a:xfrm>
-            <a:off x="457200" y="720725"/>
-            <a:ext cx="6400800" cy="3600450"/>
+            <a:off x="1257300" y="720725"/>
+            <a:ext cx="4800600" cy="3600450"/>
           </a:xfrm>
           <a:custGeom>
             <a:avLst/>
@@ -1472,7 +1473,7 @@
     </p:spTree>
     <p:extLst>
       <p:ext uri="{BB962C8B-B14F-4D97-AF65-F5344CB8AC3E}">
-        <p14:creationId xmlns:p14="http://schemas.microsoft.com/office/powerpoint/2010/main" val="3026619513"/>
+        <p14:creationId xmlns:p14="http://schemas.microsoft.com/office/powerpoint/2010/main" val="892036731"/>
       </p:ext>
     </p:extLst>
   </p:cSld>
@@ -1511,8 +1512,8 @@
         </p:nvSpPr>
         <p:spPr>
           <a:xfrm>
-            <a:off x="457200" y="720725"/>
-            <a:ext cx="6400800" cy="3600450"/>
+            <a:off x="1257300" y="720725"/>
+            <a:ext cx="4800600" cy="3600450"/>
           </a:xfrm>
           <a:custGeom>
             <a:avLst/>
@@ -1575,7 +1576,7 @@
     </p:spTree>
     <p:extLst>
       <p:ext uri="{BB962C8B-B14F-4D97-AF65-F5344CB8AC3E}">
-        <p14:creationId xmlns:p14="http://schemas.microsoft.com/office/powerpoint/2010/main" val="4271516274"/>
+        <p14:creationId xmlns:p14="http://schemas.microsoft.com/office/powerpoint/2010/main" val="755655244"/>
       </p:ext>
     </p:extLst>
   </p:cSld>
@@ -1614,8 +1615,111 @@
         </p:nvSpPr>
         <p:spPr>
           <a:xfrm>
-            <a:off x="457200" y="720725"/>
-            <a:ext cx="6400800" cy="3600450"/>
+            <a:off x="1257300" y="720725"/>
+            <a:ext cx="4800600" cy="3600450"/>
+          </a:xfrm>
+          <a:custGeom>
+            <a:avLst/>
+            <a:gdLst/>
+            <a:ahLst/>
+            <a:cxnLst/>
+            <a:rect l="l" t="t" r="r" b="b"/>
+            <a:pathLst>
+              <a:path w="120000" h="120000" extrusionOk="0">
+                <a:moveTo>
+                  <a:pt x="0" y="0"/>
+                </a:moveTo>
+                <a:lnTo>
+                  <a:pt x="120000" y="0"/>
+                </a:lnTo>
+                <a:lnTo>
+                  <a:pt x="120000" y="120000"/>
+                </a:lnTo>
+                <a:lnTo>
+                  <a:pt x="0" y="120000"/>
+                </a:lnTo>
+                <a:close/>
+              </a:path>
+            </a:pathLst>
+          </a:custGeom>
+        </p:spPr>
+      </p:sp>
+      <p:sp>
+        <p:nvSpPr>
+          <p:cNvPr id="82" name="Google Shape;82;ged2377cda1_0_0:notes"/>
+          <p:cNvSpPr txBox="1">
+            <a:spLocks noGrp="1"/>
+          </p:cNvSpPr>
+          <p:nvPr>
+            <p:ph type="body" idx="1"/>
+          </p:nvPr>
+        </p:nvSpPr>
+        <p:spPr>
+          <a:xfrm>
+            <a:off x="731520" y="4560570"/>
+            <a:ext cx="5852160" cy="4320540"/>
+          </a:xfrm>
+          <a:prstGeom prst="rect">
+            <a:avLst/>
+          </a:prstGeom>
+        </p:spPr>
+        <p:txBody>
+          <a:bodyPr spcFirstLastPara="1" wrap="square" lIns="96645" tIns="96645" rIns="96645" bIns="96645" anchor="t" anchorCtr="0">
+            <a:noAutofit/>
+          </a:bodyPr>
+          <a:lstStyle/>
+          <a:p>
+            <a:pPr marL="0" indent="0">
+              <a:buNone/>
+            </a:pPr>
+            <a:endParaRPr/>
+          </a:p>
+        </p:txBody>
+      </p:sp>
+    </p:spTree>
+    <p:extLst>
+      <p:ext uri="{BB962C8B-B14F-4D97-AF65-F5344CB8AC3E}">
+        <p14:creationId xmlns:p14="http://schemas.microsoft.com/office/powerpoint/2010/main" val="4271516274"/>
+      </p:ext>
+    </p:extLst>
+  </p:cSld>
+  <p:clrMapOvr>
+    <a:masterClrMapping/>
+  </p:clrMapOvr>
+</p:notes>
+</file>
+
+<file path=ppt/notesSlides/notesSlide6.xml><?xml version="1.0" encoding="utf-8"?>
+<p:notes xmlns:a="http://schemas.openxmlformats.org/drawingml/2006/main" xmlns:r="http://schemas.openxmlformats.org/officeDocument/2006/relationships" xmlns:p="http://schemas.openxmlformats.org/presentationml/2006/main" showMasterSp="0" showMasterPhAnim="0">
+  <p:cSld>
+    <p:spTree>
+      <p:nvGrpSpPr>
+        <p:cNvPr id="1" name="Shape 80"/>
+        <p:cNvGrpSpPr/>
+        <p:nvPr/>
+      </p:nvGrpSpPr>
+      <p:grpSpPr>
+        <a:xfrm>
+          <a:off x="0" y="0"/>
+          <a:ext cx="0" cy="0"/>
+          <a:chOff x="0" y="0"/>
+          <a:chExt cx="0" cy="0"/>
+        </a:xfrm>
+      </p:grpSpPr>
+      <p:sp>
+        <p:nvSpPr>
+          <p:cNvPr id="81" name="Google Shape;81;ged2377cda1_0_0:notes"/>
+          <p:cNvSpPr>
+            <a:spLocks noGrp="1" noRot="1" noChangeAspect="1"/>
+          </p:cNvSpPr>
+          <p:nvPr>
+            <p:ph type="sldImg" idx="2"/>
+          </p:nvPr>
+        </p:nvSpPr>
+        <p:spPr>
+          <a:xfrm>
+            <a:off x="1257300" y="720725"/>
+            <a:ext cx="4800600" cy="3600450"/>
           </a:xfrm>
           <a:custGeom>
             <a:avLst/>
@@ -1717,8 +1821,8 @@
         </p:nvSpPr>
         <p:spPr>
           <a:xfrm>
-            <a:off x="311708" y="744575"/>
-            <a:ext cx="8520600" cy="2052600"/>
+            <a:off x="233781" y="744575"/>
+            <a:ext cx="6390450" cy="2052600"/>
           </a:xfrm>
           <a:prstGeom prst="rect">
             <a:avLst/>
@@ -1846,8 +1950,8 @@
         </p:nvSpPr>
         <p:spPr>
           <a:xfrm>
-            <a:off x="311700" y="2834125"/>
-            <a:ext cx="8520600" cy="792600"/>
+            <a:off x="233775" y="2834125"/>
+            <a:ext cx="6390450" cy="792600"/>
           </a:xfrm>
           <a:prstGeom prst="rect">
             <a:avLst/>
@@ -2002,8 +2106,8 @@
         </p:nvSpPr>
         <p:spPr>
           <a:xfrm>
-            <a:off x="8472458" y="4663217"/>
-            <a:ext cx="548700" cy="393600"/>
+            <a:off x="6354344" y="4663217"/>
+            <a:ext cx="411525" cy="393600"/>
           </a:xfrm>
           <a:prstGeom prst="rect">
             <a:avLst/>
@@ -2052,20 +2156,12 @@
             </a:lvl9pPr>
           </a:lstStyle>
           <a:p>
-            <a:pPr marL="0" lvl="0" indent="0" algn="r" rtl="0">
-              <a:spcBef>
-                <a:spcPts val="0"/>
-              </a:spcBef>
-              <a:spcAft>
-                <a:spcPts val="0"/>
-              </a:spcAft>
-              <a:buNone/>
-            </a:pPr>
             <a:fld id="{00000000-1234-1234-1234-123412341234}" type="slidenum">
-              <a:rPr lang="en"/>
+              <a:rPr lang="en" smtClean="0"/>
+              <a:pPr/>
               <a:t>‹#›</a:t>
             </a:fld>
-            <a:endParaRPr/>
+            <a:endParaRPr lang="en"/>
           </a:p>
         </p:txBody>
       </p:sp>
@@ -2106,8 +2202,8 @@
         </p:nvSpPr>
         <p:spPr>
           <a:xfrm>
-            <a:off x="8472458" y="4663217"/>
-            <a:ext cx="548700" cy="393600"/>
+            <a:off x="6354344" y="4663217"/>
+            <a:ext cx="411525" cy="393600"/>
           </a:xfrm>
           <a:prstGeom prst="rect">
             <a:avLst/>
@@ -2156,20 +2252,12 @@
             </a:lvl9pPr>
           </a:lstStyle>
           <a:p>
-            <a:pPr marL="0" lvl="0" indent="0" algn="r" rtl="0">
-              <a:spcBef>
-                <a:spcPts val="0"/>
-              </a:spcBef>
-              <a:spcAft>
-                <a:spcPts val="0"/>
-              </a:spcAft>
-              <a:buNone/>
-            </a:pPr>
             <a:fld id="{00000000-1234-1234-1234-123412341234}" type="slidenum">
-              <a:rPr lang="en"/>
+              <a:rPr lang="en" smtClean="0"/>
+              <a:pPr/>
               <a:t>‹#›</a:t>
             </a:fld>
-            <a:endParaRPr/>
+            <a:endParaRPr lang="en"/>
           </a:p>
         </p:txBody>
       </p:sp>
@@ -2210,8 +2298,8 @@
         </p:nvSpPr>
         <p:spPr>
           <a:xfrm>
-            <a:off x="311700" y="2150850"/>
-            <a:ext cx="8520600" cy="841800"/>
+            <a:off x="233775" y="2150850"/>
+            <a:ext cx="6390450" cy="841800"/>
           </a:xfrm>
           <a:prstGeom prst="rect">
             <a:avLst/>
@@ -2339,8 +2427,8 @@
         </p:nvSpPr>
         <p:spPr>
           <a:xfrm>
-            <a:off x="8472458" y="4663217"/>
-            <a:ext cx="548700" cy="393600"/>
+            <a:off x="6354344" y="4663217"/>
+            <a:ext cx="411525" cy="393600"/>
           </a:xfrm>
           <a:prstGeom prst="rect">
             <a:avLst/>
@@ -2389,20 +2477,12 @@
             </a:lvl9pPr>
           </a:lstStyle>
           <a:p>
-            <a:pPr marL="0" lvl="0" indent="0" algn="r" rtl="0">
-              <a:spcBef>
-                <a:spcPts val="0"/>
-              </a:spcBef>
-              <a:spcAft>
-                <a:spcPts val="0"/>
-              </a:spcAft>
-              <a:buNone/>
-            </a:pPr>
             <a:fld id="{00000000-1234-1234-1234-123412341234}" type="slidenum">
-              <a:rPr lang="en"/>
+              <a:rPr lang="en" smtClean="0"/>
+              <a:pPr/>
               <a:t>‹#›</a:t>
             </a:fld>
-            <a:endParaRPr/>
+            <a:endParaRPr lang="en"/>
           </a:p>
         </p:txBody>
       </p:sp>
@@ -2443,8 +2523,8 @@
         </p:nvSpPr>
         <p:spPr>
           <a:xfrm>
-            <a:off x="311700" y="445025"/>
-            <a:ext cx="8520600" cy="572700"/>
+            <a:off x="233775" y="445025"/>
+            <a:ext cx="6390450" cy="572700"/>
           </a:xfrm>
           <a:prstGeom prst="rect">
             <a:avLst/>
@@ -2572,8 +2652,8 @@
         </p:nvSpPr>
         <p:spPr>
           <a:xfrm>
-            <a:off x="311700" y="1152475"/>
-            <a:ext cx="3999900" cy="3416400"/>
+            <a:off x="233775" y="1152475"/>
+            <a:ext cx="2999925" cy="3416400"/>
           </a:xfrm>
           <a:prstGeom prst="rect">
             <a:avLst/>
@@ -2701,8 +2781,8 @@
         </p:nvSpPr>
         <p:spPr>
           <a:xfrm>
-            <a:off x="4832400" y="1152475"/>
-            <a:ext cx="3999900" cy="3416400"/>
+            <a:off x="3624300" y="1152475"/>
+            <a:ext cx="2999925" cy="3416400"/>
           </a:xfrm>
           <a:prstGeom prst="rect">
             <a:avLst/>
@@ -2830,8 +2910,8 @@
         </p:nvSpPr>
         <p:spPr>
           <a:xfrm>
-            <a:off x="8472458" y="4663217"/>
-            <a:ext cx="548700" cy="393600"/>
+            <a:off x="6354344" y="4663217"/>
+            <a:ext cx="411525" cy="393600"/>
           </a:xfrm>
           <a:prstGeom prst="rect">
             <a:avLst/>
@@ -2880,20 +2960,12 @@
             </a:lvl9pPr>
           </a:lstStyle>
           <a:p>
-            <a:pPr marL="0" lvl="0" indent="0" algn="r" rtl="0">
-              <a:spcBef>
-                <a:spcPts val="0"/>
-              </a:spcBef>
-              <a:spcAft>
-                <a:spcPts val="0"/>
-              </a:spcAft>
-              <a:buNone/>
-            </a:pPr>
             <a:fld id="{00000000-1234-1234-1234-123412341234}" type="slidenum">
-              <a:rPr lang="en"/>
+              <a:rPr lang="en" smtClean="0"/>
+              <a:pPr/>
               <a:t>‹#›</a:t>
             </a:fld>
-            <a:endParaRPr/>
+            <a:endParaRPr lang="en"/>
           </a:p>
         </p:txBody>
       </p:sp>
@@ -2934,8 +3006,8 @@
         </p:nvSpPr>
         <p:spPr>
           <a:xfrm>
-            <a:off x="311700" y="445025"/>
-            <a:ext cx="8520600" cy="572700"/>
+            <a:off x="233775" y="445025"/>
+            <a:ext cx="6390450" cy="572700"/>
           </a:xfrm>
           <a:prstGeom prst="rect">
             <a:avLst/>
@@ -3063,8 +3135,8 @@
         </p:nvSpPr>
         <p:spPr>
           <a:xfrm>
-            <a:off x="8472458" y="4663217"/>
-            <a:ext cx="548700" cy="393600"/>
+            <a:off x="6354344" y="4663217"/>
+            <a:ext cx="411525" cy="393600"/>
           </a:xfrm>
           <a:prstGeom prst="rect">
             <a:avLst/>
@@ -3113,20 +3185,12 @@
             </a:lvl9pPr>
           </a:lstStyle>
           <a:p>
-            <a:pPr marL="0" lvl="0" indent="0" algn="r" rtl="0">
-              <a:spcBef>
-                <a:spcPts val="0"/>
-              </a:spcBef>
-              <a:spcAft>
-                <a:spcPts val="0"/>
-              </a:spcAft>
-              <a:buNone/>
-            </a:pPr>
             <a:fld id="{00000000-1234-1234-1234-123412341234}" type="slidenum">
-              <a:rPr lang="en"/>
+              <a:rPr lang="en" smtClean="0"/>
+              <a:pPr/>
               <a:t>‹#›</a:t>
             </a:fld>
-            <a:endParaRPr/>
+            <a:endParaRPr lang="en"/>
           </a:p>
         </p:txBody>
       </p:sp>
@@ -3167,8 +3231,8 @@
         </p:nvSpPr>
         <p:spPr>
           <a:xfrm>
-            <a:off x="311700" y="555600"/>
-            <a:ext cx="2808000" cy="755700"/>
+            <a:off x="233775" y="555600"/>
+            <a:ext cx="2106000" cy="755700"/>
           </a:xfrm>
           <a:prstGeom prst="rect">
             <a:avLst/>
@@ -3296,8 +3360,8 @@
         </p:nvSpPr>
         <p:spPr>
           <a:xfrm>
-            <a:off x="311700" y="1389600"/>
-            <a:ext cx="2808000" cy="3179400"/>
+            <a:off x="233775" y="1389600"/>
+            <a:ext cx="2106000" cy="3179400"/>
           </a:xfrm>
           <a:prstGeom prst="rect">
             <a:avLst/>
@@ -3425,8 +3489,8 @@
         </p:nvSpPr>
         <p:spPr>
           <a:xfrm>
-            <a:off x="8472458" y="4663217"/>
-            <a:ext cx="548700" cy="393600"/>
+            <a:off x="6354344" y="4663217"/>
+            <a:ext cx="411525" cy="393600"/>
           </a:xfrm>
           <a:prstGeom prst="rect">
             <a:avLst/>
@@ -3475,20 +3539,12 @@
             </a:lvl9pPr>
           </a:lstStyle>
           <a:p>
-            <a:pPr marL="0" lvl="0" indent="0" algn="r" rtl="0">
-              <a:spcBef>
-                <a:spcPts val="0"/>
-              </a:spcBef>
-              <a:spcAft>
-                <a:spcPts val="0"/>
-              </a:spcAft>
-              <a:buNone/>
-            </a:pPr>
             <a:fld id="{00000000-1234-1234-1234-123412341234}" type="slidenum">
-              <a:rPr lang="en"/>
+              <a:rPr lang="en" smtClean="0"/>
+              <a:pPr/>
               <a:t>‹#›</a:t>
             </a:fld>
-            <a:endParaRPr/>
+            <a:endParaRPr lang="en"/>
           </a:p>
         </p:txBody>
       </p:sp>
@@ -3529,8 +3585,8 @@
         </p:nvSpPr>
         <p:spPr>
           <a:xfrm>
-            <a:off x="490250" y="450150"/>
-            <a:ext cx="6367800" cy="4090800"/>
+            <a:off x="367688" y="450150"/>
+            <a:ext cx="4775850" cy="4090800"/>
           </a:xfrm>
           <a:prstGeom prst="rect">
             <a:avLst/>
@@ -3658,8 +3714,8 @@
         </p:nvSpPr>
         <p:spPr>
           <a:xfrm>
-            <a:off x="8472458" y="4663217"/>
-            <a:ext cx="548700" cy="393600"/>
+            <a:off x="6354344" y="4663217"/>
+            <a:ext cx="411525" cy="393600"/>
           </a:xfrm>
           <a:prstGeom prst="rect">
             <a:avLst/>
@@ -3708,20 +3764,12 @@
             </a:lvl9pPr>
           </a:lstStyle>
           <a:p>
-            <a:pPr marL="0" lvl="0" indent="0" algn="r" rtl="0">
-              <a:spcBef>
-                <a:spcPts val="0"/>
-              </a:spcBef>
-              <a:spcAft>
-                <a:spcPts val="0"/>
-              </a:spcAft>
-              <a:buNone/>
-            </a:pPr>
             <a:fld id="{00000000-1234-1234-1234-123412341234}" type="slidenum">
-              <a:rPr lang="en"/>
+              <a:rPr lang="en" smtClean="0"/>
+              <a:pPr/>
               <a:t>‹#›</a:t>
             </a:fld>
-            <a:endParaRPr/>
+            <a:endParaRPr lang="en"/>
           </a:p>
         </p:txBody>
       </p:sp>
@@ -3758,8 +3806,8 @@
         </p:nvSpPr>
         <p:spPr>
           <a:xfrm>
-            <a:off x="4572000" y="-125"/>
-            <a:ext cx="4572000" cy="5143500"/>
+            <a:off x="3429000" y="-125"/>
+            <a:ext cx="3429000" cy="5143500"/>
           </a:xfrm>
           <a:prstGeom prst="rect">
             <a:avLst/>
@@ -3786,7 +3834,7 @@
               </a:spcAft>
               <a:buNone/>
             </a:pPr>
-            <a:endParaRPr/>
+            <a:endParaRPr sz="1400"/>
           </a:p>
         </p:txBody>
       </p:sp>
@@ -3802,8 +3850,8 @@
         </p:nvSpPr>
         <p:spPr>
           <a:xfrm>
-            <a:off x="265500" y="1233175"/>
-            <a:ext cx="4045200" cy="1482300"/>
+            <a:off x="199125" y="1233175"/>
+            <a:ext cx="3033900" cy="1482300"/>
           </a:xfrm>
           <a:prstGeom prst="rect">
             <a:avLst/>
@@ -3931,8 +3979,8 @@
         </p:nvSpPr>
         <p:spPr>
           <a:xfrm>
-            <a:off x="265500" y="2803075"/>
-            <a:ext cx="4045200" cy="1235100"/>
+            <a:off x="199125" y="2803075"/>
+            <a:ext cx="3033900" cy="1235100"/>
           </a:xfrm>
           <a:prstGeom prst="rect">
             <a:avLst/>
@@ -4087,8 +4135,8 @@
         </p:nvSpPr>
         <p:spPr>
           <a:xfrm>
-            <a:off x="4939500" y="724075"/>
-            <a:ext cx="3837000" cy="3695100"/>
+            <a:off x="3704625" y="724075"/>
+            <a:ext cx="2877750" cy="3695100"/>
           </a:xfrm>
           <a:prstGeom prst="rect">
             <a:avLst/>
@@ -4216,8 +4264,8 @@
         </p:nvSpPr>
         <p:spPr>
           <a:xfrm>
-            <a:off x="8472458" y="4663217"/>
-            <a:ext cx="548700" cy="393600"/>
+            <a:off x="6354344" y="4663217"/>
+            <a:ext cx="411525" cy="393600"/>
           </a:xfrm>
           <a:prstGeom prst="rect">
             <a:avLst/>
@@ -4266,20 +4314,12 @@
             </a:lvl9pPr>
           </a:lstStyle>
           <a:p>
-            <a:pPr marL="0" lvl="0" indent="0" algn="r" rtl="0">
-              <a:spcBef>
-                <a:spcPts val="0"/>
-              </a:spcBef>
-              <a:spcAft>
-                <a:spcPts val="0"/>
-              </a:spcAft>
-              <a:buNone/>
-            </a:pPr>
             <a:fld id="{00000000-1234-1234-1234-123412341234}" type="slidenum">
-              <a:rPr lang="en"/>
+              <a:rPr lang="en" smtClean="0"/>
+              <a:pPr/>
               <a:t>‹#›</a:t>
             </a:fld>
-            <a:endParaRPr/>
+            <a:endParaRPr lang="en"/>
           </a:p>
         </p:txBody>
       </p:sp>
@@ -4320,8 +4360,8 @@
         </p:nvSpPr>
         <p:spPr>
           <a:xfrm>
-            <a:off x="311700" y="4230575"/>
-            <a:ext cx="5998800" cy="605100"/>
+            <a:off x="233775" y="4230575"/>
+            <a:ext cx="4499100" cy="605100"/>
           </a:xfrm>
           <a:prstGeom prst="rect">
             <a:avLst/>
@@ -4364,8 +4404,8 @@
         </p:nvSpPr>
         <p:spPr>
           <a:xfrm>
-            <a:off x="8472458" y="4663217"/>
-            <a:ext cx="548700" cy="393600"/>
+            <a:off x="6354344" y="4663217"/>
+            <a:ext cx="411525" cy="393600"/>
           </a:xfrm>
           <a:prstGeom prst="rect">
             <a:avLst/>
@@ -4414,20 +4454,12 @@
             </a:lvl9pPr>
           </a:lstStyle>
           <a:p>
-            <a:pPr marL="0" lvl="0" indent="0" algn="r" rtl="0">
-              <a:spcBef>
-                <a:spcPts val="0"/>
-              </a:spcBef>
-              <a:spcAft>
-                <a:spcPts val="0"/>
-              </a:spcAft>
-              <a:buNone/>
-            </a:pPr>
             <a:fld id="{00000000-1234-1234-1234-123412341234}" type="slidenum">
-              <a:rPr lang="en"/>
+              <a:rPr lang="en" smtClean="0"/>
+              <a:pPr/>
               <a:t>‹#›</a:t>
             </a:fld>
-            <a:endParaRPr/>
+            <a:endParaRPr lang="en"/>
           </a:p>
         </p:txBody>
       </p:sp>
@@ -4468,8 +4500,8 @@
         </p:nvSpPr>
         <p:spPr>
           <a:xfrm>
-            <a:off x="311700" y="1106125"/>
-            <a:ext cx="8520600" cy="1963500"/>
+            <a:off x="233775" y="1106125"/>
+            <a:ext cx="6390450" cy="1963500"/>
           </a:xfrm>
           <a:prstGeom prst="rect">
             <a:avLst/>
@@ -4599,8 +4631,8 @@
         </p:nvSpPr>
         <p:spPr>
           <a:xfrm>
-            <a:off x="311700" y="3152225"/>
-            <a:ext cx="8520600" cy="1300800"/>
+            <a:off x="233775" y="3152225"/>
+            <a:ext cx="6390450" cy="1300800"/>
           </a:xfrm>
           <a:prstGeom prst="rect">
             <a:avLst/>
@@ -4728,8 +4760,8 @@
         </p:nvSpPr>
         <p:spPr>
           <a:xfrm>
-            <a:off x="8472458" y="4663217"/>
-            <a:ext cx="548700" cy="393600"/>
+            <a:off x="6354344" y="4663217"/>
+            <a:ext cx="411525" cy="393600"/>
           </a:xfrm>
           <a:prstGeom prst="rect">
             <a:avLst/>
@@ -4778,20 +4810,12 @@
             </a:lvl9pPr>
           </a:lstStyle>
           <a:p>
-            <a:pPr marL="0" lvl="0" indent="0" algn="r" rtl="0">
-              <a:spcBef>
-                <a:spcPts val="0"/>
-              </a:spcBef>
-              <a:spcAft>
-                <a:spcPts val="0"/>
-              </a:spcAft>
-              <a:buNone/>
-            </a:pPr>
             <a:fld id="{00000000-1234-1234-1234-123412341234}" type="slidenum">
-              <a:rPr lang="en"/>
+              <a:rPr lang="en" smtClean="0"/>
+              <a:pPr/>
               <a:t>‹#›</a:t>
             </a:fld>
-            <a:endParaRPr/>
+            <a:endParaRPr lang="en"/>
           </a:p>
         </p:txBody>
       </p:sp>
@@ -4840,8 +4864,8 @@
         </p:nvSpPr>
         <p:spPr>
           <a:xfrm>
-            <a:off x="311700" y="445025"/>
-            <a:ext cx="8520600" cy="572700"/>
+            <a:off x="233775" y="445025"/>
+            <a:ext cx="6390450" cy="572700"/>
           </a:xfrm>
           <a:prstGeom prst="rect">
             <a:avLst/>
@@ -5036,8 +5060,8 @@
         </p:nvSpPr>
         <p:spPr>
           <a:xfrm>
-            <a:off x="311700" y="1152475"/>
-            <a:ext cx="8520600" cy="3416400"/>
+            <a:off x="233775" y="1152475"/>
+            <a:ext cx="6390450" cy="3416400"/>
           </a:xfrm>
           <a:prstGeom prst="rect">
             <a:avLst/>
@@ -5259,8 +5283,8 @@
         </p:nvSpPr>
         <p:spPr>
           <a:xfrm>
-            <a:off x="8472458" y="4663217"/>
-            <a:ext cx="548700" cy="393600"/>
+            <a:off x="6354344" y="4663217"/>
+            <a:ext cx="411525" cy="393600"/>
           </a:xfrm>
           <a:prstGeom prst="rect">
             <a:avLst/>
@@ -5349,20 +5373,12 @@
             </a:lvl9pPr>
           </a:lstStyle>
           <a:p>
-            <a:pPr marL="0" lvl="0" indent="0" algn="r" rtl="0">
-              <a:spcBef>
-                <a:spcPts val="0"/>
-              </a:spcBef>
-              <a:spcAft>
-                <a:spcPts val="0"/>
-              </a:spcAft>
-              <a:buNone/>
-            </a:pPr>
             <a:fld id="{00000000-1234-1234-1234-123412341234}" type="slidenum">
-              <a:rPr lang="en"/>
+              <a:rPr lang="en" smtClean="0"/>
+              <a:pPr/>
               <a:t>‹#›</a:t>
             </a:fld>
-            <a:endParaRPr/>
+            <a:endParaRPr lang="en"/>
           </a:p>
         </p:txBody>
       </p:sp>
@@ -6099,8 +6115,8 @@
         </p:nvSpPr>
         <p:spPr>
           <a:xfrm>
-            <a:off x="6493637" y="2093375"/>
-            <a:ext cx="2077354" cy="633365"/>
+            <a:off x="1814580" y="3372792"/>
+            <a:ext cx="3569100" cy="360950"/>
           </a:xfrm>
           <a:prstGeom prst="roundRect">
             <a:avLst/>
@@ -6118,32 +6134,16 @@
           </a:bodyPr>
           <a:lstStyle/>
           <a:p>
-            <a:pPr marL="0" lvl="0" indent="0" algn="ctr" rtl="0">
-              <a:spcBef>
-                <a:spcPts val="0"/>
-              </a:spcBef>
-              <a:spcAft>
-                <a:spcPts val="0"/>
-              </a:spcAft>
-              <a:buNone/>
-            </a:pPr>
+            <a:pPr algn="ctr"/>
             <a:r>
-              <a:rPr lang="en-US" altLang="zh-CN" sz="1800" dirty="0">
+              <a:rPr lang="en" sz="2000" dirty="0">
                 <a:solidFill>
                   <a:schemeClr val="tx1"/>
                 </a:solidFill>
               </a:rPr>
-              <a:t>p</a:t>
+              <a:t>Particle-associated lifestyle</a:t>
             </a:r>
-            <a:r>
-              <a:rPr lang="en" sz="1800" dirty="0">
-                <a:solidFill>
-                  <a:schemeClr val="tx1"/>
-                </a:solidFill>
-              </a:rPr>
-              <a:t>article-associated lifestyle</a:t>
-            </a:r>
-            <a:endParaRPr sz="1800" dirty="0">
+            <a:endParaRPr sz="2000" dirty="0">
               <a:solidFill>
                 <a:schemeClr val="tx1"/>
               </a:solidFill>
@@ -6159,14 +6159,14 @@
         </p:nvSpPr>
         <p:spPr>
           <a:xfrm>
-            <a:off x="3157546" y="3008741"/>
-            <a:ext cx="2660205" cy="326898"/>
+            <a:off x="4281489" y="1890214"/>
+            <a:ext cx="1800273" cy="701469"/>
           </a:xfrm>
           <a:prstGeom prst="roundRect">
             <a:avLst/>
           </a:prstGeom>
           <a:solidFill>
-            <a:srgbClr val="FF9999"/>
+            <a:srgbClr val="FF5050"/>
           </a:solidFill>
           <a:ln>
             <a:noFill/>
@@ -6178,22 +6178,14 @@
           </a:bodyPr>
           <a:lstStyle/>
           <a:p>
-            <a:pPr marL="0" lvl="0" indent="0" algn="ctr" rtl="0">
-              <a:spcBef>
-                <a:spcPts val="0"/>
-              </a:spcBef>
-              <a:spcAft>
-                <a:spcPts val="0"/>
-              </a:spcAft>
-              <a:buNone/>
-            </a:pPr>
+            <a:pPr algn="ctr"/>
             <a:r>
-              <a:rPr lang="en-US" sz="1800" dirty="0">
+              <a:rPr lang="en-US" sz="2000" dirty="0">
                 <a:solidFill>
                   <a:schemeClr val="tx1"/>
                 </a:solidFill>
               </a:rPr>
-              <a:t>increased genome size</a:t>
+              <a:t>Increased genome size</a:t>
             </a:r>
           </a:p>
         </p:txBody>
@@ -6206,8 +6198,8 @@
         </p:nvSpPr>
         <p:spPr>
           <a:xfrm>
-            <a:off x="2498643" y="3612140"/>
-            <a:ext cx="4174738" cy="367760"/>
+            <a:off x="886523" y="4061499"/>
+            <a:ext cx="5456972" cy="401812"/>
           </a:xfrm>
           <a:prstGeom prst="roundRect">
             <a:avLst/>
@@ -6237,43 +6229,19 @@
           </a:bodyPr>
           <a:lstStyle/>
           <a:p>
-            <a:pPr marL="0" lvl="0" indent="0" algn="ctr" rtl="0">
-              <a:spcBef>
-                <a:spcPts val="0"/>
-              </a:spcBef>
-              <a:spcAft>
-                <a:spcPts val="0"/>
-              </a:spcAft>
+            <a:pPr algn="ctr">
               <a:buClr>
                 <a:schemeClr val="dk1"/>
               </a:buClr>
               <a:buSzPts val="1100"/>
-              <a:buFont typeface="Arial"/>
-              <a:buNone/>
             </a:pPr>
             <a:r>
-              <a:rPr lang="en" sz="1800" dirty="0"/>
-              <a:t>A d</a:t>
+              <a:rPr lang="en" sz="2000" dirty="0"/>
+              <a:t>A deep-ocean</a:t>
             </a:r>
             <a:r>
-              <a:rPr lang="en" sz="1800" dirty="0">
-                <a:solidFill>
-                  <a:schemeClr val="dk1"/>
-                </a:solidFill>
-              </a:rPr>
-              <a:t>eep-ocean</a:t>
-            </a:r>
-            <a:r>
-              <a:rPr lang="en-US" sz="1800" dirty="0">
-                <a:solidFill>
-                  <a:schemeClr val="dk1"/>
-                </a:solidFill>
-              </a:rPr>
-              <a:t> microbial</a:t>
-            </a:r>
-            <a:r>
-              <a:rPr lang="en-US" sz="1800" dirty="0"/>
-              <a:t> community</a:t>
+              <a:rPr lang="en-US" sz="2000" dirty="0"/>
+              <a:t> microbial community</a:t>
             </a:r>
           </a:p>
         </p:txBody>
@@ -6286,8 +6254,8 @@
         </p:nvSpPr>
         <p:spPr>
           <a:xfrm>
-            <a:off x="6244557" y="1475159"/>
-            <a:ext cx="2326434" cy="492443"/>
+            <a:off x="100190" y="2604210"/>
+            <a:ext cx="2698020" cy="738633"/>
           </a:xfrm>
           <a:prstGeom prst="rect">
             <a:avLst/>
@@ -6298,28 +6266,36 @@
           </a:ln>
         </p:spPr>
         <p:txBody>
-          <a:bodyPr spcFirstLastPara="1" wrap="square" lIns="0" tIns="0" rIns="0" bIns="0" anchor="t" anchorCtr="0">
+          <a:bodyPr spcFirstLastPara="1" wrap="square" lIns="91425" tIns="91425" rIns="91425" bIns="91425" anchor="t" anchorCtr="0">
             <a:spAutoFit/>
           </a:bodyPr>
           <a:lstStyle/>
           <a:p>
-            <a:pPr marL="0" lvl="0" indent="0" algn="ctr" rtl="0">
-              <a:spcBef>
-                <a:spcPts val="0"/>
-              </a:spcBef>
-              <a:spcAft>
-                <a:spcPts val="0"/>
-              </a:spcAft>
-              <a:buNone/>
-            </a:pPr>
+            <a:pPr algn="ctr"/>
             <a:r>
-              <a:rPr lang="en" sz="1600" dirty="0">
+              <a:rPr lang="en" sz="1800" dirty="0">
                 <a:solidFill>
                   <a:srgbClr val="B45F06"/>
                 </a:solidFill>
               </a:rPr>
-              <a:t>benefit the host and help the host compete in</a:t>
+              <a:t>helps competion </a:t>
             </a:r>
+          </a:p>
+          <a:p>
+            <a:pPr algn="ctr"/>
+            <a:r>
+              <a:rPr lang="en" sz="1800" dirty="0">
+                <a:solidFill>
+                  <a:srgbClr val="B45F06"/>
+                </a:solidFill>
+              </a:rPr>
+              <a:t>and defense on</a:t>
+            </a:r>
+            <a:endParaRPr sz="1800" dirty="0">
+              <a:solidFill>
+                <a:srgbClr val="B45F06"/>
+              </a:solidFill>
+            </a:endParaRPr>
           </a:p>
         </p:txBody>
       </p:sp>
@@ -6337,14 +6313,14 @@
         </p:nvSpPr>
         <p:spPr>
           <a:xfrm>
-            <a:off x="2826835" y="993405"/>
-            <a:ext cx="3321628" cy="326898"/>
+            <a:off x="273044" y="1890213"/>
+            <a:ext cx="2490583" cy="701469"/>
           </a:xfrm>
           <a:prstGeom prst="roundRect">
             <a:avLst/>
           </a:prstGeom>
           <a:solidFill>
-            <a:srgbClr val="FF9999"/>
+            <a:srgbClr val="FF5050"/>
           </a:solidFill>
           <a:ln>
             <a:noFill/>
@@ -6356,22 +6332,25 @@
           </a:bodyPr>
           <a:lstStyle/>
           <a:p>
-            <a:pPr marL="0" lvl="0" indent="0" algn="ctr" rtl="0">
-              <a:spcBef>
-                <a:spcPts val="0"/>
-              </a:spcBef>
-              <a:spcAft>
-                <a:spcPts val="0"/>
-              </a:spcAft>
-              <a:buNone/>
-            </a:pPr>
+            <a:pPr algn="ctr"/>
             <a:r>
-              <a:rPr lang="en-US" sz="1800" dirty="0">
+              <a:rPr lang="en-US" sz="2000" dirty="0">
                 <a:solidFill>
                   <a:schemeClr val="tx1"/>
                 </a:solidFill>
               </a:rPr>
-              <a:t>particle-associated cassettes</a:t>
+              <a:t>Defense mechanism</a:t>
+            </a:r>
+          </a:p>
+          <a:p>
+            <a:pPr algn="ctr"/>
+            <a:r>
+              <a:rPr lang="en-US" sz="2000" dirty="0">
+                <a:solidFill>
+                  <a:schemeClr val="tx1"/>
+                </a:solidFill>
+              </a:rPr>
+              <a:t>cassettes</a:t>
             </a:r>
           </a:p>
         </p:txBody>
@@ -6391,9 +6370,9 @@
           <p:nvPr/>
         </p:nvCxnSpPr>
         <p:spPr>
-          <a:xfrm flipH="1">
-            <a:off x="2627529" y="2439985"/>
-            <a:ext cx="3617028" cy="0"/>
+          <a:xfrm flipV="1">
+            <a:off x="3488628" y="1269323"/>
+            <a:ext cx="0" cy="1960857"/>
           </a:xfrm>
           <a:prstGeom prst="straightConnector1">
             <a:avLst/>
@@ -6418,8 +6397,8 @@
         </p:nvSpPr>
         <p:spPr>
           <a:xfrm>
-            <a:off x="3956536" y="2285879"/>
-            <a:ext cx="967567" cy="295466"/>
+            <a:off x="3034201" y="2039218"/>
+            <a:ext cx="1161617" cy="326243"/>
           </a:xfrm>
           <a:prstGeom prst="rect">
             <a:avLst/>
@@ -6437,24 +6416,15 @@
           </a:bodyPr>
           <a:lstStyle/>
           <a:p>
-            <a:pPr marL="0" lvl="0" indent="0" algn="l" rtl="0">
-              <a:spcBef>
-                <a:spcPts val="0"/>
-              </a:spcBef>
-              <a:spcAft>
-                <a:spcPts val="0"/>
-              </a:spcAft>
-              <a:buNone/>
-            </a:pPr>
             <a:r>
-              <a:rPr lang="en" sz="1800" dirty="0">
+              <a:rPr lang="en" sz="2000" dirty="0">
                 <a:solidFill>
                   <a:srgbClr val="B45F06"/>
                 </a:solidFill>
               </a:rPr>
-              <a:t> spreads</a:t>
+              <a:t>spreads</a:t>
             </a:r>
-            <a:endParaRPr sz="1800" dirty="0">
+            <a:endParaRPr sz="2000" dirty="0">
               <a:solidFill>
                 <a:srgbClr val="B45F06"/>
               </a:solidFill>
@@ -6476,8 +6446,8 @@
         </p:nvSpPr>
         <p:spPr>
           <a:xfrm>
-            <a:off x="2037368" y="1641418"/>
-            <a:ext cx="601301" cy="295466"/>
+            <a:off x="1901686" y="1213309"/>
+            <a:ext cx="813573" cy="326243"/>
           </a:xfrm>
           <a:prstGeom prst="rect">
             <a:avLst/>
@@ -6495,17 +6465,8 @@
           </a:bodyPr>
           <a:lstStyle/>
           <a:p>
-            <a:pPr marL="0" lvl="0" indent="0" algn="l" rtl="0">
-              <a:spcBef>
-                <a:spcPts val="0"/>
-              </a:spcBef>
-              <a:spcAft>
-                <a:spcPts val="0"/>
-              </a:spcAft>
-              <a:buNone/>
-            </a:pPr>
             <a:r>
-              <a:rPr lang="en" sz="1800" dirty="0">
+              <a:rPr lang="en" sz="2000" dirty="0">
                 <a:solidFill>
                   <a:srgbClr val="B45F06"/>
                 </a:solidFill>
@@ -6520,6 +6481,40 @@
           </a:p>
         </p:txBody>
       </p:sp>
+      <p:cxnSp>
+        <p:nvCxnSpPr>
+          <p:cNvPr id="23" name="Google Shape;90;p16">
+            <a:extLst>
+              <a:ext uri="{FF2B5EF4-FFF2-40B4-BE49-F238E27FC236}">
+                <a16:creationId xmlns:a16="http://schemas.microsoft.com/office/drawing/2014/main" id="{76FF781D-A53E-4BB3-9AED-568798FAB34C}"/>
+              </a:ext>
+            </a:extLst>
+          </p:cNvPr>
+          <p:cNvCxnSpPr>
+            <a:cxnSpLocks/>
+          </p:cNvCxnSpPr>
+          <p:nvPr/>
+        </p:nvCxnSpPr>
+        <p:spPr>
+          <a:xfrm flipV="1">
+            <a:off x="4070131" y="2716875"/>
+            <a:ext cx="533750" cy="513305"/>
+          </a:xfrm>
+          <a:prstGeom prst="straightConnector1">
+            <a:avLst/>
+          </a:prstGeom>
+          <a:noFill/>
+          <a:ln w="38100" cap="flat" cmpd="sng">
+            <a:solidFill>
+              <a:schemeClr val="tx1"/>
+            </a:solidFill>
+            <a:prstDash val="solid"/>
+            <a:round/>
+            <a:headEnd type="none" w="med" len="med"/>
+            <a:tailEnd type="triangle" w="med" len="med"/>
+          </a:ln>
+        </p:spPr>
+      </p:cxnSp>
       <p:cxnSp>
         <p:nvCxnSpPr>
           <p:cNvPr id="27" name="Google Shape;90;p16">
@@ -6535,9 +6530,9 @@
           <p:nvPr/>
         </p:nvCxnSpPr>
         <p:spPr>
-          <a:xfrm flipH="1">
-            <a:off x="5921036" y="2659141"/>
-            <a:ext cx="404225" cy="478180"/>
+          <a:xfrm flipH="1" flipV="1">
+            <a:off x="3991860" y="1274365"/>
+            <a:ext cx="574401" cy="462506"/>
           </a:xfrm>
           <a:prstGeom prst="straightConnector1">
             <a:avLst/>
@@ -6569,9 +6564,9 @@
           <p:nvPr/>
         </p:nvCxnSpPr>
         <p:spPr>
-          <a:xfrm flipH="1" flipV="1">
-            <a:off x="2498643" y="2672704"/>
-            <a:ext cx="523701" cy="454535"/>
+          <a:xfrm flipH="1">
+            <a:off x="2410609" y="1269323"/>
+            <a:ext cx="568630" cy="516307"/>
           </a:xfrm>
           <a:prstGeom prst="straightConnector1">
             <a:avLst/>
@@ -6590,10 +6585,10 @@
       </p:cxnSp>
       <p:sp>
         <p:nvSpPr>
-          <p:cNvPr id="15" name="Google Shape;86;p16">
+          <p:cNvPr id="34" name="Google Shape;94;p16">
             <a:extLst>
               <a:ext uri="{FF2B5EF4-FFF2-40B4-BE49-F238E27FC236}">
-                <a16:creationId xmlns:a16="http://schemas.microsoft.com/office/drawing/2014/main" id="{5BF301FD-A465-A53B-C54A-3E137217FE1F}"/>
+                <a16:creationId xmlns:a16="http://schemas.microsoft.com/office/drawing/2014/main" id="{DCD89C29-9457-47D3-927E-17082DE3893D}"/>
               </a:ext>
             </a:extLst>
           </p:cNvPr>
@@ -6602,112 +6597,46 @@
         </p:nvSpPr>
         <p:spPr>
           <a:xfrm>
-            <a:off x="860918" y="2246609"/>
-            <a:ext cx="1620743" cy="326898"/>
-          </a:xfrm>
-          <a:prstGeom prst="roundRect">
-            <a:avLst/>
-          </a:prstGeom>
-          <a:solidFill>
-            <a:schemeClr val="accent5">
-              <a:lumMod val="40000"/>
-              <a:lumOff val="60000"/>
-            </a:schemeClr>
-          </a:solidFill>
+            <a:off x="4265502" y="2759680"/>
+            <a:ext cx="2001151" cy="461635"/>
+          </a:xfrm>
+          <a:prstGeom prst="rect">
+            <a:avLst/>
+          </a:prstGeom>
+          <a:noFill/>
           <a:ln>
             <a:noFill/>
           </a:ln>
         </p:spPr>
         <p:txBody>
-          <a:bodyPr spcFirstLastPara="1" wrap="square" lIns="9144" tIns="9144" rIns="9144" bIns="9144" anchor="t" anchorCtr="0">
+          <a:bodyPr spcFirstLastPara="1" wrap="square" lIns="91425" tIns="91425" rIns="91425" bIns="91425" anchor="t" anchorCtr="0">
             <a:spAutoFit/>
           </a:bodyPr>
           <a:lstStyle/>
           <a:p>
-            <a:pPr marL="0" lvl="0" indent="0" algn="ctr" rtl="0">
-              <a:spcBef>
-                <a:spcPts val="0"/>
-              </a:spcBef>
-              <a:spcAft>
-                <a:spcPts val="0"/>
-              </a:spcAft>
-              <a:buNone/>
-            </a:pPr>
+            <a:pPr algn="ctr"/>
             <a:r>
               <a:rPr lang="en" sz="1800" dirty="0">
                 <a:solidFill>
-                  <a:schemeClr val="tx1"/>
+                  <a:srgbClr val="B45F06"/>
                 </a:solidFill>
               </a:rPr>
-              <a:t>transposons</a:t>
+              <a:t>correlates with</a:t>
             </a:r>
             <a:endParaRPr sz="1800" dirty="0">
               <a:solidFill>
-                <a:schemeClr val="tx1"/>
+                <a:srgbClr val="B45F06"/>
               </a:solidFill>
             </a:endParaRPr>
-          </a:p>
-        </p:txBody>
-      </p:sp>
-      <p:sp>
-        <p:nvSpPr>
-          <p:cNvPr id="21" name="TextBox 20">
-            <a:extLst>
-              <a:ext uri="{FF2B5EF4-FFF2-40B4-BE49-F238E27FC236}">
-                <a16:creationId xmlns:a16="http://schemas.microsoft.com/office/drawing/2014/main" id="{448ECAB9-B63C-A32D-9097-E19BDC96FD6F}"/>
-              </a:ext>
-            </a:extLst>
-          </p:cNvPr>
-          <p:cNvSpPr txBox="1"/>
-          <p:nvPr/>
-        </p:nvSpPr>
-        <p:spPr>
-          <a:xfrm>
-            <a:off x="3022344" y="1316680"/>
-            <a:ext cx="2930610" cy="954107"/>
-          </a:xfrm>
-          <a:prstGeom prst="rect">
-            <a:avLst/>
-          </a:prstGeom>
-          <a:noFill/>
-        </p:spPr>
-        <p:txBody>
-          <a:bodyPr wrap="none" rtlCol="0">
-            <a:spAutoFit/>
-          </a:bodyPr>
-          <a:lstStyle/>
-          <a:p>
-            <a:r>
-              <a:rPr lang="en-US" dirty="0"/>
-              <a:t>- Defense mechanisms</a:t>
-            </a:r>
-          </a:p>
-          <a:p>
-            <a:r>
-              <a:rPr lang="en-US" dirty="0"/>
-              <a:t>- Signal Transduction mechanisms</a:t>
-            </a:r>
-          </a:p>
-          <a:p>
-            <a:r>
-              <a:rPr lang="en-US" dirty="0"/>
-              <a:t>- Extracellular Structures</a:t>
-            </a:r>
-          </a:p>
-          <a:p>
-            <a:r>
-              <a:rPr lang="en-US" dirty="0"/>
-              <a:t>- Cell motility</a:t>
-            </a:r>
           </a:p>
         </p:txBody>
       </p:sp>
       <p:cxnSp>
         <p:nvCxnSpPr>
-          <p:cNvPr id="28" name="Google Shape;90;p16">
+          <p:cNvPr id="39" name="Google Shape;90;p16">
             <a:extLst>
               <a:ext uri="{FF2B5EF4-FFF2-40B4-BE49-F238E27FC236}">
-                <a16:creationId xmlns:a16="http://schemas.microsoft.com/office/drawing/2014/main" id="{1EBB96A0-C36F-37D8-032B-3E69AF21098B}"/>
+                <a16:creationId xmlns:a16="http://schemas.microsoft.com/office/drawing/2014/main" id="{685EE98C-7DD8-4753-88C2-B34CD93CD22B}"/>
               </a:ext>
             </a:extLst>
           </p:cNvPr>
@@ -6718,8 +6647,8 @@
         </p:nvCxnSpPr>
         <p:spPr>
           <a:xfrm>
-            <a:off x="5921036" y="1669904"/>
-            <a:ext cx="415593" cy="484683"/>
+            <a:off x="2438973" y="2716875"/>
+            <a:ext cx="540266" cy="513305"/>
           </a:xfrm>
           <a:prstGeom prst="straightConnector1">
             <a:avLst/>
@@ -6736,46 +6665,12 @@
           </a:ln>
         </p:spPr>
       </p:cxnSp>
-      <p:cxnSp>
-        <p:nvCxnSpPr>
-          <p:cNvPr id="38" name="Google Shape;90;p16">
+      <p:sp>
+        <p:nvSpPr>
+          <p:cNvPr id="45" name="Google Shape;94;p16">
             <a:extLst>
               <a:ext uri="{FF2B5EF4-FFF2-40B4-BE49-F238E27FC236}">
-                <a16:creationId xmlns:a16="http://schemas.microsoft.com/office/drawing/2014/main" id="{4EECD7EC-59C0-8FB0-0814-D4A60ED3A9BC}"/>
-              </a:ext>
-            </a:extLst>
-          </p:cNvPr>
-          <p:cNvCxnSpPr>
-            <a:cxnSpLocks/>
-          </p:cNvCxnSpPr>
-          <p:nvPr/>
-        </p:nvCxnSpPr>
-        <p:spPr>
-          <a:xfrm flipV="1">
-            <a:off x="2481661" y="1686633"/>
-            <a:ext cx="434918" cy="451377"/>
-          </a:xfrm>
-          <a:prstGeom prst="straightConnector1">
-            <a:avLst/>
-          </a:prstGeom>
-          <a:noFill/>
-          <a:ln w="38100" cap="flat" cmpd="sng">
-            <a:solidFill>
-              <a:schemeClr val="tx1"/>
-            </a:solidFill>
-            <a:prstDash val="solid"/>
-            <a:round/>
-            <a:headEnd type="none" w="med" len="med"/>
-            <a:tailEnd type="triangle" w="med" len="med"/>
-          </a:ln>
-        </p:spPr>
-      </p:cxnSp>
-      <p:sp>
-        <p:nvSpPr>
-          <p:cNvPr id="55" name="Google Shape;94;p16">
-            <a:extLst>
-              <a:ext uri="{FF2B5EF4-FFF2-40B4-BE49-F238E27FC236}">
-                <a16:creationId xmlns:a16="http://schemas.microsoft.com/office/drawing/2014/main" id="{06C0DFC6-294F-309B-BBFA-F7BB5B33FBFF}"/>
+                <a16:creationId xmlns:a16="http://schemas.microsoft.com/office/drawing/2014/main" id="{1A202B5C-1CC3-4616-A646-65D56D25AA2C}"/>
               </a:ext>
             </a:extLst>
           </p:cNvPr>
@@ -6784,8 +6679,8 @@
         </p:nvSpPr>
         <p:spPr>
           <a:xfrm>
-            <a:off x="6218504" y="2853761"/>
-            <a:ext cx="1557383" cy="246221"/>
+            <a:off x="4195818" y="1085151"/>
+            <a:ext cx="2745706" cy="738633"/>
           </a:xfrm>
           <a:prstGeom prst="rect">
             <a:avLst/>
@@ -6796,42 +6691,29 @@
           </a:ln>
         </p:spPr>
         <p:txBody>
-          <a:bodyPr spcFirstLastPara="1" wrap="square" lIns="0" tIns="0" rIns="0" bIns="0" anchor="t" anchorCtr="0">
+          <a:bodyPr spcFirstLastPara="1" wrap="square" lIns="91425" tIns="91425" rIns="91425" bIns="91425" anchor="t" anchorCtr="0">
             <a:spAutoFit/>
           </a:bodyPr>
           <a:lstStyle/>
           <a:p>
-            <a:pPr marL="0" lvl="0" indent="0" algn="ctr" rtl="0">
-              <a:spcBef>
-                <a:spcPts val="0"/>
-              </a:spcBef>
-              <a:spcAft>
-                <a:spcPts val="0"/>
-              </a:spcAft>
-              <a:buNone/>
-            </a:pPr>
+            <a:pPr algn="ctr"/>
             <a:r>
-              <a:rPr lang="en" sz="1600" dirty="0">
+              <a:rPr lang="en" sz="1800" dirty="0">
                 <a:solidFill>
                   <a:srgbClr val="B45F06"/>
                 </a:solidFill>
               </a:rPr>
-              <a:t>correlates with</a:t>
+              <a:t>linked to a higher HGT rate, propagating</a:t>
             </a:r>
-            <a:endParaRPr sz="1600" dirty="0">
-              <a:solidFill>
-                <a:srgbClr val="B45F06"/>
-              </a:solidFill>
-            </a:endParaRPr>
           </a:p>
         </p:txBody>
       </p:sp>
       <p:sp>
         <p:nvSpPr>
-          <p:cNvPr id="57" name="Google Shape;94;p16">
+          <p:cNvPr id="2" name="Google Shape;86;p16">
             <a:extLst>
               <a:ext uri="{FF2B5EF4-FFF2-40B4-BE49-F238E27FC236}">
-                <a16:creationId xmlns:a16="http://schemas.microsoft.com/office/drawing/2014/main" id="{B5AA78DE-B9F4-21DB-FFA4-AC9E15A67C54}"/>
+                <a16:creationId xmlns:a16="http://schemas.microsoft.com/office/drawing/2014/main" id="{F397CA53-A908-6432-E8C1-416147A4E9D3}"/>
               </a:ext>
             </a:extLst>
           </p:cNvPr>
@@ -6840,66 +6722,139 @@
         </p:nvSpPr>
         <p:spPr>
           <a:xfrm>
-            <a:off x="602435" y="2784145"/>
-            <a:ext cx="2158058" cy="492443"/>
-          </a:xfrm>
-          <a:prstGeom prst="rect">
-            <a:avLst/>
-          </a:prstGeom>
-          <a:noFill/>
+            <a:off x="2530876" y="765761"/>
+            <a:ext cx="1915503" cy="360950"/>
+          </a:xfrm>
+          <a:prstGeom prst="roundRect">
+            <a:avLst/>
+          </a:prstGeom>
+          <a:solidFill>
+            <a:schemeClr val="accent1">
+              <a:lumMod val="40000"/>
+              <a:lumOff val="60000"/>
+            </a:schemeClr>
+          </a:solidFill>
           <a:ln>
             <a:noFill/>
           </a:ln>
         </p:spPr>
         <p:txBody>
-          <a:bodyPr spcFirstLastPara="1" wrap="square" lIns="0" tIns="0" rIns="0" bIns="0" anchor="t" anchorCtr="0">
+          <a:bodyPr spcFirstLastPara="1" wrap="square" lIns="9144" tIns="9144" rIns="9144" bIns="9144" anchor="t" anchorCtr="0">
             <a:spAutoFit/>
           </a:bodyPr>
           <a:lstStyle/>
           <a:p>
-            <a:pPr marL="0" lvl="0" indent="0" algn="ctr" rtl="0">
-              <a:spcBef>
-                <a:spcPts val="0"/>
-              </a:spcBef>
-              <a:spcAft>
-                <a:spcPts val="0"/>
-              </a:spcAft>
-              <a:buNone/>
-            </a:pPr>
+            <a:pPr algn="ctr"/>
             <a:r>
-              <a:rPr lang="en" sz="1600" dirty="0">
+              <a:rPr lang="en" sz="2000" dirty="0">
                 <a:solidFill>
-                  <a:srgbClr val="B45F06"/>
+                  <a:schemeClr val="tx1"/>
                 </a:solidFill>
               </a:rPr>
-              <a:t>linked to a higher</a:t>
+              <a:t>Transposons</a:t>
             </a:r>
-          </a:p>
-          <a:p>
-            <a:pPr marL="0" lvl="0" indent="0" algn="ctr" rtl="0">
-              <a:spcBef>
-                <a:spcPts val="0"/>
-              </a:spcBef>
-              <a:spcAft>
-                <a:spcPts val="0"/>
-              </a:spcAft>
-              <a:buNone/>
-            </a:pPr>
-            <a:r>
-              <a:rPr lang="en" sz="1600" dirty="0">
-                <a:solidFill>
-                  <a:srgbClr val="B45F06"/>
-                </a:solidFill>
-              </a:rPr>
-              <a:t>HGT rate, propagating</a:t>
-            </a:r>
+            <a:endParaRPr sz="2000" dirty="0">
+              <a:solidFill>
+                <a:schemeClr val="tx1"/>
+              </a:solidFill>
+            </a:endParaRPr>
           </a:p>
         </p:txBody>
       </p:sp>
     </p:spTree>
     <p:extLst>
       <p:ext uri="{BB962C8B-B14F-4D97-AF65-F5344CB8AC3E}">
-        <p14:creationId xmlns:p14="http://schemas.microsoft.com/office/powerpoint/2010/main" val="2476497050"/>
+        <p14:creationId xmlns:p14="http://schemas.microsoft.com/office/powerpoint/2010/main" val="972976052"/>
+      </p:ext>
+    </p:extLst>
+  </p:cSld>
+  <p:clrMapOvr>
+    <a:masterClrMapping/>
+  </p:clrMapOvr>
+</p:sld>
+</file>
+
+<file path=ppt/slides/slide10.xml><?xml version="1.0" encoding="utf-8"?>
+<p:sld xmlns:a="http://schemas.openxmlformats.org/drawingml/2006/main" xmlns:r="http://schemas.openxmlformats.org/officeDocument/2006/relationships" xmlns:p="http://schemas.openxmlformats.org/presentationml/2006/main">
+  <p:cSld>
+    <p:spTree>
+      <p:nvGrpSpPr>
+        <p:cNvPr id="1" name=""/>
+        <p:cNvGrpSpPr/>
+        <p:nvPr/>
+      </p:nvGrpSpPr>
+      <p:grpSpPr>
+        <a:xfrm>
+          <a:off x="0" y="0"/>
+          <a:ext cx="0" cy="0"/>
+          <a:chOff x="0" y="0"/>
+          <a:chExt cx="0" cy="0"/>
+        </a:xfrm>
+      </p:grpSpPr>
+      <p:pic>
+        <p:nvPicPr>
+          <p:cNvPr id="12" name="Picture 11">
+            <a:extLst>
+              <a:ext uri="{FF2B5EF4-FFF2-40B4-BE49-F238E27FC236}">
+                <a16:creationId xmlns:a16="http://schemas.microsoft.com/office/drawing/2014/main" id="{BA7013EA-BD65-48E1-A93C-977760A09120}"/>
+              </a:ext>
+            </a:extLst>
+          </p:cNvPr>
+          <p:cNvPicPr>
+            <a:picLocks noChangeAspect="1"/>
+          </p:cNvPicPr>
+          <p:nvPr/>
+        </p:nvPicPr>
+        <p:blipFill>
+          <a:blip r:embed="rId2"/>
+          <a:stretch>
+            <a:fillRect/>
+          </a:stretch>
+        </p:blipFill>
+        <p:spPr>
+          <a:xfrm>
+            <a:off x="3241700" y="419469"/>
+            <a:ext cx="3196061" cy="3794411"/>
+          </a:xfrm>
+          <a:prstGeom prst="rect">
+            <a:avLst/>
+          </a:prstGeom>
+        </p:spPr>
+      </p:pic>
+      <p:pic>
+        <p:nvPicPr>
+          <p:cNvPr id="8" name="Picture 7">
+            <a:extLst>
+              <a:ext uri="{FF2B5EF4-FFF2-40B4-BE49-F238E27FC236}">
+                <a16:creationId xmlns:a16="http://schemas.microsoft.com/office/drawing/2014/main" id="{5F32F092-8AD0-4E8F-9D93-D77DA7461DD7}"/>
+              </a:ext>
+            </a:extLst>
+          </p:cNvPr>
+          <p:cNvPicPr>
+            <a:picLocks noChangeAspect="1"/>
+          </p:cNvPicPr>
+          <p:nvPr/>
+        </p:nvPicPr>
+        <p:blipFill>
+          <a:blip r:embed="rId3"/>
+          <a:stretch>
+            <a:fillRect/>
+          </a:stretch>
+        </p:blipFill>
+        <p:spPr>
+          <a:xfrm>
+            <a:off x="-220579" y="360809"/>
+            <a:ext cx="3462278" cy="3853071"/>
+          </a:xfrm>
+          <a:prstGeom prst="rect">
+            <a:avLst/>
+          </a:prstGeom>
+        </p:spPr>
+      </p:pic>
+    </p:spTree>
+    <p:extLst>
+      <p:ext uri="{BB962C8B-B14F-4D97-AF65-F5344CB8AC3E}">
+        <p14:creationId xmlns:p14="http://schemas.microsoft.com/office/powerpoint/2010/main" val="3730474762"/>
       </p:ext>
     </p:extLst>
   </p:cSld>
@@ -6928,14 +6883,51 @@
       </p:grpSpPr>
       <p:sp>
         <p:nvSpPr>
+          <p:cNvPr id="84" name="Google Shape;84;p16"/>
+          <p:cNvSpPr/>
+          <p:nvPr/>
+        </p:nvSpPr>
+        <p:spPr>
+          <a:xfrm>
+            <a:off x="-563292" y="366364"/>
+            <a:ext cx="7984583" cy="4303345"/>
+          </a:xfrm>
+          <a:prstGeom prst="roundRect">
+            <a:avLst>
+              <a:gd name="adj" fmla="val 16667"/>
+            </a:avLst>
+          </a:prstGeom>
+          <a:noFill/>
+          <a:ln w="76200" cap="flat" cmpd="sng">
+            <a:solidFill>
+              <a:srgbClr val="E69138"/>
+            </a:solidFill>
+            <a:prstDash val="solid"/>
+            <a:round/>
+            <a:headEnd type="none" w="sm" len="sm"/>
+            <a:tailEnd type="none" w="sm" len="sm"/>
+          </a:ln>
+        </p:spPr>
+        <p:txBody>
+          <a:bodyPr spcFirstLastPara="1" wrap="square" lIns="91425" tIns="91425" rIns="91425" bIns="91425" anchor="ctr" anchorCtr="0">
+            <a:noAutofit/>
+          </a:bodyPr>
+          <a:lstStyle/>
+          <a:p>
+            <a:endParaRPr/>
+          </a:p>
+        </p:txBody>
+      </p:sp>
+      <p:sp>
+        <p:nvSpPr>
           <p:cNvPr id="86" name="Google Shape;86;p16"/>
           <p:cNvSpPr txBox="1"/>
           <p:nvPr/>
         </p:nvSpPr>
         <p:spPr>
           <a:xfrm>
-            <a:off x="3869374" y="3411879"/>
-            <a:ext cx="3055629" cy="326898"/>
+            <a:off x="1956329" y="3403408"/>
+            <a:ext cx="3055629" cy="701469"/>
           </a:xfrm>
           <a:prstGeom prst="roundRect">
             <a:avLst/>
@@ -6953,24 +6945,16 @@
           </a:bodyPr>
           <a:lstStyle/>
           <a:p>
-            <a:pPr marL="0" lvl="0" indent="0" algn="ctr" rtl="0">
-              <a:spcBef>
-                <a:spcPts val="0"/>
-              </a:spcBef>
-              <a:spcAft>
-                <a:spcPts val="0"/>
-              </a:spcAft>
-              <a:buNone/>
-            </a:pPr>
+            <a:pPr algn="ctr"/>
             <a:r>
-              <a:rPr lang="en" sz="1800" dirty="0">
+              <a:rPr lang="en" sz="2000" b="1" dirty="0">
                 <a:solidFill>
                   <a:schemeClr val="tx1"/>
                 </a:solidFill>
               </a:rPr>
               <a:t>Particle-associated lifestyle</a:t>
             </a:r>
-            <a:endParaRPr sz="1800" dirty="0">
+            <a:endParaRPr sz="2000" b="1" dirty="0">
               <a:solidFill>
                 <a:schemeClr val="tx1"/>
               </a:solidFill>
@@ -6986,8 +6970,8 @@
         </p:nvSpPr>
         <p:spPr>
           <a:xfrm>
-            <a:off x="6451059" y="1914799"/>
-            <a:ext cx="1882614" cy="633365"/>
+            <a:off x="4974092" y="2063339"/>
+            <a:ext cx="2067308" cy="701469"/>
           </a:xfrm>
           <a:prstGeom prst="roundRect">
             <a:avLst/>
@@ -7005,17 +6989,9 @@
           </a:bodyPr>
           <a:lstStyle/>
           <a:p>
-            <a:pPr marL="0" lvl="0" indent="0" algn="ctr" rtl="0">
-              <a:spcBef>
-                <a:spcPts val="0"/>
-              </a:spcBef>
-              <a:spcAft>
-                <a:spcPts val="0"/>
-              </a:spcAft>
-              <a:buNone/>
-            </a:pPr>
+            <a:pPr algn="ctr"/>
             <a:r>
-              <a:rPr lang="en-US" sz="1800" dirty="0">
+              <a:rPr lang="en-US" sz="2000" b="1" dirty="0">
                 <a:solidFill>
                   <a:schemeClr val="tx1"/>
                 </a:solidFill>
@@ -7033,8 +7009,8 @@
         </p:nvSpPr>
         <p:spPr>
           <a:xfrm>
-            <a:off x="2854712" y="4219201"/>
-            <a:ext cx="5456972" cy="367760"/>
+            <a:off x="886523" y="4061499"/>
+            <a:ext cx="5456972" cy="469916"/>
           </a:xfrm>
           <a:prstGeom prst="roundRect">
             <a:avLst/>
@@ -7064,43 +7040,19 @@
           </a:bodyPr>
           <a:lstStyle/>
           <a:p>
-            <a:pPr marL="0" lvl="0" indent="0" algn="ctr" rtl="0">
-              <a:spcBef>
-                <a:spcPts val="0"/>
-              </a:spcBef>
-              <a:spcAft>
-                <a:spcPts val="0"/>
-              </a:spcAft>
+            <a:pPr algn="ctr">
               <a:buClr>
                 <a:schemeClr val="dk1"/>
               </a:buClr>
               <a:buSzPts val="1100"/>
-              <a:buFont typeface="Arial"/>
-              <a:buNone/>
             </a:pPr>
             <a:r>
-              <a:rPr lang="en" sz="1800" dirty="0"/>
-              <a:t>A d</a:t>
+              <a:rPr lang="en" sz="2400" b="1" dirty="0"/>
+              <a:t>A deep-ocean</a:t>
             </a:r>
             <a:r>
-              <a:rPr lang="en" sz="1800" dirty="0">
-                <a:solidFill>
-                  <a:schemeClr val="dk1"/>
-                </a:solidFill>
-              </a:rPr>
-              <a:t>eep-ocean</a:t>
-            </a:r>
-            <a:r>
-              <a:rPr lang="en-US" sz="1800" dirty="0">
-                <a:solidFill>
-                  <a:schemeClr val="dk1"/>
-                </a:solidFill>
-              </a:rPr>
-              <a:t> microbial</a:t>
-            </a:r>
-            <a:r>
-              <a:rPr lang="en-US" sz="1800" dirty="0"/>
-              <a:t> community</a:t>
+              <a:rPr lang="en-US" sz="2400" b="1" dirty="0"/>
+              <a:t> microbial community</a:t>
             </a:r>
           </a:p>
         </p:txBody>
@@ -7113,7 +7065,7 @@
         </p:nvSpPr>
         <p:spPr>
           <a:xfrm>
-            <a:off x="511203" y="4022892"/>
+            <a:off x="-556945" y="2601488"/>
             <a:ext cx="2698020" cy="800189"/>
           </a:xfrm>
           <a:prstGeom prst="rect">
@@ -7130,15 +7082,7 @@
           </a:bodyPr>
           <a:lstStyle/>
           <a:p>
-            <a:pPr marL="0" lvl="0" indent="0" algn="ctr" rtl="0">
-              <a:spcBef>
-                <a:spcPts val="0"/>
-              </a:spcBef>
-              <a:spcAft>
-                <a:spcPts val="0"/>
-              </a:spcAft>
-              <a:buNone/>
-            </a:pPr>
+            <a:pPr algn="ctr"/>
             <a:r>
               <a:rPr lang="en" sz="2000" b="1" dirty="0">
                 <a:solidFill>
@@ -7149,15 +7093,7 @@
             </a:r>
           </a:p>
           <a:p>
-            <a:pPr marL="0" lvl="0" indent="0" algn="ctr" rtl="0">
-              <a:spcBef>
-                <a:spcPts val="0"/>
-              </a:spcBef>
-              <a:spcAft>
-                <a:spcPts val="0"/>
-              </a:spcAft>
-              <a:buNone/>
-            </a:pPr>
+            <a:pPr algn="ctr"/>
             <a:r>
               <a:rPr lang="en" sz="2000" b="1" dirty="0">
                 <a:solidFill>
@@ -7169,6 +7105,59 @@
             <a:endParaRPr sz="2000" b="1" dirty="0">
               <a:solidFill>
                 <a:srgbClr val="B45F06"/>
+              </a:solidFill>
+            </a:endParaRPr>
+          </a:p>
+        </p:txBody>
+      </p:sp>
+      <p:sp>
+        <p:nvSpPr>
+          <p:cNvPr id="22" name="Google Shape;85;p16">
+            <a:extLst>
+              <a:ext uri="{FF2B5EF4-FFF2-40B4-BE49-F238E27FC236}">
+                <a16:creationId xmlns:a16="http://schemas.microsoft.com/office/drawing/2014/main" id="{7B3E143E-5E39-4CA1-91FE-5EB3C5A75D11}"/>
+              </a:ext>
+            </a:extLst>
+          </p:cNvPr>
+          <p:cNvSpPr txBox="1"/>
+          <p:nvPr/>
+        </p:nvSpPr>
+        <p:spPr>
+          <a:xfrm>
+            <a:off x="2282307" y="506422"/>
+            <a:ext cx="2293386" cy="612900"/>
+          </a:xfrm>
+          <a:prstGeom prst="roundRect">
+            <a:avLst/>
+          </a:prstGeom>
+          <a:solidFill>
+            <a:schemeClr val="accent1">
+              <a:lumMod val="60000"/>
+              <a:lumOff val="40000"/>
+            </a:schemeClr>
+          </a:solidFill>
+          <a:ln>
+            <a:noFill/>
+          </a:ln>
+        </p:spPr>
+        <p:txBody>
+          <a:bodyPr spcFirstLastPara="1" wrap="square" lIns="91425" tIns="91425" rIns="91425" bIns="91425" anchor="t" anchorCtr="0">
+            <a:spAutoFit/>
+          </a:bodyPr>
+          <a:lstStyle/>
+          <a:p>
+            <a:pPr algn="ctr"/>
+            <a:r>
+              <a:rPr lang="en" sz="2400" b="1" dirty="0">
+                <a:solidFill>
+                  <a:schemeClr val="tx1"/>
+                </a:solidFill>
+              </a:rPr>
+              <a:t>Transposons</a:t>
+            </a:r>
+            <a:endParaRPr sz="2400" b="1" dirty="0">
+              <a:solidFill>
+                <a:schemeClr val="tx1"/>
               </a:solidFill>
             </a:endParaRPr>
           </a:p>
@@ -7188,8 +7177,8 @@
         </p:nvSpPr>
         <p:spPr>
           <a:xfrm>
-            <a:off x="2793371" y="1866490"/>
-            <a:ext cx="2064203" cy="633365"/>
+            <a:off x="-287022" y="1810573"/>
+            <a:ext cx="2698019" cy="701469"/>
           </a:xfrm>
           <a:prstGeom prst="roundRect">
             <a:avLst/>
@@ -7207,36 +7196,20 @@
           </a:bodyPr>
           <a:lstStyle/>
           <a:p>
-            <a:pPr marL="0" lvl="0" indent="0" algn="ctr" rtl="0">
-              <a:spcBef>
-                <a:spcPts val="0"/>
-              </a:spcBef>
-              <a:spcAft>
-                <a:spcPts val="0"/>
-              </a:spcAft>
-              <a:buNone/>
-            </a:pPr>
+            <a:pPr algn="ctr"/>
             <a:r>
-              <a:rPr lang="en-US" sz="1800" dirty="0">
+              <a:rPr lang="en-US" sz="2000" b="1" dirty="0">
                 <a:solidFill>
                   <a:schemeClr val="tx1"/>
                 </a:solidFill>
               </a:rPr>
-              <a:t>Particle-associated</a:t>
+              <a:t>Defense mechanism</a:t>
             </a:r>
           </a:p>
           <a:p>
-            <a:pPr marL="0" lvl="0" indent="0" algn="ctr" rtl="0">
-              <a:spcBef>
-                <a:spcPts val="0"/>
-              </a:spcBef>
-              <a:spcAft>
-                <a:spcPts val="0"/>
-              </a:spcAft>
-              <a:buNone/>
-            </a:pPr>
+            <a:pPr algn="ctr"/>
             <a:r>
-              <a:rPr lang="en-US" sz="1800" dirty="0">
+              <a:rPr lang="en-US" sz="2000" b="1" dirty="0">
                 <a:solidFill>
                   <a:schemeClr val="tx1"/>
                 </a:solidFill>
@@ -7262,14 +7235,14 @@
         </p:nvCxnSpPr>
         <p:spPr>
           <a:xfrm flipV="1">
-            <a:off x="5397189" y="1188091"/>
+            <a:off x="3615009" y="1262253"/>
             <a:ext cx="0" cy="2044390"/>
           </a:xfrm>
           <a:prstGeom prst="straightConnector1">
             <a:avLst/>
           </a:prstGeom>
           <a:noFill/>
-          <a:ln w="38100" cap="flat" cmpd="sng">
+          <a:ln w="57150" cap="flat" cmpd="sng">
             <a:solidFill>
               <a:schemeClr val="tx1"/>
             </a:solidFill>
@@ -7288,8 +7261,8 @@
         </p:nvSpPr>
         <p:spPr>
           <a:xfrm>
-            <a:off x="5002389" y="2114592"/>
-            <a:ext cx="1161617" cy="295466"/>
+            <a:off x="3034201" y="2088258"/>
+            <a:ext cx="1161617" cy="357021"/>
           </a:xfrm>
           <a:prstGeom prst="rect">
             <a:avLst/>
@@ -7307,24 +7280,15 @@
           </a:bodyPr>
           <a:lstStyle/>
           <a:p>
-            <a:pPr marL="0" lvl="0" indent="0" algn="l" rtl="0">
-              <a:spcBef>
-                <a:spcPts val="0"/>
-              </a:spcBef>
-              <a:spcAft>
-                <a:spcPts val="0"/>
-              </a:spcAft>
-              <a:buNone/>
-            </a:pPr>
             <a:r>
-              <a:rPr lang="en" sz="1800" dirty="0">
+              <a:rPr lang="en" sz="2200" b="1" dirty="0">
                 <a:solidFill>
                   <a:srgbClr val="B45F06"/>
                 </a:solidFill>
               </a:rPr>
               <a:t>spreads</a:t>
             </a:r>
-            <a:endParaRPr sz="1800" dirty="0">
+            <a:endParaRPr sz="2200" b="1" dirty="0">
               <a:solidFill>
                 <a:srgbClr val="B45F06"/>
               </a:solidFill>
@@ -7346,8 +7310,8 @@
         </p:nvSpPr>
         <p:spPr>
           <a:xfrm>
-            <a:off x="3869374" y="1230333"/>
-            <a:ext cx="813573" cy="295466"/>
+            <a:off x="1207067" y="1075423"/>
+            <a:ext cx="813573" cy="387798"/>
           </a:xfrm>
           <a:prstGeom prst="rect">
             <a:avLst/>
@@ -7365,24 +7329,15 @@
           </a:bodyPr>
           <a:lstStyle/>
           <a:p>
-            <a:pPr marL="0" lvl="0" indent="0" algn="l" rtl="0">
-              <a:spcBef>
-                <a:spcPts val="0"/>
-              </a:spcBef>
-              <a:spcAft>
-                <a:spcPts val="0"/>
-              </a:spcAft>
-              <a:buNone/>
-            </a:pPr>
             <a:r>
-              <a:rPr lang="en" sz="1800" dirty="0">
+              <a:rPr lang="en" sz="2400" b="1" dirty="0">
                 <a:solidFill>
                   <a:srgbClr val="B45F06"/>
                 </a:solidFill>
               </a:rPr>
               <a:t>carry</a:t>
             </a:r>
-            <a:endParaRPr sz="1800" dirty="0">
+            <a:endParaRPr sz="2000" b="1" dirty="0">
               <a:solidFill>
                 <a:srgbClr val="B45F06"/>
               </a:solidFill>
@@ -7406,14 +7361,14 @@
         </p:nvCxnSpPr>
         <p:spPr>
           <a:xfrm flipV="1">
-            <a:off x="6079043" y="2624867"/>
-            <a:ext cx="354488" cy="607614"/>
+            <a:off x="4932185" y="2850112"/>
+            <a:ext cx="395391" cy="451118"/>
           </a:xfrm>
           <a:prstGeom prst="straightConnector1">
             <a:avLst/>
           </a:prstGeom>
           <a:noFill/>
-          <a:ln w="38100" cap="flat" cmpd="sng">
+          <a:ln w="57150" cap="flat" cmpd="sng">
             <a:solidFill>
               <a:schemeClr val="tx1"/>
             </a:solidFill>
@@ -7440,14 +7395,14 @@
         </p:nvCxnSpPr>
         <p:spPr>
           <a:xfrm flipH="1" flipV="1">
-            <a:off x="5999356" y="1214268"/>
-            <a:ext cx="434175" cy="519907"/>
+            <a:off x="4549781" y="1204332"/>
+            <a:ext cx="685873" cy="754414"/>
           </a:xfrm>
           <a:prstGeom prst="straightConnector1">
             <a:avLst/>
           </a:prstGeom>
           <a:noFill/>
-          <a:ln w="38100" cap="flat" cmpd="sng">
+          <a:ln w="57150" cap="flat" cmpd="sng">
             <a:solidFill>
               <a:schemeClr val="tx1"/>
             </a:solidFill>
@@ -7474,14 +7429,14 @@
         </p:nvCxnSpPr>
         <p:spPr>
           <a:xfrm flipH="1">
-            <a:off x="4303908" y="1230333"/>
-            <a:ext cx="440188" cy="511145"/>
+            <a:off x="1838248" y="1247182"/>
+            <a:ext cx="364118" cy="435676"/>
           </a:xfrm>
           <a:prstGeom prst="straightConnector1">
             <a:avLst/>
           </a:prstGeom>
           <a:noFill/>
-          <a:ln w="38100" cap="flat" cmpd="sng">
+          <a:ln w="57150" cap="flat" cmpd="sng">
             <a:solidFill>
               <a:schemeClr val="tx1"/>
             </a:solidFill>
@@ -7506,8 +7461,8 @@
         </p:nvSpPr>
         <p:spPr>
           <a:xfrm>
-            <a:off x="6256287" y="2719126"/>
-            <a:ext cx="2001151" cy="461635"/>
+            <a:off x="5081187" y="2930487"/>
+            <a:ext cx="2001151" cy="492412"/>
           </a:xfrm>
           <a:prstGeom prst="rect">
             <a:avLst/>
@@ -7523,24 +7478,16 @@
           </a:bodyPr>
           <a:lstStyle/>
           <a:p>
-            <a:pPr marL="0" lvl="0" indent="0" algn="ctr" rtl="0">
-              <a:spcBef>
-                <a:spcPts val="0"/>
-              </a:spcBef>
-              <a:spcAft>
-                <a:spcPts val="0"/>
-              </a:spcAft>
-              <a:buNone/>
-            </a:pPr>
+            <a:pPr algn="ctr"/>
             <a:r>
-              <a:rPr lang="en" sz="1800" dirty="0">
+              <a:rPr lang="en" sz="2000" b="1" dirty="0">
                 <a:solidFill>
                   <a:srgbClr val="B45F06"/>
                 </a:solidFill>
               </a:rPr>
               <a:t>correlates with</a:t>
             </a:r>
-            <a:endParaRPr sz="1800" dirty="0">
+            <a:endParaRPr sz="2000" b="1" dirty="0">
               <a:solidFill>
                 <a:srgbClr val="B45F06"/>
               </a:solidFill>
@@ -7564,14 +7511,14 @@
         </p:nvCxnSpPr>
         <p:spPr>
           <a:xfrm>
-            <a:off x="4343320" y="2624867"/>
-            <a:ext cx="400776" cy="607614"/>
+            <a:off x="1768326" y="2608806"/>
+            <a:ext cx="624333" cy="692425"/>
           </a:xfrm>
           <a:prstGeom prst="straightConnector1">
             <a:avLst/>
           </a:prstGeom>
           <a:noFill/>
-          <a:ln w="38100" cap="flat" cmpd="sng">
+          <a:ln w="57150" cap="flat" cmpd="sng">
             <a:solidFill>
               <a:schemeClr val="tx1"/>
             </a:solidFill>
@@ -7596,8 +7543,8 @@
         </p:nvSpPr>
         <p:spPr>
           <a:xfrm>
-            <a:off x="6382160" y="855941"/>
-            <a:ext cx="2396128" cy="1015632"/>
+            <a:off x="4837362" y="896574"/>
+            <a:ext cx="2447987" cy="1107965"/>
           </a:xfrm>
           <a:prstGeom prst="rect">
             <a:avLst/>
@@ -7613,17 +7560,9 @@
           </a:bodyPr>
           <a:lstStyle/>
           <a:p>
-            <a:pPr marL="0" lvl="0" indent="0" algn="ctr" rtl="0">
-              <a:spcBef>
-                <a:spcPts val="0"/>
-              </a:spcBef>
-              <a:spcAft>
-                <a:spcPts val="0"/>
-              </a:spcAft>
-              <a:buNone/>
-            </a:pPr>
+            <a:pPr algn="ctr"/>
             <a:r>
-              <a:rPr lang="en-US" sz="1800" dirty="0">
+              <a:rPr lang="en-US" sz="2000" b="1" dirty="0">
                 <a:solidFill>
                   <a:srgbClr val="B45F06"/>
                 </a:solidFill>
@@ -7631,7 +7570,7 @@
               <a:t>b</a:t>
             </a:r>
             <a:r>
-              <a:rPr lang="en" sz="1800" dirty="0">
+              <a:rPr lang="en" sz="2000" b="1" dirty="0">
                 <a:solidFill>
                   <a:srgbClr val="B45F06"/>
                 </a:solidFill>
@@ -7640,17 +7579,9 @@
             </a:r>
           </a:p>
           <a:p>
-            <a:pPr marL="0" lvl="0" indent="0" algn="ctr" rtl="0">
-              <a:spcBef>
-                <a:spcPts val="0"/>
-              </a:spcBef>
-              <a:spcAft>
-                <a:spcPts val="0"/>
-              </a:spcAft>
-              <a:buNone/>
-            </a:pPr>
+            <a:pPr algn="ctr"/>
             <a:r>
-              <a:rPr lang="en-US" sz="1800" dirty="0">
+              <a:rPr lang="en-US" sz="2000" b="1" dirty="0">
                 <a:solidFill>
                   <a:srgbClr val="B45F06"/>
                 </a:solidFill>
@@ -7659,17 +7590,9 @@
             </a:r>
           </a:p>
           <a:p>
-            <a:pPr marL="0" lvl="0" indent="0" algn="ctr" rtl="0">
-              <a:spcBef>
-                <a:spcPts val="0"/>
-              </a:spcBef>
-              <a:spcAft>
-                <a:spcPts val="0"/>
-              </a:spcAft>
-              <a:buNone/>
-            </a:pPr>
+            <a:pPr algn="ctr"/>
             <a:r>
-              <a:rPr lang="en" sz="1800" dirty="0">
+              <a:rPr lang="en" sz="2000" b="1" dirty="0">
                 <a:solidFill>
                   <a:srgbClr val="B45F06"/>
                 </a:solidFill>
@@ -7679,172 +7602,10 @@
           </a:p>
         </p:txBody>
       </p:sp>
-      <p:sp>
-        <p:nvSpPr>
-          <p:cNvPr id="2" name="Right Brace 1">
-            <a:extLst>
-              <a:ext uri="{FF2B5EF4-FFF2-40B4-BE49-F238E27FC236}">
-                <a16:creationId xmlns:a16="http://schemas.microsoft.com/office/drawing/2014/main" id="{34D458AB-9426-79E8-63EC-E75CFB314716}"/>
-              </a:ext>
-            </a:extLst>
-          </p:cNvPr>
-          <p:cNvSpPr/>
-          <p:nvPr/>
-        </p:nvSpPr>
-        <p:spPr>
-          <a:xfrm>
-            <a:off x="2284438" y="1092639"/>
-            <a:ext cx="364118" cy="2277683"/>
-          </a:xfrm>
-          <a:prstGeom prst="rightBrace">
-            <a:avLst/>
-          </a:prstGeom>
-        </p:spPr>
-        <p:style>
-          <a:lnRef idx="1">
-            <a:schemeClr val="accent1"/>
-          </a:lnRef>
-          <a:fillRef idx="0">
-            <a:schemeClr val="accent1"/>
-          </a:fillRef>
-          <a:effectRef idx="0">
-            <a:schemeClr val="accent1"/>
-          </a:effectRef>
-          <a:fontRef idx="minor">
-            <a:schemeClr val="tx1"/>
-          </a:fontRef>
-        </p:style>
-        <p:txBody>
-          <a:bodyPr rtlCol="0" anchor="ctr"/>
-          <a:lstStyle/>
-          <a:p>
-            <a:pPr algn="ctr"/>
-            <a:endParaRPr lang="en-US"/>
-          </a:p>
-        </p:txBody>
-      </p:sp>
-      <p:sp>
-        <p:nvSpPr>
-          <p:cNvPr id="15" name="Google Shape;86;p16">
-            <a:extLst>
-              <a:ext uri="{FF2B5EF4-FFF2-40B4-BE49-F238E27FC236}">
-                <a16:creationId xmlns:a16="http://schemas.microsoft.com/office/drawing/2014/main" id="{5BF301FD-A465-A53B-C54A-3E137217FE1F}"/>
-              </a:ext>
-            </a:extLst>
-          </p:cNvPr>
-          <p:cNvSpPr txBox="1"/>
-          <p:nvPr/>
-        </p:nvSpPr>
-        <p:spPr>
-          <a:xfrm>
-            <a:off x="4572000" y="749972"/>
-            <a:ext cx="1620743" cy="326898"/>
-          </a:xfrm>
-          <a:prstGeom prst="roundRect">
-            <a:avLst/>
-          </a:prstGeom>
-          <a:solidFill>
-            <a:schemeClr val="accent5">
-              <a:lumMod val="40000"/>
-              <a:lumOff val="60000"/>
-            </a:schemeClr>
-          </a:solidFill>
-          <a:ln>
-            <a:noFill/>
-          </a:ln>
-        </p:spPr>
-        <p:txBody>
-          <a:bodyPr spcFirstLastPara="1" wrap="square" lIns="9144" tIns="9144" rIns="9144" bIns="9144" anchor="t" anchorCtr="0">
-            <a:spAutoFit/>
-          </a:bodyPr>
-          <a:lstStyle/>
-          <a:p>
-            <a:pPr marL="0" lvl="0" indent="0" algn="ctr" rtl="0">
-              <a:spcBef>
-                <a:spcPts val="0"/>
-              </a:spcBef>
-              <a:spcAft>
-                <a:spcPts val="0"/>
-              </a:spcAft>
-              <a:buNone/>
-            </a:pPr>
-            <a:r>
-              <a:rPr lang="en" sz="1800" dirty="0">
-                <a:solidFill>
-                  <a:schemeClr val="tx1"/>
-                </a:solidFill>
-              </a:rPr>
-              <a:t>transposons</a:t>
-            </a:r>
-            <a:endParaRPr sz="1800" dirty="0">
-              <a:solidFill>
-                <a:schemeClr val="tx1"/>
-              </a:solidFill>
-            </a:endParaRPr>
-          </a:p>
-        </p:txBody>
-      </p:sp>
-      <p:sp>
-        <p:nvSpPr>
-          <p:cNvPr id="21" name="TextBox 20">
-            <a:extLst>
-              <a:ext uri="{FF2B5EF4-FFF2-40B4-BE49-F238E27FC236}">
-                <a16:creationId xmlns:a16="http://schemas.microsoft.com/office/drawing/2014/main" id="{448ECAB9-B63C-A32D-9097-E19BDC96FD6F}"/>
-              </a:ext>
-            </a:extLst>
-          </p:cNvPr>
-          <p:cNvSpPr txBox="1"/>
-          <p:nvPr/>
-        </p:nvSpPr>
-        <p:spPr>
-          <a:xfrm>
-            <a:off x="-385356" y="1160485"/>
-            <a:ext cx="2821606" cy="954107"/>
-          </a:xfrm>
-          <a:prstGeom prst="rect">
-            <a:avLst/>
-          </a:prstGeom>
-          <a:noFill/>
-        </p:spPr>
-        <p:txBody>
-          <a:bodyPr wrap="none" rtlCol="0">
-            <a:spAutoFit/>
-          </a:bodyPr>
-          <a:lstStyle/>
-          <a:p>
-            <a:pPr algn="r"/>
-            <a:r>
-              <a:rPr lang="en-US" dirty="0"/>
-              <a:t>Defense mechanisms</a:t>
-            </a:r>
-          </a:p>
-          <a:p>
-            <a:pPr algn="r"/>
-            <a:r>
-              <a:rPr lang="en-US" dirty="0"/>
-              <a:t>Signal Transduction mechanisms</a:t>
-            </a:r>
-          </a:p>
-          <a:p>
-            <a:pPr algn="r"/>
-            <a:r>
-              <a:rPr lang="en-US" dirty="0"/>
-              <a:t>Cell motility</a:t>
-            </a:r>
-          </a:p>
-          <a:p>
-            <a:pPr algn="r"/>
-            <a:r>
-              <a:rPr lang="en-US" dirty="0"/>
-              <a:t>Extracellular Structures</a:t>
-            </a:r>
-          </a:p>
-        </p:txBody>
-      </p:sp>
     </p:spTree>
     <p:extLst>
       <p:ext uri="{BB962C8B-B14F-4D97-AF65-F5344CB8AC3E}">
-        <p14:creationId xmlns:p14="http://schemas.microsoft.com/office/powerpoint/2010/main" val="271796271"/>
+        <p14:creationId xmlns:p14="http://schemas.microsoft.com/office/powerpoint/2010/main" val="724941779"/>
       </p:ext>
     </p:extLst>
   </p:cSld>
@@ -7873,60 +7634,14 @@
       </p:grpSpPr>
       <p:sp>
         <p:nvSpPr>
-          <p:cNvPr id="84" name="Google Shape;84;p16"/>
-          <p:cNvSpPr/>
-          <p:nvPr/>
-        </p:nvSpPr>
-        <p:spPr>
-          <a:xfrm>
-            <a:off x="579708" y="366363"/>
-            <a:ext cx="7984583" cy="4303345"/>
-          </a:xfrm>
-          <a:prstGeom prst="roundRect">
-            <a:avLst>
-              <a:gd name="adj" fmla="val 16667"/>
-            </a:avLst>
-          </a:prstGeom>
-          <a:noFill/>
-          <a:ln w="76200" cap="flat" cmpd="sng">
-            <a:solidFill>
-              <a:srgbClr val="E69138"/>
-            </a:solidFill>
-            <a:prstDash val="solid"/>
-            <a:round/>
-            <a:headEnd type="none" w="sm" len="sm"/>
-            <a:tailEnd type="none" w="sm" len="sm"/>
-          </a:ln>
-        </p:spPr>
-        <p:txBody>
-          <a:bodyPr spcFirstLastPara="1" wrap="square" lIns="91425" tIns="91425" rIns="91425" bIns="91425" anchor="ctr" anchorCtr="0">
-            <a:noAutofit/>
-          </a:bodyPr>
-          <a:lstStyle/>
-          <a:p>
-            <a:pPr marL="0" lvl="0" indent="0" algn="l" rtl="0">
-              <a:spcBef>
-                <a:spcPts val="0"/>
-              </a:spcBef>
-              <a:spcAft>
-                <a:spcPts val="0"/>
-              </a:spcAft>
-              <a:buNone/>
-            </a:pPr>
-            <a:endParaRPr/>
-          </a:p>
-        </p:txBody>
-      </p:sp>
-      <p:sp>
-        <p:nvSpPr>
           <p:cNvPr id="86" name="Google Shape;86;p16"/>
           <p:cNvSpPr txBox="1"/>
           <p:nvPr/>
         </p:nvSpPr>
         <p:spPr>
           <a:xfrm>
-            <a:off x="3099328" y="3403407"/>
-            <a:ext cx="3055629" cy="701469"/>
+            <a:off x="5350637" y="2093376"/>
+            <a:ext cx="2077354" cy="633365"/>
           </a:xfrm>
           <a:prstGeom prst="roundRect">
             <a:avLst/>
@@ -7944,24 +7659,24 @@
           </a:bodyPr>
           <a:lstStyle/>
           <a:p>
-            <a:pPr marL="0" lvl="0" indent="0" algn="ctr" rtl="0">
-              <a:spcBef>
-                <a:spcPts val="0"/>
-              </a:spcBef>
-              <a:spcAft>
-                <a:spcPts val="0"/>
-              </a:spcAft>
-              <a:buNone/>
-            </a:pPr>
+            <a:pPr algn="ctr"/>
             <a:r>
-              <a:rPr lang="en" sz="2000" b="1" dirty="0">
+              <a:rPr lang="en-US" altLang="zh-CN" sz="1800" dirty="0">
                 <a:solidFill>
                   <a:schemeClr val="tx1"/>
                 </a:solidFill>
               </a:rPr>
-              <a:t>Particle-associated lifestyle</a:t>
+              <a:t>p</a:t>
             </a:r>
-            <a:endParaRPr sz="2000" b="1" dirty="0">
+            <a:r>
+              <a:rPr lang="en" sz="1800" dirty="0">
+                <a:solidFill>
+                  <a:schemeClr val="tx1"/>
+                </a:solidFill>
+              </a:rPr>
+              <a:t>article-associated lifestyle</a:t>
+            </a:r>
+            <a:endParaRPr sz="1800" dirty="0">
               <a:solidFill>
                 <a:schemeClr val="tx1"/>
               </a:solidFill>
@@ -7977,14 +7692,14 @@
         </p:nvSpPr>
         <p:spPr>
           <a:xfrm>
-            <a:off x="6117092" y="2063338"/>
-            <a:ext cx="2067308" cy="701469"/>
+            <a:off x="2014547" y="3008741"/>
+            <a:ext cx="2660205" cy="326898"/>
           </a:xfrm>
           <a:prstGeom prst="roundRect">
             <a:avLst/>
           </a:prstGeom>
           <a:solidFill>
-            <a:srgbClr val="FF5050"/>
+            <a:srgbClr val="FF9999"/>
           </a:solidFill>
           <a:ln>
             <a:noFill/>
@@ -7996,22 +7711,14 @@
           </a:bodyPr>
           <a:lstStyle/>
           <a:p>
-            <a:pPr marL="0" lvl="0" indent="0" algn="ctr" rtl="0">
-              <a:spcBef>
-                <a:spcPts val="0"/>
-              </a:spcBef>
-              <a:spcAft>
-                <a:spcPts val="0"/>
-              </a:spcAft>
-              <a:buNone/>
-            </a:pPr>
+            <a:pPr algn="ctr"/>
             <a:r>
-              <a:rPr lang="en-US" sz="2000" b="1" dirty="0">
+              <a:rPr lang="en-US" sz="1800" dirty="0">
                 <a:solidFill>
                   <a:schemeClr val="tx1"/>
                 </a:solidFill>
               </a:rPr>
-              <a:t>Increased genome size</a:t>
+              <a:t>increased genome size</a:t>
             </a:r>
           </a:p>
         </p:txBody>
@@ -8024,8 +7731,8 @@
         </p:nvSpPr>
         <p:spPr>
           <a:xfrm>
-            <a:off x="2029523" y="4061499"/>
-            <a:ext cx="5456972" cy="469916"/>
+            <a:off x="1355643" y="3612140"/>
+            <a:ext cx="4174738" cy="367760"/>
           </a:xfrm>
           <a:prstGeom prst="roundRect">
             <a:avLst/>
@@ -8055,43 +7762,19 @@
           </a:bodyPr>
           <a:lstStyle/>
           <a:p>
-            <a:pPr marL="0" lvl="0" indent="0" algn="ctr" rtl="0">
-              <a:spcBef>
-                <a:spcPts val="0"/>
-              </a:spcBef>
-              <a:spcAft>
-                <a:spcPts val="0"/>
-              </a:spcAft>
+            <a:pPr algn="ctr">
               <a:buClr>
                 <a:schemeClr val="dk1"/>
               </a:buClr>
               <a:buSzPts val="1100"/>
-              <a:buFont typeface="Arial"/>
-              <a:buNone/>
             </a:pPr>
             <a:r>
-              <a:rPr lang="en" sz="2400" b="1" dirty="0"/>
-              <a:t>A d</a:t>
+              <a:rPr lang="en" sz="1800" dirty="0"/>
+              <a:t>A deep-ocean</a:t>
             </a:r>
             <a:r>
-              <a:rPr lang="en" sz="2400" b="1" dirty="0">
-                <a:solidFill>
-                  <a:schemeClr val="dk1"/>
-                </a:solidFill>
-              </a:rPr>
-              <a:t>eep-ocean</a:t>
-            </a:r>
-            <a:r>
-              <a:rPr lang="en-US" sz="2400" b="1" dirty="0">
-                <a:solidFill>
-                  <a:schemeClr val="dk1"/>
-                </a:solidFill>
-              </a:rPr>
-              <a:t> microbial</a:t>
-            </a:r>
-            <a:r>
-              <a:rPr lang="en-US" sz="2400" b="1" dirty="0"/>
-              <a:t> community</a:t>
+              <a:rPr lang="en-US" sz="1800" dirty="0"/>
+              <a:t> microbial community</a:t>
             </a:r>
           </a:p>
         </p:txBody>
@@ -8104,8 +7787,8 @@
         </p:nvSpPr>
         <p:spPr>
           <a:xfrm>
-            <a:off x="586055" y="2601487"/>
-            <a:ext cx="2698020" cy="800189"/>
+            <a:off x="5101557" y="1475160"/>
+            <a:ext cx="2326434" cy="492443"/>
           </a:xfrm>
           <a:prstGeom prst="rect">
             <a:avLst/>
@@ -8116,113 +7799,20 @@
           </a:ln>
         </p:spPr>
         <p:txBody>
-          <a:bodyPr spcFirstLastPara="1" wrap="square" lIns="91425" tIns="91425" rIns="91425" bIns="91425" anchor="t" anchorCtr="0">
+          <a:bodyPr spcFirstLastPara="1" wrap="square" lIns="0" tIns="0" rIns="0" bIns="0" anchor="t" anchorCtr="0">
             <a:spAutoFit/>
           </a:bodyPr>
           <a:lstStyle/>
           <a:p>
-            <a:pPr marL="0" lvl="0" indent="0" algn="ctr" rtl="0">
-              <a:spcBef>
-                <a:spcPts val="0"/>
-              </a:spcBef>
-              <a:spcAft>
-                <a:spcPts val="0"/>
-              </a:spcAft>
-              <a:buNone/>
-            </a:pPr>
+            <a:pPr algn="ctr"/>
             <a:r>
-              <a:rPr lang="en" sz="2000" b="1" dirty="0">
+              <a:rPr lang="en" sz="1600" dirty="0">
                 <a:solidFill>
                   <a:srgbClr val="B45F06"/>
                 </a:solidFill>
               </a:rPr>
-              <a:t>helps competion </a:t>
+              <a:t>benefit the host and help the host compete in</a:t>
             </a:r>
-          </a:p>
-          <a:p>
-            <a:pPr marL="0" lvl="0" indent="0" algn="ctr" rtl="0">
-              <a:spcBef>
-                <a:spcPts val="0"/>
-              </a:spcBef>
-              <a:spcAft>
-                <a:spcPts val="0"/>
-              </a:spcAft>
-              <a:buNone/>
-            </a:pPr>
-            <a:r>
-              <a:rPr lang="en" sz="2000" b="1" dirty="0">
-                <a:solidFill>
-                  <a:srgbClr val="B45F06"/>
-                </a:solidFill>
-              </a:rPr>
-              <a:t>and defense on</a:t>
-            </a:r>
-            <a:endParaRPr sz="2000" b="1" dirty="0">
-              <a:solidFill>
-                <a:srgbClr val="B45F06"/>
-              </a:solidFill>
-            </a:endParaRPr>
-          </a:p>
-        </p:txBody>
-      </p:sp>
-      <p:sp>
-        <p:nvSpPr>
-          <p:cNvPr id="22" name="Google Shape;85;p16">
-            <a:extLst>
-              <a:ext uri="{FF2B5EF4-FFF2-40B4-BE49-F238E27FC236}">
-                <a16:creationId xmlns:a16="http://schemas.microsoft.com/office/drawing/2014/main" id="{7B3E143E-5E39-4CA1-91FE-5EB3C5A75D11}"/>
-              </a:ext>
-            </a:extLst>
-          </p:cNvPr>
-          <p:cNvSpPr txBox="1"/>
-          <p:nvPr/>
-        </p:nvSpPr>
-        <p:spPr>
-          <a:xfrm>
-            <a:off x="3425307" y="506422"/>
-            <a:ext cx="2293386" cy="612900"/>
-          </a:xfrm>
-          <a:prstGeom prst="roundRect">
-            <a:avLst/>
-          </a:prstGeom>
-          <a:solidFill>
-            <a:schemeClr val="accent1">
-              <a:lumMod val="60000"/>
-              <a:lumOff val="40000"/>
-            </a:schemeClr>
-          </a:solidFill>
-          <a:ln>
-            <a:noFill/>
-          </a:ln>
-        </p:spPr>
-        <p:txBody>
-          <a:bodyPr spcFirstLastPara="1" wrap="square" lIns="91425" tIns="91425" rIns="91425" bIns="91425" anchor="t" anchorCtr="0">
-            <a:spAutoFit/>
-          </a:bodyPr>
-          <a:lstStyle/>
-          <a:p>
-            <a:pPr marL="0" lvl="0" indent="0" algn="ctr" rtl="0">
-              <a:spcBef>
-                <a:spcPts val="0"/>
-              </a:spcBef>
-              <a:spcAft>
-                <a:spcPts val="0"/>
-              </a:spcAft>
-              <a:buNone/>
-            </a:pPr>
-            <a:r>
-              <a:rPr lang="en" sz="2400" b="1" dirty="0">
-                <a:solidFill>
-                  <a:schemeClr val="tx1"/>
-                </a:solidFill>
-              </a:rPr>
-              <a:t>Transposons</a:t>
-            </a:r>
-            <a:endParaRPr sz="2400" b="1" dirty="0">
-              <a:solidFill>
-                <a:schemeClr val="tx1"/>
-              </a:solidFill>
-            </a:endParaRPr>
           </a:p>
         </p:txBody>
       </p:sp>
@@ -8240,14 +7830,14 @@
         </p:nvSpPr>
         <p:spPr>
           <a:xfrm>
-            <a:off x="855978" y="1810572"/>
-            <a:ext cx="2698019" cy="701469"/>
+            <a:off x="1683835" y="993405"/>
+            <a:ext cx="3321628" cy="326898"/>
           </a:xfrm>
           <a:prstGeom prst="roundRect">
             <a:avLst/>
           </a:prstGeom>
           <a:solidFill>
-            <a:srgbClr val="FF5050"/>
+            <a:srgbClr val="FF9999"/>
           </a:solidFill>
           <a:ln>
             <a:noFill/>
@@ -8259,41 +7849,14 @@
           </a:bodyPr>
           <a:lstStyle/>
           <a:p>
-            <a:pPr marL="0" lvl="0" indent="0" algn="ctr" rtl="0">
-              <a:spcBef>
-                <a:spcPts val="0"/>
-              </a:spcBef>
-              <a:spcAft>
-                <a:spcPts val="0"/>
-              </a:spcAft>
-              <a:buNone/>
-            </a:pPr>
+            <a:pPr algn="ctr"/>
             <a:r>
-              <a:rPr lang="en-US" sz="2000" b="1" dirty="0">
+              <a:rPr lang="en-US" sz="1800" dirty="0">
                 <a:solidFill>
                   <a:schemeClr val="tx1"/>
                 </a:solidFill>
               </a:rPr>
-              <a:t>Defense mechanism</a:t>
-            </a:r>
-          </a:p>
-          <a:p>
-            <a:pPr marL="0" lvl="0" indent="0" algn="ctr" rtl="0">
-              <a:spcBef>
-                <a:spcPts val="0"/>
-              </a:spcBef>
-              <a:spcAft>
-                <a:spcPts val="0"/>
-              </a:spcAft>
-              <a:buNone/>
-            </a:pPr>
-            <a:r>
-              <a:rPr lang="en-US" sz="2000" b="1" dirty="0">
-                <a:solidFill>
-                  <a:schemeClr val="tx1"/>
-                </a:solidFill>
-              </a:rPr>
-              <a:t>cassettes</a:t>
+              <a:t>particle-associated cassettes</a:t>
             </a:r>
           </a:p>
         </p:txBody>
@@ -8313,15 +7876,15 @@
           <p:nvPr/>
         </p:nvCxnSpPr>
         <p:spPr>
-          <a:xfrm flipV="1">
-            <a:off x="4758009" y="1262253"/>
-            <a:ext cx="0" cy="2044390"/>
+          <a:xfrm flipH="1">
+            <a:off x="1484529" y="2439985"/>
+            <a:ext cx="3617028" cy="0"/>
           </a:xfrm>
           <a:prstGeom prst="straightConnector1">
             <a:avLst/>
           </a:prstGeom>
           <a:noFill/>
-          <a:ln w="57150" cap="flat" cmpd="sng">
+          <a:ln w="38100" cap="flat" cmpd="sng">
             <a:solidFill>
               <a:schemeClr val="tx1"/>
             </a:solidFill>
@@ -8340,8 +7903,8 @@
         </p:nvSpPr>
         <p:spPr>
           <a:xfrm>
-            <a:off x="4177200" y="2088257"/>
-            <a:ext cx="1161617" cy="357021"/>
+            <a:off x="2813537" y="2285879"/>
+            <a:ext cx="967567" cy="295466"/>
           </a:xfrm>
           <a:prstGeom prst="rect">
             <a:avLst/>
@@ -8359,24 +7922,15 @@
           </a:bodyPr>
           <a:lstStyle/>
           <a:p>
-            <a:pPr marL="0" lvl="0" indent="0" algn="l" rtl="0">
-              <a:spcBef>
-                <a:spcPts val="0"/>
-              </a:spcBef>
-              <a:spcAft>
-                <a:spcPts val="0"/>
-              </a:spcAft>
-              <a:buNone/>
-            </a:pPr>
             <a:r>
-              <a:rPr lang="en" sz="2200" b="1" dirty="0">
+              <a:rPr lang="en" sz="1800" dirty="0">
                 <a:solidFill>
                   <a:srgbClr val="B45F06"/>
                 </a:solidFill>
               </a:rPr>
-              <a:t>spreads</a:t>
+              <a:t> spreads</a:t>
             </a:r>
-            <a:endParaRPr sz="2200" b="1" dirty="0">
+            <a:endParaRPr sz="1800" dirty="0">
               <a:solidFill>
                 <a:srgbClr val="B45F06"/>
               </a:solidFill>
@@ -8398,8 +7952,8 @@
         </p:nvSpPr>
         <p:spPr>
           <a:xfrm>
-            <a:off x="2350066" y="1075423"/>
-            <a:ext cx="813573" cy="387798"/>
+            <a:off x="894369" y="1641418"/>
+            <a:ext cx="601301" cy="295466"/>
           </a:xfrm>
           <a:prstGeom prst="rect">
             <a:avLst/>
@@ -8417,24 +7971,15 @@
           </a:bodyPr>
           <a:lstStyle/>
           <a:p>
-            <a:pPr marL="0" lvl="0" indent="0" algn="l" rtl="0">
-              <a:spcBef>
-                <a:spcPts val="0"/>
-              </a:spcBef>
-              <a:spcAft>
-                <a:spcPts val="0"/>
-              </a:spcAft>
-              <a:buNone/>
-            </a:pPr>
             <a:r>
-              <a:rPr lang="en" sz="2400" b="1" dirty="0">
+              <a:rPr lang="en" sz="1800" dirty="0">
                 <a:solidFill>
                   <a:srgbClr val="B45F06"/>
                 </a:solidFill>
               </a:rPr>
               <a:t>carry</a:t>
             </a:r>
-            <a:endParaRPr sz="2000" b="1" dirty="0">
+            <a:endParaRPr sz="1800" dirty="0">
               <a:solidFill>
                 <a:srgbClr val="B45F06"/>
               </a:solidFill>
@@ -8442,40 +7987,6 @@
           </a:p>
         </p:txBody>
       </p:sp>
-      <p:cxnSp>
-        <p:nvCxnSpPr>
-          <p:cNvPr id="23" name="Google Shape;90;p16">
-            <a:extLst>
-              <a:ext uri="{FF2B5EF4-FFF2-40B4-BE49-F238E27FC236}">
-                <a16:creationId xmlns:a16="http://schemas.microsoft.com/office/drawing/2014/main" id="{76FF781D-A53E-4BB3-9AED-568798FAB34C}"/>
-              </a:ext>
-            </a:extLst>
-          </p:cNvPr>
-          <p:cNvCxnSpPr>
-            <a:cxnSpLocks/>
-          </p:cNvCxnSpPr>
-          <p:nvPr/>
-        </p:nvCxnSpPr>
-        <p:spPr>
-          <a:xfrm flipV="1">
-            <a:off x="6075184" y="2850112"/>
-            <a:ext cx="395391" cy="451118"/>
-          </a:xfrm>
-          <a:prstGeom prst="straightConnector1">
-            <a:avLst/>
-          </a:prstGeom>
-          <a:noFill/>
-          <a:ln w="57150" cap="flat" cmpd="sng">
-            <a:solidFill>
-              <a:schemeClr val="tx1"/>
-            </a:solidFill>
-            <a:prstDash val="solid"/>
-            <a:round/>
-            <a:headEnd type="none" w="med" len="med"/>
-            <a:tailEnd type="triangle" w="med" len="med"/>
-          </a:ln>
-        </p:spPr>
-      </p:cxnSp>
       <p:cxnSp>
         <p:nvCxnSpPr>
           <p:cNvPr id="27" name="Google Shape;90;p16">
@@ -8491,15 +8002,15 @@
           <p:nvPr/>
         </p:nvCxnSpPr>
         <p:spPr>
-          <a:xfrm flipH="1" flipV="1">
-            <a:off x="5692780" y="1204332"/>
-            <a:ext cx="685873" cy="754414"/>
+          <a:xfrm flipH="1">
+            <a:off x="4778037" y="2659141"/>
+            <a:ext cx="404225" cy="478180"/>
           </a:xfrm>
           <a:prstGeom prst="straightConnector1">
             <a:avLst/>
           </a:prstGeom>
           <a:noFill/>
-          <a:ln w="57150" cap="flat" cmpd="sng">
+          <a:ln w="38100" cap="flat" cmpd="sng">
             <a:solidFill>
               <a:schemeClr val="tx1"/>
             </a:solidFill>
@@ -8525,15 +8036,15 @@
           <p:nvPr/>
         </p:nvCxnSpPr>
         <p:spPr>
-          <a:xfrm flipH="1">
-            <a:off x="2981248" y="1247182"/>
-            <a:ext cx="364118" cy="435676"/>
+          <a:xfrm flipH="1" flipV="1">
+            <a:off x="1355644" y="2672705"/>
+            <a:ext cx="523701" cy="454535"/>
           </a:xfrm>
           <a:prstGeom prst="straightConnector1">
             <a:avLst/>
           </a:prstGeom>
           <a:noFill/>
-          <a:ln w="57150" cap="flat" cmpd="sng">
+          <a:ln w="38100" cap="flat" cmpd="sng">
             <a:solidFill>
               <a:schemeClr val="tx1"/>
             </a:solidFill>
@@ -8546,10 +8057,10 @@
       </p:cxnSp>
       <p:sp>
         <p:nvSpPr>
-          <p:cNvPr id="34" name="Google Shape;94;p16">
+          <p:cNvPr id="15" name="Google Shape;86;p16">
             <a:extLst>
               <a:ext uri="{FF2B5EF4-FFF2-40B4-BE49-F238E27FC236}">
-                <a16:creationId xmlns:a16="http://schemas.microsoft.com/office/drawing/2014/main" id="{DCD89C29-9457-47D3-927E-17082DE3893D}"/>
+                <a16:creationId xmlns:a16="http://schemas.microsoft.com/office/drawing/2014/main" id="{5BF301FD-A465-A53B-C54A-3E137217FE1F}"/>
               </a:ext>
             </a:extLst>
           </p:cNvPr>
@@ -8558,54 +8069,104 @@
         </p:nvSpPr>
         <p:spPr>
           <a:xfrm>
-            <a:off x="6224186" y="2930487"/>
-            <a:ext cx="2001151" cy="492412"/>
-          </a:xfrm>
-          <a:prstGeom prst="rect">
-            <a:avLst/>
-          </a:prstGeom>
-          <a:noFill/>
+            <a:off x="-282082" y="2246609"/>
+            <a:ext cx="1620743" cy="326898"/>
+          </a:xfrm>
+          <a:prstGeom prst="roundRect">
+            <a:avLst/>
+          </a:prstGeom>
+          <a:solidFill>
+            <a:schemeClr val="accent5">
+              <a:lumMod val="40000"/>
+              <a:lumOff val="60000"/>
+            </a:schemeClr>
+          </a:solidFill>
           <a:ln>
             <a:noFill/>
           </a:ln>
         </p:spPr>
         <p:txBody>
-          <a:bodyPr spcFirstLastPara="1" wrap="square" lIns="91425" tIns="91425" rIns="91425" bIns="91425" anchor="t" anchorCtr="0">
+          <a:bodyPr spcFirstLastPara="1" wrap="square" lIns="9144" tIns="9144" rIns="9144" bIns="9144" anchor="t" anchorCtr="0">
             <a:spAutoFit/>
           </a:bodyPr>
           <a:lstStyle/>
           <a:p>
-            <a:pPr marL="0" lvl="0" indent="0" algn="ctr" rtl="0">
-              <a:spcBef>
-                <a:spcPts val="0"/>
-              </a:spcBef>
-              <a:spcAft>
-                <a:spcPts val="0"/>
-              </a:spcAft>
-              <a:buNone/>
-            </a:pPr>
+            <a:pPr algn="ctr"/>
             <a:r>
-              <a:rPr lang="en" sz="2000" b="1" dirty="0">
+              <a:rPr lang="en" sz="1800" dirty="0">
                 <a:solidFill>
-                  <a:srgbClr val="B45F06"/>
+                  <a:schemeClr val="tx1"/>
                 </a:solidFill>
               </a:rPr>
-              <a:t>correlates with</a:t>
+              <a:t>transposons</a:t>
             </a:r>
-            <a:endParaRPr sz="2000" b="1" dirty="0">
+            <a:endParaRPr sz="1800" dirty="0">
               <a:solidFill>
-                <a:srgbClr val="B45F06"/>
+                <a:schemeClr val="tx1"/>
               </a:solidFill>
             </a:endParaRPr>
+          </a:p>
+        </p:txBody>
+      </p:sp>
+      <p:sp>
+        <p:nvSpPr>
+          <p:cNvPr id="21" name="TextBox 20">
+            <a:extLst>
+              <a:ext uri="{FF2B5EF4-FFF2-40B4-BE49-F238E27FC236}">
+                <a16:creationId xmlns:a16="http://schemas.microsoft.com/office/drawing/2014/main" id="{448ECAB9-B63C-A32D-9097-E19BDC96FD6F}"/>
+              </a:ext>
+            </a:extLst>
+          </p:cNvPr>
+          <p:cNvSpPr txBox="1"/>
+          <p:nvPr/>
+        </p:nvSpPr>
+        <p:spPr>
+          <a:xfrm>
+            <a:off x="1879344" y="1316681"/>
+            <a:ext cx="2930610" cy="954107"/>
+          </a:xfrm>
+          <a:prstGeom prst="rect">
+            <a:avLst/>
+          </a:prstGeom>
+          <a:noFill/>
+        </p:spPr>
+        <p:txBody>
+          <a:bodyPr wrap="none" rtlCol="0">
+            <a:spAutoFit/>
+          </a:bodyPr>
+          <a:lstStyle/>
+          <a:p>
+            <a:r>
+              <a:rPr lang="en-US" dirty="0"/>
+              <a:t>- Defense mechanisms</a:t>
+            </a:r>
+          </a:p>
+          <a:p>
+            <a:r>
+              <a:rPr lang="en-US" dirty="0"/>
+              <a:t>- Signal Transduction mechanisms</a:t>
+            </a:r>
+          </a:p>
+          <a:p>
+            <a:r>
+              <a:rPr lang="en-US" dirty="0"/>
+              <a:t>- Extracellular Structures</a:t>
+            </a:r>
+          </a:p>
+          <a:p>
+            <a:r>
+              <a:rPr lang="en-US" dirty="0"/>
+              <a:t>- Cell motility</a:t>
+            </a:r>
           </a:p>
         </p:txBody>
       </p:sp>
       <p:cxnSp>
         <p:nvCxnSpPr>
-          <p:cNvPr id="39" name="Google Shape;90;p16">
+          <p:cNvPr id="28" name="Google Shape;90;p16">
             <a:extLst>
               <a:ext uri="{FF2B5EF4-FFF2-40B4-BE49-F238E27FC236}">
-                <a16:creationId xmlns:a16="http://schemas.microsoft.com/office/drawing/2014/main" id="{685EE98C-7DD8-4753-88C2-B34CD93CD22B}"/>
+                <a16:creationId xmlns:a16="http://schemas.microsoft.com/office/drawing/2014/main" id="{1EBB96A0-C36F-37D8-032B-3E69AF21098B}"/>
               </a:ext>
             </a:extLst>
           </p:cNvPr>
@@ -8616,14 +8177,14 @@
         </p:nvCxnSpPr>
         <p:spPr>
           <a:xfrm>
-            <a:off x="2911325" y="2608805"/>
-            <a:ext cx="624333" cy="692425"/>
+            <a:off x="4778037" y="1669905"/>
+            <a:ext cx="415593" cy="484683"/>
           </a:xfrm>
           <a:prstGeom prst="straightConnector1">
             <a:avLst/>
           </a:prstGeom>
           <a:noFill/>
-          <a:ln w="57150" cap="flat" cmpd="sng">
+          <a:ln w="38100" cap="flat" cmpd="sng">
             <a:solidFill>
               <a:schemeClr val="tx1"/>
             </a:solidFill>
@@ -8634,12 +8195,46 @@
           </a:ln>
         </p:spPr>
       </p:cxnSp>
+      <p:cxnSp>
+        <p:nvCxnSpPr>
+          <p:cNvPr id="38" name="Google Shape;90;p16">
+            <a:extLst>
+              <a:ext uri="{FF2B5EF4-FFF2-40B4-BE49-F238E27FC236}">
+                <a16:creationId xmlns:a16="http://schemas.microsoft.com/office/drawing/2014/main" id="{4EECD7EC-59C0-8FB0-0814-D4A60ED3A9BC}"/>
+              </a:ext>
+            </a:extLst>
+          </p:cNvPr>
+          <p:cNvCxnSpPr>
+            <a:cxnSpLocks/>
+          </p:cNvCxnSpPr>
+          <p:nvPr/>
+        </p:nvCxnSpPr>
+        <p:spPr>
+          <a:xfrm flipV="1">
+            <a:off x="1338661" y="1686634"/>
+            <a:ext cx="434918" cy="451377"/>
+          </a:xfrm>
+          <a:prstGeom prst="straightConnector1">
+            <a:avLst/>
+          </a:prstGeom>
+          <a:noFill/>
+          <a:ln w="38100" cap="flat" cmpd="sng">
+            <a:solidFill>
+              <a:schemeClr val="tx1"/>
+            </a:solidFill>
+            <a:prstDash val="solid"/>
+            <a:round/>
+            <a:headEnd type="none" w="med" len="med"/>
+            <a:tailEnd type="triangle" w="med" len="med"/>
+          </a:ln>
+        </p:spPr>
+      </p:cxnSp>
       <p:sp>
         <p:nvSpPr>
-          <p:cNvPr id="45" name="Google Shape;94;p16">
+          <p:cNvPr id="55" name="Google Shape;94;p16">
             <a:extLst>
               <a:ext uri="{FF2B5EF4-FFF2-40B4-BE49-F238E27FC236}">
-                <a16:creationId xmlns:a16="http://schemas.microsoft.com/office/drawing/2014/main" id="{1A202B5C-1CC3-4616-A646-65D56D25AA2C}"/>
+                <a16:creationId xmlns:a16="http://schemas.microsoft.com/office/drawing/2014/main" id="{06C0DFC6-294F-309B-BBFA-F7BB5B33FBFF}"/>
               </a:ext>
             </a:extLst>
           </p:cNvPr>
@@ -8648,8 +8243,8 @@
         </p:nvSpPr>
         <p:spPr>
           <a:xfrm>
-            <a:off x="5980361" y="896573"/>
-            <a:ext cx="2447987" cy="1107965"/>
+            <a:off x="5075505" y="2853762"/>
+            <a:ext cx="1557383" cy="246221"/>
           </a:xfrm>
           <a:prstGeom prst="rect">
             <a:avLst/>
@@ -8660,73 +8255,78 @@
           </a:ln>
         </p:spPr>
         <p:txBody>
-          <a:bodyPr spcFirstLastPara="1" wrap="square" lIns="91425" tIns="91425" rIns="91425" bIns="91425" anchor="t" anchorCtr="0">
+          <a:bodyPr spcFirstLastPara="1" wrap="square" lIns="0" tIns="0" rIns="0" bIns="0" anchor="t" anchorCtr="0">
             <a:spAutoFit/>
           </a:bodyPr>
           <a:lstStyle/>
           <a:p>
-            <a:pPr marL="0" lvl="0" indent="0" algn="ctr" rtl="0">
-              <a:spcBef>
-                <a:spcPts val="0"/>
-              </a:spcBef>
-              <a:spcAft>
-                <a:spcPts val="0"/>
-              </a:spcAft>
-              <a:buNone/>
-            </a:pPr>
+            <a:pPr algn="ctr"/>
             <a:r>
-              <a:rPr lang="en-US" sz="2000" b="1" dirty="0">
+              <a:rPr lang="en" sz="1600" dirty="0">
                 <a:solidFill>
                   <a:srgbClr val="B45F06"/>
                 </a:solidFill>
               </a:rPr>
-              <a:t>b</a:t>
+              <a:t>correlates with</a:t>
             </a:r>
+            <a:endParaRPr sz="1600" dirty="0">
+              <a:solidFill>
+                <a:srgbClr val="B45F06"/>
+              </a:solidFill>
+            </a:endParaRPr>
+          </a:p>
+        </p:txBody>
+      </p:sp>
+      <p:sp>
+        <p:nvSpPr>
+          <p:cNvPr id="57" name="Google Shape;94;p16">
+            <a:extLst>
+              <a:ext uri="{FF2B5EF4-FFF2-40B4-BE49-F238E27FC236}">
+                <a16:creationId xmlns:a16="http://schemas.microsoft.com/office/drawing/2014/main" id="{B5AA78DE-B9F4-21DB-FFA4-AC9E15A67C54}"/>
+              </a:ext>
+            </a:extLst>
+          </p:cNvPr>
+          <p:cNvSpPr txBox="1"/>
+          <p:nvPr/>
+        </p:nvSpPr>
+        <p:spPr>
+          <a:xfrm>
+            <a:off x="-540565" y="2784146"/>
+            <a:ext cx="2158058" cy="492443"/>
+          </a:xfrm>
+          <a:prstGeom prst="rect">
+            <a:avLst/>
+          </a:prstGeom>
+          <a:noFill/>
+          <a:ln>
+            <a:noFill/>
+          </a:ln>
+        </p:spPr>
+        <p:txBody>
+          <a:bodyPr spcFirstLastPara="1" wrap="square" lIns="0" tIns="0" rIns="0" bIns="0" anchor="t" anchorCtr="0">
+            <a:spAutoFit/>
+          </a:bodyPr>
+          <a:lstStyle/>
+          <a:p>
+            <a:pPr algn="ctr"/>
             <a:r>
-              <a:rPr lang="en" sz="2000" b="1" dirty="0">
+              <a:rPr lang="en" sz="1600" dirty="0">
                 <a:solidFill>
                   <a:srgbClr val="B45F06"/>
                 </a:solidFill>
               </a:rPr>
-              <a:t>uffers distruptive </a:t>
+              <a:t>linked to a higher</a:t>
             </a:r>
           </a:p>
           <a:p>
-            <a:pPr marL="0" lvl="0" indent="0" algn="ctr" rtl="0">
-              <a:spcBef>
-                <a:spcPts val="0"/>
-              </a:spcBef>
-              <a:spcAft>
-                <a:spcPts val="0"/>
-              </a:spcAft>
-              <a:buNone/>
-            </a:pPr>
+            <a:pPr algn="ctr"/>
             <a:r>
-              <a:rPr lang="en-US" sz="2000" b="1" dirty="0">
+              <a:rPr lang="en" sz="1600" dirty="0">
                 <a:solidFill>
                   <a:srgbClr val="B45F06"/>
                 </a:solidFill>
               </a:rPr>
-              <a:t>transpositions</a:t>
-            </a:r>
-          </a:p>
-          <a:p>
-            <a:pPr marL="0" lvl="0" indent="0" algn="ctr" rtl="0">
-              <a:spcBef>
-                <a:spcPts val="0"/>
-              </a:spcBef>
-              <a:spcAft>
-                <a:spcPts val="0"/>
-              </a:spcAft>
-              <a:buNone/>
-            </a:pPr>
-            <a:r>
-              <a:rPr lang="en" sz="2000" b="1" dirty="0">
-                <a:solidFill>
-                  <a:srgbClr val="B45F06"/>
-                </a:solidFill>
-              </a:rPr>
-              <a:t>caused by</a:t>
+              <a:t>HGT rate, propagating</a:t>
             </a:r>
           </a:p>
         </p:txBody>
@@ -8734,7 +8334,7 @@
     </p:spTree>
     <p:extLst>
       <p:ext uri="{BB962C8B-B14F-4D97-AF65-F5344CB8AC3E}">
-        <p14:creationId xmlns:p14="http://schemas.microsoft.com/office/powerpoint/2010/main" val="972976052"/>
+        <p14:creationId xmlns:p14="http://schemas.microsoft.com/office/powerpoint/2010/main" val="2476497050"/>
       </p:ext>
     </p:extLst>
   </p:cSld>
@@ -8763,60 +8363,14 @@
       </p:grpSpPr>
       <p:sp>
         <p:nvSpPr>
-          <p:cNvPr id="84" name="Google Shape;84;p16"/>
-          <p:cNvSpPr/>
-          <p:nvPr/>
-        </p:nvSpPr>
-        <p:spPr>
-          <a:xfrm>
-            <a:off x="2393485" y="633993"/>
-            <a:ext cx="4798647" cy="2637031"/>
-          </a:xfrm>
-          <a:prstGeom prst="roundRect">
-            <a:avLst>
-              <a:gd name="adj" fmla="val 16667"/>
-            </a:avLst>
-          </a:prstGeom>
-          <a:noFill/>
-          <a:ln w="76200" cap="flat" cmpd="sng">
-            <a:solidFill>
-              <a:srgbClr val="E69138"/>
-            </a:solidFill>
-            <a:prstDash val="solid"/>
-            <a:round/>
-            <a:headEnd type="none" w="sm" len="sm"/>
-            <a:tailEnd type="none" w="sm" len="sm"/>
-          </a:ln>
-        </p:spPr>
-        <p:txBody>
-          <a:bodyPr spcFirstLastPara="1" wrap="square" lIns="91425" tIns="91425" rIns="91425" bIns="91425" anchor="ctr" anchorCtr="0">
-            <a:noAutofit/>
-          </a:bodyPr>
-          <a:lstStyle/>
-          <a:p>
-            <a:pPr marL="0" lvl="0" indent="0" algn="l" rtl="0">
-              <a:spcBef>
-                <a:spcPts val="0"/>
-              </a:spcBef>
-              <a:spcAft>
-                <a:spcPts val="0"/>
-              </a:spcAft>
-              <a:buNone/>
-            </a:pPr>
-            <a:endParaRPr/>
-          </a:p>
-        </p:txBody>
-      </p:sp>
-      <p:sp>
-        <p:nvSpPr>
           <p:cNvPr id="86" name="Google Shape;86;p16"/>
           <p:cNvSpPr txBox="1"/>
           <p:nvPr/>
         </p:nvSpPr>
         <p:spPr>
           <a:xfrm>
-            <a:off x="3957811" y="2371808"/>
-            <a:ext cx="1632963" cy="429054"/>
+            <a:off x="2726375" y="3411879"/>
+            <a:ext cx="3055629" cy="326898"/>
           </a:xfrm>
           <a:prstGeom prst="roundRect">
             <a:avLst/>
@@ -8834,24 +8388,16 @@
           </a:bodyPr>
           <a:lstStyle/>
           <a:p>
-            <a:pPr marL="0" lvl="0" indent="0" algn="ctr" rtl="0">
-              <a:spcBef>
-                <a:spcPts val="0"/>
-              </a:spcBef>
-              <a:spcAft>
-                <a:spcPts val="0"/>
-              </a:spcAft>
-              <a:buNone/>
-            </a:pPr>
+            <a:pPr algn="ctr"/>
             <a:r>
-              <a:rPr lang="en" sz="1200" b="1" dirty="0">
+              <a:rPr lang="en" sz="1800" dirty="0">
                 <a:solidFill>
                   <a:schemeClr val="tx1"/>
                 </a:solidFill>
               </a:rPr>
               <a:t>Particle-associated lifestyle</a:t>
             </a:r>
-            <a:endParaRPr sz="1200" b="1" dirty="0">
+            <a:endParaRPr sz="1800" dirty="0">
               <a:solidFill>
                 <a:schemeClr val="tx1"/>
               </a:solidFill>
@@ -8867,8 +8413,8 @@
         </p:nvSpPr>
         <p:spPr>
           <a:xfrm>
-            <a:off x="5329468" y="1555299"/>
-            <a:ext cx="1396485" cy="429054"/>
+            <a:off x="5308059" y="1914800"/>
+            <a:ext cx="1882614" cy="633365"/>
           </a:xfrm>
           <a:prstGeom prst="roundRect">
             <a:avLst/>
@@ -8886,17 +8432,9 @@
           </a:bodyPr>
           <a:lstStyle/>
           <a:p>
-            <a:pPr marL="0" lvl="0" indent="0" algn="ctr" rtl="0">
-              <a:spcBef>
-                <a:spcPts val="0"/>
-              </a:spcBef>
-              <a:spcAft>
-                <a:spcPts val="0"/>
-              </a:spcAft>
-              <a:buNone/>
-            </a:pPr>
+            <a:pPr algn="ctr"/>
             <a:r>
-              <a:rPr lang="en-US" sz="1200" b="1" dirty="0">
+              <a:rPr lang="en-US" sz="1800" dirty="0">
                 <a:solidFill>
                   <a:schemeClr val="tx1"/>
                 </a:solidFill>
@@ -8914,8 +8452,8 @@
         </p:nvSpPr>
         <p:spPr>
           <a:xfrm>
-            <a:off x="2849506" y="2810692"/>
-            <a:ext cx="3808346" cy="299657"/>
+            <a:off x="1711712" y="4219201"/>
+            <a:ext cx="5456972" cy="367760"/>
           </a:xfrm>
           <a:prstGeom prst="roundRect">
             <a:avLst/>
@@ -8945,43 +8483,19 @@
           </a:bodyPr>
           <a:lstStyle/>
           <a:p>
-            <a:pPr marL="0" lvl="0" indent="0" algn="ctr" rtl="0">
-              <a:spcBef>
-                <a:spcPts val="0"/>
-              </a:spcBef>
-              <a:spcAft>
-                <a:spcPts val="0"/>
-              </a:spcAft>
+            <a:pPr algn="ctr">
               <a:buClr>
                 <a:schemeClr val="dk1"/>
               </a:buClr>
               <a:buSzPts val="1100"/>
-              <a:buFont typeface="Arial"/>
-              <a:buNone/>
             </a:pPr>
             <a:r>
-              <a:rPr lang="en" b="1" dirty="0"/>
-              <a:t>A d</a:t>
+              <a:rPr lang="en" sz="1800" dirty="0"/>
+              <a:t>A deep-ocean</a:t>
             </a:r>
             <a:r>
-              <a:rPr lang="en" b="1" dirty="0">
-                <a:solidFill>
-                  <a:schemeClr val="dk1"/>
-                </a:solidFill>
-              </a:rPr>
-              <a:t>eep-ocean</a:t>
-            </a:r>
-            <a:r>
-              <a:rPr lang="en-US" b="1" dirty="0">
-                <a:solidFill>
-                  <a:schemeClr val="dk1"/>
-                </a:solidFill>
-              </a:rPr>
-              <a:t> microbial</a:t>
-            </a:r>
-            <a:r>
-              <a:rPr lang="en-US" b="1" dirty="0"/>
-              <a:t> community</a:t>
+              <a:rPr lang="en-US" sz="1800" dirty="0"/>
+              <a:t> microbial community</a:t>
             </a:r>
           </a:p>
         </p:txBody>
@@ -8994,8 +8508,8 @@
         </p:nvSpPr>
         <p:spPr>
           <a:xfrm>
-            <a:off x="2308374" y="1977155"/>
-            <a:ext cx="1857718" cy="553968"/>
+            <a:off x="-631797" y="4022893"/>
+            <a:ext cx="2698020" cy="800189"/>
           </a:xfrm>
           <a:prstGeom prst="rect">
             <a:avLst/>
@@ -9011,17 +8525,9 @@
           </a:bodyPr>
           <a:lstStyle/>
           <a:p>
-            <a:pPr marL="0" lvl="0" indent="0" algn="ctr" rtl="0">
-              <a:spcBef>
-                <a:spcPts val="0"/>
-              </a:spcBef>
-              <a:spcAft>
-                <a:spcPts val="0"/>
-              </a:spcAft>
-              <a:buNone/>
-            </a:pPr>
+            <a:pPr algn="ctr"/>
             <a:r>
-              <a:rPr lang="en" sz="1200" b="1" dirty="0">
+              <a:rPr lang="en" sz="2000" b="1" dirty="0">
                 <a:solidFill>
                   <a:srgbClr val="B45F06"/>
                 </a:solidFill>
@@ -9030,87 +8536,18 @@
             </a:r>
           </a:p>
           <a:p>
-            <a:pPr marL="0" lvl="0" indent="0" algn="ctr" rtl="0">
-              <a:spcBef>
-                <a:spcPts val="0"/>
-              </a:spcBef>
-              <a:spcAft>
-                <a:spcPts val="0"/>
-              </a:spcAft>
-              <a:buNone/>
-            </a:pPr>
+            <a:pPr algn="ctr"/>
             <a:r>
-              <a:rPr lang="en" sz="1200" b="1" dirty="0">
+              <a:rPr lang="en" sz="2000" b="1" dirty="0">
                 <a:solidFill>
                   <a:srgbClr val="B45F06"/>
                 </a:solidFill>
               </a:rPr>
               <a:t>and defense on</a:t>
             </a:r>
-            <a:endParaRPr sz="1200" b="1" dirty="0">
+            <a:endParaRPr sz="2000" b="1" dirty="0">
               <a:solidFill>
                 <a:srgbClr val="B45F06"/>
-              </a:solidFill>
-            </a:endParaRPr>
-          </a:p>
-        </p:txBody>
-      </p:sp>
-      <p:sp>
-        <p:nvSpPr>
-          <p:cNvPr id="22" name="Google Shape;85;p16">
-            <a:extLst>
-              <a:ext uri="{FF2B5EF4-FFF2-40B4-BE49-F238E27FC236}">
-                <a16:creationId xmlns:a16="http://schemas.microsoft.com/office/drawing/2014/main" id="{7B3E143E-5E39-4CA1-91FE-5EB3C5A75D11}"/>
-              </a:ext>
-            </a:extLst>
-          </p:cNvPr>
-          <p:cNvSpPr txBox="1"/>
-          <p:nvPr/>
-        </p:nvSpPr>
-        <p:spPr>
-          <a:xfrm>
-            <a:off x="3942648" y="800894"/>
-            <a:ext cx="1632963" cy="442641"/>
-          </a:xfrm>
-          <a:prstGeom prst="roundRect">
-            <a:avLst/>
-          </a:prstGeom>
-          <a:solidFill>
-            <a:schemeClr val="accent1">
-              <a:lumMod val="60000"/>
-              <a:lumOff val="40000"/>
-            </a:schemeClr>
-          </a:solidFill>
-          <a:ln>
-            <a:noFill/>
-          </a:ln>
-        </p:spPr>
-        <p:txBody>
-          <a:bodyPr spcFirstLastPara="1" wrap="square" lIns="91425" tIns="91425" rIns="91425" bIns="91425" anchor="t" anchorCtr="0">
-            <a:spAutoFit/>
-          </a:bodyPr>
-          <a:lstStyle/>
-          <a:p>
-            <a:pPr marL="0" lvl="0" indent="0" algn="ctr" rtl="0">
-              <a:spcBef>
-                <a:spcPts val="0"/>
-              </a:spcBef>
-              <a:spcAft>
-                <a:spcPts val="0"/>
-              </a:spcAft>
-              <a:buNone/>
-            </a:pPr>
-            <a:r>
-              <a:rPr lang="en" b="1" dirty="0">
-                <a:solidFill>
-                  <a:schemeClr val="tx1"/>
-                </a:solidFill>
-              </a:rPr>
-              <a:t>Transposons</a:t>
-            </a:r>
-            <a:endParaRPr b="1" dirty="0">
-              <a:solidFill>
-                <a:schemeClr val="tx1"/>
               </a:solidFill>
             </a:endParaRPr>
           </a:p>
@@ -9130,8 +8567,8 @@
         </p:nvSpPr>
         <p:spPr>
           <a:xfrm>
-            <a:off x="2621631" y="1553817"/>
-            <a:ext cx="1629572" cy="429054"/>
+            <a:off x="1650372" y="1866491"/>
+            <a:ext cx="2064203" cy="633365"/>
           </a:xfrm>
           <a:prstGeom prst="roundRect">
             <a:avLst/>
@@ -9149,36 +8586,20 @@
           </a:bodyPr>
           <a:lstStyle/>
           <a:p>
-            <a:pPr marL="0" lvl="0" indent="0" algn="ctr" rtl="0">
-              <a:spcBef>
-                <a:spcPts val="0"/>
-              </a:spcBef>
-              <a:spcAft>
-                <a:spcPts val="0"/>
-              </a:spcAft>
-              <a:buNone/>
-            </a:pPr>
+            <a:pPr algn="ctr"/>
             <a:r>
-              <a:rPr lang="en-US" sz="1200" b="1" dirty="0">
+              <a:rPr lang="en-US" sz="1800" dirty="0">
                 <a:solidFill>
                   <a:schemeClr val="tx1"/>
                 </a:solidFill>
               </a:rPr>
-              <a:t>Defense mechanism</a:t>
+              <a:t>Particle-associated</a:t>
             </a:r>
           </a:p>
           <a:p>
-            <a:pPr marL="0" lvl="0" indent="0" algn="ctr" rtl="0">
-              <a:spcBef>
-                <a:spcPts val="0"/>
-              </a:spcBef>
-              <a:spcAft>
-                <a:spcPts val="0"/>
-              </a:spcAft>
-              <a:buNone/>
-            </a:pPr>
+            <a:pPr algn="ctr"/>
             <a:r>
-              <a:rPr lang="en-US" sz="1200" b="1" dirty="0">
+              <a:rPr lang="en-US" sz="1800" dirty="0">
                 <a:solidFill>
                   <a:schemeClr val="tx1"/>
                 </a:solidFill>
@@ -9203,15 +8624,15 @@
           <p:nvPr/>
         </p:nvCxnSpPr>
         <p:spPr>
-          <a:xfrm flipH="1" flipV="1">
-            <a:off x="4763976" y="1419374"/>
-            <a:ext cx="5544" cy="772031"/>
+          <a:xfrm flipV="1">
+            <a:off x="4254189" y="1188091"/>
+            <a:ext cx="0" cy="2044390"/>
           </a:xfrm>
           <a:prstGeom prst="straightConnector1">
             <a:avLst/>
           </a:prstGeom>
           <a:noFill/>
-          <a:ln w="28575" cap="flat" cmpd="sng">
+          <a:ln w="38100" cap="flat" cmpd="sng">
             <a:solidFill>
               <a:schemeClr val="tx1"/>
             </a:solidFill>
@@ -9230,8 +8651,8 @@
         </p:nvSpPr>
         <p:spPr>
           <a:xfrm>
-            <a:off x="4395114" y="1705584"/>
-            <a:ext cx="795391" cy="233910"/>
+            <a:off x="3859390" y="2114592"/>
+            <a:ext cx="1161617" cy="295466"/>
           </a:xfrm>
           <a:prstGeom prst="rect">
             <a:avLst/>
@@ -9249,24 +8670,15 @@
           </a:bodyPr>
           <a:lstStyle/>
           <a:p>
-            <a:pPr marL="0" lvl="0" indent="0" algn="l" rtl="0">
-              <a:spcBef>
-                <a:spcPts val="0"/>
-              </a:spcBef>
-              <a:spcAft>
-                <a:spcPts val="0"/>
-              </a:spcAft>
-              <a:buNone/>
-            </a:pPr>
             <a:r>
-              <a:rPr lang="en" b="1" dirty="0">
+              <a:rPr lang="en" sz="1800" dirty="0">
                 <a:solidFill>
                   <a:srgbClr val="B45F06"/>
                 </a:solidFill>
               </a:rPr>
               <a:t>spreads</a:t>
             </a:r>
-            <a:endParaRPr b="1" dirty="0">
+            <a:endParaRPr sz="1800" dirty="0">
               <a:solidFill>
                 <a:srgbClr val="B45F06"/>
               </a:solidFill>
@@ -9288,8 +8700,8 @@
         </p:nvSpPr>
         <p:spPr>
           <a:xfrm>
-            <a:off x="3368643" y="1126580"/>
-            <a:ext cx="487587" cy="233910"/>
+            <a:off x="2726375" y="1230333"/>
+            <a:ext cx="813573" cy="295466"/>
           </a:xfrm>
           <a:prstGeom prst="rect">
             <a:avLst/>
@@ -9307,24 +8719,15 @@
           </a:bodyPr>
           <a:lstStyle/>
           <a:p>
-            <a:pPr marL="0" lvl="0" indent="0" algn="l" rtl="0">
-              <a:spcBef>
-                <a:spcPts val="0"/>
-              </a:spcBef>
-              <a:spcAft>
-                <a:spcPts val="0"/>
-              </a:spcAft>
-              <a:buNone/>
-            </a:pPr>
             <a:r>
-              <a:rPr lang="en" b="1" dirty="0">
+              <a:rPr lang="en" sz="1800" dirty="0">
                 <a:solidFill>
                   <a:srgbClr val="B45F06"/>
                 </a:solidFill>
               </a:rPr>
               <a:t>carry</a:t>
             </a:r>
-            <a:endParaRPr b="1" dirty="0">
+            <a:endParaRPr sz="1800" dirty="0">
               <a:solidFill>
                 <a:srgbClr val="B45F06"/>
               </a:solidFill>
@@ -9348,14 +8751,14 @@
         </p:nvCxnSpPr>
         <p:spPr>
           <a:xfrm flipV="1">
-            <a:off x="5421086" y="2075217"/>
-            <a:ext cx="222441" cy="248479"/>
+            <a:off x="4936043" y="2624867"/>
+            <a:ext cx="354488" cy="607614"/>
           </a:xfrm>
           <a:prstGeom prst="straightConnector1">
             <a:avLst/>
           </a:prstGeom>
           <a:noFill/>
-          <a:ln w="28575" cap="flat" cmpd="sng">
+          <a:ln w="38100" cap="flat" cmpd="sng">
             <a:solidFill>
               <a:schemeClr val="tx1"/>
             </a:solidFill>
@@ -9382,14 +8785,14 @@
         </p:nvCxnSpPr>
         <p:spPr>
           <a:xfrm flipH="1" flipV="1">
-            <a:off x="5590774" y="1271266"/>
-            <a:ext cx="176300" cy="215046"/>
+            <a:off x="4856357" y="1214269"/>
+            <a:ext cx="434175" cy="519907"/>
           </a:xfrm>
           <a:prstGeom prst="straightConnector1">
             <a:avLst/>
           </a:prstGeom>
           <a:noFill/>
-          <a:ln w="28575" cap="flat" cmpd="sng">
+          <a:ln w="38100" cap="flat" cmpd="sng">
             <a:solidFill>
               <a:schemeClr val="tx1"/>
             </a:solidFill>
@@ -9416,14 +8819,14 @@
         </p:nvCxnSpPr>
         <p:spPr>
           <a:xfrm flipH="1">
-            <a:off x="3769812" y="1292172"/>
-            <a:ext cx="172836" cy="203064"/>
+            <a:off x="3160908" y="1230334"/>
+            <a:ext cx="440188" cy="511145"/>
           </a:xfrm>
           <a:prstGeom prst="straightConnector1">
             <a:avLst/>
           </a:prstGeom>
           <a:noFill/>
-          <a:ln w="28575" cap="flat" cmpd="sng">
+          <a:ln w="38100" cap="flat" cmpd="sng">
             <a:solidFill>
               <a:schemeClr val="tx1"/>
             </a:solidFill>
@@ -9448,8 +8851,8 @@
         </p:nvSpPr>
         <p:spPr>
           <a:xfrm>
-            <a:off x="5478097" y="2040447"/>
-            <a:ext cx="1390084" cy="369302"/>
+            <a:off x="5113288" y="2719127"/>
+            <a:ext cx="2001151" cy="461635"/>
           </a:xfrm>
           <a:prstGeom prst="rect">
             <a:avLst/>
@@ -9465,24 +8868,16 @@
           </a:bodyPr>
           <a:lstStyle/>
           <a:p>
-            <a:pPr marL="0" lvl="0" indent="0" algn="ctr" rtl="0">
-              <a:spcBef>
-                <a:spcPts val="0"/>
-              </a:spcBef>
-              <a:spcAft>
-                <a:spcPts val="0"/>
-              </a:spcAft>
-              <a:buNone/>
-            </a:pPr>
+            <a:pPr algn="ctr"/>
             <a:r>
-              <a:rPr lang="en" sz="1200" b="1" dirty="0">
+              <a:rPr lang="en" sz="1800" dirty="0">
                 <a:solidFill>
                   <a:srgbClr val="B45F06"/>
                 </a:solidFill>
               </a:rPr>
               <a:t>correlates with</a:t>
             </a:r>
-            <a:endParaRPr sz="1200" b="1" dirty="0">
+            <a:endParaRPr sz="1800" dirty="0">
               <a:solidFill>
                 <a:srgbClr val="B45F06"/>
               </a:solidFill>
@@ -9506,14 +8901,14 @@
         </p:nvCxnSpPr>
         <p:spPr>
           <a:xfrm>
-            <a:off x="3956100" y="2082846"/>
-            <a:ext cx="229161" cy="243631"/>
+            <a:off x="3200320" y="2624867"/>
+            <a:ext cx="400776" cy="607614"/>
           </a:xfrm>
           <a:prstGeom prst="straightConnector1">
             <a:avLst/>
           </a:prstGeom>
           <a:noFill/>
-          <a:ln w="28575" cap="flat" cmpd="sng">
+          <a:ln w="38100" cap="flat" cmpd="sng">
             <a:solidFill>
               <a:schemeClr val="tx1"/>
             </a:solidFill>
@@ -9538,8 +8933,8 @@
         </p:nvSpPr>
         <p:spPr>
           <a:xfrm>
-            <a:off x="5421086" y="825346"/>
-            <a:ext cx="1734118" cy="738633"/>
+            <a:off x="5239160" y="855941"/>
+            <a:ext cx="2396128" cy="1015632"/>
           </a:xfrm>
           <a:prstGeom prst="rect">
             <a:avLst/>
@@ -9555,15 +8950,912 @@
           </a:bodyPr>
           <a:lstStyle/>
           <a:p>
-            <a:pPr marL="0" lvl="0" indent="0" algn="ctr" rtl="0">
-              <a:spcBef>
-                <a:spcPts val="0"/>
-              </a:spcBef>
-              <a:spcAft>
-                <a:spcPts val="0"/>
-              </a:spcAft>
-              <a:buNone/>
+            <a:pPr algn="ctr"/>
+            <a:r>
+              <a:rPr lang="en-US" sz="1800" dirty="0">
+                <a:solidFill>
+                  <a:srgbClr val="B45F06"/>
+                </a:solidFill>
+              </a:rPr>
+              <a:t>b</a:t>
+            </a:r>
+            <a:r>
+              <a:rPr lang="en" sz="1800" dirty="0">
+                <a:solidFill>
+                  <a:srgbClr val="B45F06"/>
+                </a:solidFill>
+              </a:rPr>
+              <a:t>uffers distruptive </a:t>
+            </a:r>
+          </a:p>
+          <a:p>
+            <a:pPr algn="ctr"/>
+            <a:r>
+              <a:rPr lang="en-US" sz="1800" dirty="0">
+                <a:solidFill>
+                  <a:srgbClr val="B45F06"/>
+                </a:solidFill>
+              </a:rPr>
+              <a:t>transpositions</a:t>
+            </a:r>
+          </a:p>
+          <a:p>
+            <a:pPr algn="ctr"/>
+            <a:r>
+              <a:rPr lang="en" sz="1800" dirty="0">
+                <a:solidFill>
+                  <a:srgbClr val="B45F06"/>
+                </a:solidFill>
+              </a:rPr>
+              <a:t>caused by</a:t>
+            </a:r>
+          </a:p>
+        </p:txBody>
+      </p:sp>
+      <p:sp>
+        <p:nvSpPr>
+          <p:cNvPr id="2" name="Right Brace 1">
+            <a:extLst>
+              <a:ext uri="{FF2B5EF4-FFF2-40B4-BE49-F238E27FC236}">
+                <a16:creationId xmlns:a16="http://schemas.microsoft.com/office/drawing/2014/main" id="{34D458AB-9426-79E8-63EC-E75CFB314716}"/>
+              </a:ext>
+            </a:extLst>
+          </p:cNvPr>
+          <p:cNvSpPr/>
+          <p:nvPr/>
+        </p:nvSpPr>
+        <p:spPr>
+          <a:xfrm>
+            <a:off x="1141438" y="1092640"/>
+            <a:ext cx="364118" cy="2277683"/>
+          </a:xfrm>
+          <a:prstGeom prst="rightBrace">
+            <a:avLst/>
+          </a:prstGeom>
+        </p:spPr>
+        <p:style>
+          <a:lnRef idx="1">
+            <a:schemeClr val="accent1"/>
+          </a:lnRef>
+          <a:fillRef idx="0">
+            <a:schemeClr val="accent1"/>
+          </a:fillRef>
+          <a:effectRef idx="0">
+            <a:schemeClr val="accent1"/>
+          </a:effectRef>
+          <a:fontRef idx="minor">
+            <a:schemeClr val="tx1"/>
+          </a:fontRef>
+        </p:style>
+        <p:txBody>
+          <a:bodyPr rtlCol="0" anchor="ctr"/>
+          <a:lstStyle/>
+          <a:p>
+            <a:pPr algn="ctr"/>
+            <a:endParaRPr lang="en-US"/>
+          </a:p>
+        </p:txBody>
+      </p:sp>
+      <p:sp>
+        <p:nvSpPr>
+          <p:cNvPr id="15" name="Google Shape;86;p16">
+            <a:extLst>
+              <a:ext uri="{FF2B5EF4-FFF2-40B4-BE49-F238E27FC236}">
+                <a16:creationId xmlns:a16="http://schemas.microsoft.com/office/drawing/2014/main" id="{5BF301FD-A465-A53B-C54A-3E137217FE1F}"/>
+              </a:ext>
+            </a:extLst>
+          </p:cNvPr>
+          <p:cNvSpPr txBox="1"/>
+          <p:nvPr/>
+        </p:nvSpPr>
+        <p:spPr>
+          <a:xfrm>
+            <a:off x="3429001" y="749972"/>
+            <a:ext cx="1620743" cy="326898"/>
+          </a:xfrm>
+          <a:prstGeom prst="roundRect">
+            <a:avLst/>
+          </a:prstGeom>
+          <a:solidFill>
+            <a:schemeClr val="accent5">
+              <a:lumMod val="40000"/>
+              <a:lumOff val="60000"/>
+            </a:schemeClr>
+          </a:solidFill>
+          <a:ln>
+            <a:noFill/>
+          </a:ln>
+        </p:spPr>
+        <p:txBody>
+          <a:bodyPr spcFirstLastPara="1" wrap="square" lIns="9144" tIns="9144" rIns="9144" bIns="9144" anchor="t" anchorCtr="0">
+            <a:spAutoFit/>
+          </a:bodyPr>
+          <a:lstStyle/>
+          <a:p>
+            <a:pPr algn="ctr"/>
+            <a:r>
+              <a:rPr lang="en" sz="1800" dirty="0">
+                <a:solidFill>
+                  <a:schemeClr val="tx1"/>
+                </a:solidFill>
+              </a:rPr>
+              <a:t>transposons</a:t>
+            </a:r>
+            <a:endParaRPr sz="1800" dirty="0">
+              <a:solidFill>
+                <a:schemeClr val="tx1"/>
+              </a:solidFill>
+            </a:endParaRPr>
+          </a:p>
+        </p:txBody>
+      </p:sp>
+      <p:sp>
+        <p:nvSpPr>
+          <p:cNvPr id="21" name="TextBox 20">
+            <a:extLst>
+              <a:ext uri="{FF2B5EF4-FFF2-40B4-BE49-F238E27FC236}">
+                <a16:creationId xmlns:a16="http://schemas.microsoft.com/office/drawing/2014/main" id="{448ECAB9-B63C-A32D-9097-E19BDC96FD6F}"/>
+              </a:ext>
+            </a:extLst>
+          </p:cNvPr>
+          <p:cNvSpPr txBox="1"/>
+          <p:nvPr/>
+        </p:nvSpPr>
+        <p:spPr>
+          <a:xfrm>
+            <a:off x="-1528356" y="1160486"/>
+            <a:ext cx="2821606" cy="954107"/>
+          </a:xfrm>
+          <a:prstGeom prst="rect">
+            <a:avLst/>
+          </a:prstGeom>
+          <a:noFill/>
+        </p:spPr>
+        <p:txBody>
+          <a:bodyPr wrap="none" rtlCol="0">
+            <a:spAutoFit/>
+          </a:bodyPr>
+          <a:lstStyle/>
+          <a:p>
+            <a:pPr algn="r"/>
+            <a:r>
+              <a:rPr lang="en-US" dirty="0"/>
+              <a:t>Defense mechanisms</a:t>
+            </a:r>
+          </a:p>
+          <a:p>
+            <a:pPr algn="r"/>
+            <a:r>
+              <a:rPr lang="en-US" dirty="0"/>
+              <a:t>Signal Transduction mechanisms</a:t>
+            </a:r>
+          </a:p>
+          <a:p>
+            <a:pPr algn="r"/>
+            <a:r>
+              <a:rPr lang="en-US" dirty="0"/>
+              <a:t>Cell motility</a:t>
+            </a:r>
+          </a:p>
+          <a:p>
+            <a:pPr algn="r"/>
+            <a:r>
+              <a:rPr lang="en-US" dirty="0"/>
+              <a:t>Extracellular Structures</a:t>
+            </a:r>
+          </a:p>
+        </p:txBody>
+      </p:sp>
+    </p:spTree>
+    <p:extLst>
+      <p:ext uri="{BB962C8B-B14F-4D97-AF65-F5344CB8AC3E}">
+        <p14:creationId xmlns:p14="http://schemas.microsoft.com/office/powerpoint/2010/main" val="271796271"/>
+      </p:ext>
+    </p:extLst>
+  </p:cSld>
+  <p:clrMapOvr>
+    <a:masterClrMapping/>
+  </p:clrMapOvr>
+</p:sld>
+</file>
+
+<file path=ppt/slides/slide5.xml><?xml version="1.0" encoding="utf-8"?>
+<p:sld xmlns:a="http://schemas.openxmlformats.org/drawingml/2006/main" xmlns:r="http://schemas.openxmlformats.org/officeDocument/2006/relationships" xmlns:p="http://schemas.openxmlformats.org/presentationml/2006/main">
+  <p:cSld>
+    <p:spTree>
+      <p:nvGrpSpPr>
+        <p:cNvPr id="1" name="Shape 83"/>
+        <p:cNvGrpSpPr/>
+        <p:nvPr/>
+      </p:nvGrpSpPr>
+      <p:grpSpPr>
+        <a:xfrm>
+          <a:off x="0" y="0"/>
+          <a:ext cx="0" cy="0"/>
+          <a:chOff x="0" y="0"/>
+          <a:chExt cx="0" cy="0"/>
+        </a:xfrm>
+      </p:grpSpPr>
+      <p:sp>
+        <p:nvSpPr>
+          <p:cNvPr id="84" name="Google Shape;84;p16"/>
+          <p:cNvSpPr/>
+          <p:nvPr/>
+        </p:nvSpPr>
+        <p:spPr>
+          <a:xfrm>
+            <a:off x="1250486" y="633994"/>
+            <a:ext cx="4798647" cy="2637031"/>
+          </a:xfrm>
+          <a:prstGeom prst="roundRect">
+            <a:avLst>
+              <a:gd name="adj" fmla="val 16667"/>
+            </a:avLst>
+          </a:prstGeom>
+          <a:noFill/>
+          <a:ln w="76200" cap="flat" cmpd="sng">
+            <a:solidFill>
+              <a:srgbClr val="E69138"/>
+            </a:solidFill>
+            <a:prstDash val="solid"/>
+            <a:round/>
+            <a:headEnd type="none" w="sm" len="sm"/>
+            <a:tailEnd type="none" w="sm" len="sm"/>
+          </a:ln>
+        </p:spPr>
+        <p:txBody>
+          <a:bodyPr spcFirstLastPara="1" wrap="square" lIns="91425" tIns="91425" rIns="91425" bIns="91425" anchor="ctr" anchorCtr="0">
+            <a:noAutofit/>
+          </a:bodyPr>
+          <a:lstStyle/>
+          <a:p>
+            <a:endParaRPr/>
+          </a:p>
+        </p:txBody>
+      </p:sp>
+      <p:sp>
+        <p:nvSpPr>
+          <p:cNvPr id="86" name="Google Shape;86;p16"/>
+          <p:cNvSpPr txBox="1"/>
+          <p:nvPr/>
+        </p:nvSpPr>
+        <p:spPr>
+          <a:xfrm>
+            <a:off x="2814812" y="2371808"/>
+            <a:ext cx="1632963" cy="429054"/>
+          </a:xfrm>
+          <a:prstGeom prst="roundRect">
+            <a:avLst/>
+          </a:prstGeom>
+          <a:solidFill>
+            <a:srgbClr val="92D050"/>
+          </a:solidFill>
+          <a:ln>
+            <a:noFill/>
+          </a:ln>
+        </p:spPr>
+        <p:txBody>
+          <a:bodyPr spcFirstLastPara="1" wrap="square" lIns="9144" tIns="9144" rIns="9144" bIns="9144" anchor="t" anchorCtr="0">
+            <a:spAutoFit/>
+          </a:bodyPr>
+          <a:lstStyle/>
+          <a:p>
+            <a:pPr algn="ctr"/>
+            <a:r>
+              <a:rPr lang="en" sz="1200" b="1" dirty="0">
+                <a:solidFill>
+                  <a:schemeClr val="tx1"/>
+                </a:solidFill>
+              </a:rPr>
+              <a:t>Particle-associated lifestyle</a:t>
+            </a:r>
+            <a:endParaRPr sz="1200" b="1" dirty="0">
+              <a:solidFill>
+                <a:schemeClr val="tx1"/>
+              </a:solidFill>
+            </a:endParaRPr>
+          </a:p>
+        </p:txBody>
+      </p:sp>
+      <p:sp>
+        <p:nvSpPr>
+          <p:cNvPr id="87" name="Google Shape;87;p16"/>
+          <p:cNvSpPr txBox="1"/>
+          <p:nvPr/>
+        </p:nvSpPr>
+        <p:spPr>
+          <a:xfrm>
+            <a:off x="4186469" y="1555299"/>
+            <a:ext cx="1396485" cy="429054"/>
+          </a:xfrm>
+          <a:prstGeom prst="roundRect">
+            <a:avLst/>
+          </a:prstGeom>
+          <a:solidFill>
+            <a:srgbClr val="FF5050"/>
+          </a:solidFill>
+          <a:ln>
+            <a:noFill/>
+          </a:ln>
+        </p:spPr>
+        <p:txBody>
+          <a:bodyPr spcFirstLastPara="1" wrap="square" lIns="9144" tIns="9144" rIns="9144" bIns="9144" anchor="t" anchorCtr="0">
+            <a:spAutoFit/>
+          </a:bodyPr>
+          <a:lstStyle/>
+          <a:p>
+            <a:pPr algn="ctr"/>
+            <a:r>
+              <a:rPr lang="en-US" sz="1200" b="1" dirty="0">
+                <a:solidFill>
+                  <a:schemeClr val="tx1"/>
+                </a:solidFill>
+              </a:rPr>
+              <a:t>Increased genome size</a:t>
+            </a:r>
+          </a:p>
+        </p:txBody>
+      </p:sp>
+      <p:sp>
+        <p:nvSpPr>
+          <p:cNvPr id="91" name="Google Shape;91;p16"/>
+          <p:cNvSpPr txBox="1"/>
+          <p:nvPr/>
+        </p:nvSpPr>
+        <p:spPr>
+          <a:xfrm>
+            <a:off x="1706506" y="2810693"/>
+            <a:ext cx="3808346" cy="299657"/>
+          </a:xfrm>
+          <a:prstGeom prst="roundRect">
+            <a:avLst/>
+          </a:prstGeom>
+          <a:noFill/>
+          <a:ln>
+            <a:noFill/>
+          </a:ln>
+        </p:spPr>
+        <p:style>
+          <a:lnRef idx="2">
+            <a:schemeClr val="accent4"/>
+          </a:lnRef>
+          <a:fillRef idx="1">
+            <a:schemeClr val="lt1"/>
+          </a:fillRef>
+          <a:effectRef idx="0">
+            <a:schemeClr val="accent4"/>
+          </a:effectRef>
+          <a:fontRef idx="minor">
+            <a:schemeClr val="dk1"/>
+          </a:fontRef>
+        </p:style>
+        <p:txBody>
+          <a:bodyPr spcFirstLastPara="1" wrap="square" lIns="27432" tIns="27432" rIns="27432" bIns="27432" anchor="t" anchorCtr="0">
+            <a:spAutoFit/>
+          </a:bodyPr>
+          <a:lstStyle/>
+          <a:p>
+            <a:pPr algn="ctr">
+              <a:buClr>
+                <a:schemeClr val="dk1"/>
+              </a:buClr>
+              <a:buSzPts val="1100"/>
             </a:pPr>
+            <a:r>
+              <a:rPr lang="en" b="1" dirty="0"/>
+              <a:t>A deep-ocean</a:t>
+            </a:r>
+            <a:r>
+              <a:rPr lang="en-US" b="1" dirty="0"/>
+              <a:t> microbial community</a:t>
+            </a:r>
+          </a:p>
+        </p:txBody>
+      </p:sp>
+      <p:sp>
+        <p:nvSpPr>
+          <p:cNvPr id="94" name="Google Shape;94;p16"/>
+          <p:cNvSpPr txBox="1"/>
+          <p:nvPr/>
+        </p:nvSpPr>
+        <p:spPr>
+          <a:xfrm>
+            <a:off x="1165374" y="1977155"/>
+            <a:ext cx="1857718" cy="553968"/>
+          </a:xfrm>
+          <a:prstGeom prst="rect">
+            <a:avLst/>
+          </a:prstGeom>
+          <a:noFill/>
+          <a:ln>
+            <a:noFill/>
+          </a:ln>
+        </p:spPr>
+        <p:txBody>
+          <a:bodyPr spcFirstLastPara="1" wrap="square" lIns="91425" tIns="91425" rIns="91425" bIns="91425" anchor="t" anchorCtr="0">
+            <a:spAutoFit/>
+          </a:bodyPr>
+          <a:lstStyle/>
+          <a:p>
+            <a:pPr algn="ctr"/>
+            <a:r>
+              <a:rPr lang="en" sz="1200" b="1" dirty="0">
+                <a:solidFill>
+                  <a:srgbClr val="B45F06"/>
+                </a:solidFill>
+              </a:rPr>
+              <a:t>helps competion </a:t>
+            </a:r>
+          </a:p>
+          <a:p>
+            <a:pPr algn="ctr"/>
+            <a:r>
+              <a:rPr lang="en" sz="1200" b="1" dirty="0">
+                <a:solidFill>
+                  <a:srgbClr val="B45F06"/>
+                </a:solidFill>
+              </a:rPr>
+              <a:t>and defense on</a:t>
+            </a:r>
+            <a:endParaRPr sz="1200" b="1" dirty="0">
+              <a:solidFill>
+                <a:srgbClr val="B45F06"/>
+              </a:solidFill>
+            </a:endParaRPr>
+          </a:p>
+        </p:txBody>
+      </p:sp>
+      <p:sp>
+        <p:nvSpPr>
+          <p:cNvPr id="22" name="Google Shape;85;p16">
+            <a:extLst>
+              <a:ext uri="{FF2B5EF4-FFF2-40B4-BE49-F238E27FC236}">
+                <a16:creationId xmlns:a16="http://schemas.microsoft.com/office/drawing/2014/main" id="{7B3E143E-5E39-4CA1-91FE-5EB3C5A75D11}"/>
+              </a:ext>
+            </a:extLst>
+          </p:cNvPr>
+          <p:cNvSpPr txBox="1"/>
+          <p:nvPr/>
+        </p:nvSpPr>
+        <p:spPr>
+          <a:xfrm>
+            <a:off x="2799649" y="800895"/>
+            <a:ext cx="1632963" cy="442641"/>
+          </a:xfrm>
+          <a:prstGeom prst="roundRect">
+            <a:avLst/>
+          </a:prstGeom>
+          <a:solidFill>
+            <a:schemeClr val="accent1">
+              <a:lumMod val="60000"/>
+              <a:lumOff val="40000"/>
+            </a:schemeClr>
+          </a:solidFill>
+          <a:ln>
+            <a:noFill/>
+          </a:ln>
+        </p:spPr>
+        <p:txBody>
+          <a:bodyPr spcFirstLastPara="1" wrap="square" lIns="91425" tIns="91425" rIns="91425" bIns="91425" anchor="t" anchorCtr="0">
+            <a:spAutoFit/>
+          </a:bodyPr>
+          <a:lstStyle/>
+          <a:p>
+            <a:pPr algn="ctr"/>
+            <a:r>
+              <a:rPr lang="en" b="1" dirty="0">
+                <a:solidFill>
+                  <a:schemeClr val="tx1"/>
+                </a:solidFill>
+              </a:rPr>
+              <a:t>Transposons</a:t>
+            </a:r>
+            <a:endParaRPr b="1" dirty="0">
+              <a:solidFill>
+                <a:schemeClr val="tx1"/>
+              </a:solidFill>
+            </a:endParaRPr>
+          </a:p>
+        </p:txBody>
+      </p:sp>
+      <p:sp>
+        <p:nvSpPr>
+          <p:cNvPr id="18" name="Google Shape;87;p16">
+            <a:extLst>
+              <a:ext uri="{FF2B5EF4-FFF2-40B4-BE49-F238E27FC236}">
+                <a16:creationId xmlns:a16="http://schemas.microsoft.com/office/drawing/2014/main" id="{A7651EED-4922-4FBC-AF26-D9ABA1EA33EE}"/>
+              </a:ext>
+            </a:extLst>
+          </p:cNvPr>
+          <p:cNvSpPr txBox="1"/>
+          <p:nvPr/>
+        </p:nvSpPr>
+        <p:spPr>
+          <a:xfrm>
+            <a:off x="1478631" y="1553817"/>
+            <a:ext cx="1629572" cy="429054"/>
+          </a:xfrm>
+          <a:prstGeom prst="roundRect">
+            <a:avLst/>
+          </a:prstGeom>
+          <a:solidFill>
+            <a:srgbClr val="FF5050"/>
+          </a:solidFill>
+          <a:ln>
+            <a:noFill/>
+          </a:ln>
+        </p:spPr>
+        <p:txBody>
+          <a:bodyPr spcFirstLastPara="1" wrap="square" lIns="9144" tIns="9144" rIns="9144" bIns="9144" anchor="t" anchorCtr="0">
+            <a:spAutoFit/>
+          </a:bodyPr>
+          <a:lstStyle/>
+          <a:p>
+            <a:pPr algn="ctr"/>
+            <a:r>
+              <a:rPr lang="en-US" sz="1200" b="1" dirty="0">
+                <a:solidFill>
+                  <a:schemeClr val="tx1"/>
+                </a:solidFill>
+              </a:rPr>
+              <a:t>Defense mechanism</a:t>
+            </a:r>
+          </a:p>
+          <a:p>
+            <a:pPr algn="ctr"/>
+            <a:r>
+              <a:rPr lang="en-US" sz="1200" b="1" dirty="0">
+                <a:solidFill>
+                  <a:schemeClr val="tx1"/>
+                </a:solidFill>
+              </a:rPr>
+              <a:t>cassettes</a:t>
+            </a:r>
+          </a:p>
+        </p:txBody>
+      </p:sp>
+      <p:cxnSp>
+        <p:nvCxnSpPr>
+          <p:cNvPr id="19" name="Google Shape;90;p16">
+            <a:extLst>
+              <a:ext uri="{FF2B5EF4-FFF2-40B4-BE49-F238E27FC236}">
+                <a16:creationId xmlns:a16="http://schemas.microsoft.com/office/drawing/2014/main" id="{22CBA851-C115-40B9-ADAB-04C0469F5801}"/>
+              </a:ext>
+            </a:extLst>
+          </p:cNvPr>
+          <p:cNvCxnSpPr>
+            <a:cxnSpLocks/>
+          </p:cNvCxnSpPr>
+          <p:nvPr/>
+        </p:nvCxnSpPr>
+        <p:spPr>
+          <a:xfrm flipH="1" flipV="1">
+            <a:off x="3620976" y="1419375"/>
+            <a:ext cx="5544" cy="772031"/>
+          </a:xfrm>
+          <a:prstGeom prst="straightConnector1">
+            <a:avLst/>
+          </a:prstGeom>
+          <a:noFill/>
+          <a:ln w="28575" cap="flat" cmpd="sng">
+            <a:solidFill>
+              <a:schemeClr val="tx1"/>
+            </a:solidFill>
+            <a:prstDash val="solid"/>
+            <a:round/>
+            <a:headEnd type="none" w="med" len="med"/>
+            <a:tailEnd type="triangle" w="med" len="med"/>
+          </a:ln>
+        </p:spPr>
+      </p:cxnSp>
+      <p:sp>
+        <p:nvSpPr>
+          <p:cNvPr id="92" name="Google Shape;92;p16"/>
+          <p:cNvSpPr txBox="1"/>
+          <p:nvPr/>
+        </p:nvSpPr>
+        <p:spPr>
+          <a:xfrm>
+            <a:off x="3252115" y="1705584"/>
+            <a:ext cx="795391" cy="233910"/>
+          </a:xfrm>
+          <a:prstGeom prst="rect">
+            <a:avLst/>
+          </a:prstGeom>
+          <a:solidFill>
+            <a:schemeClr val="bg1"/>
+          </a:solidFill>
+          <a:ln>
+            <a:noFill/>
+          </a:ln>
+        </p:spPr>
+        <p:txBody>
+          <a:bodyPr spcFirstLastPara="1" wrap="square" lIns="18288" tIns="9144" rIns="9144" bIns="9144" anchor="t" anchorCtr="0">
+            <a:spAutoFit/>
+          </a:bodyPr>
+          <a:lstStyle/>
+          <a:p>
+            <a:r>
+              <a:rPr lang="en" b="1" dirty="0">
+                <a:solidFill>
+                  <a:srgbClr val="B45F06"/>
+                </a:solidFill>
+              </a:rPr>
+              <a:t>spreads</a:t>
+            </a:r>
+            <a:endParaRPr b="1" dirty="0">
+              <a:solidFill>
+                <a:srgbClr val="B45F06"/>
+              </a:solidFill>
+            </a:endParaRPr>
+          </a:p>
+        </p:txBody>
+      </p:sp>
+      <p:sp>
+        <p:nvSpPr>
+          <p:cNvPr id="85" name="Google Shape;92;p16">
+            <a:extLst>
+              <a:ext uri="{FF2B5EF4-FFF2-40B4-BE49-F238E27FC236}">
+                <a16:creationId xmlns:a16="http://schemas.microsoft.com/office/drawing/2014/main" id="{66075C9D-718F-4083-9BDF-0C4A805AF14D}"/>
+              </a:ext>
+            </a:extLst>
+          </p:cNvPr>
+          <p:cNvSpPr txBox="1"/>
+          <p:nvPr/>
+        </p:nvSpPr>
+        <p:spPr>
+          <a:xfrm>
+            <a:off x="2225644" y="1126580"/>
+            <a:ext cx="487587" cy="233910"/>
+          </a:xfrm>
+          <a:prstGeom prst="rect">
+            <a:avLst/>
+          </a:prstGeom>
+          <a:solidFill>
+            <a:schemeClr val="bg1"/>
+          </a:solidFill>
+          <a:ln>
+            <a:noFill/>
+          </a:ln>
+        </p:spPr>
+        <p:txBody>
+          <a:bodyPr spcFirstLastPara="1" wrap="square" lIns="18288" tIns="9144" rIns="9144" bIns="9144" anchor="t" anchorCtr="0">
+            <a:spAutoFit/>
+          </a:bodyPr>
+          <a:lstStyle/>
+          <a:p>
+            <a:r>
+              <a:rPr lang="en" b="1" dirty="0">
+                <a:solidFill>
+                  <a:srgbClr val="B45F06"/>
+                </a:solidFill>
+              </a:rPr>
+              <a:t>carry</a:t>
+            </a:r>
+            <a:endParaRPr b="1" dirty="0">
+              <a:solidFill>
+                <a:srgbClr val="B45F06"/>
+              </a:solidFill>
+            </a:endParaRPr>
+          </a:p>
+        </p:txBody>
+      </p:sp>
+      <p:cxnSp>
+        <p:nvCxnSpPr>
+          <p:cNvPr id="23" name="Google Shape;90;p16">
+            <a:extLst>
+              <a:ext uri="{FF2B5EF4-FFF2-40B4-BE49-F238E27FC236}">
+                <a16:creationId xmlns:a16="http://schemas.microsoft.com/office/drawing/2014/main" id="{76FF781D-A53E-4BB3-9AED-568798FAB34C}"/>
+              </a:ext>
+            </a:extLst>
+          </p:cNvPr>
+          <p:cNvCxnSpPr>
+            <a:cxnSpLocks/>
+          </p:cNvCxnSpPr>
+          <p:nvPr/>
+        </p:nvCxnSpPr>
+        <p:spPr>
+          <a:xfrm flipV="1">
+            <a:off x="4278087" y="2075218"/>
+            <a:ext cx="222441" cy="248479"/>
+          </a:xfrm>
+          <a:prstGeom prst="straightConnector1">
+            <a:avLst/>
+          </a:prstGeom>
+          <a:noFill/>
+          <a:ln w="28575" cap="flat" cmpd="sng">
+            <a:solidFill>
+              <a:schemeClr val="tx1"/>
+            </a:solidFill>
+            <a:prstDash val="solid"/>
+            <a:round/>
+            <a:headEnd type="none" w="med" len="med"/>
+            <a:tailEnd type="triangle" w="med" len="med"/>
+          </a:ln>
+        </p:spPr>
+      </p:cxnSp>
+      <p:cxnSp>
+        <p:nvCxnSpPr>
+          <p:cNvPr id="27" name="Google Shape;90;p16">
+            <a:extLst>
+              <a:ext uri="{FF2B5EF4-FFF2-40B4-BE49-F238E27FC236}">
+                <a16:creationId xmlns:a16="http://schemas.microsoft.com/office/drawing/2014/main" id="{504468A2-3D05-4A3A-AF43-09B4F3D13B62}"/>
+              </a:ext>
+            </a:extLst>
+          </p:cNvPr>
+          <p:cNvCxnSpPr>
+            <a:cxnSpLocks/>
+          </p:cNvCxnSpPr>
+          <p:nvPr/>
+        </p:nvCxnSpPr>
+        <p:spPr>
+          <a:xfrm flipH="1" flipV="1">
+            <a:off x="4447774" y="1271266"/>
+            <a:ext cx="176300" cy="215046"/>
+          </a:xfrm>
+          <a:prstGeom prst="straightConnector1">
+            <a:avLst/>
+          </a:prstGeom>
+          <a:noFill/>
+          <a:ln w="28575" cap="flat" cmpd="sng">
+            <a:solidFill>
+              <a:schemeClr val="tx1"/>
+            </a:solidFill>
+            <a:prstDash val="solid"/>
+            <a:round/>
+            <a:headEnd type="none" w="med" len="med"/>
+            <a:tailEnd type="triangle" w="med" len="med"/>
+          </a:ln>
+        </p:spPr>
+      </p:cxnSp>
+      <p:cxnSp>
+        <p:nvCxnSpPr>
+          <p:cNvPr id="32" name="Google Shape;90;p16">
+            <a:extLst>
+              <a:ext uri="{FF2B5EF4-FFF2-40B4-BE49-F238E27FC236}">
+                <a16:creationId xmlns:a16="http://schemas.microsoft.com/office/drawing/2014/main" id="{6C50CF6E-766B-4443-96CC-5CCE6111D1DD}"/>
+              </a:ext>
+            </a:extLst>
+          </p:cNvPr>
+          <p:cNvCxnSpPr>
+            <a:cxnSpLocks/>
+          </p:cNvCxnSpPr>
+          <p:nvPr/>
+        </p:nvCxnSpPr>
+        <p:spPr>
+          <a:xfrm flipH="1">
+            <a:off x="2626812" y="1292172"/>
+            <a:ext cx="172836" cy="203064"/>
+          </a:xfrm>
+          <a:prstGeom prst="straightConnector1">
+            <a:avLst/>
+          </a:prstGeom>
+          <a:noFill/>
+          <a:ln w="28575" cap="flat" cmpd="sng">
+            <a:solidFill>
+              <a:schemeClr val="tx1"/>
+            </a:solidFill>
+            <a:prstDash val="solid"/>
+            <a:round/>
+            <a:headEnd type="none" w="med" len="med"/>
+            <a:tailEnd type="triangle" w="med" len="med"/>
+          </a:ln>
+        </p:spPr>
+      </p:cxnSp>
+      <p:sp>
+        <p:nvSpPr>
+          <p:cNvPr id="34" name="Google Shape;94;p16">
+            <a:extLst>
+              <a:ext uri="{FF2B5EF4-FFF2-40B4-BE49-F238E27FC236}">
+                <a16:creationId xmlns:a16="http://schemas.microsoft.com/office/drawing/2014/main" id="{DCD89C29-9457-47D3-927E-17082DE3893D}"/>
+              </a:ext>
+            </a:extLst>
+          </p:cNvPr>
+          <p:cNvSpPr txBox="1"/>
+          <p:nvPr/>
+        </p:nvSpPr>
+        <p:spPr>
+          <a:xfrm>
+            <a:off x="4335097" y="2040447"/>
+            <a:ext cx="1390084" cy="369302"/>
+          </a:xfrm>
+          <a:prstGeom prst="rect">
+            <a:avLst/>
+          </a:prstGeom>
+          <a:noFill/>
+          <a:ln>
+            <a:noFill/>
+          </a:ln>
+        </p:spPr>
+        <p:txBody>
+          <a:bodyPr spcFirstLastPara="1" wrap="square" lIns="91425" tIns="91425" rIns="91425" bIns="91425" anchor="t" anchorCtr="0">
+            <a:spAutoFit/>
+          </a:bodyPr>
+          <a:lstStyle/>
+          <a:p>
+            <a:pPr algn="ctr"/>
+            <a:r>
+              <a:rPr lang="en" sz="1200" b="1" dirty="0">
+                <a:solidFill>
+                  <a:srgbClr val="B45F06"/>
+                </a:solidFill>
+              </a:rPr>
+              <a:t>correlates with</a:t>
+            </a:r>
+            <a:endParaRPr sz="1200" b="1" dirty="0">
+              <a:solidFill>
+                <a:srgbClr val="B45F06"/>
+              </a:solidFill>
+            </a:endParaRPr>
+          </a:p>
+        </p:txBody>
+      </p:sp>
+      <p:cxnSp>
+        <p:nvCxnSpPr>
+          <p:cNvPr id="39" name="Google Shape;90;p16">
+            <a:extLst>
+              <a:ext uri="{FF2B5EF4-FFF2-40B4-BE49-F238E27FC236}">
+                <a16:creationId xmlns:a16="http://schemas.microsoft.com/office/drawing/2014/main" id="{685EE98C-7DD8-4753-88C2-B34CD93CD22B}"/>
+              </a:ext>
+            </a:extLst>
+          </p:cNvPr>
+          <p:cNvCxnSpPr>
+            <a:cxnSpLocks/>
+          </p:cNvCxnSpPr>
+          <p:nvPr/>
+        </p:nvCxnSpPr>
+        <p:spPr>
+          <a:xfrm>
+            <a:off x="2813101" y="2082847"/>
+            <a:ext cx="229161" cy="243631"/>
+          </a:xfrm>
+          <a:prstGeom prst="straightConnector1">
+            <a:avLst/>
+          </a:prstGeom>
+          <a:noFill/>
+          <a:ln w="28575" cap="flat" cmpd="sng">
+            <a:solidFill>
+              <a:schemeClr val="tx1"/>
+            </a:solidFill>
+            <a:prstDash val="solid"/>
+            <a:round/>
+            <a:headEnd type="none" w="med" len="med"/>
+            <a:tailEnd type="triangle" w="med" len="med"/>
+          </a:ln>
+        </p:spPr>
+      </p:cxnSp>
+      <p:sp>
+        <p:nvSpPr>
+          <p:cNvPr id="45" name="Google Shape;94;p16">
+            <a:extLst>
+              <a:ext uri="{FF2B5EF4-FFF2-40B4-BE49-F238E27FC236}">
+                <a16:creationId xmlns:a16="http://schemas.microsoft.com/office/drawing/2014/main" id="{1A202B5C-1CC3-4616-A646-65D56D25AA2C}"/>
+              </a:ext>
+            </a:extLst>
+          </p:cNvPr>
+          <p:cNvSpPr txBox="1"/>
+          <p:nvPr/>
+        </p:nvSpPr>
+        <p:spPr>
+          <a:xfrm>
+            <a:off x="4278086" y="825347"/>
+            <a:ext cx="1734118" cy="738633"/>
+          </a:xfrm>
+          <a:prstGeom prst="rect">
+            <a:avLst/>
+          </a:prstGeom>
+          <a:noFill/>
+          <a:ln>
+            <a:noFill/>
+          </a:ln>
+        </p:spPr>
+        <p:txBody>
+          <a:bodyPr spcFirstLastPara="1" wrap="square" lIns="91425" tIns="91425" rIns="91425" bIns="91425" anchor="t" anchorCtr="0">
+            <a:spAutoFit/>
+          </a:bodyPr>
+          <a:lstStyle/>
+          <a:p>
+            <a:pPr algn="ctr"/>
             <a:r>
               <a:rPr lang="en-US" sz="1200" b="1" dirty="0">
                 <a:solidFill>
@@ -9582,15 +9874,7 @@
             </a:r>
           </a:p>
           <a:p>
-            <a:pPr marL="0" lvl="0" indent="0" algn="ctr" rtl="0">
-              <a:spcBef>
-                <a:spcPts val="0"/>
-              </a:spcBef>
-              <a:spcAft>
-                <a:spcPts val="0"/>
-              </a:spcAft>
-              <a:buNone/>
-            </a:pPr>
+            <a:pPr algn="ctr"/>
             <a:r>
               <a:rPr lang="en-US" sz="1200" b="1" dirty="0">
                 <a:solidFill>
@@ -9601,15 +9885,7 @@
             </a:r>
           </a:p>
           <a:p>
-            <a:pPr marL="0" lvl="0" indent="0" algn="ctr" rtl="0">
-              <a:spcBef>
-                <a:spcPts val="0"/>
-              </a:spcBef>
-              <a:spcAft>
-                <a:spcPts val="0"/>
-              </a:spcAft>
-              <a:buNone/>
-            </a:pPr>
+            <a:pPr algn="ctr"/>
             <a:r>
               <a:rPr lang="en" sz="1200" b="1" dirty="0">
                 <a:solidFill>
@@ -9634,7 +9910,7 @@
 </p:sld>
 </file>
 
-<file path=ppt/slides/slide5.xml><?xml version="1.0" encoding="utf-8"?>
+<file path=ppt/slides/slide6.xml><?xml version="1.0" encoding="utf-8"?>
 <p:sld xmlns:a="http://schemas.openxmlformats.org/drawingml/2006/main" xmlns:r="http://schemas.openxmlformats.org/officeDocument/2006/relationships" xmlns:p="http://schemas.openxmlformats.org/presentationml/2006/main">
   <p:cSld>
     <p:spTree>
@@ -9673,7 +9949,7 @@
         </p:blipFill>
         <p:spPr>
           <a:xfrm>
-            <a:off x="0" y="465221"/>
+            <a:off x="-1143000" y="465221"/>
             <a:ext cx="9144000" cy="3202100"/>
           </a:xfrm>
           <a:prstGeom prst="rect">
@@ -9695,7 +9971,7 @@
         </p:nvSpPr>
         <p:spPr>
           <a:xfrm>
-            <a:off x="3084543" y="2139644"/>
+            <a:off x="1941543" y="2139645"/>
             <a:ext cx="402674" cy="830997"/>
           </a:xfrm>
           <a:prstGeom prst="rect">
@@ -9732,7 +10008,7 @@
         </p:nvSpPr>
         <p:spPr>
           <a:xfrm>
-            <a:off x="3084352" y="2051982"/>
+            <a:off x="1941352" y="2051983"/>
             <a:ext cx="454606" cy="461665"/>
           </a:xfrm>
           <a:prstGeom prst="rect">
@@ -9769,7 +10045,7 @@
         </p:nvSpPr>
         <p:spPr>
           <a:xfrm>
-            <a:off x="5676491" y="2139644"/>
+            <a:off x="4533491" y="2139645"/>
             <a:ext cx="402674" cy="830997"/>
           </a:xfrm>
           <a:prstGeom prst="rect">
@@ -9806,7 +10082,7 @@
         </p:nvSpPr>
         <p:spPr>
           <a:xfrm>
-            <a:off x="5676491" y="2005816"/>
+            <a:off x="4533491" y="2005817"/>
             <a:ext cx="632262" cy="461665"/>
           </a:xfrm>
           <a:prstGeom prst="rect">
@@ -9843,7 +10119,7 @@
         </p:nvSpPr>
         <p:spPr>
           <a:xfrm>
-            <a:off x="8562440" y="1636484"/>
+            <a:off x="7419440" y="1636485"/>
             <a:ext cx="402674" cy="830997"/>
           </a:xfrm>
           <a:prstGeom prst="rect">
@@ -9880,7 +10156,7 @@
         </p:nvSpPr>
         <p:spPr>
           <a:xfrm>
-            <a:off x="8496129" y="1498585"/>
+            <a:off x="7353129" y="1498585"/>
             <a:ext cx="535296" cy="400110"/>
           </a:xfrm>
           <a:prstGeom prst="rect">
@@ -9917,7 +10193,7 @@
         </p:nvSpPr>
         <p:spPr>
           <a:xfrm>
-            <a:off x="8965114" y="-161065"/>
+            <a:off x="7822114" y="-161065"/>
             <a:ext cx="861486" cy="1090864"/>
           </a:xfrm>
           <a:prstGeom prst="rect">
@@ -9971,7 +10247,7 @@
         </p:nvSpPr>
         <p:spPr>
           <a:xfrm>
-            <a:off x="77591" y="384367"/>
+            <a:off x="-1065409" y="384367"/>
             <a:ext cx="1171345" cy="1090864"/>
           </a:xfrm>
           <a:prstGeom prst="rect">
@@ -10024,7 +10300,7 @@
 </p:sld>
 </file>
 
-<file path=ppt/slides/slide6.xml><?xml version="1.0" encoding="utf-8"?>
+<file path=ppt/slides/slide7.xml><?xml version="1.0" encoding="utf-8"?>
 <p:sld xmlns:a="http://schemas.openxmlformats.org/drawingml/2006/main" xmlns:r="http://schemas.openxmlformats.org/officeDocument/2006/relationships" xmlns:p="http://schemas.openxmlformats.org/presentationml/2006/main">
   <p:cSld>
     <p:spTree>
@@ -10059,7 +10335,7 @@
         </p:nvCxnSpPr>
         <p:spPr>
           <a:xfrm rot="5400000" flipH="1" flipV="1">
-            <a:off x="577784" y="2113571"/>
+            <a:off x="-565216" y="2113571"/>
             <a:ext cx="1118494" cy="295562"/>
           </a:xfrm>
           <a:prstGeom prst="bentConnector2">
@@ -10098,7 +10374,7 @@
         </p:nvSpPr>
         <p:spPr>
           <a:xfrm>
-            <a:off x="322118" y="1343161"/>
+            <a:off x="-820882" y="1343161"/>
             <a:ext cx="3200400" cy="2890636"/>
           </a:xfrm>
           <a:prstGeom prst="roundRect">
@@ -10123,15 +10399,6 @@
           </a:bodyPr>
           <a:lstStyle/>
           <a:p>
-            <a:pPr marL="0" lvl="0" indent="0" algn="l" rtl="0">
-              <a:spcBef>
-                <a:spcPts val="0"/>
-              </a:spcBef>
-              <a:spcAft>
-                <a:spcPts val="0"/>
-              </a:spcAft>
-              <a:buNone/>
-            </a:pPr>
             <a:endParaRPr/>
           </a:p>
         </p:txBody>
@@ -10144,7 +10411,7 @@
         </p:nvSpPr>
         <p:spPr>
           <a:xfrm>
-            <a:off x="433731" y="2820599"/>
+            <a:off x="-709269" y="2820600"/>
             <a:ext cx="1111038" cy="633365"/>
           </a:xfrm>
           <a:prstGeom prst="roundRect">
@@ -10163,15 +10430,7 @@
           </a:bodyPr>
           <a:lstStyle/>
           <a:p>
-            <a:pPr marL="0" lvl="0" indent="0" algn="ctr" rtl="0">
-              <a:spcBef>
-                <a:spcPts val="0"/>
-              </a:spcBef>
-              <a:spcAft>
-                <a:spcPts val="0"/>
-              </a:spcAft>
-              <a:buNone/>
-            </a:pPr>
+            <a:pPr algn="ctr"/>
             <a:r>
               <a:rPr lang="en-US" sz="1200" b="1" dirty="0">
                 <a:solidFill>
@@ -10204,7 +10463,7 @@
         </p:nvSpPr>
         <p:spPr>
           <a:xfrm>
-            <a:off x="2427921" y="2820599"/>
+            <a:off x="1284921" y="2820600"/>
             <a:ext cx="970282" cy="633365"/>
           </a:xfrm>
           <a:prstGeom prst="roundRect">
@@ -10223,15 +10482,7 @@
           </a:bodyPr>
           <a:lstStyle/>
           <a:p>
-            <a:pPr marL="0" lvl="0" indent="0" algn="ctr" rtl="0">
-              <a:spcBef>
-                <a:spcPts val="0"/>
-              </a:spcBef>
-              <a:spcAft>
-                <a:spcPts val="0"/>
-              </a:spcAft>
-              <a:buNone/>
-            </a:pPr>
+            <a:pPr algn="ctr"/>
             <a:r>
               <a:rPr lang="en" sz="1200" b="1" dirty="0">
                 <a:solidFill>
@@ -10242,15 +10493,7 @@
             </a:r>
           </a:p>
           <a:p>
-            <a:pPr marL="0" lvl="0" indent="0" algn="ctr" rtl="0">
-              <a:spcBef>
-                <a:spcPts val="0"/>
-              </a:spcBef>
-              <a:spcAft>
-                <a:spcPts val="0"/>
-              </a:spcAft>
-              <a:buNone/>
-            </a:pPr>
+            <a:pPr algn="ctr"/>
             <a:r>
               <a:rPr lang="en-US" sz="1200" b="1" dirty="0">
                 <a:solidFill>
@@ -10269,15 +10512,7 @@
             </a:r>
           </a:p>
           <a:p>
-            <a:pPr marL="0" lvl="0" indent="0" algn="ctr" rtl="0">
-              <a:spcBef>
-                <a:spcPts val="0"/>
-              </a:spcBef>
-              <a:spcAft>
-                <a:spcPts val="0"/>
-              </a:spcAft>
-              <a:buNone/>
-            </a:pPr>
+            <a:pPr algn="ctr"/>
             <a:r>
               <a:rPr lang="en" sz="1200" b="1" dirty="0">
                 <a:solidFill>
@@ -10306,7 +10541,7 @@
         </p:nvCxnSpPr>
         <p:spPr>
           <a:xfrm flipH="1">
-            <a:off x="1544769" y="3137282"/>
+            <a:off x="401769" y="3137282"/>
             <a:ext cx="883152" cy="0"/>
           </a:xfrm>
           <a:prstGeom prst="straightConnector1">
@@ -10332,7 +10567,7 @@
         </p:nvSpPr>
         <p:spPr>
           <a:xfrm>
-            <a:off x="877038" y="3614060"/>
+            <a:off x="-265962" y="3614060"/>
             <a:ext cx="2043425" cy="538020"/>
           </a:xfrm>
           <a:prstGeom prst="roundRect">
@@ -10363,43 +10598,19 @@
           </a:bodyPr>
           <a:lstStyle/>
           <a:p>
-            <a:pPr marL="0" lvl="0" indent="0" algn="ctr" rtl="0">
-              <a:spcBef>
-                <a:spcPts val="0"/>
-              </a:spcBef>
-              <a:spcAft>
-                <a:spcPts val="0"/>
-              </a:spcAft>
+            <a:pPr algn="ctr">
               <a:buClr>
                 <a:schemeClr val="dk1"/>
               </a:buClr>
               <a:buSzPts val="1100"/>
-              <a:buFont typeface="Arial"/>
-              <a:buNone/>
             </a:pPr>
             <a:r>
               <a:rPr lang="en" b="1" dirty="0"/>
-              <a:t>A d</a:t>
-            </a:r>
-            <a:r>
-              <a:rPr lang="en" b="1" dirty="0">
-                <a:solidFill>
-                  <a:schemeClr val="dk1"/>
-                </a:solidFill>
-              </a:rPr>
-              <a:t>eep-ocean</a:t>
-            </a:r>
-            <a:r>
-              <a:rPr lang="en-US" b="1" dirty="0">
-                <a:solidFill>
-                  <a:schemeClr val="dk1"/>
-                </a:solidFill>
-              </a:rPr>
-              <a:t> microbial</a:t>
+              <a:t>A deep-ocean</a:t>
             </a:r>
             <a:r>
               <a:rPr lang="en-US" b="1" dirty="0"/>
-              <a:t> community</a:t>
+              <a:t> microbial community</a:t>
             </a:r>
           </a:p>
         </p:txBody>
@@ -10412,7 +10623,7 @@
         </p:nvSpPr>
         <p:spPr>
           <a:xfrm>
-            <a:off x="591556" y="2102858"/>
+            <a:off x="-551444" y="2102858"/>
             <a:ext cx="795391" cy="233910"/>
           </a:xfrm>
           <a:prstGeom prst="rect">
@@ -10431,15 +10642,6 @@
           </a:bodyPr>
           <a:lstStyle/>
           <a:p>
-            <a:pPr marL="0" lvl="0" indent="0" algn="l" rtl="0">
-              <a:spcBef>
-                <a:spcPts val="0"/>
-              </a:spcBef>
-              <a:spcAft>
-                <a:spcPts val="0"/>
-              </a:spcAft>
-              <a:buNone/>
-            </a:pPr>
             <a:r>
               <a:rPr lang="en" b="1" dirty="0">
                 <a:solidFill>
@@ -10464,7 +10666,7 @@
         </p:nvSpPr>
         <p:spPr>
           <a:xfrm>
-            <a:off x="1062745" y="2495566"/>
+            <a:off x="-80255" y="2495566"/>
             <a:ext cx="1857718" cy="553968"/>
           </a:xfrm>
           <a:prstGeom prst="rect">
@@ -10481,15 +10683,7 @@
           </a:bodyPr>
           <a:lstStyle/>
           <a:p>
-            <a:pPr marL="0" lvl="0" indent="0" algn="ctr" rtl="0">
-              <a:spcBef>
-                <a:spcPts val="0"/>
-              </a:spcBef>
-              <a:spcAft>
-                <a:spcPts val="0"/>
-              </a:spcAft>
-              <a:buNone/>
-            </a:pPr>
+            <a:pPr algn="ctr"/>
             <a:r>
               <a:rPr lang="en" sz="1200" b="1" dirty="0">
                 <a:solidFill>
@@ -10520,7 +10714,7 @@
         </p:nvSpPr>
         <p:spPr>
           <a:xfrm>
-            <a:off x="1284812" y="1480784"/>
+            <a:off x="141813" y="1480785"/>
             <a:ext cx="1413583" cy="442641"/>
           </a:xfrm>
           <a:prstGeom prst="roundRect">
@@ -10542,15 +10736,7 @@
           </a:bodyPr>
           <a:lstStyle/>
           <a:p>
-            <a:pPr marL="0" lvl="0" indent="0" algn="ctr" rtl="0">
-              <a:spcBef>
-                <a:spcPts val="0"/>
-              </a:spcBef>
-              <a:spcAft>
-                <a:spcPts val="0"/>
-              </a:spcAft>
-              <a:buNone/>
-            </a:pPr>
+            <a:pPr algn="ctr"/>
             <a:r>
               <a:rPr lang="en" b="1" dirty="0">
                 <a:solidFill>
@@ -10585,7 +10771,7 @@
         </p:nvCxnSpPr>
         <p:spPr>
           <a:xfrm>
-            <a:off x="2698395" y="1702105"/>
+            <a:off x="1555396" y="1702105"/>
             <a:ext cx="214667" cy="1118494"/>
           </a:xfrm>
           <a:prstGeom prst="bentConnector2">
@@ -10630,7 +10816,7 @@
         </p:nvSpPr>
         <p:spPr>
           <a:xfrm>
-            <a:off x="2736492" y="2083014"/>
+            <a:off x="1593493" y="2083014"/>
             <a:ext cx="661711" cy="233910"/>
           </a:xfrm>
           <a:prstGeom prst="rect">
@@ -10649,15 +10835,6 @@
           </a:bodyPr>
           <a:lstStyle/>
           <a:p>
-            <a:pPr marL="0" lvl="0" indent="0" algn="l" rtl="0">
-              <a:spcBef>
-                <a:spcPts val="0"/>
-              </a:spcBef>
-              <a:spcAft>
-                <a:spcPts val="0"/>
-              </a:spcAft>
-              <a:buNone/>
-            </a:pPr>
             <a:r>
               <a:rPr lang="en" b="1" dirty="0">
                 <a:solidFill>
@@ -10687,7 +10864,7 @@
 </p:sld>
 </file>
 
-<file path=ppt/slides/slide7.xml><?xml version="1.0" encoding="utf-8"?>
+<file path=ppt/slides/slide8.xml><?xml version="1.0" encoding="utf-8"?>
 <p:sld xmlns:a="http://schemas.openxmlformats.org/drawingml/2006/main" xmlns:r="http://schemas.openxmlformats.org/officeDocument/2006/relationships" xmlns:p="http://schemas.openxmlformats.org/presentationml/2006/main">
   <p:cSld>
     <p:spTree>
@@ -10733,7 +10910,7 @@
         </p:blipFill>
         <p:spPr bwMode="auto">
           <a:xfrm>
-            <a:off x="1206018" y="3532045"/>
+            <a:off x="63018" y="3532045"/>
             <a:ext cx="5968782" cy="1731330"/>
           </a:xfrm>
           <a:prstGeom prst="rect">
@@ -10773,7 +10950,7 @@
         </p:blipFill>
         <p:spPr>
           <a:xfrm>
-            <a:off x="4264383" y="36431"/>
+            <a:off x="3121384" y="36432"/>
             <a:ext cx="2706433" cy="3213117"/>
           </a:xfrm>
           <a:prstGeom prst="rect">
@@ -10803,7 +10980,7 @@
         </p:blipFill>
         <p:spPr>
           <a:xfrm>
-            <a:off x="1257037" y="1"/>
+            <a:off x="114037" y="1"/>
             <a:ext cx="3007346" cy="3249548"/>
           </a:xfrm>
           <a:prstGeom prst="rect">
@@ -10811,8 +10988,8 @@
           </a:prstGeom>
         </p:spPr>
       </p:pic>
-      <mc:AlternateContent xmlns:mc="http://schemas.openxmlformats.org/markup-compatibility/2006" xmlns:p14="http://schemas.microsoft.com/office/powerpoint/2010/main">
-        <mc:Choice Requires="p14">
+      <mc:AlternateContent xmlns:mc="http://schemas.openxmlformats.org/markup-compatibility/2006">
+        <mc:Choice xmlns:p14="http://schemas.microsoft.com/office/powerpoint/2010/main" Requires="p14">
           <p:contentPart p14:bwMode="auto" r:id="rId5">
             <p14:nvContentPartPr>
               <p14:cNvPr id="28" name="Ink 27">
@@ -10826,12 +11003,12 @@
               <p14:nvPr/>
             </p14:nvContentPartPr>
             <p14:xfrm>
-              <a:off x="3254188" y="229692"/>
+              <a:off x="2111188" y="229692"/>
               <a:ext cx="762502" cy="360"/>
             </p14:xfrm>
           </p:contentPart>
         </mc:Choice>
-        <mc:Fallback xmlns="">
+        <mc:Fallback>
           <p:pic>
             <p:nvPicPr>
               <p:cNvPr id="28" name="Ink 27">
@@ -10852,8 +11029,8 @@
             </p:blipFill>
             <p:spPr>
               <a:xfrm>
-                <a:off x="3200161" y="121692"/>
-                <a:ext cx="870196" cy="216000"/>
+                <a:off x="2057186" y="121692"/>
+                <a:ext cx="870145" cy="216000"/>
               </a:xfrm>
               <a:prstGeom prst="rect">
                 <a:avLst/>
@@ -10862,8 +11039,8 @@
           </p:pic>
         </mc:Fallback>
       </mc:AlternateContent>
-      <mc:AlternateContent xmlns:mc="http://schemas.openxmlformats.org/markup-compatibility/2006" xmlns:p14="http://schemas.microsoft.com/office/powerpoint/2010/main">
-        <mc:Choice Requires="p14">
+      <mc:AlternateContent xmlns:mc="http://schemas.openxmlformats.org/markup-compatibility/2006">
+        <mc:Choice xmlns:p14="http://schemas.microsoft.com/office/powerpoint/2010/main" Requires="p14">
           <p:contentPart p14:bwMode="auto" r:id="rId7">
             <p14:nvContentPartPr>
               <p14:cNvPr id="29" name="Ink 28">
@@ -10877,12 +11054,12 @@
               <p14:nvPr/>
             </p14:nvContentPartPr>
             <p14:xfrm>
-              <a:off x="2108586" y="868473"/>
+              <a:off x="965586" y="868473"/>
               <a:ext cx="604440" cy="360"/>
             </p14:xfrm>
           </p:contentPart>
         </mc:Choice>
-        <mc:Fallback xmlns="">
+        <mc:Fallback>
           <p:pic>
             <p:nvPicPr>
               <p:cNvPr id="29" name="Ink 28">
@@ -10903,8 +11080,8 @@
             </p:blipFill>
             <p:spPr>
               <a:xfrm>
-                <a:off x="2054946" y="760833"/>
-                <a:ext cx="712080" cy="216000"/>
+                <a:off x="911554" y="760473"/>
+                <a:ext cx="712144" cy="216000"/>
               </a:xfrm>
               <a:prstGeom prst="rect">
                 <a:avLst/>
@@ -10913,8 +11090,8 @@
           </p:pic>
         </mc:Fallback>
       </mc:AlternateContent>
-      <mc:AlternateContent xmlns:mc="http://schemas.openxmlformats.org/markup-compatibility/2006" xmlns:p14="http://schemas.microsoft.com/office/powerpoint/2010/main">
-        <mc:Choice Requires="p14">
+      <mc:AlternateContent xmlns:mc="http://schemas.openxmlformats.org/markup-compatibility/2006">
+        <mc:Choice xmlns:p14="http://schemas.microsoft.com/office/powerpoint/2010/main" Requires="p14">
           <p:contentPart p14:bwMode="auto" r:id="rId9">
             <p14:nvContentPartPr>
               <p14:cNvPr id="30" name="Ink 29">
@@ -10928,12 +11105,12 @@
               <p14:nvPr/>
             </p14:nvContentPartPr>
             <p14:xfrm>
-              <a:off x="2926976" y="868473"/>
+              <a:off x="1783976" y="868473"/>
               <a:ext cx="571514" cy="360"/>
             </p14:xfrm>
           </p:contentPart>
         </mc:Choice>
-        <mc:Fallback xmlns="">
+        <mc:Fallback>
           <p:pic>
             <p:nvPicPr>
               <p:cNvPr id="30" name="Ink 29">
@@ -10954,7 +11131,7 @@
             </p:blipFill>
             <p:spPr>
               <a:xfrm>
-                <a:off x="2872992" y="760833"/>
+                <a:off x="1729992" y="760473"/>
                 <a:ext cx="679123" cy="216000"/>
               </a:xfrm>
               <a:prstGeom prst="rect">
@@ -10964,8 +11141,8 @@
           </p:pic>
         </mc:Fallback>
       </mc:AlternateContent>
-      <mc:AlternateContent xmlns:mc="http://schemas.openxmlformats.org/markup-compatibility/2006" xmlns:p14="http://schemas.microsoft.com/office/powerpoint/2010/main">
-        <mc:Choice Requires="p14">
+      <mc:AlternateContent xmlns:mc="http://schemas.openxmlformats.org/markup-compatibility/2006">
+        <mc:Choice xmlns:p14="http://schemas.microsoft.com/office/powerpoint/2010/main" Requires="p14">
           <p:contentPart p14:bwMode="auto" r:id="rId11">
             <p14:nvContentPartPr>
               <p14:cNvPr id="33" name="Ink 32">
@@ -10979,12 +11156,12 @@
               <p14:nvPr/>
             </p14:nvContentPartPr>
             <p14:xfrm>
-              <a:off x="2210647" y="1661545"/>
+              <a:off x="1067647" y="1661545"/>
               <a:ext cx="604440" cy="360"/>
             </p14:xfrm>
           </p:contentPart>
         </mc:Choice>
-        <mc:Fallback xmlns="">
+        <mc:Fallback>
           <p:pic>
             <p:nvPicPr>
               <p:cNvPr id="33" name="Ink 32">
@@ -10998,14 +11175,14 @@
               <p:nvPr/>
             </p:nvPicPr>
             <p:blipFill>
-              <a:blip r:embed="rId8"/>
+              <a:blip r:embed="rId12"/>
               <a:stretch>
                 <a:fillRect/>
               </a:stretch>
             </p:blipFill>
             <p:spPr>
               <a:xfrm>
-                <a:off x="2157007" y="1553905"/>
+                <a:off x="1013647" y="1553545"/>
                 <a:ext cx="712080" cy="216000"/>
               </a:xfrm>
               <a:prstGeom prst="rect">
@@ -11015,9 +11192,9 @@
           </p:pic>
         </mc:Fallback>
       </mc:AlternateContent>
-      <mc:AlternateContent xmlns:mc="http://schemas.openxmlformats.org/markup-compatibility/2006" xmlns:p14="http://schemas.microsoft.com/office/powerpoint/2010/main">
-        <mc:Choice Requires="p14">
-          <p:contentPart p14:bwMode="auto" r:id="rId12">
+      <mc:AlternateContent xmlns:mc="http://schemas.openxmlformats.org/markup-compatibility/2006">
+        <mc:Choice xmlns:p14="http://schemas.microsoft.com/office/powerpoint/2010/main" Requires="p14">
+          <p:contentPart p14:bwMode="auto" r:id="rId13">
             <p14:nvContentPartPr>
               <p14:cNvPr id="36" name="Ink 35">
                 <a:extLst>
@@ -11030,12 +11207,12 @@
               <p14:nvPr/>
             </p14:nvContentPartPr>
             <p14:xfrm>
-              <a:off x="2815087" y="1381994"/>
+              <a:off x="1672087" y="1381994"/>
               <a:ext cx="604440" cy="360"/>
             </p14:xfrm>
           </p:contentPart>
         </mc:Choice>
-        <mc:Fallback xmlns="">
+        <mc:Fallback>
           <p:pic>
             <p:nvPicPr>
               <p:cNvPr id="36" name="Ink 35">
@@ -11049,14 +11226,14 @@
               <p:nvPr/>
             </p:nvPicPr>
             <p:blipFill>
-              <a:blip r:embed="rId8"/>
+              <a:blip r:embed="rId12"/>
               <a:stretch>
                 <a:fillRect/>
               </a:stretch>
             </p:blipFill>
             <p:spPr>
               <a:xfrm>
-                <a:off x="2761447" y="1274354"/>
+                <a:off x="1618087" y="1273994"/>
                 <a:ext cx="712080" cy="216000"/>
               </a:xfrm>
               <a:prstGeom prst="rect">
@@ -11066,9 +11243,9 @@
           </p:pic>
         </mc:Fallback>
       </mc:AlternateContent>
-      <mc:AlternateContent xmlns:mc="http://schemas.openxmlformats.org/markup-compatibility/2006" xmlns:p14="http://schemas.microsoft.com/office/powerpoint/2010/main">
-        <mc:Choice Requires="p14">
-          <p:contentPart p14:bwMode="auto" r:id="rId13">
+      <mc:AlternateContent xmlns:mc="http://schemas.openxmlformats.org/markup-compatibility/2006">
+        <mc:Choice xmlns:p14="http://schemas.microsoft.com/office/powerpoint/2010/main" Requires="p14">
+          <p:contentPart p14:bwMode="auto" r:id="rId14">
             <p14:nvContentPartPr>
               <p14:cNvPr id="37" name="Ink 36">
                 <a:extLst>
@@ -11081,12 +11258,12 @@
               <p14:nvPr/>
             </p14:nvContentPartPr>
             <p14:xfrm>
-              <a:off x="1783327" y="1978410"/>
+              <a:off x="640327" y="1978410"/>
               <a:ext cx="516120" cy="360"/>
             </p14:xfrm>
           </p:contentPart>
         </mc:Choice>
-        <mc:Fallback xmlns="">
+        <mc:Fallback>
           <p:pic>
             <p:nvPicPr>
               <p:cNvPr id="37" name="Ink 36">
@@ -11100,14 +11277,14 @@
               <p:nvPr/>
             </p:nvPicPr>
             <p:blipFill>
-              <a:blip r:embed="rId14"/>
+              <a:blip r:embed="rId15"/>
               <a:stretch>
                 <a:fillRect/>
               </a:stretch>
             </p:blipFill>
             <p:spPr>
               <a:xfrm>
-                <a:off x="1729699" y="1870770"/>
+                <a:off x="586340" y="1870410"/>
                 <a:ext cx="623735" cy="216000"/>
               </a:xfrm>
               <a:prstGeom prst="rect">
@@ -11117,9 +11294,9 @@
           </p:pic>
         </mc:Fallback>
       </mc:AlternateContent>
-      <mc:AlternateContent xmlns:mc="http://schemas.openxmlformats.org/markup-compatibility/2006" xmlns:p14="http://schemas.microsoft.com/office/powerpoint/2010/main">
-        <mc:Choice Requires="p14">
-          <p:contentPart p14:bwMode="auto" r:id="rId15">
+      <mc:AlternateContent xmlns:mc="http://schemas.openxmlformats.org/markup-compatibility/2006">
+        <mc:Choice xmlns:p14="http://schemas.microsoft.com/office/powerpoint/2010/main" Requires="p14">
+          <p:contentPart p14:bwMode="auto" r:id="rId16">
             <p14:nvContentPartPr>
               <p14:cNvPr id="40" name="Ink 39">
                 <a:extLst>
@@ -11132,12 +11309,12 @@
               <p14:nvPr/>
             </p14:nvContentPartPr>
             <p14:xfrm>
-              <a:off x="1824113" y="2361988"/>
+              <a:off x="681113" y="2361988"/>
               <a:ext cx="481320" cy="9720"/>
             </p14:xfrm>
           </p:contentPart>
         </mc:Choice>
-        <mc:Fallback xmlns="">
+        <mc:Fallback>
           <p:pic>
             <p:nvPicPr>
               <p:cNvPr id="40" name="Ink 39">
@@ -11151,14 +11328,14 @@
               <p:nvPr/>
             </p:nvPicPr>
             <p:blipFill>
-              <a:blip r:embed="rId16"/>
+              <a:blip r:embed="rId17"/>
               <a:stretch>
                 <a:fillRect/>
               </a:stretch>
             </p:blipFill>
             <p:spPr>
               <a:xfrm>
-                <a:off x="1770473" y="2253988"/>
+                <a:off x="627113" y="2253988"/>
                 <a:ext cx="588960" cy="225360"/>
               </a:xfrm>
               <a:prstGeom prst="rect">
@@ -11168,9 +11345,9 @@
           </p:pic>
         </mc:Fallback>
       </mc:AlternateContent>
-      <mc:AlternateContent xmlns:mc="http://schemas.openxmlformats.org/markup-compatibility/2006" xmlns:p14="http://schemas.microsoft.com/office/powerpoint/2010/main">
-        <mc:Choice Requires="p14">
-          <p:contentPart p14:bwMode="auto" r:id="rId17">
+      <mc:AlternateContent xmlns:mc="http://schemas.openxmlformats.org/markup-compatibility/2006">
+        <mc:Choice xmlns:p14="http://schemas.microsoft.com/office/powerpoint/2010/main" Requires="p14">
+          <p:contentPart p14:bwMode="auto" r:id="rId18">
             <p14:nvContentPartPr>
               <p14:cNvPr id="41" name="Ink 40">
                 <a:extLst>
@@ -11183,12 +11360,12 @@
               <p14:nvPr/>
             </p14:nvContentPartPr>
             <p14:xfrm>
-              <a:off x="1770473" y="2751868"/>
+              <a:off x="627473" y="2751868"/>
               <a:ext cx="445320" cy="360"/>
             </p14:xfrm>
           </p:contentPart>
         </mc:Choice>
-        <mc:Fallback xmlns="">
+        <mc:Fallback>
           <p:pic>
             <p:nvPicPr>
               <p:cNvPr id="41" name="Ink 40">
@@ -11202,14 +11379,14 @@
               <p:nvPr/>
             </p:nvPicPr>
             <p:blipFill>
-              <a:blip r:embed="rId18"/>
+              <a:blip r:embed="rId19"/>
               <a:stretch>
                 <a:fillRect/>
               </a:stretch>
             </p:blipFill>
             <p:spPr>
               <a:xfrm>
-                <a:off x="1716473" y="2644228"/>
+                <a:off x="573473" y="2643868"/>
                 <a:ext cx="552960" cy="216000"/>
               </a:xfrm>
               <a:prstGeom prst="rect">
@@ -11232,7 +11409,7 @@
 </p:sld>
 </file>
 
-<file path=ppt/slides/slide8.xml><?xml version="1.0" encoding="utf-8"?>
+<file path=ppt/slides/slide9.xml><?xml version="1.0" encoding="utf-8"?>
 <p:sld xmlns:a="http://schemas.openxmlformats.org/drawingml/2006/main" xmlns:r="http://schemas.openxmlformats.org/officeDocument/2006/relationships" xmlns:p="http://schemas.openxmlformats.org/presentationml/2006/main">
   <p:cSld>
     <p:spTree>
@@ -11271,7 +11448,7 @@
         </p:blipFill>
         <p:spPr>
           <a:xfrm>
-            <a:off x="866804" y="346998"/>
+            <a:off x="-276196" y="346999"/>
             <a:ext cx="3456543" cy="3904613"/>
           </a:xfrm>
           <a:prstGeom prst="rect">
@@ -11301,7 +11478,7 @@
         </p:blipFill>
         <p:spPr>
           <a:xfrm>
-            <a:off x="4384699" y="419468"/>
+            <a:off x="3241700" y="419469"/>
             <a:ext cx="3196061" cy="3794411"/>
           </a:xfrm>
           <a:prstGeom prst="rect">
@@ -11309,8 +11486,8 @@
           </a:prstGeom>
         </p:spPr>
       </p:pic>
-      <mc:AlternateContent xmlns:mc="http://schemas.openxmlformats.org/markup-compatibility/2006" xmlns:p14="http://schemas.microsoft.com/office/powerpoint/2010/main">
-        <mc:Choice Requires="p14">
+      <mc:AlternateContent xmlns:mc="http://schemas.openxmlformats.org/markup-compatibility/2006">
+        <mc:Choice xmlns:p14="http://schemas.microsoft.com/office/powerpoint/2010/main" Requires="p14">
           <p:contentPart p14:bwMode="auto" r:id="rId4">
             <p14:nvContentPartPr>
               <p14:cNvPr id="28" name="Ink 27">
@@ -11324,12 +11501,12 @@
               <p14:nvPr/>
             </p14:nvContentPartPr>
             <p14:xfrm>
-              <a:off x="3326378" y="767103"/>
+              <a:off x="2183378" y="767103"/>
               <a:ext cx="762502" cy="360"/>
             </p14:xfrm>
           </p:contentPart>
         </mc:Choice>
-        <mc:Fallback xmlns="">
+        <mc:Fallback>
           <p:pic>
             <p:nvPicPr>
               <p:cNvPr id="28" name="Ink 27">
@@ -11350,7 +11527,7 @@
             </p:blipFill>
             <p:spPr>
               <a:xfrm>
-                <a:off x="3272376" y="659103"/>
+                <a:off x="2129376" y="659103"/>
                 <a:ext cx="870145" cy="216000"/>
               </a:xfrm>
               <a:prstGeom prst="rect">
@@ -11360,8 +11537,8 @@
           </p:pic>
         </mc:Fallback>
       </mc:AlternateContent>
-      <mc:AlternateContent xmlns:mc="http://schemas.openxmlformats.org/markup-compatibility/2006" xmlns:p14="http://schemas.microsoft.com/office/powerpoint/2010/main">
-        <mc:Choice Requires="p14">
+      <mc:AlternateContent xmlns:mc="http://schemas.openxmlformats.org/markup-compatibility/2006">
+        <mc:Choice xmlns:p14="http://schemas.microsoft.com/office/powerpoint/2010/main" Requires="p14">
           <p:contentPart p14:bwMode="auto" r:id="rId6">
             <p14:nvContentPartPr>
               <p14:cNvPr id="29" name="Ink 28">
@@ -11375,12 +11552,12 @@
               <p14:nvPr/>
             </p14:nvContentPartPr>
             <p14:xfrm>
-              <a:off x="1481107" y="2754256"/>
+              <a:off x="338107" y="2754256"/>
               <a:ext cx="604440" cy="360"/>
             </p14:xfrm>
           </p:contentPart>
         </mc:Choice>
-        <mc:Fallback xmlns="">
+        <mc:Fallback>
           <p:pic>
             <p:nvPicPr>
               <p:cNvPr id="29" name="Ink 28">
@@ -11401,7 +11578,7 @@
             </p:blipFill>
             <p:spPr>
               <a:xfrm>
-                <a:off x="1427075" y="2646256"/>
+                <a:off x="284075" y="2646256"/>
                 <a:ext cx="712144" cy="216000"/>
               </a:xfrm>
               <a:prstGeom prst="rect">
@@ -11411,8 +11588,8 @@
           </p:pic>
         </mc:Fallback>
       </mc:AlternateContent>
-      <mc:AlternateContent xmlns:mc="http://schemas.openxmlformats.org/markup-compatibility/2006" xmlns:p14="http://schemas.microsoft.com/office/powerpoint/2010/main">
-        <mc:Choice Requires="p14">
+      <mc:AlternateContent xmlns:mc="http://schemas.openxmlformats.org/markup-compatibility/2006">
+        <mc:Choice xmlns:p14="http://schemas.microsoft.com/office/powerpoint/2010/main" Requires="p14">
           <p:contentPart p14:bwMode="auto" r:id="rId8">
             <p14:nvContentPartPr>
               <p14:cNvPr id="30" name="Ink 29">
@@ -11426,12 +11603,12 @@
               <p14:nvPr/>
             </p14:nvContentPartPr>
             <p14:xfrm>
-              <a:off x="3056663" y="2141394"/>
+              <a:off x="1913663" y="2141394"/>
               <a:ext cx="571514" cy="360"/>
             </p14:xfrm>
           </p:contentPart>
         </mc:Choice>
-        <mc:Fallback xmlns="">
+        <mc:Fallback>
           <p:pic>
             <p:nvPicPr>
               <p:cNvPr id="30" name="Ink 29">
@@ -11452,7 +11629,7 @@
             </p:blipFill>
             <p:spPr>
               <a:xfrm>
-                <a:off x="3002679" y="2033394"/>
+                <a:off x="1859679" y="2033394"/>
                 <a:ext cx="679123" cy="216000"/>
               </a:xfrm>
               <a:prstGeom prst="rect">
@@ -11462,8 +11639,8 @@
           </p:pic>
         </mc:Fallback>
       </mc:AlternateContent>
-      <mc:AlternateContent xmlns:mc="http://schemas.openxmlformats.org/markup-compatibility/2006" xmlns:p14="http://schemas.microsoft.com/office/powerpoint/2010/main">
-        <mc:Choice Requires="p14">
+      <mc:AlternateContent xmlns:mc="http://schemas.openxmlformats.org/markup-compatibility/2006">
+        <mc:Choice xmlns:p14="http://schemas.microsoft.com/office/powerpoint/2010/main" Requires="p14">
           <p:contentPart p14:bwMode="auto" r:id="rId10">
             <p14:nvContentPartPr>
               <p14:cNvPr id="33" name="Ink 32">
@@ -11477,12 +11654,12 @@
               <p14:nvPr/>
             </p14:nvContentPartPr>
             <p14:xfrm>
-              <a:off x="2355256" y="1511160"/>
+              <a:off x="1212256" y="1511160"/>
               <a:ext cx="357770" cy="360"/>
             </p14:xfrm>
           </p:contentPart>
         </mc:Choice>
-        <mc:Fallback xmlns="">
+        <mc:Fallback>
           <p:pic>
             <p:nvPicPr>
               <p:cNvPr id="33" name="Ink 32">
@@ -11503,7 +11680,7 @@
             </p:blipFill>
             <p:spPr>
               <a:xfrm>
-                <a:off x="2301267" y="1403160"/>
+                <a:off x="1158267" y="1403160"/>
                 <a:ext cx="465389" cy="216000"/>
               </a:xfrm>
               <a:prstGeom prst="rect">
@@ -11513,8 +11690,8 @@
           </p:pic>
         </mc:Fallback>
       </mc:AlternateContent>
-      <mc:AlternateContent xmlns:mc="http://schemas.openxmlformats.org/markup-compatibility/2006" xmlns:p14="http://schemas.microsoft.com/office/powerpoint/2010/main">
-        <mc:Choice Requires="p14">
+      <mc:AlternateContent xmlns:mc="http://schemas.openxmlformats.org/markup-compatibility/2006">
+        <mc:Choice xmlns:p14="http://schemas.microsoft.com/office/powerpoint/2010/main" Requires="p14">
           <p:contentPart p14:bwMode="auto" r:id="rId12">
             <p14:nvContentPartPr>
               <p14:cNvPr id="36" name="Ink 35">
@@ -11528,12 +11705,12 @@
               <p14:nvPr/>
             </p14:nvContentPartPr>
             <p14:xfrm>
-              <a:off x="3040621" y="1502309"/>
+              <a:off x="1897622" y="1502309"/>
               <a:ext cx="496663" cy="360"/>
             </p14:xfrm>
           </p:contentPart>
         </mc:Choice>
-        <mc:Fallback xmlns="">
+        <mc:Fallback>
           <p:pic>
             <p:nvPicPr>
               <p:cNvPr id="36" name="Ink 35">
@@ -11554,7 +11731,7 @@
             </p:blipFill>
             <p:spPr>
               <a:xfrm>
-                <a:off x="2986636" y="1394309"/>
+                <a:off x="1843637" y="1394309"/>
                 <a:ext cx="604273" cy="216000"/>
               </a:xfrm>
               <a:prstGeom prst="rect">
@@ -11564,8 +11741,8 @@
           </p:pic>
         </mc:Fallback>
       </mc:AlternateContent>
-      <mc:AlternateContent xmlns:mc="http://schemas.openxmlformats.org/markup-compatibility/2006" xmlns:p14="http://schemas.microsoft.com/office/powerpoint/2010/main">
-        <mc:Choice Requires="p14">
+      <mc:AlternateContent xmlns:mc="http://schemas.openxmlformats.org/markup-compatibility/2006">
+        <mc:Choice xmlns:p14="http://schemas.microsoft.com/office/powerpoint/2010/main" Requires="p14">
           <p:contentPart p14:bwMode="auto" r:id="rId14">
             <p14:nvContentPartPr>
               <p14:cNvPr id="37" name="Ink 36">
@@ -11579,12 +11756,12 @@
               <p14:nvPr/>
             </p14:nvContentPartPr>
             <p14:xfrm>
-              <a:off x="2299447" y="2451653"/>
+              <a:off x="1156447" y="2451653"/>
               <a:ext cx="516120" cy="360"/>
             </p14:xfrm>
           </p:contentPart>
         </mc:Choice>
-        <mc:Fallback xmlns="">
+        <mc:Fallback>
           <p:pic>
             <p:nvPicPr>
               <p:cNvPr id="37" name="Ink 36">
@@ -11605,7 +11782,7 @@
             </p:blipFill>
             <p:spPr>
               <a:xfrm>
-                <a:off x="2245460" y="2343653"/>
+                <a:off x="1102460" y="2343653"/>
                 <a:ext cx="623735" cy="216000"/>
               </a:xfrm>
               <a:prstGeom prst="rect">
@@ -11615,8 +11792,8 @@
           </p:pic>
         </mc:Fallback>
       </mc:AlternateContent>
-      <mc:AlternateContent xmlns:mc="http://schemas.openxmlformats.org/markup-compatibility/2006" xmlns:p14="http://schemas.microsoft.com/office/powerpoint/2010/main">
-        <mc:Choice Requires="p14">
+      <mc:AlternateContent xmlns:mc="http://schemas.openxmlformats.org/markup-compatibility/2006">
+        <mc:Choice xmlns:p14="http://schemas.microsoft.com/office/powerpoint/2010/main" Requires="p14">
           <p:contentPart p14:bwMode="auto" r:id="rId16">
             <p14:nvContentPartPr>
               <p14:cNvPr id="40" name="Ink 39">
@@ -11630,12 +11807,12 @@
               <p14:nvPr/>
             </p14:nvContentPartPr>
             <p14:xfrm>
-              <a:off x="1818127" y="3110330"/>
+              <a:off x="675127" y="3110330"/>
               <a:ext cx="481320" cy="9720"/>
             </p14:xfrm>
           </p:contentPart>
         </mc:Choice>
-        <mc:Fallback xmlns="">
+        <mc:Fallback>
           <p:pic>
             <p:nvPicPr>
               <p:cNvPr id="40" name="Ink 39">
@@ -11656,7 +11833,7 @@
             </p:blipFill>
             <p:spPr>
               <a:xfrm>
-                <a:off x="1764127" y="3002330"/>
+                <a:off x="621127" y="3002330"/>
                 <a:ext cx="588960" cy="225360"/>
               </a:xfrm>
               <a:prstGeom prst="rect">
@@ -11666,8 +11843,8 @@
           </p:pic>
         </mc:Fallback>
       </mc:AlternateContent>
-      <mc:AlternateContent xmlns:mc="http://schemas.openxmlformats.org/markup-compatibility/2006" xmlns:p14="http://schemas.microsoft.com/office/powerpoint/2010/main">
-        <mc:Choice Requires="p14">
+      <mc:AlternateContent xmlns:mc="http://schemas.openxmlformats.org/markup-compatibility/2006">
+        <mc:Choice xmlns:p14="http://schemas.microsoft.com/office/powerpoint/2010/main" Requires="p14">
           <p:contentPart p14:bwMode="auto" r:id="rId18">
             <p14:nvContentPartPr>
               <p14:cNvPr id="41" name="Ink 40">
@@ -11681,12 +11858,12 @@
               <p14:nvPr/>
             </p14:nvContentPartPr>
             <p14:xfrm>
-              <a:off x="1525867" y="3609822"/>
+              <a:off x="382867" y="3609822"/>
               <a:ext cx="257460" cy="360"/>
             </p14:xfrm>
           </p:contentPart>
         </mc:Choice>
-        <mc:Fallback xmlns="">
+        <mc:Fallback>
           <p:pic>
             <p:nvPicPr>
               <p:cNvPr id="41" name="Ink 40">
@@ -11707,7 +11884,7 @@
             </p:blipFill>
             <p:spPr>
               <a:xfrm>
-                <a:off x="1471930" y="3501822"/>
+                <a:off x="328930" y="3501822"/>
                 <a:ext cx="364975" cy="216000"/>
               </a:xfrm>
               <a:prstGeom prst="rect">
@@ -11721,96 +11898,6 @@
     <p:extLst>
       <p:ext uri="{BB962C8B-B14F-4D97-AF65-F5344CB8AC3E}">
         <p14:creationId xmlns:p14="http://schemas.microsoft.com/office/powerpoint/2010/main" val="4039826392"/>
-      </p:ext>
-    </p:extLst>
-  </p:cSld>
-  <p:clrMapOvr>
-    <a:masterClrMapping/>
-  </p:clrMapOvr>
-</p:sld>
-</file>
-
-<file path=ppt/slides/slide9.xml><?xml version="1.0" encoding="utf-8"?>
-<p:sld xmlns:a="http://schemas.openxmlformats.org/drawingml/2006/main" xmlns:r="http://schemas.openxmlformats.org/officeDocument/2006/relationships" xmlns:p="http://schemas.openxmlformats.org/presentationml/2006/main">
-  <p:cSld>
-    <p:spTree>
-      <p:nvGrpSpPr>
-        <p:cNvPr id="1" name=""/>
-        <p:cNvGrpSpPr/>
-        <p:nvPr/>
-      </p:nvGrpSpPr>
-      <p:grpSpPr>
-        <a:xfrm>
-          <a:off x="0" y="0"/>
-          <a:ext cx="0" cy="0"/>
-          <a:chOff x="0" y="0"/>
-          <a:chExt cx="0" cy="0"/>
-        </a:xfrm>
-      </p:grpSpPr>
-      <p:pic>
-        <p:nvPicPr>
-          <p:cNvPr id="12" name="Picture 11">
-            <a:extLst>
-              <a:ext uri="{FF2B5EF4-FFF2-40B4-BE49-F238E27FC236}">
-                <a16:creationId xmlns:a16="http://schemas.microsoft.com/office/drawing/2014/main" id="{BA7013EA-BD65-48E1-A93C-977760A09120}"/>
-              </a:ext>
-            </a:extLst>
-          </p:cNvPr>
-          <p:cNvPicPr>
-            <a:picLocks noChangeAspect="1"/>
-          </p:cNvPicPr>
-          <p:nvPr/>
-        </p:nvPicPr>
-        <p:blipFill>
-          <a:blip r:embed="rId2"/>
-          <a:stretch>
-            <a:fillRect/>
-          </a:stretch>
-        </p:blipFill>
-        <p:spPr>
-          <a:xfrm>
-            <a:off x="4384699" y="419468"/>
-            <a:ext cx="3196061" cy="3794411"/>
-          </a:xfrm>
-          <a:prstGeom prst="rect">
-            <a:avLst/>
-          </a:prstGeom>
-        </p:spPr>
-      </p:pic>
-      <p:pic>
-        <p:nvPicPr>
-          <p:cNvPr id="8" name="Picture 7">
-            <a:extLst>
-              <a:ext uri="{FF2B5EF4-FFF2-40B4-BE49-F238E27FC236}">
-                <a16:creationId xmlns:a16="http://schemas.microsoft.com/office/drawing/2014/main" id="{5F32F092-8AD0-4E8F-9D93-D77DA7461DD7}"/>
-              </a:ext>
-            </a:extLst>
-          </p:cNvPr>
-          <p:cNvPicPr>
-            <a:picLocks noChangeAspect="1"/>
-          </p:cNvPicPr>
-          <p:nvPr/>
-        </p:nvPicPr>
-        <p:blipFill>
-          <a:blip r:embed="rId3"/>
-          <a:stretch>
-            <a:fillRect/>
-          </a:stretch>
-        </p:blipFill>
-        <p:spPr>
-          <a:xfrm>
-            <a:off x="922421" y="360808"/>
-            <a:ext cx="3462278" cy="3853071"/>
-          </a:xfrm>
-          <a:prstGeom prst="rect">
-            <a:avLst/>
-          </a:prstGeom>
-        </p:spPr>
-      </p:pic>
-    </p:spTree>
-    <p:extLst>
-      <p:ext uri="{BB962C8B-B14F-4D97-AF65-F5344CB8AC3E}">
-        <p14:creationId xmlns:p14="http://schemas.microsoft.com/office/powerpoint/2010/main" val="3730474762"/>
       </p:ext>
     </p:extLst>
   </p:cSld>
